--- a/hisat2_test/GCSA_paper_example.pptx
+++ b/hisat2_test/GCSA_paper_example.pptx
@@ -5,7 +5,7 @@
     <p:sldMasterId id="2147483648" r:id="rId1"/>
   </p:sldMasterIdLst>
   <p:sldIdLst>
-    <p:sldId id="257" r:id="rId2"/>
+    <p:sldId id="259" r:id="rId2"/>
     <p:sldId id="258" r:id="rId3"/>
   </p:sldIdLst>
   <p:sldSz cx="9144000" cy="6858000" type="screen4x3"/>
@@ -7996,13 +7996,13 @@
           <p:nvPr>
             <p:extLst>
               <p:ext uri="{D42A27DB-BD31-4B8C-83A1-F6EECF244321}">
-                <p14:modId xmlns:p14="http://schemas.microsoft.com/office/powerpoint/2010/main" val="38291511"/>
+                <p14:modId xmlns:p14="http://schemas.microsoft.com/office/powerpoint/2010/main" val="205539274"/>
               </p:ext>
             </p:extLst>
           </p:nvPr>
         </p:nvGraphicFramePr>
         <p:xfrm>
-          <a:off x="792243" y="3120539"/>
+          <a:off x="792243" y="3070934"/>
           <a:ext cx="7668368" cy="1630679"/>
         </p:xfrm>
         <a:graphic>
@@ -10990,14 +10990,14 @@
           <p:nvPr>
             <p:extLst>
               <p:ext uri="{D42A27DB-BD31-4B8C-83A1-F6EECF244321}">
-                <p14:modId xmlns:p14="http://schemas.microsoft.com/office/powerpoint/2010/main" val="3423804932"/>
+                <p14:modId xmlns:p14="http://schemas.microsoft.com/office/powerpoint/2010/main" val="3365045547"/>
               </p:ext>
             </p:extLst>
           </p:nvPr>
         </p:nvGraphicFramePr>
         <p:xfrm>
-          <a:off x="787950" y="4996562"/>
-          <a:ext cx="7189095" cy="1630679"/>
+          <a:off x="787950" y="4837826"/>
+          <a:ext cx="7189095" cy="2001519"/>
         </p:xfrm>
         <a:graphic>
           <a:graphicData uri="http://schemas.openxmlformats.org/drawingml/2006/table">
@@ -12759,7 +12759,7 @@
                       <a:pPr algn="ctr"/>
                       <a:r>
                         <a:rPr lang="en-US" sz="1400" dirty="0" smtClean="0"/>
-                        <a:t>M</a:t>
+                        <a:t>F</a:t>
                       </a:r>
                       <a:endParaRPr lang="en-US" sz="1400" dirty="0"/>
                     </a:p>
@@ -12895,7 +12895,7 @@
                       <a:pPr algn="ctr"/>
                       <a:r>
                         <a:rPr lang="en-US" sz="1400" dirty="0" smtClean="0"/>
-                        <a:t>10</a:t>
+                        <a:t>1</a:t>
                       </a:r>
                       <a:endParaRPr lang="en-US" sz="1400" dirty="0"/>
                     </a:p>
@@ -12997,7 +12997,7 @@
                       <a:pPr algn="ctr"/>
                       <a:r>
                         <a:rPr lang="en-US" sz="1400" dirty="0" smtClean="0"/>
-                        <a:t>10</a:t>
+                        <a:t>1</a:t>
                       </a:r>
                       <a:endParaRPr lang="en-US" sz="1400" dirty="0"/>
                     </a:p>
@@ -13031,7 +13031,7 @@
                       <a:pPr algn="ctr"/>
                       <a:r>
                         <a:rPr lang="en-US" sz="1400" dirty="0" smtClean="0"/>
-                        <a:t>1</a:t>
+                        <a:t>10</a:t>
                       </a:r>
                       <a:endParaRPr lang="en-US" sz="1400" dirty="0"/>
                     </a:p>
@@ -13064,7 +13064,519 @@
                     <a:p>
                       <a:pPr algn="ctr"/>
                       <a:r>
-                        <a:rPr lang="en-US" sz="1400" smtClean="0"/>
+                        <a:rPr lang="en-US" sz="1400" dirty="0" smtClean="0"/>
+                        <a:t>10</a:t>
+                      </a:r>
+                      <a:endParaRPr lang="en-US" sz="1400" dirty="0"/>
+                    </a:p>
+                  </a:txBody>
+                  <a:tcPr>
+                    <a:lnT w="12700" cap="flat" cmpd="sng" algn="ctr">
+                      <a:solidFill>
+                        <a:scrgbClr r="0" g="0" b="0"/>
+                      </a:solidFill>
+                      <a:prstDash val="solid"/>
+                      <a:round/>
+                      <a:headEnd type="none" w="med" len="med"/>
+                      <a:tailEnd type="none" w="med" len="med"/>
+                    </a:lnT>
+                    <a:lnB w="12700" cap="flat" cmpd="sng" algn="ctr">
+                      <a:solidFill>
+                        <a:scrgbClr r="0" g="0" b="0"/>
+                      </a:solidFill>
+                      <a:prstDash val="solid"/>
+                      <a:round/>
+                      <a:headEnd type="none" w="med" len="med"/>
+                      <a:tailEnd type="none" w="med" len="med"/>
+                    </a:lnB>
+                  </a:tcPr>
+                </a:tc>
+                <a:tc>
+                  <a:txBody>
+                    <a:bodyPr/>
+                    <a:lstStyle/>
+                    <a:p>
+                      <a:pPr algn="ctr"/>
+                      <a:r>
+                        <a:rPr lang="en-US" sz="1400" dirty="0" smtClean="0"/>
+                        <a:t>1</a:t>
+                      </a:r>
+                      <a:endParaRPr lang="en-US" sz="1400" dirty="0"/>
+                    </a:p>
+                  </a:txBody>
+                  <a:tcPr>
+                    <a:lnT w="12700" cap="flat" cmpd="sng" algn="ctr">
+                      <a:solidFill>
+                        <a:scrgbClr r="0" g="0" b="0"/>
+                      </a:solidFill>
+                      <a:prstDash val="solid"/>
+                      <a:round/>
+                      <a:headEnd type="none" w="med" len="med"/>
+                      <a:tailEnd type="none" w="med" len="med"/>
+                    </a:lnT>
+                    <a:lnB w="12700" cap="flat" cmpd="sng" algn="ctr">
+                      <a:solidFill>
+                        <a:scrgbClr r="0" g="0" b="0"/>
+                      </a:solidFill>
+                      <a:prstDash val="solid"/>
+                      <a:round/>
+                      <a:headEnd type="none" w="med" len="med"/>
+                      <a:tailEnd type="none" w="med" len="med"/>
+                    </a:lnB>
+                  </a:tcPr>
+                </a:tc>
+                <a:tc>
+                  <a:txBody>
+                    <a:bodyPr/>
+                    <a:lstStyle/>
+                    <a:p>
+                      <a:pPr algn="ctr"/>
+                      <a:r>
+                        <a:rPr lang="en-US" sz="1400" dirty="0" smtClean="0"/>
+                        <a:t>10</a:t>
+                      </a:r>
+                      <a:endParaRPr lang="en-US" sz="1400" dirty="0"/>
+                    </a:p>
+                  </a:txBody>
+                  <a:tcPr>
+                    <a:lnT w="12700" cap="flat" cmpd="sng" algn="ctr">
+                      <a:solidFill>
+                        <a:scrgbClr r="0" g="0" b="0"/>
+                      </a:solidFill>
+                      <a:prstDash val="solid"/>
+                      <a:round/>
+                      <a:headEnd type="none" w="med" len="med"/>
+                      <a:tailEnd type="none" w="med" len="med"/>
+                    </a:lnT>
+                    <a:lnB w="12700" cap="flat" cmpd="sng" algn="ctr">
+                      <a:solidFill>
+                        <a:scrgbClr r="0" g="0" b="0"/>
+                      </a:solidFill>
+                      <a:prstDash val="solid"/>
+                      <a:round/>
+                      <a:headEnd type="none" w="med" len="med"/>
+                      <a:tailEnd type="none" w="med" len="med"/>
+                    </a:lnB>
+                  </a:tcPr>
+                </a:tc>
+                <a:tc>
+                  <a:txBody>
+                    <a:bodyPr/>
+                    <a:lstStyle/>
+                    <a:p>
+                      <a:pPr algn="ctr"/>
+                      <a:r>
+                        <a:rPr lang="en-US" sz="1400" dirty="0" smtClean="0"/>
+                        <a:t>10</a:t>
+                      </a:r>
+                      <a:endParaRPr lang="en-US" sz="1400" dirty="0"/>
+                    </a:p>
+                  </a:txBody>
+                  <a:tcPr>
+                    <a:lnT w="12700" cap="flat" cmpd="sng" algn="ctr">
+                      <a:solidFill>
+                        <a:scrgbClr r="0" g="0" b="0"/>
+                      </a:solidFill>
+                      <a:prstDash val="solid"/>
+                      <a:round/>
+                      <a:headEnd type="none" w="med" len="med"/>
+                      <a:tailEnd type="none" w="med" len="med"/>
+                    </a:lnT>
+                    <a:lnB w="12700" cap="flat" cmpd="sng" algn="ctr">
+                      <a:solidFill>
+                        <a:scrgbClr r="0" g="0" b="0"/>
+                      </a:solidFill>
+                      <a:prstDash val="solid"/>
+                      <a:round/>
+                      <a:headEnd type="none" w="med" len="med"/>
+                      <a:tailEnd type="none" w="med" len="med"/>
+                    </a:lnB>
+                  </a:tcPr>
+                </a:tc>
+                <a:tc>
+                  <a:txBody>
+                    <a:bodyPr/>
+                    <a:lstStyle/>
+                    <a:p>
+                      <a:pPr algn="ctr"/>
+                      <a:r>
+                        <a:rPr lang="en-US" sz="1400" dirty="0" smtClean="0"/>
+                        <a:t>1</a:t>
+                      </a:r>
+                      <a:endParaRPr lang="en-US" sz="1400" dirty="0"/>
+                    </a:p>
+                  </a:txBody>
+                  <a:tcPr>
+                    <a:lnT w="12700" cap="flat" cmpd="sng" algn="ctr">
+                      <a:solidFill>
+                        <a:scrgbClr r="0" g="0" b="0"/>
+                      </a:solidFill>
+                      <a:prstDash val="solid"/>
+                      <a:round/>
+                      <a:headEnd type="none" w="med" len="med"/>
+                      <a:tailEnd type="none" w="med" len="med"/>
+                    </a:lnT>
+                    <a:lnB w="12700" cap="flat" cmpd="sng" algn="ctr">
+                      <a:solidFill>
+                        <a:scrgbClr r="0" g="0" b="0"/>
+                      </a:solidFill>
+                      <a:prstDash val="solid"/>
+                      <a:round/>
+                      <a:headEnd type="none" w="med" len="med"/>
+                      <a:tailEnd type="none" w="med" len="med"/>
+                    </a:lnB>
+                  </a:tcPr>
+                </a:tc>
+                <a:tc>
+                  <a:txBody>
+                    <a:bodyPr/>
+                    <a:lstStyle/>
+                    <a:p>
+                      <a:pPr algn="ctr"/>
+                      <a:r>
+                        <a:rPr lang="en-US" sz="1400" dirty="0" smtClean="0"/>
+                        <a:t>1</a:t>
+                      </a:r>
+                      <a:endParaRPr lang="en-US" sz="1400" dirty="0"/>
+                    </a:p>
+                  </a:txBody>
+                  <a:tcPr>
+                    <a:lnT w="12700" cap="flat" cmpd="sng" algn="ctr">
+                      <a:solidFill>
+                        <a:scrgbClr r="0" g="0" b="0"/>
+                      </a:solidFill>
+                      <a:prstDash val="solid"/>
+                      <a:round/>
+                      <a:headEnd type="none" w="med" len="med"/>
+                      <a:tailEnd type="none" w="med" len="med"/>
+                    </a:lnT>
+                    <a:lnB w="12700" cap="flat" cmpd="sng" algn="ctr">
+                      <a:solidFill>
+                        <a:scrgbClr r="0" g="0" b="0"/>
+                      </a:solidFill>
+                      <a:prstDash val="solid"/>
+                      <a:round/>
+                      <a:headEnd type="none" w="med" len="med"/>
+                      <a:tailEnd type="none" w="med" len="med"/>
+                    </a:lnB>
+                  </a:tcPr>
+                </a:tc>
+              </a:tr>
+              <a:tr h="370840">
+                <a:tc>
+                  <a:txBody>
+                    <a:bodyPr/>
+                    <a:lstStyle/>
+                    <a:p>
+                      <a:pPr algn="ctr"/>
+                      <a:r>
+                        <a:rPr lang="en-US" sz="1400" dirty="0" smtClean="0"/>
+                        <a:t>M</a:t>
+                      </a:r>
+                      <a:endParaRPr lang="en-US" sz="1400" dirty="0"/>
+                    </a:p>
+                  </a:txBody>
+                  <a:tcPr>
+                    <a:lnT w="12700" cap="flat" cmpd="sng" algn="ctr">
+                      <a:solidFill>
+                        <a:scrgbClr r="0" g="0" b="0"/>
+                      </a:solidFill>
+                      <a:prstDash val="solid"/>
+                      <a:round/>
+                      <a:headEnd type="none" w="med" len="med"/>
+                      <a:tailEnd type="none" w="med" len="med"/>
+                    </a:lnT>
+                    <a:lnB w="12700" cap="flat" cmpd="sng" algn="ctr">
+                      <a:solidFill>
+                        <a:scrgbClr r="0" g="0" b="0"/>
+                      </a:solidFill>
+                      <a:prstDash val="solid"/>
+                      <a:round/>
+                      <a:headEnd type="none" w="med" len="med"/>
+                      <a:tailEnd type="none" w="med" len="med"/>
+                    </a:lnB>
+                  </a:tcPr>
+                </a:tc>
+                <a:tc>
+                  <a:txBody>
+                    <a:bodyPr/>
+                    <a:lstStyle/>
+                    <a:p>
+                      <a:pPr algn="ctr"/>
+                      <a:r>
+                        <a:rPr lang="en-US" sz="1400" dirty="0" smtClean="0"/>
+                        <a:t>1</a:t>
+                      </a:r>
+                      <a:endParaRPr lang="en-US" sz="1400" dirty="0"/>
+                    </a:p>
+                  </a:txBody>
+                  <a:tcPr>
+                    <a:lnT w="12700" cap="flat" cmpd="sng" algn="ctr">
+                      <a:solidFill>
+                        <a:scrgbClr r="0" g="0" b="0"/>
+                      </a:solidFill>
+                      <a:prstDash val="solid"/>
+                      <a:round/>
+                      <a:headEnd type="none" w="med" len="med"/>
+                      <a:tailEnd type="none" w="med" len="med"/>
+                    </a:lnT>
+                    <a:lnB w="12700" cap="flat" cmpd="sng" algn="ctr">
+                      <a:solidFill>
+                        <a:scrgbClr r="0" g="0" b="0"/>
+                      </a:solidFill>
+                      <a:prstDash val="solid"/>
+                      <a:round/>
+                      <a:headEnd type="none" w="med" len="med"/>
+                      <a:tailEnd type="none" w="med" len="med"/>
+                    </a:lnB>
+                  </a:tcPr>
+                </a:tc>
+                <a:tc>
+                  <a:txBody>
+                    <a:bodyPr/>
+                    <a:lstStyle/>
+                    <a:p>
+                      <a:pPr algn="ctr"/>
+                      <a:r>
+                        <a:rPr lang="en-US" sz="1400" dirty="0" smtClean="0"/>
+                        <a:t>1</a:t>
+                      </a:r>
+                      <a:endParaRPr lang="en-US" sz="1400" dirty="0"/>
+                    </a:p>
+                  </a:txBody>
+                  <a:tcPr>
+                    <a:lnT w="12700" cap="flat" cmpd="sng" algn="ctr">
+                      <a:solidFill>
+                        <a:scrgbClr r="0" g="0" b="0"/>
+                      </a:solidFill>
+                      <a:prstDash val="solid"/>
+                      <a:round/>
+                      <a:headEnd type="none" w="med" len="med"/>
+                      <a:tailEnd type="none" w="med" len="med"/>
+                    </a:lnT>
+                    <a:lnB w="12700" cap="flat" cmpd="sng" algn="ctr">
+                      <a:solidFill>
+                        <a:scrgbClr r="0" g="0" b="0"/>
+                      </a:solidFill>
+                      <a:prstDash val="solid"/>
+                      <a:round/>
+                      <a:headEnd type="none" w="med" len="med"/>
+                      <a:tailEnd type="none" w="med" len="med"/>
+                    </a:lnB>
+                  </a:tcPr>
+                </a:tc>
+                <a:tc>
+                  <a:txBody>
+                    <a:bodyPr/>
+                    <a:lstStyle/>
+                    <a:p>
+                      <a:pPr algn="ctr"/>
+                      <a:r>
+                        <a:rPr lang="en-US" sz="1400" dirty="0" smtClean="0"/>
+                        <a:t>1</a:t>
+                      </a:r>
+                      <a:endParaRPr lang="en-US" sz="1400" dirty="0"/>
+                    </a:p>
+                  </a:txBody>
+                  <a:tcPr>
+                    <a:lnT w="12700" cap="flat" cmpd="sng" algn="ctr">
+                      <a:solidFill>
+                        <a:scrgbClr r="0" g="0" b="0"/>
+                      </a:solidFill>
+                      <a:prstDash val="solid"/>
+                      <a:round/>
+                      <a:headEnd type="none" w="med" len="med"/>
+                      <a:tailEnd type="none" w="med" len="med"/>
+                    </a:lnT>
+                    <a:lnB w="12700" cap="flat" cmpd="sng" algn="ctr">
+                      <a:solidFill>
+                        <a:scrgbClr r="0" g="0" b="0"/>
+                      </a:solidFill>
+                      <a:prstDash val="solid"/>
+                      <a:round/>
+                      <a:headEnd type="none" w="med" len="med"/>
+                      <a:tailEnd type="none" w="med" len="med"/>
+                    </a:lnB>
+                  </a:tcPr>
+                </a:tc>
+                <a:tc>
+                  <a:txBody>
+                    <a:bodyPr/>
+                    <a:lstStyle/>
+                    <a:p>
+                      <a:pPr algn="ctr"/>
+                      <a:r>
+                        <a:rPr lang="en-US" sz="1400" dirty="0" smtClean="0"/>
+                        <a:t>10</a:t>
+                      </a:r>
+                      <a:endParaRPr lang="en-US" sz="1400" dirty="0"/>
+                    </a:p>
+                  </a:txBody>
+                  <a:tcPr>
+                    <a:lnT w="12700" cap="flat" cmpd="sng" algn="ctr">
+                      <a:solidFill>
+                        <a:scrgbClr r="0" g="0" b="0"/>
+                      </a:solidFill>
+                      <a:prstDash val="solid"/>
+                      <a:round/>
+                      <a:headEnd type="none" w="med" len="med"/>
+                      <a:tailEnd type="none" w="med" len="med"/>
+                    </a:lnT>
+                    <a:lnB w="12700" cap="flat" cmpd="sng" algn="ctr">
+                      <a:solidFill>
+                        <a:scrgbClr r="0" g="0" b="0"/>
+                      </a:solidFill>
+                      <a:prstDash val="solid"/>
+                      <a:round/>
+                      <a:headEnd type="none" w="med" len="med"/>
+                      <a:tailEnd type="none" w="med" len="med"/>
+                    </a:lnB>
+                  </a:tcPr>
+                </a:tc>
+                <a:tc>
+                  <a:txBody>
+                    <a:bodyPr/>
+                    <a:lstStyle/>
+                    <a:p>
+                      <a:pPr algn="ctr"/>
+                      <a:r>
+                        <a:rPr lang="en-US" sz="1400" dirty="0" smtClean="0"/>
+                        <a:t>1</a:t>
+                      </a:r>
+                      <a:endParaRPr lang="en-US" sz="1400" dirty="0"/>
+                    </a:p>
+                  </a:txBody>
+                  <a:tcPr>
+                    <a:lnT w="12700" cap="flat" cmpd="sng" algn="ctr">
+                      <a:solidFill>
+                        <a:scrgbClr r="0" g="0" b="0"/>
+                      </a:solidFill>
+                      <a:prstDash val="solid"/>
+                      <a:round/>
+                      <a:headEnd type="none" w="med" len="med"/>
+                      <a:tailEnd type="none" w="med" len="med"/>
+                    </a:lnT>
+                    <a:lnB w="12700" cap="flat" cmpd="sng" algn="ctr">
+                      <a:solidFill>
+                        <a:scrgbClr r="0" g="0" b="0"/>
+                      </a:solidFill>
+                      <a:prstDash val="solid"/>
+                      <a:round/>
+                      <a:headEnd type="none" w="med" len="med"/>
+                      <a:tailEnd type="none" w="med" len="med"/>
+                    </a:lnB>
+                  </a:tcPr>
+                </a:tc>
+                <a:tc>
+                  <a:txBody>
+                    <a:bodyPr/>
+                    <a:lstStyle/>
+                    <a:p>
+                      <a:pPr algn="ctr"/>
+                      <a:r>
+                        <a:rPr lang="en-US" sz="1400" dirty="0" smtClean="0"/>
+                        <a:t>1</a:t>
+                      </a:r>
+                      <a:endParaRPr lang="en-US" sz="1400" dirty="0"/>
+                    </a:p>
+                  </a:txBody>
+                  <a:tcPr>
+                    <a:lnT w="12700" cap="flat" cmpd="sng" algn="ctr">
+                      <a:solidFill>
+                        <a:scrgbClr r="0" g="0" b="0"/>
+                      </a:solidFill>
+                      <a:prstDash val="solid"/>
+                      <a:round/>
+                      <a:headEnd type="none" w="med" len="med"/>
+                      <a:tailEnd type="none" w="med" len="med"/>
+                    </a:lnT>
+                    <a:lnB w="12700" cap="flat" cmpd="sng" algn="ctr">
+                      <a:solidFill>
+                        <a:scrgbClr r="0" g="0" b="0"/>
+                      </a:solidFill>
+                      <a:prstDash val="solid"/>
+                      <a:round/>
+                      <a:headEnd type="none" w="med" len="med"/>
+                      <a:tailEnd type="none" w="med" len="med"/>
+                    </a:lnB>
+                  </a:tcPr>
+                </a:tc>
+                <a:tc>
+                  <a:txBody>
+                    <a:bodyPr/>
+                    <a:lstStyle/>
+                    <a:p>
+                      <a:pPr algn="ctr"/>
+                      <a:r>
+                        <a:rPr lang="en-US" sz="1400" dirty="0" smtClean="0"/>
+                        <a:t>10</a:t>
+                      </a:r>
+                      <a:endParaRPr lang="en-US" sz="1400" dirty="0"/>
+                    </a:p>
+                  </a:txBody>
+                  <a:tcPr>
+                    <a:lnT w="12700" cap="flat" cmpd="sng" algn="ctr">
+                      <a:solidFill>
+                        <a:scrgbClr r="0" g="0" b="0"/>
+                      </a:solidFill>
+                      <a:prstDash val="solid"/>
+                      <a:round/>
+                      <a:headEnd type="none" w="med" len="med"/>
+                      <a:tailEnd type="none" w="med" len="med"/>
+                    </a:lnT>
+                    <a:lnB w="12700" cap="flat" cmpd="sng" algn="ctr">
+                      <a:solidFill>
+                        <a:scrgbClr r="0" g="0" b="0"/>
+                      </a:solidFill>
+                      <a:prstDash val="solid"/>
+                      <a:round/>
+                      <a:headEnd type="none" w="med" len="med"/>
+                      <a:tailEnd type="none" w="med" len="med"/>
+                    </a:lnB>
+                  </a:tcPr>
+                </a:tc>
+                <a:tc>
+                  <a:txBody>
+                    <a:bodyPr/>
+                    <a:lstStyle/>
+                    <a:p>
+                      <a:pPr algn="ctr"/>
+                      <a:r>
+                        <a:rPr lang="en-US" sz="1400" dirty="0" smtClean="0"/>
+                        <a:t>1</a:t>
+                      </a:r>
+                      <a:endParaRPr lang="en-US" sz="1400" dirty="0"/>
+                    </a:p>
+                  </a:txBody>
+                  <a:tcPr>
+                    <a:lnT w="12700" cap="flat" cmpd="sng" algn="ctr">
+                      <a:solidFill>
+                        <a:scrgbClr r="0" g="0" b="0"/>
+                      </a:solidFill>
+                      <a:prstDash val="solid"/>
+                      <a:round/>
+                      <a:headEnd type="none" w="med" len="med"/>
+                      <a:tailEnd type="none" w="med" len="med"/>
+                    </a:lnT>
+                    <a:lnB w="12700" cap="flat" cmpd="sng" algn="ctr">
+                      <a:solidFill>
+                        <a:scrgbClr r="0" g="0" b="0"/>
+                      </a:solidFill>
+                      <a:prstDash val="solid"/>
+                      <a:round/>
+                      <a:headEnd type="none" w="med" len="med"/>
+                      <a:tailEnd type="none" w="med" len="med"/>
+                    </a:lnB>
+                  </a:tcPr>
+                </a:tc>
+                <a:tc>
+                  <a:txBody>
+                    <a:bodyPr/>
+                    <a:lstStyle/>
+                    <a:p>
+                      <a:pPr algn="ctr"/>
+                      <a:r>
+                        <a:rPr lang="en-US" sz="1400" dirty="0" smtClean="0"/>
                         <a:t>1</a:t>
                       </a:r>
                       <a:endParaRPr lang="en-US" sz="1400" dirty="0"/>
@@ -13269,7 +13781,7 @@
     </p:spTree>
     <p:extLst>
       <p:ext uri="{BB962C8B-B14F-4D97-AF65-F5344CB8AC3E}">
-        <p14:creationId xmlns:p14="http://schemas.microsoft.com/office/powerpoint/2010/main" val="2770004023"/>
+        <p14:creationId xmlns:p14="http://schemas.microsoft.com/office/powerpoint/2010/main" val="4154214979"/>
       </p:ext>
     </p:extLst>
   </p:cSld>

--- a/hisat2_test/GCSA_paper_example.pptx
+++ b/hisat2_test/GCSA_paper_example.pptx
@@ -6,7 +6,6 @@
   </p:sldMasterIdLst>
   <p:sldIdLst>
     <p:sldId id="259" r:id="rId2"/>
-    <p:sldId id="258" r:id="rId3"/>
   </p:sldIdLst>
   <p:sldSz cx="9144000" cy="6858000" type="screen4x3"/>
   <p:notesSz cx="6858000" cy="9144000"/>
@@ -289,7 +288,7 @@
           <a:p>
             <a:fld id="{FA0EBC18-7907-1F45-BE8D-CA697DC3E666}" type="datetimeFigureOut">
               <a:rPr lang="en-US" smtClean="0"/>
-              <a:t>5/21/15</a:t>
+              <a:t>5/26/15</a:t>
             </a:fld>
             <a:endParaRPr lang="en-US"/>
           </a:p>
@@ -459,7 +458,7 @@
           <a:p>
             <a:fld id="{FA0EBC18-7907-1F45-BE8D-CA697DC3E666}" type="datetimeFigureOut">
               <a:rPr lang="en-US" smtClean="0"/>
-              <a:t>5/21/15</a:t>
+              <a:t>5/26/15</a:t>
             </a:fld>
             <a:endParaRPr lang="en-US"/>
           </a:p>
@@ -639,7 +638,7 @@
           <a:p>
             <a:fld id="{FA0EBC18-7907-1F45-BE8D-CA697DC3E666}" type="datetimeFigureOut">
               <a:rPr lang="en-US" smtClean="0"/>
-              <a:t>5/21/15</a:t>
+              <a:t>5/26/15</a:t>
             </a:fld>
             <a:endParaRPr lang="en-US"/>
           </a:p>
@@ -809,7 +808,7 @@
           <a:p>
             <a:fld id="{FA0EBC18-7907-1F45-BE8D-CA697DC3E666}" type="datetimeFigureOut">
               <a:rPr lang="en-US" smtClean="0"/>
-              <a:t>5/21/15</a:t>
+              <a:t>5/26/15</a:t>
             </a:fld>
             <a:endParaRPr lang="en-US"/>
           </a:p>
@@ -1055,7 +1054,7 @@
           <a:p>
             <a:fld id="{FA0EBC18-7907-1F45-BE8D-CA697DC3E666}" type="datetimeFigureOut">
               <a:rPr lang="en-US" smtClean="0"/>
-              <a:t>5/21/15</a:t>
+              <a:t>5/26/15</a:t>
             </a:fld>
             <a:endParaRPr lang="en-US"/>
           </a:p>
@@ -1343,7 +1342,7 @@
           <a:p>
             <a:fld id="{FA0EBC18-7907-1F45-BE8D-CA697DC3E666}" type="datetimeFigureOut">
               <a:rPr lang="en-US" smtClean="0"/>
-              <a:t>5/21/15</a:t>
+              <a:t>5/26/15</a:t>
             </a:fld>
             <a:endParaRPr lang="en-US"/>
           </a:p>
@@ -1765,7 +1764,7 @@
           <a:p>
             <a:fld id="{FA0EBC18-7907-1F45-BE8D-CA697DC3E666}" type="datetimeFigureOut">
               <a:rPr lang="en-US" smtClean="0"/>
-              <a:t>5/21/15</a:t>
+              <a:t>5/26/15</a:t>
             </a:fld>
             <a:endParaRPr lang="en-US"/>
           </a:p>
@@ -1883,7 +1882,7 @@
           <a:p>
             <a:fld id="{FA0EBC18-7907-1F45-BE8D-CA697DC3E666}" type="datetimeFigureOut">
               <a:rPr lang="en-US" smtClean="0"/>
-              <a:t>5/21/15</a:t>
+              <a:t>5/26/15</a:t>
             </a:fld>
             <a:endParaRPr lang="en-US"/>
           </a:p>
@@ -1978,7 +1977,7 @@
           <a:p>
             <a:fld id="{FA0EBC18-7907-1F45-BE8D-CA697DC3E666}" type="datetimeFigureOut">
               <a:rPr lang="en-US" smtClean="0"/>
-              <a:t>5/21/15</a:t>
+              <a:t>5/26/15</a:t>
             </a:fld>
             <a:endParaRPr lang="en-US"/>
           </a:p>
@@ -2255,7 +2254,7 @@
           <a:p>
             <a:fld id="{FA0EBC18-7907-1F45-BE8D-CA697DC3E666}" type="datetimeFigureOut">
               <a:rPr lang="en-US" smtClean="0"/>
-              <a:t>5/21/15</a:t>
+              <a:t>5/26/15</a:t>
             </a:fld>
             <a:endParaRPr lang="en-US"/>
           </a:p>
@@ -2508,7 +2507,7 @@
           <a:p>
             <a:fld id="{FA0EBC18-7907-1F45-BE8D-CA697DC3E666}" type="datetimeFigureOut">
               <a:rPr lang="en-US" smtClean="0"/>
-              <a:t>5/21/15</a:t>
+              <a:t>5/26/15</a:t>
             </a:fld>
             <a:endParaRPr lang="en-US"/>
           </a:p>
@@ -2721,7 +2720,7 @@
           <a:p>
             <a:fld id="{FA0EBC18-7907-1F45-BE8D-CA697DC3E666}" type="datetimeFigureOut">
               <a:rPr lang="en-US" smtClean="0"/>
-              <a:t>5/21/15</a:t>
+              <a:t>5/26/15</a:t>
             </a:fld>
             <a:endParaRPr lang="en-US"/>
           </a:p>
@@ -13791,74 +13790,6 @@
 </p:sld>
 </file>
 
-<file path=ppt/slides/slide2.xml><?xml version="1.0" encoding="utf-8"?>
-<p:sld xmlns:a="http://schemas.openxmlformats.org/drawingml/2006/main" xmlns:r="http://schemas.openxmlformats.org/officeDocument/2006/relationships" xmlns:p="http://schemas.openxmlformats.org/presentationml/2006/main">
-  <p:cSld>
-    <p:spTree>
-      <p:nvGrpSpPr>
-        <p:cNvPr id="1" name=""/>
-        <p:cNvGrpSpPr/>
-        <p:nvPr/>
-      </p:nvGrpSpPr>
-      <p:grpSpPr>
-        <a:xfrm>
-          <a:off x="0" y="0"/>
-          <a:ext cx="0" cy="0"/>
-          <a:chOff x="0" y="0"/>
-          <a:chExt cx="0" cy="0"/>
-        </a:xfrm>
-      </p:grpSpPr>
-      <p:sp>
-        <p:nvSpPr>
-          <p:cNvPr id="2" name="Title 1"/>
-          <p:cNvSpPr>
-            <a:spLocks noGrp="1"/>
-          </p:cNvSpPr>
-          <p:nvPr>
-            <p:ph type="title"/>
-          </p:nvPr>
-        </p:nvSpPr>
-        <p:spPr/>
-        <p:txBody>
-          <a:bodyPr/>
-          <a:lstStyle/>
-          <a:p>
-            <a:endParaRPr lang="en-US"/>
-          </a:p>
-        </p:txBody>
-      </p:sp>
-      <p:sp>
-        <p:nvSpPr>
-          <p:cNvPr id="3" name="Content Placeholder 2"/>
-          <p:cNvSpPr>
-            <a:spLocks noGrp="1"/>
-          </p:cNvSpPr>
-          <p:nvPr>
-            <p:ph idx="1"/>
-          </p:nvPr>
-        </p:nvSpPr>
-        <p:spPr/>
-        <p:txBody>
-          <a:bodyPr/>
-          <a:lstStyle/>
-          <a:p>
-            <a:endParaRPr lang="en-US"/>
-          </a:p>
-        </p:txBody>
-      </p:sp>
-    </p:spTree>
-    <p:extLst>
-      <p:ext uri="{BB962C8B-B14F-4D97-AF65-F5344CB8AC3E}">
-        <p14:creationId xmlns:p14="http://schemas.microsoft.com/office/powerpoint/2010/main" val="719798671"/>
-      </p:ext>
-    </p:extLst>
-  </p:cSld>
-  <p:clrMapOvr>
-    <a:masterClrMapping/>
-  </p:clrMapOvr>
-</p:sld>
-</file>
-
 <file path=ppt/theme/theme1.xml><?xml version="1.0" encoding="utf-8"?>
 <a:theme xmlns:a="http://schemas.openxmlformats.org/drawingml/2006/main" name="Office Theme">
   <a:themeElements>

--- a/hisat2_test/GCSA_paper_example.pptx
+++ b/hisat2_test/GCSA_paper_example.pptx
@@ -5,7 +5,9 @@
     <p:sldMasterId id="2147483648" r:id="rId1"/>
   </p:sldMasterIdLst>
   <p:sldIdLst>
-    <p:sldId id="259" r:id="rId2"/>
+    <p:sldId id="260" r:id="rId2"/>
+    <p:sldId id="261" r:id="rId3"/>
+    <p:sldId id="262" r:id="rId4"/>
   </p:sldIdLst>
   <p:sldSz cx="9144000" cy="6858000" type="screen4x3"/>
   <p:notesSz cx="6858000" cy="9144000"/>
@@ -288,7 +290,7 @@
           <a:p>
             <a:fld id="{FA0EBC18-7907-1F45-BE8D-CA697DC3E666}" type="datetimeFigureOut">
               <a:rPr lang="en-US" smtClean="0"/>
-              <a:t>5/26/15</a:t>
+              <a:t>5/27/15</a:t>
             </a:fld>
             <a:endParaRPr lang="en-US"/>
           </a:p>
@@ -458,7 +460,7 @@
           <a:p>
             <a:fld id="{FA0EBC18-7907-1F45-BE8D-CA697DC3E666}" type="datetimeFigureOut">
               <a:rPr lang="en-US" smtClean="0"/>
-              <a:t>5/26/15</a:t>
+              <a:t>5/27/15</a:t>
             </a:fld>
             <a:endParaRPr lang="en-US"/>
           </a:p>
@@ -638,7 +640,7 @@
           <a:p>
             <a:fld id="{FA0EBC18-7907-1F45-BE8D-CA697DC3E666}" type="datetimeFigureOut">
               <a:rPr lang="en-US" smtClean="0"/>
-              <a:t>5/26/15</a:t>
+              <a:t>5/27/15</a:t>
             </a:fld>
             <a:endParaRPr lang="en-US"/>
           </a:p>
@@ -808,7 +810,7 @@
           <a:p>
             <a:fld id="{FA0EBC18-7907-1F45-BE8D-CA697DC3E666}" type="datetimeFigureOut">
               <a:rPr lang="en-US" smtClean="0"/>
-              <a:t>5/26/15</a:t>
+              <a:t>5/27/15</a:t>
             </a:fld>
             <a:endParaRPr lang="en-US"/>
           </a:p>
@@ -1054,7 +1056,7 @@
           <a:p>
             <a:fld id="{FA0EBC18-7907-1F45-BE8D-CA697DC3E666}" type="datetimeFigureOut">
               <a:rPr lang="en-US" smtClean="0"/>
-              <a:t>5/26/15</a:t>
+              <a:t>5/27/15</a:t>
             </a:fld>
             <a:endParaRPr lang="en-US"/>
           </a:p>
@@ -1342,7 +1344,7 @@
           <a:p>
             <a:fld id="{FA0EBC18-7907-1F45-BE8D-CA697DC3E666}" type="datetimeFigureOut">
               <a:rPr lang="en-US" smtClean="0"/>
-              <a:t>5/26/15</a:t>
+              <a:t>5/27/15</a:t>
             </a:fld>
             <a:endParaRPr lang="en-US"/>
           </a:p>
@@ -1764,7 +1766,7 @@
           <a:p>
             <a:fld id="{FA0EBC18-7907-1F45-BE8D-CA697DC3E666}" type="datetimeFigureOut">
               <a:rPr lang="en-US" smtClean="0"/>
-              <a:t>5/26/15</a:t>
+              <a:t>5/27/15</a:t>
             </a:fld>
             <a:endParaRPr lang="en-US"/>
           </a:p>
@@ -1882,7 +1884,7 @@
           <a:p>
             <a:fld id="{FA0EBC18-7907-1F45-BE8D-CA697DC3E666}" type="datetimeFigureOut">
               <a:rPr lang="en-US" smtClean="0"/>
-              <a:t>5/26/15</a:t>
+              <a:t>5/27/15</a:t>
             </a:fld>
             <a:endParaRPr lang="en-US"/>
           </a:p>
@@ -1977,7 +1979,7 @@
           <a:p>
             <a:fld id="{FA0EBC18-7907-1F45-BE8D-CA697DC3E666}" type="datetimeFigureOut">
               <a:rPr lang="en-US" smtClean="0"/>
-              <a:t>5/26/15</a:t>
+              <a:t>5/27/15</a:t>
             </a:fld>
             <a:endParaRPr lang="en-US"/>
           </a:p>
@@ -2254,7 +2256,7 @@
           <a:p>
             <a:fld id="{FA0EBC18-7907-1F45-BE8D-CA697DC3E666}" type="datetimeFigureOut">
               <a:rPr lang="en-US" smtClean="0"/>
-              <a:t>5/26/15</a:t>
+              <a:t>5/27/15</a:t>
             </a:fld>
             <a:endParaRPr lang="en-US"/>
           </a:p>
@@ -2507,7 +2509,7 @@
           <a:p>
             <a:fld id="{FA0EBC18-7907-1F45-BE8D-CA697DC3E666}" type="datetimeFigureOut">
               <a:rPr lang="en-US" smtClean="0"/>
-              <a:t>5/26/15</a:t>
+              <a:t>5/27/15</a:t>
             </a:fld>
             <a:endParaRPr lang="en-US"/>
           </a:p>
@@ -2720,7 +2722,7 @@
           <a:p>
             <a:fld id="{FA0EBC18-7907-1F45-BE8D-CA697DC3E666}" type="datetimeFigureOut">
               <a:rPr lang="en-US" smtClean="0"/>
-              <a:t>5/26/15</a:t>
+              <a:t>5/27/15</a:t>
             </a:fld>
             <a:endParaRPr lang="en-US"/>
           </a:p>
@@ -3103,7 +3105,7 @@
         </p:nvGrpSpPr>
         <p:grpSpPr>
           <a:xfrm>
-            <a:off x="915408" y="219508"/>
+            <a:off x="915408" y="578554"/>
             <a:ext cx="296333" cy="369332"/>
             <a:chOff x="326571" y="616459"/>
             <a:chExt cx="296333" cy="369332"/>
@@ -3192,7 +3194,7 @@
         </p:nvGrpSpPr>
         <p:grpSpPr>
           <a:xfrm>
-            <a:off x="1555488" y="214660"/>
+            <a:off x="1555488" y="573706"/>
             <a:ext cx="302386" cy="369332"/>
             <a:chOff x="320518" y="616459"/>
             <a:chExt cx="302386" cy="369332"/>
@@ -3282,7 +3284,7 @@
         </p:nvGrpSpPr>
         <p:grpSpPr>
           <a:xfrm>
-            <a:off x="2195568" y="214660"/>
+            <a:off x="2195568" y="573706"/>
             <a:ext cx="302386" cy="369332"/>
             <a:chOff x="320518" y="616459"/>
             <a:chExt cx="302386" cy="369332"/>
@@ -3372,7 +3374,7 @@
         </p:nvGrpSpPr>
         <p:grpSpPr>
           <a:xfrm>
-            <a:off x="2835648" y="215860"/>
+            <a:off x="2835648" y="574906"/>
             <a:ext cx="302386" cy="369332"/>
             <a:chOff x="320518" y="616459"/>
             <a:chExt cx="302386" cy="369332"/>
@@ -3462,7 +3464,7 @@
         </p:nvGrpSpPr>
         <p:grpSpPr>
           <a:xfrm>
-            <a:off x="3475728" y="217060"/>
+            <a:off x="3475728" y="576106"/>
             <a:ext cx="302386" cy="369332"/>
             <a:chOff x="320518" y="616459"/>
             <a:chExt cx="302386" cy="369332"/>
@@ -3552,7 +3554,7 @@
         </p:nvGrpSpPr>
         <p:grpSpPr>
           <a:xfrm>
-            <a:off x="4115808" y="229156"/>
+            <a:off x="4115808" y="588202"/>
             <a:ext cx="296333" cy="369332"/>
             <a:chOff x="326571" y="628555"/>
             <a:chExt cx="296333" cy="369332"/>
@@ -3642,7 +3644,7 @@
         </p:nvGrpSpPr>
         <p:grpSpPr>
           <a:xfrm>
-            <a:off x="4755888" y="217060"/>
+            <a:off x="4755888" y="576106"/>
             <a:ext cx="302386" cy="369332"/>
             <a:chOff x="320518" y="616459"/>
             <a:chExt cx="302386" cy="369332"/>
@@ -3732,7 +3734,7 @@
         </p:nvGrpSpPr>
         <p:grpSpPr>
           <a:xfrm>
-            <a:off x="5395968" y="212212"/>
+            <a:off x="5395968" y="571258"/>
             <a:ext cx="302386" cy="369332"/>
             <a:chOff x="320518" y="616459"/>
             <a:chExt cx="302386" cy="369332"/>
@@ -3822,7 +3824,7 @@
         </p:nvGrpSpPr>
         <p:grpSpPr>
           <a:xfrm>
-            <a:off x="6036048" y="213412"/>
+            <a:off x="6036048" y="572458"/>
             <a:ext cx="302386" cy="369332"/>
             <a:chOff x="320518" y="616459"/>
             <a:chExt cx="302386" cy="369332"/>
@@ -3912,7 +3914,7 @@
         </p:nvGrpSpPr>
         <p:grpSpPr>
           <a:xfrm>
-            <a:off x="6676128" y="226708"/>
+            <a:off x="6676128" y="585754"/>
             <a:ext cx="296333" cy="369332"/>
             <a:chOff x="326571" y="628555"/>
             <a:chExt cx="296333" cy="369332"/>
@@ -4002,7 +4004,7 @@
         </p:nvGrpSpPr>
         <p:grpSpPr>
           <a:xfrm>
-            <a:off x="7316208" y="215812"/>
+            <a:off x="7316208" y="574858"/>
             <a:ext cx="302386" cy="369332"/>
             <a:chOff x="320518" y="616459"/>
             <a:chExt cx="302386" cy="369332"/>
@@ -4092,7 +4094,7 @@
         </p:nvGrpSpPr>
         <p:grpSpPr>
           <a:xfrm>
-            <a:off x="7956288" y="217012"/>
+            <a:off x="7956288" y="576058"/>
             <a:ext cx="296333" cy="369332"/>
             <a:chOff x="326571" y="616459"/>
             <a:chExt cx="296333" cy="369332"/>
@@ -4181,7 +4183,7 @@
         </p:nvGrpSpPr>
         <p:grpSpPr>
           <a:xfrm>
-            <a:off x="2842901" y="894436"/>
+            <a:off x="2842901" y="1253482"/>
             <a:ext cx="296333" cy="369332"/>
             <a:chOff x="326571" y="628555"/>
             <a:chExt cx="296333" cy="369332"/>
@@ -4274,7 +4276,7 @@
         </p:nvCxnSpPr>
         <p:spPr>
           <a:xfrm flipV="1">
-            <a:off x="1211741" y="420705"/>
+            <a:off x="1211741" y="779751"/>
             <a:ext cx="349800" cy="4848"/>
           </a:xfrm>
           <a:prstGeom prst="straightConnector1">
@@ -4314,7 +4316,7 @@
         </p:nvCxnSpPr>
         <p:spPr>
           <a:xfrm>
-            <a:off x="1857874" y="420705"/>
+            <a:off x="1857874" y="779751"/>
             <a:ext cx="343747" cy="0"/>
           </a:xfrm>
           <a:prstGeom prst="straightConnector1">
@@ -4354,7 +4356,7 @@
         </p:nvCxnSpPr>
         <p:spPr>
           <a:xfrm>
-            <a:off x="2497954" y="420705"/>
+            <a:off x="2497954" y="779751"/>
             <a:ext cx="343747" cy="1200"/>
           </a:xfrm>
           <a:prstGeom prst="straightConnector1">
@@ -4394,7 +4396,7 @@
         </p:nvCxnSpPr>
         <p:spPr>
           <a:xfrm>
-            <a:off x="2454557" y="523337"/>
+            <a:off x="2454557" y="882383"/>
             <a:ext cx="431741" cy="462416"/>
           </a:xfrm>
           <a:prstGeom prst="straightConnector1">
@@ -4434,7 +4436,7 @@
         </p:nvCxnSpPr>
         <p:spPr>
           <a:xfrm>
-            <a:off x="3138034" y="421905"/>
+            <a:off x="3138034" y="780951"/>
             <a:ext cx="343747" cy="1200"/>
           </a:xfrm>
           <a:prstGeom prst="straightConnector1">
@@ -4474,7 +4476,7 @@
         </p:nvCxnSpPr>
         <p:spPr>
           <a:xfrm>
-            <a:off x="3778114" y="423105"/>
+            <a:off x="3778114" y="782151"/>
             <a:ext cx="337694" cy="0"/>
           </a:xfrm>
           <a:prstGeom prst="straightConnector1">
@@ -4514,7 +4516,7 @@
         </p:nvCxnSpPr>
         <p:spPr>
           <a:xfrm>
-            <a:off x="4412141" y="423105"/>
+            <a:off x="4412141" y="782151"/>
             <a:ext cx="349800" cy="0"/>
           </a:xfrm>
           <a:prstGeom prst="straightConnector1">
@@ -4554,7 +4556,7 @@
         </p:nvCxnSpPr>
         <p:spPr>
           <a:xfrm flipV="1">
-            <a:off x="5058274" y="418257"/>
+            <a:off x="5058274" y="777303"/>
             <a:ext cx="343747" cy="4848"/>
           </a:xfrm>
           <a:prstGeom prst="straightConnector1">
@@ -4594,7 +4596,7 @@
         </p:nvCxnSpPr>
         <p:spPr>
           <a:xfrm>
-            <a:off x="5698354" y="418257"/>
+            <a:off x="5698354" y="777303"/>
             <a:ext cx="343747" cy="1200"/>
           </a:xfrm>
           <a:prstGeom prst="straightConnector1">
@@ -4634,7 +4636,7 @@
         </p:nvCxnSpPr>
         <p:spPr>
           <a:xfrm>
-            <a:off x="6338434" y="419457"/>
+            <a:off x="6338434" y="778503"/>
             <a:ext cx="337694" cy="1200"/>
           </a:xfrm>
           <a:prstGeom prst="straightConnector1">
@@ -4674,7 +4676,7 @@
         </p:nvCxnSpPr>
         <p:spPr>
           <a:xfrm>
-            <a:off x="6972461" y="420657"/>
+            <a:off x="6972461" y="779703"/>
             <a:ext cx="349800" cy="1200"/>
           </a:xfrm>
           <a:prstGeom prst="straightConnector1">
@@ -4714,7 +4716,7 @@
         </p:nvCxnSpPr>
         <p:spPr>
           <a:xfrm>
-            <a:off x="7618594" y="421857"/>
+            <a:off x="7618594" y="780903"/>
             <a:ext cx="337694" cy="1200"/>
           </a:xfrm>
           <a:prstGeom prst="straightConnector1">
@@ -4754,7 +4756,7 @@
         </p:nvCxnSpPr>
         <p:spPr>
           <a:xfrm flipV="1">
-            <a:off x="3095837" y="525737"/>
+            <a:off x="3095837" y="884783"/>
             <a:ext cx="429341" cy="460016"/>
           </a:xfrm>
           <a:prstGeom prst="straightConnector1">
@@ -4794,7 +4796,7 @@
         </p:nvCxnSpPr>
         <p:spPr>
           <a:xfrm rot="16200000" flipH="1">
-            <a:off x="3626321" y="-359691"/>
+            <a:off x="3626321" y="-645"/>
             <a:ext cx="1200" cy="1274107"/>
           </a:xfrm>
           <a:prstGeom prst="curvedConnector3">
@@ -4836,7 +4838,7 @@
         </p:nvCxnSpPr>
         <p:spPr>
           <a:xfrm rot="5400000" flipH="1" flipV="1">
-            <a:off x="5548364" y="-363942"/>
+            <a:off x="5548364" y="-4896"/>
             <a:ext cx="3648" cy="1280160"/>
           </a:xfrm>
           <a:prstGeom prst="curvedConnector3">
@@ -4878,7 +4880,7 @@
         </p:nvCxnSpPr>
         <p:spPr>
           <a:xfrm rot="5400000" flipH="1" flipV="1">
-            <a:off x="6189644" y="-712536"/>
+            <a:off x="6189644" y="-353490"/>
             <a:ext cx="1248" cy="2560320"/>
           </a:xfrm>
           <a:prstGeom prst="curvedConnector3">
@@ -4917,7 +4919,7 @@
         </p:nvSpPr>
         <p:spPr>
           <a:xfrm>
-            <a:off x="979713" y="516221"/>
+            <a:off x="979713" y="875267"/>
             <a:ext cx="105023" cy="246221"/>
           </a:xfrm>
           <a:prstGeom prst="rect">
@@ -4955,7 +4957,7 @@
         </p:nvSpPr>
         <p:spPr>
           <a:xfrm>
-            <a:off x="1634097" y="517421"/>
+            <a:off x="1634097" y="876467"/>
             <a:ext cx="105023" cy="246221"/>
           </a:xfrm>
           <a:prstGeom prst="rect">
@@ -4993,7 +4995,7 @@
         </p:nvSpPr>
         <p:spPr>
           <a:xfrm>
-            <a:off x="2264289" y="518621"/>
+            <a:off x="2264289" y="877667"/>
             <a:ext cx="105023" cy="246221"/>
           </a:xfrm>
           <a:prstGeom prst="rect">
@@ -5031,7 +5033,7 @@
         </p:nvSpPr>
         <p:spPr>
           <a:xfrm>
-            <a:off x="2906577" y="513773"/>
+            <a:off x="2906577" y="872819"/>
             <a:ext cx="105023" cy="246221"/>
           </a:xfrm>
           <a:prstGeom prst="rect">
@@ -5069,7 +5071,7 @@
         </p:nvSpPr>
         <p:spPr>
           <a:xfrm>
-            <a:off x="3554913" y="514973"/>
+            <a:off x="3554913" y="874019"/>
             <a:ext cx="105023" cy="246221"/>
           </a:xfrm>
           <a:prstGeom prst="rect">
@@ -5107,7 +5109,7 @@
         </p:nvSpPr>
         <p:spPr>
           <a:xfrm>
-            <a:off x="4185105" y="516173"/>
+            <a:off x="4185105" y="875219"/>
             <a:ext cx="105023" cy="246221"/>
           </a:xfrm>
           <a:prstGeom prst="rect">
@@ -5145,7 +5147,7 @@
         </p:nvSpPr>
         <p:spPr>
           <a:xfrm>
-            <a:off x="4803201" y="517373"/>
+            <a:off x="4803201" y="876419"/>
             <a:ext cx="105023" cy="246221"/>
           </a:xfrm>
           <a:prstGeom prst="rect">
@@ -5183,7 +5185,7 @@
         </p:nvSpPr>
         <p:spPr>
           <a:xfrm>
-            <a:off x="5469681" y="518573"/>
+            <a:off x="5469681" y="877619"/>
             <a:ext cx="105023" cy="246221"/>
           </a:xfrm>
           <a:prstGeom prst="rect">
@@ -5221,7 +5223,7 @@
         </p:nvSpPr>
         <p:spPr>
           <a:xfrm>
-            <a:off x="6111969" y="513725"/>
+            <a:off x="6111969" y="872771"/>
             <a:ext cx="105023" cy="246221"/>
           </a:xfrm>
           <a:prstGeom prst="rect">
@@ -5259,7 +5261,7 @@
         </p:nvSpPr>
         <p:spPr>
           <a:xfrm>
-            <a:off x="6748209" y="514925"/>
+            <a:off x="6748209" y="873971"/>
             <a:ext cx="105023" cy="246221"/>
           </a:xfrm>
           <a:prstGeom prst="rect">
@@ -5292,7 +5294,7 @@
         </p:nvSpPr>
         <p:spPr>
           <a:xfrm>
-            <a:off x="7402593" y="516125"/>
+            <a:off x="7402593" y="875171"/>
             <a:ext cx="173665" cy="246221"/>
           </a:xfrm>
           <a:prstGeom prst="rect">
@@ -5325,7 +5327,7 @@
         </p:nvSpPr>
         <p:spPr>
           <a:xfrm>
-            <a:off x="7954161" y="517325"/>
+            <a:off x="7954161" y="876371"/>
             <a:ext cx="173665" cy="246221"/>
           </a:xfrm>
           <a:prstGeom prst="rect">
@@ -5358,7 +5360,7 @@
         </p:nvSpPr>
         <p:spPr>
           <a:xfrm>
-            <a:off x="2846097" y="1192161"/>
+            <a:off x="2846097" y="1551207"/>
             <a:ext cx="173665" cy="246221"/>
           </a:xfrm>
           <a:prstGeom prst="rect">
@@ -5391,7 +5393,7 @@
         </p:nvGrpSpPr>
         <p:grpSpPr>
           <a:xfrm>
-            <a:off x="916603" y="1793202"/>
+            <a:off x="916603" y="2883638"/>
             <a:ext cx="296333" cy="369332"/>
             <a:chOff x="326571" y="616459"/>
             <a:chExt cx="296333" cy="369332"/>
@@ -5480,7 +5482,7 @@
         </p:nvGrpSpPr>
         <p:grpSpPr>
           <a:xfrm>
-            <a:off x="1556683" y="1788354"/>
+            <a:off x="1556683" y="2878790"/>
             <a:ext cx="302386" cy="369332"/>
             <a:chOff x="320518" y="616459"/>
             <a:chExt cx="302386" cy="369332"/>
@@ -5570,7 +5572,7 @@
         </p:nvGrpSpPr>
         <p:grpSpPr>
           <a:xfrm>
-            <a:off x="2196763" y="1788354"/>
+            <a:off x="2196763" y="2878790"/>
             <a:ext cx="302386" cy="369332"/>
             <a:chOff x="320518" y="616459"/>
             <a:chExt cx="302386" cy="369332"/>
@@ -5660,7 +5662,7 @@
         </p:nvGrpSpPr>
         <p:grpSpPr>
           <a:xfrm>
-            <a:off x="2836843" y="1789554"/>
+            <a:off x="2836843" y="2879990"/>
             <a:ext cx="302386" cy="369332"/>
             <a:chOff x="320518" y="616459"/>
             <a:chExt cx="302386" cy="369332"/>
@@ -5750,7 +5752,7 @@
         </p:nvGrpSpPr>
         <p:grpSpPr>
           <a:xfrm>
-            <a:off x="3476923" y="1790754"/>
+            <a:off x="3476923" y="2881190"/>
             <a:ext cx="302386" cy="369332"/>
             <a:chOff x="320518" y="616459"/>
             <a:chExt cx="302386" cy="369332"/>
@@ -5840,7 +5842,7 @@
         </p:nvGrpSpPr>
         <p:grpSpPr>
           <a:xfrm>
-            <a:off x="4117003" y="1802850"/>
+            <a:off x="4117003" y="2893286"/>
             <a:ext cx="296333" cy="369332"/>
             <a:chOff x="326571" y="628555"/>
             <a:chExt cx="296333" cy="369332"/>
@@ -5930,7 +5932,7 @@
         </p:nvGrpSpPr>
         <p:grpSpPr>
           <a:xfrm>
-            <a:off x="4757083" y="1790754"/>
+            <a:off x="4757083" y="2881190"/>
             <a:ext cx="302386" cy="369332"/>
             <a:chOff x="320518" y="616459"/>
             <a:chExt cx="302386" cy="369332"/>
@@ -6020,7 +6022,7 @@
         </p:nvGrpSpPr>
         <p:grpSpPr>
           <a:xfrm>
-            <a:off x="5397163" y="1785906"/>
+            <a:off x="5397163" y="2876342"/>
             <a:ext cx="302386" cy="369332"/>
             <a:chOff x="320518" y="616459"/>
             <a:chExt cx="302386" cy="369332"/>
@@ -6110,7 +6112,7 @@
         </p:nvGrpSpPr>
         <p:grpSpPr>
           <a:xfrm>
-            <a:off x="6037243" y="1786173"/>
+            <a:off x="6037243" y="2876609"/>
             <a:ext cx="302386" cy="369332"/>
             <a:chOff x="6037243" y="2487168"/>
             <a:chExt cx="302386" cy="369332"/>
@@ -6200,7 +6202,7 @@
         </p:nvGrpSpPr>
         <p:grpSpPr>
           <a:xfrm>
-            <a:off x="6677323" y="1800402"/>
+            <a:off x="6677323" y="2890838"/>
             <a:ext cx="296333" cy="369332"/>
             <a:chOff x="326571" y="628555"/>
             <a:chExt cx="296333" cy="369332"/>
@@ -6290,7 +6292,7 @@
         </p:nvSpPr>
         <p:spPr>
           <a:xfrm>
-            <a:off x="7323456" y="1850408"/>
+            <a:off x="7323456" y="2940844"/>
             <a:ext cx="296333" cy="290286"/>
           </a:xfrm>
           <a:prstGeom prst="ellipse">
@@ -6335,7 +6337,7 @@
         </p:nvSpPr>
         <p:spPr>
           <a:xfrm>
-            <a:off x="7317403" y="1786173"/>
+            <a:off x="7317403" y="2876609"/>
             <a:ext cx="175381" cy="369332"/>
           </a:xfrm>
           <a:prstGeom prst="rect">
@@ -6365,7 +6367,7 @@
         </p:nvGrpSpPr>
         <p:grpSpPr>
           <a:xfrm>
-            <a:off x="7957483" y="1790706"/>
+            <a:off x="7957483" y="2881142"/>
             <a:ext cx="296333" cy="369332"/>
             <a:chOff x="326571" y="616459"/>
             <a:chExt cx="296333" cy="369332"/>
@@ -6454,7 +6456,7 @@
         </p:nvGrpSpPr>
         <p:grpSpPr>
           <a:xfrm>
-            <a:off x="2844096" y="2468130"/>
+            <a:off x="2844096" y="3558566"/>
             <a:ext cx="296333" cy="369332"/>
             <a:chOff x="326571" y="628555"/>
             <a:chExt cx="296333" cy="369332"/>
@@ -6547,7 +6549,7 @@
         </p:nvCxnSpPr>
         <p:spPr>
           <a:xfrm flipV="1">
-            <a:off x="1212936" y="1994399"/>
+            <a:off x="1212936" y="3084835"/>
             <a:ext cx="349800" cy="4848"/>
           </a:xfrm>
           <a:prstGeom prst="straightConnector1">
@@ -6587,7 +6589,7 @@
         </p:nvCxnSpPr>
         <p:spPr>
           <a:xfrm>
-            <a:off x="1859069" y="1994399"/>
+            <a:off x="1859069" y="3084835"/>
             <a:ext cx="343747" cy="0"/>
           </a:xfrm>
           <a:prstGeom prst="straightConnector1">
@@ -6627,7 +6629,7 @@
         </p:nvCxnSpPr>
         <p:spPr>
           <a:xfrm>
-            <a:off x="2499149" y="1994399"/>
+            <a:off x="2499149" y="3084835"/>
             <a:ext cx="343747" cy="1200"/>
           </a:xfrm>
           <a:prstGeom prst="straightConnector1">
@@ -6667,7 +6669,7 @@
         </p:nvCxnSpPr>
         <p:spPr>
           <a:xfrm>
-            <a:off x="1815672" y="2097031"/>
+            <a:off x="1815672" y="3187467"/>
             <a:ext cx="431741" cy="461216"/>
           </a:xfrm>
           <a:prstGeom prst="straightConnector1">
@@ -6707,7 +6709,7 @@
         </p:nvCxnSpPr>
         <p:spPr>
           <a:xfrm>
-            <a:off x="3139229" y="1995599"/>
+            <a:off x="3139229" y="3086035"/>
             <a:ext cx="343747" cy="1200"/>
           </a:xfrm>
           <a:prstGeom prst="straightConnector1">
@@ -6747,7 +6749,7 @@
         </p:nvCxnSpPr>
         <p:spPr>
           <a:xfrm>
-            <a:off x="3779309" y="1996799"/>
+            <a:off x="3779309" y="3087235"/>
             <a:ext cx="337694" cy="0"/>
           </a:xfrm>
           <a:prstGeom prst="straightConnector1">
@@ -6787,7 +6789,7 @@
         </p:nvCxnSpPr>
         <p:spPr>
           <a:xfrm>
-            <a:off x="4413336" y="1996799"/>
+            <a:off x="4413336" y="3087235"/>
             <a:ext cx="349800" cy="0"/>
           </a:xfrm>
           <a:prstGeom prst="straightConnector1">
@@ -6827,7 +6829,7 @@
         </p:nvCxnSpPr>
         <p:spPr>
           <a:xfrm flipV="1">
-            <a:off x="5059469" y="1991951"/>
+            <a:off x="5059469" y="3082387"/>
             <a:ext cx="343747" cy="4848"/>
           </a:xfrm>
           <a:prstGeom prst="straightConnector1">
@@ -6867,7 +6869,7 @@
         </p:nvCxnSpPr>
         <p:spPr>
           <a:xfrm>
-            <a:off x="5699549" y="1991951"/>
+            <a:off x="5699549" y="3082387"/>
             <a:ext cx="343747" cy="1200"/>
           </a:xfrm>
           <a:prstGeom prst="straightConnector1">
@@ -6907,7 +6909,7 @@
         </p:nvCxnSpPr>
         <p:spPr>
           <a:xfrm>
-            <a:off x="6339629" y="1993151"/>
+            <a:off x="6339629" y="3083587"/>
             <a:ext cx="337694" cy="1200"/>
           </a:xfrm>
           <a:prstGeom prst="straightConnector1">
@@ -6947,7 +6949,7 @@
         </p:nvCxnSpPr>
         <p:spPr>
           <a:xfrm>
-            <a:off x="6973656" y="1994351"/>
+            <a:off x="6973656" y="3084787"/>
             <a:ext cx="349800" cy="1200"/>
           </a:xfrm>
           <a:prstGeom prst="straightConnector1">
@@ -6987,7 +6989,7 @@
         </p:nvCxnSpPr>
         <p:spPr>
           <a:xfrm>
-            <a:off x="7619789" y="1995551"/>
+            <a:off x="7619789" y="3085987"/>
             <a:ext cx="337694" cy="1200"/>
           </a:xfrm>
           <a:prstGeom prst="straightConnector1">
@@ -7027,7 +7029,7 @@
         </p:nvCxnSpPr>
         <p:spPr>
           <a:xfrm flipV="1">
-            <a:off x="3097032" y="2099431"/>
+            <a:off x="3097032" y="3189867"/>
             <a:ext cx="429341" cy="460016"/>
           </a:xfrm>
           <a:prstGeom prst="straightConnector1">
@@ -7067,7 +7069,7 @@
         </p:nvCxnSpPr>
         <p:spPr>
           <a:xfrm rot="16200000" flipH="1">
-            <a:off x="3627516" y="1214003"/>
+            <a:off x="3627516" y="2304439"/>
             <a:ext cx="1200" cy="1274107"/>
           </a:xfrm>
           <a:prstGeom prst="curvedConnector3">
@@ -7106,7 +7108,7 @@
         </p:nvSpPr>
         <p:spPr>
           <a:xfrm>
-            <a:off x="950668" y="2089915"/>
+            <a:off x="950668" y="3180351"/>
             <a:ext cx="105023" cy="246221"/>
           </a:xfrm>
           <a:prstGeom prst="rect">
@@ -7144,7 +7146,7 @@
         </p:nvSpPr>
         <p:spPr>
           <a:xfrm>
-            <a:off x="1635292" y="2091115"/>
+            <a:off x="1635292" y="3181551"/>
             <a:ext cx="105023" cy="246221"/>
           </a:xfrm>
           <a:prstGeom prst="rect">
@@ -7182,7 +7184,7 @@
         </p:nvSpPr>
         <p:spPr>
           <a:xfrm>
-            <a:off x="2265484" y="2092315"/>
+            <a:off x="2265484" y="3182751"/>
             <a:ext cx="105023" cy="246221"/>
           </a:xfrm>
           <a:prstGeom prst="rect">
@@ -7220,7 +7222,7 @@
         </p:nvSpPr>
         <p:spPr>
           <a:xfrm>
-            <a:off x="2907772" y="2087467"/>
+            <a:off x="2907772" y="3177903"/>
             <a:ext cx="105023" cy="246221"/>
           </a:xfrm>
           <a:prstGeom prst="rect">
@@ -7258,7 +7260,7 @@
         </p:nvSpPr>
         <p:spPr>
           <a:xfrm>
-            <a:off x="3519820" y="2088667"/>
+            <a:off x="3519820" y="3179103"/>
             <a:ext cx="105023" cy="246221"/>
           </a:xfrm>
           <a:prstGeom prst="rect">
@@ -7296,7 +7298,7 @@
         </p:nvSpPr>
         <p:spPr>
           <a:xfrm>
-            <a:off x="4156060" y="2089867"/>
+            <a:off x="4156060" y="3180303"/>
             <a:ext cx="105023" cy="246221"/>
           </a:xfrm>
           <a:prstGeom prst="rect">
@@ -7334,7 +7336,7 @@
         </p:nvSpPr>
         <p:spPr>
           <a:xfrm>
-            <a:off x="4822540" y="2091067"/>
+            <a:off x="4822540" y="3181503"/>
             <a:ext cx="105023" cy="246221"/>
           </a:xfrm>
           <a:prstGeom prst="rect">
@@ -7372,7 +7374,7 @@
         </p:nvSpPr>
         <p:spPr>
           <a:xfrm>
-            <a:off x="5470876" y="2092267"/>
+            <a:off x="5470876" y="3182703"/>
             <a:ext cx="105023" cy="246221"/>
           </a:xfrm>
           <a:prstGeom prst="rect">
@@ -7410,7 +7412,7 @@
         </p:nvSpPr>
         <p:spPr>
           <a:xfrm>
-            <a:off x="6113164" y="2087419"/>
+            <a:off x="6113164" y="3177855"/>
             <a:ext cx="105023" cy="246221"/>
           </a:xfrm>
           <a:prstGeom prst="rect">
@@ -7448,7 +7450,7 @@
         </p:nvSpPr>
         <p:spPr>
           <a:xfrm>
-            <a:off x="6725212" y="2088619"/>
+            <a:off x="6725212" y="3179055"/>
             <a:ext cx="105023" cy="246221"/>
           </a:xfrm>
           <a:prstGeom prst="rect">
@@ -7481,7 +7483,7 @@
         </p:nvSpPr>
         <p:spPr>
           <a:xfrm>
-            <a:off x="7367500" y="2089819"/>
+            <a:off x="7367500" y="3180255"/>
             <a:ext cx="173665" cy="246221"/>
           </a:xfrm>
           <a:prstGeom prst="rect">
@@ -7514,7 +7516,7 @@
         </p:nvSpPr>
         <p:spPr>
           <a:xfrm>
-            <a:off x="7991644" y="2091019"/>
+            <a:off x="7991644" y="3181455"/>
             <a:ext cx="173665" cy="246221"/>
           </a:xfrm>
           <a:prstGeom prst="rect">
@@ -7547,7 +7549,7 @@
         </p:nvSpPr>
         <p:spPr>
           <a:xfrm>
-            <a:off x="2847292" y="2765855"/>
+            <a:off x="2847292" y="3856291"/>
             <a:ext cx="173665" cy="246221"/>
           </a:xfrm>
           <a:prstGeom prst="rect">
@@ -7580,7 +7582,7 @@
         </p:nvGrpSpPr>
         <p:grpSpPr>
           <a:xfrm>
-            <a:off x="2204011" y="2454834"/>
+            <a:off x="2204011" y="3545270"/>
             <a:ext cx="296338" cy="369332"/>
             <a:chOff x="2204011" y="3155829"/>
             <a:chExt cx="296338" cy="369332"/>
@@ -7670,7 +7672,7 @@
         </p:nvSpPr>
         <p:spPr>
           <a:xfrm>
-            <a:off x="2266684" y="2758795"/>
+            <a:off x="2266684" y="3849231"/>
             <a:ext cx="105023" cy="246221"/>
           </a:xfrm>
           <a:prstGeom prst="rect">
@@ -7711,7 +7713,7 @@
         </p:nvCxnSpPr>
         <p:spPr>
           <a:xfrm>
-            <a:off x="2500349" y="2660879"/>
+            <a:off x="2500349" y="3751315"/>
             <a:ext cx="343747" cy="1200"/>
           </a:xfrm>
           <a:prstGeom prst="straightConnector1">
@@ -7748,7 +7750,7 @@
         </p:nvGrpSpPr>
         <p:grpSpPr>
           <a:xfrm>
-            <a:off x="4762065" y="2472978"/>
+            <a:off x="4762065" y="3563414"/>
             <a:ext cx="296333" cy="369332"/>
             <a:chOff x="4762065" y="3173973"/>
             <a:chExt cx="296333" cy="369332"/>
@@ -7838,7 +7840,7 @@
         </p:nvSpPr>
         <p:spPr>
           <a:xfrm>
-            <a:off x="4824733" y="2776939"/>
+            <a:off x="4824733" y="3867375"/>
             <a:ext cx="105023" cy="246221"/>
           </a:xfrm>
           <a:prstGeom prst="rect">
@@ -7879,7 +7881,7 @@
         </p:nvCxnSpPr>
         <p:spPr>
           <a:xfrm>
-            <a:off x="4369939" y="2099431"/>
+            <a:off x="4369939" y="3189867"/>
             <a:ext cx="435523" cy="476960"/>
           </a:xfrm>
           <a:prstGeom prst="straightConnector1">
@@ -7919,7 +7921,7 @@
         </p:nvCxnSpPr>
         <p:spPr>
           <a:xfrm flipV="1">
-            <a:off x="5015001" y="2095783"/>
+            <a:off x="5015001" y="3186219"/>
             <a:ext cx="1071692" cy="480608"/>
           </a:xfrm>
           <a:prstGeom prst="straightConnector1">
@@ -7956,7 +7958,7 @@
         </p:nvSpPr>
         <p:spPr>
           <a:xfrm>
-            <a:off x="873244" y="1631467"/>
+            <a:off x="873244" y="2721903"/>
             <a:ext cx="414899" cy="246221"/>
           </a:xfrm>
           <a:prstGeom prst="rect">
@@ -7995,13 +7997,13 @@
           <p:nvPr>
             <p:extLst>
               <p:ext uri="{D42A27DB-BD31-4B8C-83A1-F6EECF244321}">
-                <p14:modId xmlns:p14="http://schemas.microsoft.com/office/powerpoint/2010/main" val="205539274"/>
+                <p14:modId xmlns:p14="http://schemas.microsoft.com/office/powerpoint/2010/main" val="1136891318"/>
               </p:ext>
             </p:extLst>
           </p:nvPr>
         </p:nvGraphicFramePr>
         <p:xfrm>
-          <a:off x="792243" y="3070934"/>
+          <a:off x="792243" y="4852866"/>
           <a:ext cx="7668368" cy="1630679"/>
         </p:xfrm>
         <a:graphic>
@@ -10416,7 +10418,7 @@
         </p:nvSpPr>
         <p:spPr>
           <a:xfrm>
-            <a:off x="1554466" y="1632667"/>
+            <a:off x="1554466" y="2723103"/>
             <a:ext cx="332953" cy="246221"/>
           </a:xfrm>
           <a:prstGeom prst="rect">
@@ -10454,7 +10456,7 @@
         </p:nvSpPr>
         <p:spPr>
           <a:xfrm>
-            <a:off x="1964283" y="1633867"/>
+            <a:off x="1964283" y="2724303"/>
             <a:ext cx="757141" cy="246221"/>
           </a:xfrm>
           <a:prstGeom prst="rect">
@@ -10492,7 +10494,7 @@
         </p:nvSpPr>
         <p:spPr>
           <a:xfrm>
-            <a:off x="2080396" y="2288251"/>
+            <a:off x="2080396" y="3378687"/>
             <a:ext cx="532176" cy="246221"/>
           </a:xfrm>
           <a:prstGeom prst="rect">
@@ -10530,7 +10532,7 @@
         </p:nvSpPr>
         <p:spPr>
           <a:xfrm>
-            <a:off x="2752924" y="2283403"/>
+            <a:off x="2752924" y="3373839"/>
             <a:ext cx="532176" cy="246221"/>
           </a:xfrm>
           <a:prstGeom prst="rect">
@@ -10568,7 +10570,7 @@
         </p:nvSpPr>
         <p:spPr>
           <a:xfrm>
-            <a:off x="2667051" y="1495963"/>
+            <a:off x="2667051" y="2586399"/>
             <a:ext cx="757141" cy="246221"/>
           </a:xfrm>
           <a:prstGeom prst="rect">
@@ -10606,7 +10608,7 @@
         </p:nvSpPr>
         <p:spPr>
           <a:xfrm>
-            <a:off x="3392811" y="1635067"/>
+            <a:off x="3392811" y="2725503"/>
             <a:ext cx="513506" cy="246221"/>
           </a:xfrm>
           <a:prstGeom prst="rect">
@@ -10644,7 +10646,7 @@
         </p:nvSpPr>
         <p:spPr>
           <a:xfrm>
-            <a:off x="4180251" y="1630219"/>
+            <a:off x="4180251" y="2720655"/>
             <a:ext cx="513506" cy="246221"/>
           </a:xfrm>
           <a:prstGeom prst="rect">
@@ -10682,7 +10684,7 @@
         </p:nvSpPr>
         <p:spPr>
           <a:xfrm>
-            <a:off x="4598762" y="1631419"/>
+            <a:off x="4598762" y="2721855"/>
             <a:ext cx="632429" cy="246221"/>
           </a:xfrm>
           <a:prstGeom prst="rect">
@@ -10720,7 +10722,7 @@
         </p:nvSpPr>
         <p:spPr>
           <a:xfrm>
-            <a:off x="5289435" y="1632619"/>
+            <a:off x="5289435" y="2723055"/>
             <a:ext cx="528376" cy="246221"/>
           </a:xfrm>
           <a:prstGeom prst="rect">
@@ -10758,7 +10760,7 @@
         </p:nvSpPr>
         <p:spPr>
           <a:xfrm>
-            <a:off x="5955915" y="1633819"/>
+            <a:off x="5955915" y="2724255"/>
             <a:ext cx="454562" cy="246221"/>
           </a:xfrm>
           <a:prstGeom prst="rect">
@@ -10796,7 +10798,7 @@
         </p:nvSpPr>
         <p:spPr>
           <a:xfrm>
-            <a:off x="6616347" y="1635019"/>
+            <a:off x="6616347" y="2725455"/>
             <a:ext cx="454562" cy="246221"/>
           </a:xfrm>
           <a:prstGeom prst="rect">
@@ -10834,7 +10836,7 @@
         </p:nvSpPr>
         <p:spPr>
           <a:xfrm>
-            <a:off x="7305818" y="1635019"/>
+            <a:off x="7305818" y="2725455"/>
             <a:ext cx="397447" cy="246221"/>
           </a:xfrm>
           <a:prstGeom prst="rect">
@@ -10872,7 +10874,7 @@
         </p:nvSpPr>
         <p:spPr>
           <a:xfrm>
-            <a:off x="7984394" y="1630171"/>
+            <a:off x="7984394" y="2720607"/>
             <a:ext cx="259539" cy="246221"/>
           </a:xfrm>
           <a:prstGeom prst="rect">
@@ -10910,7 +10912,7 @@
         </p:nvSpPr>
         <p:spPr>
           <a:xfrm>
-            <a:off x="4616908" y="2284603"/>
+            <a:off x="4616908" y="3375039"/>
             <a:ext cx="756068" cy="246221"/>
           </a:xfrm>
           <a:prstGeom prst="rect">
@@ -10951,7 +10953,5128 @@
         </p:nvCxnSpPr>
         <p:spPr>
           <a:xfrm flipV="1">
-            <a:off x="5058398" y="2140694"/>
+            <a:off x="5058398" y="3231130"/>
+            <a:ext cx="2413225" cy="538329"/>
+          </a:xfrm>
+          <a:prstGeom prst="straightConnector1">
+            <a:avLst/>
+          </a:prstGeom>
+          <a:ln w="12700">
+            <a:solidFill>
+              <a:schemeClr val="tx1"/>
+            </a:solidFill>
+            <a:tailEnd type="triangle" w="sm" len="sm"/>
+          </a:ln>
+          <a:effectLst/>
+        </p:spPr>
+        <p:style>
+          <a:lnRef idx="2">
+            <a:schemeClr val="accent1"/>
+          </a:lnRef>
+          <a:fillRef idx="0">
+            <a:schemeClr val="accent1"/>
+          </a:fillRef>
+          <a:effectRef idx="1">
+            <a:schemeClr val="accent1"/>
+          </a:effectRef>
+          <a:fontRef idx="minor">
+            <a:schemeClr val="tx1"/>
+          </a:fontRef>
+        </p:style>
+      </p:cxnSp>
+    </p:spTree>
+    <p:extLst>
+      <p:ext uri="{BB962C8B-B14F-4D97-AF65-F5344CB8AC3E}">
+        <p14:creationId xmlns:p14="http://schemas.microsoft.com/office/powerpoint/2010/main" val="1352909451"/>
+      </p:ext>
+    </p:extLst>
+  </p:cSld>
+  <p:clrMapOvr>
+    <a:masterClrMapping/>
+  </p:clrMapOvr>
+</p:sld>
+</file>
+
+<file path=ppt/slides/slide2.xml><?xml version="1.0" encoding="utf-8"?>
+<p:sld xmlns:a="http://schemas.openxmlformats.org/drawingml/2006/main" xmlns:r="http://schemas.openxmlformats.org/officeDocument/2006/relationships" xmlns:p="http://schemas.openxmlformats.org/presentationml/2006/main">
+  <p:cSld>
+    <p:spTree>
+      <p:nvGrpSpPr>
+        <p:cNvPr id="1" name=""/>
+        <p:cNvGrpSpPr/>
+        <p:nvPr/>
+      </p:nvGrpSpPr>
+      <p:grpSpPr>
+        <a:xfrm>
+          <a:off x="0" y="0"/>
+          <a:ext cx="0" cy="0"/>
+          <a:chOff x="0" y="0"/>
+          <a:chExt cx="0" cy="0"/>
+        </a:xfrm>
+      </p:grpSpPr>
+      <p:grpSp>
+        <p:nvGrpSpPr>
+          <p:cNvPr id="7" name="Group 6"/>
+          <p:cNvGrpSpPr/>
+          <p:nvPr/>
+        </p:nvGrpSpPr>
+        <p:grpSpPr>
+          <a:xfrm>
+            <a:off x="1209740" y="573706"/>
+            <a:ext cx="302386" cy="369332"/>
+            <a:chOff x="320518" y="616459"/>
+            <a:chExt cx="302386" cy="369332"/>
+          </a:xfrm>
+        </p:grpSpPr>
+        <p:sp>
+          <p:nvSpPr>
+            <p:cNvPr id="8" name="Oval 7"/>
+            <p:cNvSpPr/>
+            <p:nvPr/>
+          </p:nvSpPr>
+          <p:spPr>
+            <a:xfrm>
+              <a:off x="326571" y="677361"/>
+              <a:ext cx="296333" cy="290286"/>
+            </a:xfrm>
+            <a:prstGeom prst="ellipse">
+              <a:avLst/>
+            </a:prstGeom>
+            <a:noFill/>
+            <a:ln>
+              <a:solidFill>
+                <a:schemeClr val="tx1"/>
+              </a:solidFill>
+            </a:ln>
+            <a:effectLst/>
+          </p:spPr>
+          <p:style>
+            <a:lnRef idx="1">
+              <a:schemeClr val="accent1"/>
+            </a:lnRef>
+            <a:fillRef idx="3">
+              <a:schemeClr val="accent1"/>
+            </a:fillRef>
+            <a:effectRef idx="2">
+              <a:schemeClr val="accent1"/>
+            </a:effectRef>
+            <a:fontRef idx="minor">
+              <a:schemeClr val="lt1"/>
+            </a:fontRef>
+          </p:style>
+          <p:txBody>
+            <a:bodyPr rtlCol="0" anchor="ctr"/>
+            <a:lstStyle/>
+            <a:p>
+              <a:pPr algn="ctr"/>
+              <a:endParaRPr lang="en-US" sz="1600" dirty="0"/>
+            </a:p>
+          </p:txBody>
+        </p:sp>
+        <p:sp>
+          <p:nvSpPr>
+            <p:cNvPr id="9" name="TextBox 8"/>
+            <p:cNvSpPr txBox="1"/>
+            <p:nvPr/>
+          </p:nvSpPr>
+          <p:spPr>
+            <a:xfrm>
+              <a:off x="320518" y="616459"/>
+              <a:ext cx="175381" cy="369332"/>
+            </a:xfrm>
+            <a:prstGeom prst="rect">
+              <a:avLst/>
+            </a:prstGeom>
+            <a:noFill/>
+          </p:spPr>
+          <p:txBody>
+            <a:bodyPr wrap="square" rtlCol="0">
+              <a:spAutoFit/>
+            </a:bodyPr>
+            <a:lstStyle/>
+            <a:p>
+              <a:r>
+                <a:rPr lang="en-US" dirty="0" smtClean="0"/>
+                <a:t>G</a:t>
+              </a:r>
+              <a:endParaRPr lang="en-US" dirty="0"/>
+            </a:p>
+          </p:txBody>
+        </p:sp>
+      </p:grpSp>
+      <p:grpSp>
+        <p:nvGrpSpPr>
+          <p:cNvPr id="10" name="Group 9"/>
+          <p:cNvGrpSpPr/>
+          <p:nvPr/>
+        </p:nvGrpSpPr>
+        <p:grpSpPr>
+          <a:xfrm>
+            <a:off x="1849820" y="573706"/>
+            <a:ext cx="302386" cy="369332"/>
+            <a:chOff x="320518" y="616459"/>
+            <a:chExt cx="302386" cy="369332"/>
+          </a:xfrm>
+        </p:grpSpPr>
+        <p:sp>
+          <p:nvSpPr>
+            <p:cNvPr id="11" name="Oval 10"/>
+            <p:cNvSpPr/>
+            <p:nvPr/>
+          </p:nvSpPr>
+          <p:spPr>
+            <a:xfrm>
+              <a:off x="326571" y="677361"/>
+              <a:ext cx="296333" cy="290286"/>
+            </a:xfrm>
+            <a:prstGeom prst="ellipse">
+              <a:avLst/>
+            </a:prstGeom>
+            <a:noFill/>
+            <a:ln>
+              <a:solidFill>
+                <a:schemeClr val="tx1"/>
+              </a:solidFill>
+            </a:ln>
+            <a:effectLst/>
+          </p:spPr>
+          <p:style>
+            <a:lnRef idx="1">
+              <a:schemeClr val="accent1"/>
+            </a:lnRef>
+            <a:fillRef idx="3">
+              <a:schemeClr val="accent1"/>
+            </a:fillRef>
+            <a:effectRef idx="2">
+              <a:schemeClr val="accent1"/>
+            </a:effectRef>
+            <a:fontRef idx="minor">
+              <a:schemeClr val="lt1"/>
+            </a:fontRef>
+          </p:style>
+          <p:txBody>
+            <a:bodyPr rtlCol="0" anchor="ctr"/>
+            <a:lstStyle/>
+            <a:p>
+              <a:pPr algn="ctr"/>
+              <a:endParaRPr lang="en-US" sz="1600" dirty="0"/>
+            </a:p>
+          </p:txBody>
+        </p:sp>
+        <p:sp>
+          <p:nvSpPr>
+            <p:cNvPr id="12" name="TextBox 11"/>
+            <p:cNvSpPr txBox="1"/>
+            <p:nvPr/>
+          </p:nvSpPr>
+          <p:spPr>
+            <a:xfrm>
+              <a:off x="320518" y="616459"/>
+              <a:ext cx="175381" cy="369332"/>
+            </a:xfrm>
+            <a:prstGeom prst="rect">
+              <a:avLst/>
+            </a:prstGeom>
+            <a:noFill/>
+          </p:spPr>
+          <p:txBody>
+            <a:bodyPr wrap="square" rtlCol="0">
+              <a:spAutoFit/>
+            </a:bodyPr>
+            <a:lstStyle/>
+            <a:p>
+              <a:r>
+                <a:rPr lang="en-US" dirty="0" smtClean="0"/>
+                <a:t>A</a:t>
+              </a:r>
+              <a:endParaRPr lang="en-US" dirty="0"/>
+            </a:p>
+          </p:txBody>
+        </p:sp>
+      </p:grpSp>
+      <p:grpSp>
+        <p:nvGrpSpPr>
+          <p:cNvPr id="13" name="Group 12"/>
+          <p:cNvGrpSpPr/>
+          <p:nvPr/>
+        </p:nvGrpSpPr>
+        <p:grpSpPr>
+          <a:xfrm>
+            <a:off x="2489900" y="574906"/>
+            <a:ext cx="302386" cy="369332"/>
+            <a:chOff x="320518" y="616459"/>
+            <a:chExt cx="302386" cy="369332"/>
+          </a:xfrm>
+        </p:grpSpPr>
+        <p:sp>
+          <p:nvSpPr>
+            <p:cNvPr id="14" name="Oval 13"/>
+            <p:cNvSpPr/>
+            <p:nvPr/>
+          </p:nvSpPr>
+          <p:spPr>
+            <a:xfrm>
+              <a:off x="326571" y="677361"/>
+              <a:ext cx="296333" cy="290286"/>
+            </a:xfrm>
+            <a:prstGeom prst="ellipse">
+              <a:avLst/>
+            </a:prstGeom>
+            <a:noFill/>
+            <a:ln>
+              <a:solidFill>
+                <a:schemeClr val="tx1"/>
+              </a:solidFill>
+            </a:ln>
+            <a:effectLst/>
+          </p:spPr>
+          <p:style>
+            <a:lnRef idx="1">
+              <a:schemeClr val="accent1"/>
+            </a:lnRef>
+            <a:fillRef idx="3">
+              <a:schemeClr val="accent1"/>
+            </a:fillRef>
+            <a:effectRef idx="2">
+              <a:schemeClr val="accent1"/>
+            </a:effectRef>
+            <a:fontRef idx="minor">
+              <a:schemeClr val="lt1"/>
+            </a:fontRef>
+          </p:style>
+          <p:txBody>
+            <a:bodyPr rtlCol="0" anchor="ctr"/>
+            <a:lstStyle/>
+            <a:p>
+              <a:pPr algn="ctr"/>
+              <a:endParaRPr lang="en-US" sz="1600" dirty="0"/>
+            </a:p>
+          </p:txBody>
+        </p:sp>
+        <p:sp>
+          <p:nvSpPr>
+            <p:cNvPr id="15" name="TextBox 14"/>
+            <p:cNvSpPr txBox="1"/>
+            <p:nvPr/>
+          </p:nvSpPr>
+          <p:spPr>
+            <a:xfrm>
+              <a:off x="320518" y="616459"/>
+              <a:ext cx="175381" cy="369332"/>
+            </a:xfrm>
+            <a:prstGeom prst="rect">
+              <a:avLst/>
+            </a:prstGeom>
+            <a:noFill/>
+          </p:spPr>
+          <p:txBody>
+            <a:bodyPr wrap="square" rtlCol="0">
+              <a:spAutoFit/>
+            </a:bodyPr>
+            <a:lstStyle/>
+            <a:p>
+              <a:r>
+                <a:rPr lang="en-US" dirty="0" smtClean="0"/>
+                <a:t>C</a:t>
+              </a:r>
+              <a:endParaRPr lang="en-US" dirty="0"/>
+            </a:p>
+          </p:txBody>
+        </p:sp>
+      </p:grpSp>
+      <p:grpSp>
+        <p:nvGrpSpPr>
+          <p:cNvPr id="16" name="Group 15"/>
+          <p:cNvGrpSpPr/>
+          <p:nvPr/>
+        </p:nvGrpSpPr>
+        <p:grpSpPr>
+          <a:xfrm>
+            <a:off x="3129980" y="576106"/>
+            <a:ext cx="302386" cy="369332"/>
+            <a:chOff x="320518" y="616459"/>
+            <a:chExt cx="302386" cy="369332"/>
+          </a:xfrm>
+        </p:grpSpPr>
+        <p:sp>
+          <p:nvSpPr>
+            <p:cNvPr id="17" name="Oval 16"/>
+            <p:cNvSpPr/>
+            <p:nvPr/>
+          </p:nvSpPr>
+          <p:spPr>
+            <a:xfrm>
+              <a:off x="326571" y="677361"/>
+              <a:ext cx="296333" cy="290286"/>
+            </a:xfrm>
+            <a:prstGeom prst="ellipse">
+              <a:avLst/>
+            </a:prstGeom>
+            <a:noFill/>
+            <a:ln>
+              <a:solidFill>
+                <a:schemeClr val="tx1"/>
+              </a:solidFill>
+            </a:ln>
+            <a:effectLst/>
+          </p:spPr>
+          <p:style>
+            <a:lnRef idx="1">
+              <a:schemeClr val="accent1"/>
+            </a:lnRef>
+            <a:fillRef idx="3">
+              <a:schemeClr val="accent1"/>
+            </a:fillRef>
+            <a:effectRef idx="2">
+              <a:schemeClr val="accent1"/>
+            </a:effectRef>
+            <a:fontRef idx="minor">
+              <a:schemeClr val="lt1"/>
+            </a:fontRef>
+          </p:style>
+          <p:txBody>
+            <a:bodyPr rtlCol="0" anchor="ctr"/>
+            <a:lstStyle/>
+            <a:p>
+              <a:pPr algn="ctr"/>
+              <a:endParaRPr lang="en-US" sz="1600" dirty="0"/>
+            </a:p>
+          </p:txBody>
+        </p:sp>
+        <p:sp>
+          <p:nvSpPr>
+            <p:cNvPr id="18" name="TextBox 17"/>
+            <p:cNvSpPr txBox="1"/>
+            <p:nvPr/>
+          </p:nvSpPr>
+          <p:spPr>
+            <a:xfrm>
+              <a:off x="320518" y="616459"/>
+              <a:ext cx="175381" cy="369332"/>
+            </a:xfrm>
+            <a:prstGeom prst="rect">
+              <a:avLst/>
+            </a:prstGeom>
+            <a:noFill/>
+          </p:spPr>
+          <p:txBody>
+            <a:bodyPr wrap="square" rtlCol="0">
+              <a:spAutoFit/>
+            </a:bodyPr>
+            <a:lstStyle/>
+            <a:p>
+              <a:r>
+                <a:rPr lang="en-US" dirty="0" smtClean="0"/>
+                <a:t>G</a:t>
+              </a:r>
+              <a:endParaRPr lang="en-US" dirty="0"/>
+            </a:p>
+          </p:txBody>
+        </p:sp>
+      </p:grpSp>
+      <p:grpSp>
+        <p:nvGrpSpPr>
+          <p:cNvPr id="19" name="Group 18"/>
+          <p:cNvGrpSpPr/>
+          <p:nvPr/>
+        </p:nvGrpSpPr>
+        <p:grpSpPr>
+          <a:xfrm>
+            <a:off x="3770060" y="588202"/>
+            <a:ext cx="296333" cy="369332"/>
+            <a:chOff x="326571" y="628555"/>
+            <a:chExt cx="296333" cy="369332"/>
+          </a:xfrm>
+        </p:grpSpPr>
+        <p:sp>
+          <p:nvSpPr>
+            <p:cNvPr id="20" name="Oval 19"/>
+            <p:cNvSpPr/>
+            <p:nvPr/>
+          </p:nvSpPr>
+          <p:spPr>
+            <a:xfrm>
+              <a:off x="326571" y="677361"/>
+              <a:ext cx="296333" cy="290286"/>
+            </a:xfrm>
+            <a:prstGeom prst="ellipse">
+              <a:avLst/>
+            </a:prstGeom>
+            <a:noFill/>
+            <a:ln>
+              <a:solidFill>
+                <a:schemeClr val="tx1"/>
+              </a:solidFill>
+            </a:ln>
+            <a:effectLst/>
+          </p:spPr>
+          <p:style>
+            <a:lnRef idx="1">
+              <a:schemeClr val="accent1"/>
+            </a:lnRef>
+            <a:fillRef idx="3">
+              <a:schemeClr val="accent1"/>
+            </a:fillRef>
+            <a:effectRef idx="2">
+              <a:schemeClr val="accent1"/>
+            </a:effectRef>
+            <a:fontRef idx="minor">
+              <a:schemeClr val="lt1"/>
+            </a:fontRef>
+          </p:style>
+          <p:txBody>
+            <a:bodyPr rtlCol="0" anchor="ctr"/>
+            <a:lstStyle/>
+            <a:p>
+              <a:pPr algn="ctr"/>
+              <a:endParaRPr lang="en-US" sz="1600" dirty="0"/>
+            </a:p>
+          </p:txBody>
+        </p:sp>
+        <p:sp>
+          <p:nvSpPr>
+            <p:cNvPr id="21" name="TextBox 20"/>
+            <p:cNvSpPr txBox="1"/>
+            <p:nvPr/>
+          </p:nvSpPr>
+          <p:spPr>
+            <a:xfrm>
+              <a:off x="332614" y="628555"/>
+              <a:ext cx="175381" cy="369332"/>
+            </a:xfrm>
+            <a:prstGeom prst="rect">
+              <a:avLst/>
+            </a:prstGeom>
+            <a:noFill/>
+          </p:spPr>
+          <p:txBody>
+            <a:bodyPr wrap="square" rtlCol="0">
+              <a:spAutoFit/>
+            </a:bodyPr>
+            <a:lstStyle/>
+            <a:p>
+              <a:r>
+                <a:rPr lang="en-US" dirty="0" smtClean="0"/>
+                <a:t>T</a:t>
+              </a:r>
+              <a:endParaRPr lang="en-US" dirty="0"/>
+            </a:p>
+          </p:txBody>
+        </p:sp>
+      </p:grpSp>
+      <p:grpSp>
+        <p:nvGrpSpPr>
+          <p:cNvPr id="22" name="Group 21"/>
+          <p:cNvGrpSpPr/>
+          <p:nvPr/>
+        </p:nvGrpSpPr>
+        <p:grpSpPr>
+          <a:xfrm>
+            <a:off x="4410140" y="576106"/>
+            <a:ext cx="302386" cy="369332"/>
+            <a:chOff x="320518" y="616459"/>
+            <a:chExt cx="302386" cy="369332"/>
+          </a:xfrm>
+        </p:grpSpPr>
+        <p:sp>
+          <p:nvSpPr>
+            <p:cNvPr id="23" name="Oval 22"/>
+            <p:cNvSpPr/>
+            <p:nvPr/>
+          </p:nvSpPr>
+          <p:spPr>
+            <a:xfrm>
+              <a:off x="326571" y="677361"/>
+              <a:ext cx="296333" cy="290286"/>
+            </a:xfrm>
+            <a:prstGeom prst="ellipse">
+              <a:avLst/>
+            </a:prstGeom>
+            <a:noFill/>
+            <a:ln>
+              <a:solidFill>
+                <a:schemeClr val="tx1"/>
+              </a:solidFill>
+            </a:ln>
+            <a:effectLst/>
+          </p:spPr>
+          <p:style>
+            <a:lnRef idx="1">
+              <a:schemeClr val="accent1"/>
+            </a:lnRef>
+            <a:fillRef idx="3">
+              <a:schemeClr val="accent1"/>
+            </a:fillRef>
+            <a:effectRef idx="2">
+              <a:schemeClr val="accent1"/>
+            </a:effectRef>
+            <a:fontRef idx="minor">
+              <a:schemeClr val="lt1"/>
+            </a:fontRef>
+          </p:style>
+          <p:txBody>
+            <a:bodyPr rtlCol="0" anchor="ctr"/>
+            <a:lstStyle/>
+            <a:p>
+              <a:pPr algn="ctr"/>
+              <a:endParaRPr lang="en-US" sz="1600" dirty="0"/>
+            </a:p>
+          </p:txBody>
+        </p:sp>
+        <p:sp>
+          <p:nvSpPr>
+            <p:cNvPr id="24" name="TextBox 23"/>
+            <p:cNvSpPr txBox="1"/>
+            <p:nvPr/>
+          </p:nvSpPr>
+          <p:spPr>
+            <a:xfrm>
+              <a:off x="320518" y="616459"/>
+              <a:ext cx="175381" cy="369332"/>
+            </a:xfrm>
+            <a:prstGeom prst="rect">
+              <a:avLst/>
+            </a:prstGeom>
+            <a:noFill/>
+          </p:spPr>
+          <p:txBody>
+            <a:bodyPr wrap="square" rtlCol="0">
+              <a:spAutoFit/>
+            </a:bodyPr>
+            <a:lstStyle/>
+            <a:p>
+              <a:r>
+                <a:rPr lang="en-US" dirty="0" smtClean="0"/>
+                <a:t>A</a:t>
+              </a:r>
+              <a:endParaRPr lang="en-US" dirty="0"/>
+            </a:p>
+          </p:txBody>
+        </p:sp>
+      </p:grpSp>
+      <p:grpSp>
+        <p:nvGrpSpPr>
+          <p:cNvPr id="25" name="Group 24"/>
+          <p:cNvGrpSpPr/>
+          <p:nvPr/>
+        </p:nvGrpSpPr>
+        <p:grpSpPr>
+          <a:xfrm>
+            <a:off x="5050220" y="571258"/>
+            <a:ext cx="302386" cy="369332"/>
+            <a:chOff x="320518" y="616459"/>
+            <a:chExt cx="302386" cy="369332"/>
+          </a:xfrm>
+        </p:grpSpPr>
+        <p:sp>
+          <p:nvSpPr>
+            <p:cNvPr id="26" name="Oval 25"/>
+            <p:cNvSpPr/>
+            <p:nvPr/>
+          </p:nvSpPr>
+          <p:spPr>
+            <a:xfrm>
+              <a:off x="326571" y="677361"/>
+              <a:ext cx="296333" cy="290286"/>
+            </a:xfrm>
+            <a:prstGeom prst="ellipse">
+              <a:avLst/>
+            </a:prstGeom>
+            <a:noFill/>
+            <a:ln>
+              <a:solidFill>
+                <a:schemeClr val="tx1"/>
+              </a:solidFill>
+            </a:ln>
+            <a:effectLst/>
+          </p:spPr>
+          <p:style>
+            <a:lnRef idx="1">
+              <a:schemeClr val="accent1"/>
+            </a:lnRef>
+            <a:fillRef idx="3">
+              <a:schemeClr val="accent1"/>
+            </a:fillRef>
+            <a:effectRef idx="2">
+              <a:schemeClr val="accent1"/>
+            </a:effectRef>
+            <a:fontRef idx="minor">
+              <a:schemeClr val="lt1"/>
+            </a:fontRef>
+          </p:style>
+          <p:txBody>
+            <a:bodyPr rtlCol="0" anchor="ctr"/>
+            <a:lstStyle/>
+            <a:p>
+              <a:pPr algn="ctr"/>
+              <a:endParaRPr lang="en-US" sz="1600" dirty="0"/>
+            </a:p>
+          </p:txBody>
+        </p:sp>
+        <p:sp>
+          <p:nvSpPr>
+            <p:cNvPr id="27" name="TextBox 26"/>
+            <p:cNvSpPr txBox="1"/>
+            <p:nvPr/>
+          </p:nvSpPr>
+          <p:spPr>
+            <a:xfrm>
+              <a:off x="320518" y="616459"/>
+              <a:ext cx="175381" cy="369332"/>
+            </a:xfrm>
+            <a:prstGeom prst="rect">
+              <a:avLst/>
+            </a:prstGeom>
+            <a:noFill/>
+          </p:spPr>
+          <p:txBody>
+            <a:bodyPr wrap="square" rtlCol="0">
+              <a:spAutoFit/>
+            </a:bodyPr>
+            <a:lstStyle/>
+            <a:p>
+              <a:r>
+                <a:rPr lang="en-US" dirty="0" smtClean="0"/>
+                <a:t>C</a:t>
+              </a:r>
+              <a:endParaRPr lang="en-US" dirty="0"/>
+            </a:p>
+          </p:txBody>
+        </p:sp>
+      </p:grpSp>
+      <p:grpSp>
+        <p:nvGrpSpPr>
+          <p:cNvPr id="29" name="Group 28"/>
+          <p:cNvGrpSpPr/>
+          <p:nvPr/>
+        </p:nvGrpSpPr>
+        <p:grpSpPr>
+          <a:xfrm>
+            <a:off x="5690300" y="572458"/>
+            <a:ext cx="302386" cy="369332"/>
+            <a:chOff x="320518" y="616459"/>
+            <a:chExt cx="302386" cy="369332"/>
+          </a:xfrm>
+        </p:grpSpPr>
+        <p:sp>
+          <p:nvSpPr>
+            <p:cNvPr id="30" name="Oval 29"/>
+            <p:cNvSpPr/>
+            <p:nvPr/>
+          </p:nvSpPr>
+          <p:spPr>
+            <a:xfrm>
+              <a:off x="326571" y="677361"/>
+              <a:ext cx="296333" cy="290286"/>
+            </a:xfrm>
+            <a:prstGeom prst="ellipse">
+              <a:avLst/>
+            </a:prstGeom>
+            <a:noFill/>
+            <a:ln>
+              <a:solidFill>
+                <a:schemeClr val="tx1"/>
+              </a:solidFill>
+            </a:ln>
+            <a:effectLst/>
+          </p:spPr>
+          <p:style>
+            <a:lnRef idx="1">
+              <a:schemeClr val="accent1"/>
+            </a:lnRef>
+            <a:fillRef idx="3">
+              <a:schemeClr val="accent1"/>
+            </a:fillRef>
+            <a:effectRef idx="2">
+              <a:schemeClr val="accent1"/>
+            </a:effectRef>
+            <a:fontRef idx="minor">
+              <a:schemeClr val="lt1"/>
+            </a:fontRef>
+          </p:style>
+          <p:txBody>
+            <a:bodyPr rtlCol="0" anchor="ctr"/>
+            <a:lstStyle/>
+            <a:p>
+              <a:pPr algn="ctr"/>
+              <a:endParaRPr lang="en-US" sz="1600" dirty="0"/>
+            </a:p>
+          </p:txBody>
+        </p:sp>
+        <p:sp>
+          <p:nvSpPr>
+            <p:cNvPr id="31" name="TextBox 30"/>
+            <p:cNvSpPr txBox="1"/>
+            <p:nvPr/>
+          </p:nvSpPr>
+          <p:spPr>
+            <a:xfrm>
+              <a:off x="320518" y="616459"/>
+              <a:ext cx="175381" cy="369332"/>
+            </a:xfrm>
+            <a:prstGeom prst="rect">
+              <a:avLst/>
+            </a:prstGeom>
+            <a:noFill/>
+          </p:spPr>
+          <p:txBody>
+            <a:bodyPr wrap="square" rtlCol="0">
+              <a:spAutoFit/>
+            </a:bodyPr>
+            <a:lstStyle/>
+            <a:p>
+              <a:r>
+                <a:rPr lang="en-US" dirty="0" smtClean="0"/>
+                <a:t>C</a:t>
+              </a:r>
+              <a:endParaRPr lang="en-US" dirty="0"/>
+            </a:p>
+          </p:txBody>
+        </p:sp>
+      </p:grpSp>
+      <p:grpSp>
+        <p:nvGrpSpPr>
+          <p:cNvPr id="32" name="Group 31"/>
+          <p:cNvGrpSpPr/>
+          <p:nvPr/>
+        </p:nvGrpSpPr>
+        <p:grpSpPr>
+          <a:xfrm>
+            <a:off x="6330380" y="585754"/>
+            <a:ext cx="296333" cy="369332"/>
+            <a:chOff x="326571" y="628555"/>
+            <a:chExt cx="296333" cy="369332"/>
+          </a:xfrm>
+        </p:grpSpPr>
+        <p:sp>
+          <p:nvSpPr>
+            <p:cNvPr id="33" name="Oval 32"/>
+            <p:cNvSpPr/>
+            <p:nvPr/>
+          </p:nvSpPr>
+          <p:spPr>
+            <a:xfrm>
+              <a:off x="326571" y="677361"/>
+              <a:ext cx="296333" cy="290286"/>
+            </a:xfrm>
+            <a:prstGeom prst="ellipse">
+              <a:avLst/>
+            </a:prstGeom>
+            <a:noFill/>
+            <a:ln>
+              <a:solidFill>
+                <a:schemeClr val="tx1"/>
+              </a:solidFill>
+            </a:ln>
+            <a:effectLst/>
+          </p:spPr>
+          <p:style>
+            <a:lnRef idx="1">
+              <a:schemeClr val="accent1"/>
+            </a:lnRef>
+            <a:fillRef idx="3">
+              <a:schemeClr val="accent1"/>
+            </a:fillRef>
+            <a:effectRef idx="2">
+              <a:schemeClr val="accent1"/>
+            </a:effectRef>
+            <a:fontRef idx="minor">
+              <a:schemeClr val="lt1"/>
+            </a:fontRef>
+          </p:style>
+          <p:txBody>
+            <a:bodyPr rtlCol="0" anchor="ctr"/>
+            <a:lstStyle/>
+            <a:p>
+              <a:pPr algn="ctr"/>
+              <a:endParaRPr lang="en-US" sz="1600" dirty="0"/>
+            </a:p>
+          </p:txBody>
+        </p:sp>
+        <p:sp>
+          <p:nvSpPr>
+            <p:cNvPr id="34" name="TextBox 33"/>
+            <p:cNvSpPr txBox="1"/>
+            <p:nvPr/>
+          </p:nvSpPr>
+          <p:spPr>
+            <a:xfrm>
+              <a:off x="338662" y="628555"/>
+              <a:ext cx="175381" cy="369332"/>
+            </a:xfrm>
+            <a:prstGeom prst="rect">
+              <a:avLst/>
+            </a:prstGeom>
+            <a:noFill/>
+          </p:spPr>
+          <p:txBody>
+            <a:bodyPr wrap="square" rtlCol="0">
+              <a:spAutoFit/>
+            </a:bodyPr>
+            <a:lstStyle/>
+            <a:p>
+              <a:r>
+                <a:rPr lang="en-US" dirty="0" smtClean="0"/>
+                <a:t>T</a:t>
+              </a:r>
+              <a:endParaRPr lang="en-US" dirty="0"/>
+            </a:p>
+          </p:txBody>
+        </p:sp>
+      </p:grpSp>
+      <p:grpSp>
+        <p:nvGrpSpPr>
+          <p:cNvPr id="35" name="Group 34"/>
+          <p:cNvGrpSpPr/>
+          <p:nvPr/>
+        </p:nvGrpSpPr>
+        <p:grpSpPr>
+          <a:xfrm>
+            <a:off x="6970460" y="574858"/>
+            <a:ext cx="302386" cy="369332"/>
+            <a:chOff x="320518" y="616459"/>
+            <a:chExt cx="302386" cy="369332"/>
+          </a:xfrm>
+        </p:grpSpPr>
+        <p:sp>
+          <p:nvSpPr>
+            <p:cNvPr id="36" name="Oval 35"/>
+            <p:cNvSpPr/>
+            <p:nvPr/>
+          </p:nvSpPr>
+          <p:spPr>
+            <a:xfrm>
+              <a:off x="326571" y="677361"/>
+              <a:ext cx="296333" cy="290286"/>
+            </a:xfrm>
+            <a:prstGeom prst="ellipse">
+              <a:avLst/>
+            </a:prstGeom>
+            <a:noFill/>
+            <a:ln>
+              <a:solidFill>
+                <a:schemeClr val="tx1"/>
+              </a:solidFill>
+            </a:ln>
+            <a:effectLst/>
+          </p:spPr>
+          <p:style>
+            <a:lnRef idx="1">
+              <a:schemeClr val="accent1"/>
+            </a:lnRef>
+            <a:fillRef idx="3">
+              <a:schemeClr val="accent1"/>
+            </a:fillRef>
+            <a:effectRef idx="2">
+              <a:schemeClr val="accent1"/>
+            </a:effectRef>
+            <a:fontRef idx="minor">
+              <a:schemeClr val="lt1"/>
+            </a:fontRef>
+          </p:style>
+          <p:txBody>
+            <a:bodyPr rtlCol="0" anchor="ctr"/>
+            <a:lstStyle/>
+            <a:p>
+              <a:pPr algn="ctr"/>
+              <a:endParaRPr lang="en-US" sz="1600" dirty="0"/>
+            </a:p>
+          </p:txBody>
+        </p:sp>
+        <p:sp>
+          <p:nvSpPr>
+            <p:cNvPr id="37" name="TextBox 36"/>
+            <p:cNvSpPr txBox="1"/>
+            <p:nvPr/>
+          </p:nvSpPr>
+          <p:spPr>
+            <a:xfrm>
+              <a:off x="320518" y="616459"/>
+              <a:ext cx="175381" cy="369332"/>
+            </a:xfrm>
+            <a:prstGeom prst="rect">
+              <a:avLst/>
+            </a:prstGeom>
+            <a:noFill/>
+          </p:spPr>
+          <p:txBody>
+            <a:bodyPr wrap="square" rtlCol="0">
+              <a:spAutoFit/>
+            </a:bodyPr>
+            <a:lstStyle/>
+            <a:p>
+              <a:r>
+                <a:rPr lang="en-US" dirty="0" smtClean="0"/>
+                <a:t>G</a:t>
+              </a:r>
+              <a:endParaRPr lang="en-US" dirty="0"/>
+            </a:p>
+          </p:txBody>
+        </p:sp>
+      </p:grpSp>
+      <p:grpSp>
+        <p:nvGrpSpPr>
+          <p:cNvPr id="38" name="Group 37"/>
+          <p:cNvGrpSpPr/>
+          <p:nvPr/>
+        </p:nvGrpSpPr>
+        <p:grpSpPr>
+          <a:xfrm>
+            <a:off x="7610540" y="576058"/>
+            <a:ext cx="296333" cy="369332"/>
+            <a:chOff x="326571" y="616459"/>
+            <a:chExt cx="296333" cy="369332"/>
+          </a:xfrm>
+        </p:grpSpPr>
+        <p:sp>
+          <p:nvSpPr>
+            <p:cNvPr id="39" name="Oval 38"/>
+            <p:cNvSpPr/>
+            <p:nvPr/>
+          </p:nvSpPr>
+          <p:spPr>
+            <a:xfrm>
+              <a:off x="326571" y="677361"/>
+              <a:ext cx="296333" cy="290286"/>
+            </a:xfrm>
+            <a:prstGeom prst="ellipse">
+              <a:avLst/>
+            </a:prstGeom>
+            <a:noFill/>
+            <a:ln>
+              <a:solidFill>
+                <a:schemeClr val="tx1"/>
+              </a:solidFill>
+            </a:ln>
+            <a:effectLst/>
+          </p:spPr>
+          <p:style>
+            <a:lnRef idx="1">
+              <a:schemeClr val="accent1"/>
+            </a:lnRef>
+            <a:fillRef idx="3">
+              <a:schemeClr val="accent1"/>
+            </a:fillRef>
+            <a:effectRef idx="2">
+              <a:schemeClr val="accent1"/>
+            </a:effectRef>
+            <a:fontRef idx="minor">
+              <a:schemeClr val="lt1"/>
+            </a:fontRef>
+          </p:style>
+          <p:txBody>
+            <a:bodyPr rtlCol="0" anchor="ctr"/>
+            <a:lstStyle/>
+            <a:p>
+              <a:pPr algn="ctr"/>
+              <a:endParaRPr lang="en-US" sz="1600" dirty="0"/>
+            </a:p>
+          </p:txBody>
+        </p:sp>
+        <p:sp>
+          <p:nvSpPr>
+            <p:cNvPr id="40" name="TextBox 39"/>
+            <p:cNvSpPr txBox="1"/>
+            <p:nvPr/>
+          </p:nvSpPr>
+          <p:spPr>
+            <a:xfrm>
+              <a:off x="332614" y="616459"/>
+              <a:ext cx="175381" cy="369332"/>
+            </a:xfrm>
+            <a:prstGeom prst="rect">
+              <a:avLst/>
+            </a:prstGeom>
+            <a:noFill/>
+          </p:spPr>
+          <p:txBody>
+            <a:bodyPr wrap="square" rtlCol="0">
+              <a:spAutoFit/>
+            </a:bodyPr>
+            <a:lstStyle/>
+            <a:p>
+              <a:r>
+                <a:rPr lang="en-US" dirty="0"/>
+                <a:t>$</a:t>
+              </a:r>
+            </a:p>
+          </p:txBody>
+        </p:sp>
+      </p:grpSp>
+      <p:grpSp>
+        <p:nvGrpSpPr>
+          <p:cNvPr id="41" name="Group 40"/>
+          <p:cNvGrpSpPr/>
+          <p:nvPr/>
+        </p:nvGrpSpPr>
+        <p:grpSpPr>
+          <a:xfrm>
+            <a:off x="2497153" y="1253482"/>
+            <a:ext cx="296333" cy="369332"/>
+            <a:chOff x="326571" y="628555"/>
+            <a:chExt cx="296333" cy="369332"/>
+          </a:xfrm>
+        </p:grpSpPr>
+        <p:sp>
+          <p:nvSpPr>
+            <p:cNvPr id="42" name="Oval 41"/>
+            <p:cNvSpPr/>
+            <p:nvPr/>
+          </p:nvSpPr>
+          <p:spPr>
+            <a:xfrm>
+              <a:off x="326571" y="677361"/>
+              <a:ext cx="296333" cy="290286"/>
+            </a:xfrm>
+            <a:prstGeom prst="ellipse">
+              <a:avLst/>
+            </a:prstGeom>
+            <a:noFill/>
+            <a:ln>
+              <a:solidFill>
+                <a:schemeClr val="tx1"/>
+              </a:solidFill>
+            </a:ln>
+            <a:effectLst/>
+          </p:spPr>
+          <p:style>
+            <a:lnRef idx="1">
+              <a:schemeClr val="accent1"/>
+            </a:lnRef>
+            <a:fillRef idx="3">
+              <a:schemeClr val="accent1"/>
+            </a:fillRef>
+            <a:effectRef idx="2">
+              <a:schemeClr val="accent1"/>
+            </a:effectRef>
+            <a:fontRef idx="minor">
+              <a:schemeClr val="lt1"/>
+            </a:fontRef>
+          </p:style>
+          <p:txBody>
+            <a:bodyPr rtlCol="0" anchor="ctr"/>
+            <a:lstStyle/>
+            <a:p>
+              <a:pPr algn="ctr"/>
+              <a:endParaRPr lang="en-US" sz="1600" dirty="0"/>
+            </a:p>
+          </p:txBody>
+        </p:sp>
+        <p:sp>
+          <p:nvSpPr>
+            <p:cNvPr id="43" name="TextBox 42"/>
+            <p:cNvSpPr txBox="1"/>
+            <p:nvPr/>
+          </p:nvSpPr>
+          <p:spPr>
+            <a:xfrm>
+              <a:off x="332614" y="628555"/>
+              <a:ext cx="175381" cy="369332"/>
+            </a:xfrm>
+            <a:prstGeom prst="rect">
+              <a:avLst/>
+            </a:prstGeom>
+            <a:noFill/>
+          </p:spPr>
+          <p:txBody>
+            <a:bodyPr wrap="square" rtlCol="0">
+              <a:spAutoFit/>
+            </a:bodyPr>
+            <a:lstStyle/>
+            <a:p>
+              <a:r>
+                <a:rPr lang="en-US" dirty="0" smtClean="0"/>
+                <a:t>T</a:t>
+              </a:r>
+              <a:endParaRPr lang="en-US" dirty="0"/>
+            </a:p>
+          </p:txBody>
+        </p:sp>
+      </p:grpSp>
+      <p:cxnSp>
+        <p:nvCxnSpPr>
+          <p:cNvPr id="53" name="Straight Arrow Connector 52"/>
+          <p:cNvCxnSpPr>
+            <a:stCxn id="8" idx="6"/>
+            <a:endCxn id="11" idx="2"/>
+          </p:cNvCxnSpPr>
+          <p:nvPr/>
+        </p:nvCxnSpPr>
+        <p:spPr>
+          <a:xfrm>
+            <a:off x="1512126" y="779751"/>
+            <a:ext cx="343747" cy="0"/>
+          </a:xfrm>
+          <a:prstGeom prst="straightConnector1">
+            <a:avLst/>
+          </a:prstGeom>
+          <a:ln w="12700">
+            <a:solidFill>
+              <a:schemeClr val="tx1"/>
+            </a:solidFill>
+            <a:tailEnd type="triangle" w="sm" len="sm"/>
+          </a:ln>
+          <a:effectLst/>
+        </p:spPr>
+        <p:style>
+          <a:lnRef idx="2">
+            <a:schemeClr val="accent1"/>
+          </a:lnRef>
+          <a:fillRef idx="0">
+            <a:schemeClr val="accent1"/>
+          </a:fillRef>
+          <a:effectRef idx="1">
+            <a:schemeClr val="accent1"/>
+          </a:effectRef>
+          <a:fontRef idx="minor">
+            <a:schemeClr val="tx1"/>
+          </a:fontRef>
+        </p:style>
+      </p:cxnSp>
+      <p:cxnSp>
+        <p:nvCxnSpPr>
+          <p:cNvPr id="54" name="Straight Arrow Connector 53"/>
+          <p:cNvCxnSpPr>
+            <a:stCxn id="11" idx="6"/>
+            <a:endCxn id="14" idx="2"/>
+          </p:cNvCxnSpPr>
+          <p:nvPr/>
+        </p:nvCxnSpPr>
+        <p:spPr>
+          <a:xfrm>
+            <a:off x="2152206" y="779751"/>
+            <a:ext cx="343747" cy="1200"/>
+          </a:xfrm>
+          <a:prstGeom prst="straightConnector1">
+            <a:avLst/>
+          </a:prstGeom>
+          <a:ln w="12700">
+            <a:solidFill>
+              <a:schemeClr val="tx1"/>
+            </a:solidFill>
+            <a:tailEnd type="triangle" w="sm" len="sm"/>
+          </a:ln>
+          <a:effectLst/>
+        </p:spPr>
+        <p:style>
+          <a:lnRef idx="2">
+            <a:schemeClr val="accent1"/>
+          </a:lnRef>
+          <a:fillRef idx="0">
+            <a:schemeClr val="accent1"/>
+          </a:fillRef>
+          <a:effectRef idx="1">
+            <a:schemeClr val="accent1"/>
+          </a:effectRef>
+          <a:fontRef idx="minor">
+            <a:schemeClr val="tx1"/>
+          </a:fontRef>
+        </p:style>
+      </p:cxnSp>
+      <p:cxnSp>
+        <p:nvCxnSpPr>
+          <p:cNvPr id="57" name="Straight Arrow Connector 56"/>
+          <p:cNvCxnSpPr>
+            <a:stCxn id="11" idx="5"/>
+            <a:endCxn id="42" idx="1"/>
+          </p:cNvCxnSpPr>
+          <p:nvPr/>
+        </p:nvCxnSpPr>
+        <p:spPr>
+          <a:xfrm>
+            <a:off x="2108809" y="882383"/>
+            <a:ext cx="431741" cy="462416"/>
+          </a:xfrm>
+          <a:prstGeom prst="straightConnector1">
+            <a:avLst/>
+          </a:prstGeom>
+          <a:ln w="12700">
+            <a:solidFill>
+              <a:schemeClr val="tx1"/>
+            </a:solidFill>
+            <a:tailEnd type="triangle" w="sm" len="sm"/>
+          </a:ln>
+          <a:effectLst/>
+        </p:spPr>
+        <p:style>
+          <a:lnRef idx="2">
+            <a:schemeClr val="accent1"/>
+          </a:lnRef>
+          <a:fillRef idx="0">
+            <a:schemeClr val="accent1"/>
+          </a:fillRef>
+          <a:effectRef idx="1">
+            <a:schemeClr val="accent1"/>
+          </a:effectRef>
+          <a:fontRef idx="minor">
+            <a:schemeClr val="tx1"/>
+          </a:fontRef>
+        </p:style>
+      </p:cxnSp>
+      <p:cxnSp>
+        <p:nvCxnSpPr>
+          <p:cNvPr id="62" name="Straight Arrow Connector 61"/>
+          <p:cNvCxnSpPr>
+            <a:stCxn id="14" idx="6"/>
+            <a:endCxn id="17" idx="2"/>
+          </p:cNvCxnSpPr>
+          <p:nvPr/>
+        </p:nvCxnSpPr>
+        <p:spPr>
+          <a:xfrm>
+            <a:off x="2792286" y="780951"/>
+            <a:ext cx="343747" cy="1200"/>
+          </a:xfrm>
+          <a:prstGeom prst="straightConnector1">
+            <a:avLst/>
+          </a:prstGeom>
+          <a:ln w="12700">
+            <a:solidFill>
+              <a:schemeClr val="tx1"/>
+            </a:solidFill>
+            <a:tailEnd type="triangle" w="sm" len="sm"/>
+          </a:ln>
+          <a:effectLst/>
+        </p:spPr>
+        <p:style>
+          <a:lnRef idx="2">
+            <a:schemeClr val="accent1"/>
+          </a:lnRef>
+          <a:fillRef idx="0">
+            <a:schemeClr val="accent1"/>
+          </a:fillRef>
+          <a:effectRef idx="1">
+            <a:schemeClr val="accent1"/>
+          </a:effectRef>
+          <a:fontRef idx="minor">
+            <a:schemeClr val="tx1"/>
+          </a:fontRef>
+        </p:style>
+      </p:cxnSp>
+      <p:cxnSp>
+        <p:nvCxnSpPr>
+          <p:cNvPr id="65" name="Straight Arrow Connector 64"/>
+          <p:cNvCxnSpPr>
+            <a:stCxn id="17" idx="6"/>
+            <a:endCxn id="20" idx="2"/>
+          </p:cNvCxnSpPr>
+          <p:nvPr/>
+        </p:nvCxnSpPr>
+        <p:spPr>
+          <a:xfrm>
+            <a:off x="3432366" y="782151"/>
+            <a:ext cx="337694" cy="0"/>
+          </a:xfrm>
+          <a:prstGeom prst="straightConnector1">
+            <a:avLst/>
+          </a:prstGeom>
+          <a:ln w="12700">
+            <a:solidFill>
+              <a:schemeClr val="tx1"/>
+            </a:solidFill>
+            <a:tailEnd type="triangle" w="sm" len="sm"/>
+          </a:ln>
+          <a:effectLst/>
+        </p:spPr>
+        <p:style>
+          <a:lnRef idx="2">
+            <a:schemeClr val="accent1"/>
+          </a:lnRef>
+          <a:fillRef idx="0">
+            <a:schemeClr val="accent1"/>
+          </a:fillRef>
+          <a:effectRef idx="1">
+            <a:schemeClr val="accent1"/>
+          </a:effectRef>
+          <a:fontRef idx="minor">
+            <a:schemeClr val="tx1"/>
+          </a:fontRef>
+        </p:style>
+      </p:cxnSp>
+      <p:cxnSp>
+        <p:nvCxnSpPr>
+          <p:cNvPr id="68" name="Straight Arrow Connector 67"/>
+          <p:cNvCxnSpPr>
+            <a:stCxn id="20" idx="6"/>
+            <a:endCxn id="23" idx="2"/>
+          </p:cNvCxnSpPr>
+          <p:nvPr/>
+        </p:nvCxnSpPr>
+        <p:spPr>
+          <a:xfrm>
+            <a:off x="4066393" y="782151"/>
+            <a:ext cx="349800" cy="0"/>
+          </a:xfrm>
+          <a:prstGeom prst="straightConnector1">
+            <a:avLst/>
+          </a:prstGeom>
+          <a:ln w="12700">
+            <a:solidFill>
+              <a:schemeClr val="tx1"/>
+            </a:solidFill>
+            <a:tailEnd type="triangle" w="sm" len="sm"/>
+          </a:ln>
+          <a:effectLst/>
+        </p:spPr>
+        <p:style>
+          <a:lnRef idx="2">
+            <a:schemeClr val="accent1"/>
+          </a:lnRef>
+          <a:fillRef idx="0">
+            <a:schemeClr val="accent1"/>
+          </a:fillRef>
+          <a:effectRef idx="1">
+            <a:schemeClr val="accent1"/>
+          </a:effectRef>
+          <a:fontRef idx="minor">
+            <a:schemeClr val="tx1"/>
+          </a:fontRef>
+        </p:style>
+      </p:cxnSp>
+      <p:cxnSp>
+        <p:nvCxnSpPr>
+          <p:cNvPr id="71" name="Straight Arrow Connector 70"/>
+          <p:cNvCxnSpPr>
+            <a:stCxn id="23" idx="6"/>
+            <a:endCxn id="26" idx="2"/>
+          </p:cNvCxnSpPr>
+          <p:nvPr/>
+        </p:nvCxnSpPr>
+        <p:spPr>
+          <a:xfrm flipV="1">
+            <a:off x="4712526" y="777303"/>
+            <a:ext cx="343747" cy="4848"/>
+          </a:xfrm>
+          <a:prstGeom prst="straightConnector1">
+            <a:avLst/>
+          </a:prstGeom>
+          <a:ln w="12700">
+            <a:solidFill>
+              <a:schemeClr val="tx1"/>
+            </a:solidFill>
+            <a:tailEnd type="triangle" w="sm" len="sm"/>
+          </a:ln>
+          <a:effectLst/>
+        </p:spPr>
+        <p:style>
+          <a:lnRef idx="2">
+            <a:schemeClr val="accent1"/>
+          </a:lnRef>
+          <a:fillRef idx="0">
+            <a:schemeClr val="accent1"/>
+          </a:fillRef>
+          <a:effectRef idx="1">
+            <a:schemeClr val="accent1"/>
+          </a:effectRef>
+          <a:fontRef idx="minor">
+            <a:schemeClr val="tx1"/>
+          </a:fontRef>
+        </p:style>
+      </p:cxnSp>
+      <p:cxnSp>
+        <p:nvCxnSpPr>
+          <p:cNvPr id="74" name="Straight Arrow Connector 73"/>
+          <p:cNvCxnSpPr>
+            <a:stCxn id="26" idx="6"/>
+            <a:endCxn id="30" idx="2"/>
+          </p:cNvCxnSpPr>
+          <p:nvPr/>
+        </p:nvCxnSpPr>
+        <p:spPr>
+          <a:xfrm>
+            <a:off x="5352606" y="777303"/>
+            <a:ext cx="343747" cy="1200"/>
+          </a:xfrm>
+          <a:prstGeom prst="straightConnector1">
+            <a:avLst/>
+          </a:prstGeom>
+          <a:ln w="12700">
+            <a:solidFill>
+              <a:schemeClr val="tx1"/>
+            </a:solidFill>
+            <a:tailEnd type="triangle" w="sm" len="sm"/>
+          </a:ln>
+          <a:effectLst/>
+        </p:spPr>
+        <p:style>
+          <a:lnRef idx="2">
+            <a:schemeClr val="accent1"/>
+          </a:lnRef>
+          <a:fillRef idx="0">
+            <a:schemeClr val="accent1"/>
+          </a:fillRef>
+          <a:effectRef idx="1">
+            <a:schemeClr val="accent1"/>
+          </a:effectRef>
+          <a:fontRef idx="minor">
+            <a:schemeClr val="tx1"/>
+          </a:fontRef>
+        </p:style>
+      </p:cxnSp>
+      <p:cxnSp>
+        <p:nvCxnSpPr>
+          <p:cNvPr id="77" name="Straight Arrow Connector 76"/>
+          <p:cNvCxnSpPr>
+            <a:stCxn id="30" idx="6"/>
+            <a:endCxn id="33" idx="2"/>
+          </p:cNvCxnSpPr>
+          <p:nvPr/>
+        </p:nvCxnSpPr>
+        <p:spPr>
+          <a:xfrm>
+            <a:off x="5992686" y="778503"/>
+            <a:ext cx="337694" cy="1200"/>
+          </a:xfrm>
+          <a:prstGeom prst="straightConnector1">
+            <a:avLst/>
+          </a:prstGeom>
+          <a:ln w="12700">
+            <a:solidFill>
+              <a:schemeClr val="tx1"/>
+            </a:solidFill>
+            <a:tailEnd type="triangle" w="sm" len="sm"/>
+          </a:ln>
+          <a:effectLst/>
+        </p:spPr>
+        <p:style>
+          <a:lnRef idx="2">
+            <a:schemeClr val="accent1"/>
+          </a:lnRef>
+          <a:fillRef idx="0">
+            <a:schemeClr val="accent1"/>
+          </a:fillRef>
+          <a:effectRef idx="1">
+            <a:schemeClr val="accent1"/>
+          </a:effectRef>
+          <a:fontRef idx="minor">
+            <a:schemeClr val="tx1"/>
+          </a:fontRef>
+        </p:style>
+      </p:cxnSp>
+      <p:cxnSp>
+        <p:nvCxnSpPr>
+          <p:cNvPr id="80" name="Straight Arrow Connector 79"/>
+          <p:cNvCxnSpPr>
+            <a:stCxn id="33" idx="6"/>
+            <a:endCxn id="36" idx="2"/>
+          </p:cNvCxnSpPr>
+          <p:nvPr/>
+        </p:nvCxnSpPr>
+        <p:spPr>
+          <a:xfrm>
+            <a:off x="6626713" y="779703"/>
+            <a:ext cx="349800" cy="1200"/>
+          </a:xfrm>
+          <a:prstGeom prst="straightConnector1">
+            <a:avLst/>
+          </a:prstGeom>
+          <a:ln w="12700">
+            <a:solidFill>
+              <a:schemeClr val="tx1"/>
+            </a:solidFill>
+            <a:tailEnd type="triangle" w="sm" len="sm"/>
+          </a:ln>
+          <a:effectLst/>
+        </p:spPr>
+        <p:style>
+          <a:lnRef idx="2">
+            <a:schemeClr val="accent1"/>
+          </a:lnRef>
+          <a:fillRef idx="0">
+            <a:schemeClr val="accent1"/>
+          </a:fillRef>
+          <a:effectRef idx="1">
+            <a:schemeClr val="accent1"/>
+          </a:effectRef>
+          <a:fontRef idx="minor">
+            <a:schemeClr val="tx1"/>
+          </a:fontRef>
+        </p:style>
+      </p:cxnSp>
+      <p:cxnSp>
+        <p:nvCxnSpPr>
+          <p:cNvPr id="83" name="Straight Arrow Connector 82"/>
+          <p:cNvCxnSpPr>
+            <a:stCxn id="36" idx="6"/>
+            <a:endCxn id="39" idx="2"/>
+          </p:cNvCxnSpPr>
+          <p:nvPr/>
+        </p:nvCxnSpPr>
+        <p:spPr>
+          <a:xfrm>
+            <a:off x="7272846" y="780903"/>
+            <a:ext cx="337694" cy="1200"/>
+          </a:xfrm>
+          <a:prstGeom prst="straightConnector1">
+            <a:avLst/>
+          </a:prstGeom>
+          <a:ln w="12700">
+            <a:solidFill>
+              <a:schemeClr val="tx1"/>
+            </a:solidFill>
+            <a:tailEnd type="triangle" w="sm" len="sm"/>
+          </a:ln>
+          <a:effectLst/>
+        </p:spPr>
+        <p:style>
+          <a:lnRef idx="2">
+            <a:schemeClr val="accent1"/>
+          </a:lnRef>
+          <a:fillRef idx="0">
+            <a:schemeClr val="accent1"/>
+          </a:fillRef>
+          <a:effectRef idx="1">
+            <a:schemeClr val="accent1"/>
+          </a:effectRef>
+          <a:fontRef idx="minor">
+            <a:schemeClr val="tx1"/>
+          </a:fontRef>
+        </p:style>
+      </p:cxnSp>
+      <p:cxnSp>
+        <p:nvCxnSpPr>
+          <p:cNvPr id="86" name="Straight Arrow Connector 85"/>
+          <p:cNvCxnSpPr>
+            <a:stCxn id="42" idx="7"/>
+            <a:endCxn id="17" idx="3"/>
+          </p:cNvCxnSpPr>
+          <p:nvPr/>
+        </p:nvCxnSpPr>
+        <p:spPr>
+          <a:xfrm flipV="1">
+            <a:off x="2750089" y="884783"/>
+            <a:ext cx="429341" cy="460016"/>
+          </a:xfrm>
+          <a:prstGeom prst="straightConnector1">
+            <a:avLst/>
+          </a:prstGeom>
+          <a:ln w="12700">
+            <a:solidFill>
+              <a:schemeClr val="tx1"/>
+            </a:solidFill>
+            <a:tailEnd type="triangle" w="sm" len="sm"/>
+          </a:ln>
+          <a:effectLst/>
+        </p:spPr>
+        <p:style>
+          <a:lnRef idx="2">
+            <a:schemeClr val="accent1"/>
+          </a:lnRef>
+          <a:fillRef idx="0">
+            <a:schemeClr val="accent1"/>
+          </a:fillRef>
+          <a:effectRef idx="1">
+            <a:schemeClr val="accent1"/>
+          </a:effectRef>
+          <a:fontRef idx="minor">
+            <a:schemeClr val="tx1"/>
+          </a:fontRef>
+        </p:style>
+      </p:cxnSp>
+      <p:cxnSp>
+        <p:nvCxnSpPr>
+          <p:cNvPr id="91" name="Curved Connector 90"/>
+          <p:cNvCxnSpPr>
+            <a:stCxn id="14" idx="0"/>
+            <a:endCxn id="20" idx="0"/>
+          </p:cNvCxnSpPr>
+          <p:nvPr/>
+        </p:nvCxnSpPr>
+        <p:spPr>
+          <a:xfrm rot="16200000" flipH="1">
+            <a:off x="3280573" y="-645"/>
+            <a:ext cx="1200" cy="1274107"/>
+          </a:xfrm>
+          <a:prstGeom prst="curvedConnector3">
+            <a:avLst>
+              <a:gd name="adj1" fmla="val -19050000"/>
+            </a:avLst>
+          </a:prstGeom>
+          <a:ln w="12700">
+            <a:solidFill>
+              <a:schemeClr val="tx1"/>
+            </a:solidFill>
+            <a:tailEnd type="triangle" w="sm" len="sm"/>
+          </a:ln>
+          <a:effectLst/>
+        </p:spPr>
+        <p:style>
+          <a:lnRef idx="2">
+            <a:schemeClr val="accent1"/>
+          </a:lnRef>
+          <a:fillRef idx="0">
+            <a:schemeClr val="accent1"/>
+          </a:fillRef>
+          <a:effectRef idx="1">
+            <a:schemeClr val="accent1"/>
+          </a:effectRef>
+          <a:fontRef idx="minor">
+            <a:schemeClr val="tx1"/>
+          </a:fontRef>
+        </p:style>
+      </p:cxnSp>
+      <p:cxnSp>
+        <p:nvCxnSpPr>
+          <p:cNvPr id="93" name="Curved Connector 92"/>
+          <p:cNvCxnSpPr>
+            <a:stCxn id="23" idx="0"/>
+            <a:endCxn id="30" idx="0"/>
+          </p:cNvCxnSpPr>
+          <p:nvPr/>
+        </p:nvCxnSpPr>
+        <p:spPr>
+          <a:xfrm rot="5400000" flipH="1" flipV="1">
+            <a:off x="5202616" y="-4896"/>
+            <a:ext cx="3648" cy="1280160"/>
+          </a:xfrm>
+          <a:prstGeom prst="curvedConnector3">
+            <a:avLst>
+              <a:gd name="adj1" fmla="val 6366447"/>
+            </a:avLst>
+          </a:prstGeom>
+          <a:ln w="12700">
+            <a:solidFill>
+              <a:schemeClr val="tx1"/>
+            </a:solidFill>
+            <a:tailEnd type="triangle" w="sm" len="sm"/>
+          </a:ln>
+          <a:effectLst/>
+        </p:spPr>
+        <p:style>
+          <a:lnRef idx="2">
+            <a:schemeClr val="accent1"/>
+          </a:lnRef>
+          <a:fillRef idx="0">
+            <a:schemeClr val="accent1"/>
+          </a:fillRef>
+          <a:effectRef idx="1">
+            <a:schemeClr val="accent1"/>
+          </a:effectRef>
+          <a:fontRef idx="minor">
+            <a:schemeClr val="tx1"/>
+          </a:fontRef>
+        </p:style>
+      </p:cxnSp>
+      <p:cxnSp>
+        <p:nvCxnSpPr>
+          <p:cNvPr id="96" name="Curved Connector 95"/>
+          <p:cNvCxnSpPr>
+            <a:stCxn id="23" idx="4"/>
+            <a:endCxn id="36" idx="4"/>
+          </p:cNvCxnSpPr>
+          <p:nvPr/>
+        </p:nvCxnSpPr>
+        <p:spPr>
+          <a:xfrm rot="5400000" flipH="1" flipV="1">
+            <a:off x="5843896" y="-353490"/>
+            <a:ext cx="1248" cy="2560320"/>
+          </a:xfrm>
+          <a:prstGeom prst="curvedConnector3">
+            <a:avLst>
+              <a:gd name="adj1" fmla="val -18317308"/>
+            </a:avLst>
+          </a:prstGeom>
+          <a:ln w="12700">
+            <a:solidFill>
+              <a:schemeClr val="tx1"/>
+            </a:solidFill>
+            <a:tailEnd type="triangle" w="sm" len="sm"/>
+          </a:ln>
+          <a:effectLst/>
+        </p:spPr>
+        <p:style>
+          <a:lnRef idx="2">
+            <a:schemeClr val="accent1"/>
+          </a:lnRef>
+          <a:fillRef idx="0">
+            <a:schemeClr val="accent1"/>
+          </a:fillRef>
+          <a:effectRef idx="1">
+            <a:schemeClr val="accent1"/>
+          </a:effectRef>
+          <a:fontRef idx="minor">
+            <a:schemeClr val="tx1"/>
+          </a:fontRef>
+        </p:style>
+      </p:cxnSp>
+      <p:sp>
+        <p:nvSpPr>
+          <p:cNvPr id="100" name="TextBox 99"/>
+          <p:cNvSpPr txBox="1"/>
+          <p:nvPr/>
+        </p:nvSpPr>
+        <p:spPr>
+          <a:xfrm>
+            <a:off x="1288349" y="876467"/>
+            <a:ext cx="105023" cy="246221"/>
+          </a:xfrm>
+          <a:prstGeom prst="rect">
+            <a:avLst/>
+          </a:prstGeom>
+          <a:noFill/>
+        </p:spPr>
+        <p:txBody>
+          <a:bodyPr wrap="square" rtlCol="0">
+            <a:spAutoFit/>
+          </a:bodyPr>
+          <a:lstStyle/>
+          <a:p>
+            <a:r>
+              <a:rPr lang="en-US" altLang="ko-KR" sz="1000" dirty="0" smtClean="0">
+                <a:solidFill>
+                  <a:srgbClr val="FF0000"/>
+                </a:solidFill>
+              </a:rPr>
+              <a:t>1</a:t>
+            </a:r>
+            <a:endParaRPr lang="en-US" sz="1000" dirty="0">
+              <a:solidFill>
+                <a:srgbClr val="FF0000"/>
+              </a:solidFill>
+            </a:endParaRPr>
+          </a:p>
+        </p:txBody>
+      </p:sp>
+      <p:sp>
+        <p:nvSpPr>
+          <p:cNvPr id="101" name="TextBox 100"/>
+          <p:cNvSpPr txBox="1"/>
+          <p:nvPr/>
+        </p:nvSpPr>
+        <p:spPr>
+          <a:xfrm>
+            <a:off x="1918541" y="877667"/>
+            <a:ext cx="105023" cy="246221"/>
+          </a:xfrm>
+          <a:prstGeom prst="rect">
+            <a:avLst/>
+          </a:prstGeom>
+          <a:noFill/>
+        </p:spPr>
+        <p:txBody>
+          <a:bodyPr wrap="square" rtlCol="0">
+            <a:spAutoFit/>
+          </a:bodyPr>
+          <a:lstStyle/>
+          <a:p>
+            <a:r>
+              <a:rPr lang="en-US" altLang="ko-KR" sz="1000" dirty="0" smtClean="0">
+                <a:solidFill>
+                  <a:srgbClr val="FF0000"/>
+                </a:solidFill>
+              </a:rPr>
+              <a:t>2</a:t>
+            </a:r>
+            <a:endParaRPr lang="en-US" sz="1000" dirty="0">
+              <a:solidFill>
+                <a:srgbClr val="FF0000"/>
+              </a:solidFill>
+            </a:endParaRPr>
+          </a:p>
+        </p:txBody>
+      </p:sp>
+      <p:sp>
+        <p:nvSpPr>
+          <p:cNvPr id="102" name="TextBox 101"/>
+          <p:cNvSpPr txBox="1"/>
+          <p:nvPr/>
+        </p:nvSpPr>
+        <p:spPr>
+          <a:xfrm>
+            <a:off x="2560829" y="872819"/>
+            <a:ext cx="105023" cy="246221"/>
+          </a:xfrm>
+          <a:prstGeom prst="rect">
+            <a:avLst/>
+          </a:prstGeom>
+          <a:noFill/>
+        </p:spPr>
+        <p:txBody>
+          <a:bodyPr wrap="square" rtlCol="0">
+            <a:spAutoFit/>
+          </a:bodyPr>
+          <a:lstStyle/>
+          <a:p>
+            <a:r>
+              <a:rPr lang="en-US" altLang="ko-KR" sz="1000" dirty="0" smtClean="0">
+                <a:solidFill>
+                  <a:srgbClr val="FF0000"/>
+                </a:solidFill>
+              </a:rPr>
+              <a:t>3</a:t>
+            </a:r>
+            <a:endParaRPr lang="en-US" sz="1000" dirty="0">
+              <a:solidFill>
+                <a:srgbClr val="FF0000"/>
+              </a:solidFill>
+            </a:endParaRPr>
+          </a:p>
+        </p:txBody>
+      </p:sp>
+      <p:sp>
+        <p:nvSpPr>
+          <p:cNvPr id="103" name="TextBox 102"/>
+          <p:cNvSpPr txBox="1"/>
+          <p:nvPr/>
+        </p:nvSpPr>
+        <p:spPr>
+          <a:xfrm>
+            <a:off x="3209165" y="874019"/>
+            <a:ext cx="105023" cy="246221"/>
+          </a:xfrm>
+          <a:prstGeom prst="rect">
+            <a:avLst/>
+          </a:prstGeom>
+          <a:noFill/>
+        </p:spPr>
+        <p:txBody>
+          <a:bodyPr wrap="square" rtlCol="0">
+            <a:spAutoFit/>
+          </a:bodyPr>
+          <a:lstStyle/>
+          <a:p>
+            <a:r>
+              <a:rPr lang="en-US" altLang="ko-KR" sz="1000" dirty="0" smtClean="0">
+                <a:solidFill>
+                  <a:srgbClr val="FF0000"/>
+                </a:solidFill>
+              </a:rPr>
+              <a:t>4</a:t>
+            </a:r>
+            <a:endParaRPr lang="en-US" sz="1000" dirty="0">
+              <a:solidFill>
+                <a:srgbClr val="FF0000"/>
+              </a:solidFill>
+            </a:endParaRPr>
+          </a:p>
+        </p:txBody>
+      </p:sp>
+      <p:sp>
+        <p:nvSpPr>
+          <p:cNvPr id="104" name="TextBox 103"/>
+          <p:cNvSpPr txBox="1"/>
+          <p:nvPr/>
+        </p:nvSpPr>
+        <p:spPr>
+          <a:xfrm>
+            <a:off x="3839357" y="875219"/>
+            <a:ext cx="105023" cy="246221"/>
+          </a:xfrm>
+          <a:prstGeom prst="rect">
+            <a:avLst/>
+          </a:prstGeom>
+          <a:noFill/>
+        </p:spPr>
+        <p:txBody>
+          <a:bodyPr wrap="square" rtlCol="0">
+            <a:spAutoFit/>
+          </a:bodyPr>
+          <a:lstStyle/>
+          <a:p>
+            <a:r>
+              <a:rPr lang="en-US" altLang="ko-KR" sz="1000" dirty="0" smtClean="0">
+                <a:solidFill>
+                  <a:srgbClr val="FF0000"/>
+                </a:solidFill>
+              </a:rPr>
+              <a:t>5</a:t>
+            </a:r>
+            <a:endParaRPr lang="en-US" sz="1000" dirty="0">
+              <a:solidFill>
+                <a:srgbClr val="FF0000"/>
+              </a:solidFill>
+            </a:endParaRPr>
+          </a:p>
+        </p:txBody>
+      </p:sp>
+      <p:sp>
+        <p:nvSpPr>
+          <p:cNvPr id="105" name="TextBox 104"/>
+          <p:cNvSpPr txBox="1"/>
+          <p:nvPr/>
+        </p:nvSpPr>
+        <p:spPr>
+          <a:xfrm>
+            <a:off x="4457453" y="876419"/>
+            <a:ext cx="105023" cy="246221"/>
+          </a:xfrm>
+          <a:prstGeom prst="rect">
+            <a:avLst/>
+          </a:prstGeom>
+          <a:noFill/>
+        </p:spPr>
+        <p:txBody>
+          <a:bodyPr wrap="square" rtlCol="0">
+            <a:spAutoFit/>
+          </a:bodyPr>
+          <a:lstStyle/>
+          <a:p>
+            <a:r>
+              <a:rPr lang="en-US" altLang="ko-KR" sz="1000" dirty="0" smtClean="0">
+                <a:solidFill>
+                  <a:srgbClr val="FF0000"/>
+                </a:solidFill>
+              </a:rPr>
+              <a:t>6</a:t>
+            </a:r>
+            <a:endParaRPr lang="en-US" sz="1000" dirty="0">
+              <a:solidFill>
+                <a:srgbClr val="FF0000"/>
+              </a:solidFill>
+            </a:endParaRPr>
+          </a:p>
+        </p:txBody>
+      </p:sp>
+      <p:sp>
+        <p:nvSpPr>
+          <p:cNvPr id="106" name="TextBox 105"/>
+          <p:cNvSpPr txBox="1"/>
+          <p:nvPr/>
+        </p:nvSpPr>
+        <p:spPr>
+          <a:xfrm>
+            <a:off x="5123933" y="877619"/>
+            <a:ext cx="105023" cy="246221"/>
+          </a:xfrm>
+          <a:prstGeom prst="rect">
+            <a:avLst/>
+          </a:prstGeom>
+          <a:noFill/>
+        </p:spPr>
+        <p:txBody>
+          <a:bodyPr wrap="square" rtlCol="0">
+            <a:spAutoFit/>
+          </a:bodyPr>
+          <a:lstStyle/>
+          <a:p>
+            <a:r>
+              <a:rPr lang="en-US" altLang="ko-KR" sz="1000" dirty="0" smtClean="0">
+                <a:solidFill>
+                  <a:srgbClr val="FF0000"/>
+                </a:solidFill>
+              </a:rPr>
+              <a:t>7</a:t>
+            </a:r>
+            <a:endParaRPr lang="en-US" sz="1000" dirty="0">
+              <a:solidFill>
+                <a:srgbClr val="FF0000"/>
+              </a:solidFill>
+            </a:endParaRPr>
+          </a:p>
+        </p:txBody>
+      </p:sp>
+      <p:sp>
+        <p:nvSpPr>
+          <p:cNvPr id="107" name="TextBox 106"/>
+          <p:cNvSpPr txBox="1"/>
+          <p:nvPr/>
+        </p:nvSpPr>
+        <p:spPr>
+          <a:xfrm>
+            <a:off x="5766221" y="872771"/>
+            <a:ext cx="105023" cy="246221"/>
+          </a:xfrm>
+          <a:prstGeom prst="rect">
+            <a:avLst/>
+          </a:prstGeom>
+          <a:noFill/>
+        </p:spPr>
+        <p:txBody>
+          <a:bodyPr wrap="square" rtlCol="0">
+            <a:spAutoFit/>
+          </a:bodyPr>
+          <a:lstStyle/>
+          <a:p>
+            <a:r>
+              <a:rPr lang="en-US" altLang="ko-KR" sz="1000" dirty="0" smtClean="0">
+                <a:solidFill>
+                  <a:srgbClr val="FF0000"/>
+                </a:solidFill>
+              </a:rPr>
+              <a:t>8</a:t>
+            </a:r>
+            <a:endParaRPr lang="en-US" sz="1000" dirty="0">
+              <a:solidFill>
+                <a:srgbClr val="FF0000"/>
+              </a:solidFill>
+            </a:endParaRPr>
+          </a:p>
+        </p:txBody>
+      </p:sp>
+      <p:sp>
+        <p:nvSpPr>
+          <p:cNvPr id="108" name="TextBox 107"/>
+          <p:cNvSpPr txBox="1"/>
+          <p:nvPr/>
+        </p:nvSpPr>
+        <p:spPr>
+          <a:xfrm>
+            <a:off x="6402461" y="873971"/>
+            <a:ext cx="105023" cy="246221"/>
+          </a:xfrm>
+          <a:prstGeom prst="rect">
+            <a:avLst/>
+          </a:prstGeom>
+          <a:noFill/>
+        </p:spPr>
+        <p:txBody>
+          <a:bodyPr wrap="square" rtlCol="0">
+            <a:spAutoFit/>
+          </a:bodyPr>
+          <a:lstStyle/>
+          <a:p>
+            <a:r>
+              <a:rPr lang="en-US" altLang="ko-KR" sz="1000" dirty="0" smtClean="0">
+                <a:solidFill>
+                  <a:srgbClr val="FF0000"/>
+                </a:solidFill>
+              </a:rPr>
+              <a:t>9</a:t>
+            </a:r>
+          </a:p>
+        </p:txBody>
+      </p:sp>
+      <p:sp>
+        <p:nvSpPr>
+          <p:cNvPr id="109" name="TextBox 108"/>
+          <p:cNvSpPr txBox="1"/>
+          <p:nvPr/>
+        </p:nvSpPr>
+        <p:spPr>
+          <a:xfrm>
+            <a:off x="7056845" y="875171"/>
+            <a:ext cx="173665" cy="246221"/>
+          </a:xfrm>
+          <a:prstGeom prst="rect">
+            <a:avLst/>
+          </a:prstGeom>
+          <a:noFill/>
+        </p:spPr>
+        <p:txBody>
+          <a:bodyPr wrap="square" rtlCol="0">
+            <a:spAutoFit/>
+          </a:bodyPr>
+          <a:lstStyle/>
+          <a:p>
+            <a:r>
+              <a:rPr lang="en-US" altLang="ko-KR" sz="1000" dirty="0" smtClean="0">
+                <a:solidFill>
+                  <a:srgbClr val="FF0000"/>
+                </a:solidFill>
+              </a:rPr>
+              <a:t>10</a:t>
+            </a:r>
+          </a:p>
+        </p:txBody>
+      </p:sp>
+      <p:sp>
+        <p:nvSpPr>
+          <p:cNvPr id="110" name="TextBox 109"/>
+          <p:cNvSpPr txBox="1"/>
+          <p:nvPr/>
+        </p:nvSpPr>
+        <p:spPr>
+          <a:xfrm>
+            <a:off x="7608413" y="876371"/>
+            <a:ext cx="173665" cy="246221"/>
+          </a:xfrm>
+          <a:prstGeom prst="rect">
+            <a:avLst/>
+          </a:prstGeom>
+          <a:noFill/>
+        </p:spPr>
+        <p:txBody>
+          <a:bodyPr wrap="square" rtlCol="0">
+            <a:spAutoFit/>
+          </a:bodyPr>
+          <a:lstStyle/>
+          <a:p>
+            <a:r>
+              <a:rPr lang="en-US" altLang="ko-KR" sz="1000" dirty="0" smtClean="0">
+                <a:solidFill>
+                  <a:srgbClr val="FF0000"/>
+                </a:solidFill>
+              </a:rPr>
+              <a:t>11</a:t>
+            </a:r>
+          </a:p>
+        </p:txBody>
+      </p:sp>
+      <p:sp>
+        <p:nvSpPr>
+          <p:cNvPr id="111" name="TextBox 110"/>
+          <p:cNvSpPr txBox="1"/>
+          <p:nvPr/>
+        </p:nvSpPr>
+        <p:spPr>
+          <a:xfrm>
+            <a:off x="2500349" y="1551207"/>
+            <a:ext cx="173665" cy="246221"/>
+          </a:xfrm>
+          <a:prstGeom prst="rect">
+            <a:avLst/>
+          </a:prstGeom>
+          <a:noFill/>
+        </p:spPr>
+        <p:txBody>
+          <a:bodyPr wrap="square" rtlCol="0">
+            <a:spAutoFit/>
+          </a:bodyPr>
+          <a:lstStyle/>
+          <a:p>
+            <a:r>
+              <a:rPr lang="en-US" altLang="ko-KR" sz="1000" dirty="0" smtClean="0">
+                <a:solidFill>
+                  <a:srgbClr val="FF0000"/>
+                </a:solidFill>
+              </a:rPr>
+              <a:t>12</a:t>
+            </a:r>
+          </a:p>
+        </p:txBody>
+      </p:sp>
+      <p:grpSp>
+        <p:nvGrpSpPr>
+          <p:cNvPr id="115" name="Group 114"/>
+          <p:cNvGrpSpPr/>
+          <p:nvPr/>
+        </p:nvGrpSpPr>
+        <p:grpSpPr>
+          <a:xfrm>
+            <a:off x="1210935" y="2373466"/>
+            <a:ext cx="302386" cy="369332"/>
+            <a:chOff x="320518" y="616459"/>
+            <a:chExt cx="302386" cy="369332"/>
+          </a:xfrm>
+        </p:grpSpPr>
+        <p:sp>
+          <p:nvSpPr>
+            <p:cNvPr id="116" name="Oval 115"/>
+            <p:cNvSpPr/>
+            <p:nvPr/>
+          </p:nvSpPr>
+          <p:spPr>
+            <a:xfrm>
+              <a:off x="326571" y="677361"/>
+              <a:ext cx="296333" cy="290286"/>
+            </a:xfrm>
+            <a:prstGeom prst="ellipse">
+              <a:avLst/>
+            </a:prstGeom>
+            <a:noFill/>
+            <a:ln>
+              <a:solidFill>
+                <a:schemeClr val="tx1"/>
+              </a:solidFill>
+            </a:ln>
+            <a:effectLst/>
+          </p:spPr>
+          <p:style>
+            <a:lnRef idx="1">
+              <a:schemeClr val="accent1"/>
+            </a:lnRef>
+            <a:fillRef idx="3">
+              <a:schemeClr val="accent1"/>
+            </a:fillRef>
+            <a:effectRef idx="2">
+              <a:schemeClr val="accent1"/>
+            </a:effectRef>
+            <a:fontRef idx="minor">
+              <a:schemeClr val="lt1"/>
+            </a:fontRef>
+          </p:style>
+          <p:txBody>
+            <a:bodyPr rtlCol="0" anchor="ctr"/>
+            <a:lstStyle/>
+            <a:p>
+              <a:pPr algn="ctr"/>
+              <a:endParaRPr lang="en-US" sz="1600" dirty="0"/>
+            </a:p>
+          </p:txBody>
+        </p:sp>
+        <p:sp>
+          <p:nvSpPr>
+            <p:cNvPr id="117" name="TextBox 116"/>
+            <p:cNvSpPr txBox="1"/>
+            <p:nvPr/>
+          </p:nvSpPr>
+          <p:spPr>
+            <a:xfrm>
+              <a:off x="320518" y="616459"/>
+              <a:ext cx="175381" cy="369332"/>
+            </a:xfrm>
+            <a:prstGeom prst="rect">
+              <a:avLst/>
+            </a:prstGeom>
+            <a:noFill/>
+          </p:spPr>
+          <p:txBody>
+            <a:bodyPr wrap="square" rtlCol="0">
+              <a:spAutoFit/>
+            </a:bodyPr>
+            <a:lstStyle/>
+            <a:p>
+              <a:r>
+                <a:rPr lang="en-US" dirty="0" smtClean="0"/>
+                <a:t>G</a:t>
+              </a:r>
+              <a:endParaRPr lang="en-US" dirty="0"/>
+            </a:p>
+          </p:txBody>
+        </p:sp>
+      </p:grpSp>
+      <p:grpSp>
+        <p:nvGrpSpPr>
+          <p:cNvPr id="118" name="Group 117"/>
+          <p:cNvGrpSpPr/>
+          <p:nvPr/>
+        </p:nvGrpSpPr>
+        <p:grpSpPr>
+          <a:xfrm>
+            <a:off x="1851015" y="2373466"/>
+            <a:ext cx="302386" cy="369332"/>
+            <a:chOff x="320518" y="616459"/>
+            <a:chExt cx="302386" cy="369332"/>
+          </a:xfrm>
+        </p:grpSpPr>
+        <p:sp>
+          <p:nvSpPr>
+            <p:cNvPr id="119" name="Oval 118"/>
+            <p:cNvSpPr/>
+            <p:nvPr/>
+          </p:nvSpPr>
+          <p:spPr>
+            <a:xfrm>
+              <a:off x="326571" y="677361"/>
+              <a:ext cx="296333" cy="290286"/>
+            </a:xfrm>
+            <a:prstGeom prst="ellipse">
+              <a:avLst/>
+            </a:prstGeom>
+            <a:noFill/>
+            <a:ln>
+              <a:solidFill>
+                <a:schemeClr val="tx1"/>
+              </a:solidFill>
+            </a:ln>
+            <a:effectLst/>
+          </p:spPr>
+          <p:style>
+            <a:lnRef idx="1">
+              <a:schemeClr val="accent1"/>
+            </a:lnRef>
+            <a:fillRef idx="3">
+              <a:schemeClr val="accent1"/>
+            </a:fillRef>
+            <a:effectRef idx="2">
+              <a:schemeClr val="accent1"/>
+            </a:effectRef>
+            <a:fontRef idx="minor">
+              <a:schemeClr val="lt1"/>
+            </a:fontRef>
+          </p:style>
+          <p:txBody>
+            <a:bodyPr rtlCol="0" anchor="ctr"/>
+            <a:lstStyle/>
+            <a:p>
+              <a:pPr algn="ctr"/>
+              <a:endParaRPr lang="en-US" sz="1600" dirty="0"/>
+            </a:p>
+          </p:txBody>
+        </p:sp>
+        <p:sp>
+          <p:nvSpPr>
+            <p:cNvPr id="120" name="TextBox 119"/>
+            <p:cNvSpPr txBox="1"/>
+            <p:nvPr/>
+          </p:nvSpPr>
+          <p:spPr>
+            <a:xfrm>
+              <a:off x="320518" y="616459"/>
+              <a:ext cx="175381" cy="369332"/>
+            </a:xfrm>
+            <a:prstGeom prst="rect">
+              <a:avLst/>
+            </a:prstGeom>
+            <a:noFill/>
+          </p:spPr>
+          <p:txBody>
+            <a:bodyPr wrap="square" rtlCol="0">
+              <a:spAutoFit/>
+            </a:bodyPr>
+            <a:lstStyle/>
+            <a:p>
+              <a:r>
+                <a:rPr lang="en-US" dirty="0" smtClean="0"/>
+                <a:t>A</a:t>
+              </a:r>
+              <a:endParaRPr lang="en-US" dirty="0"/>
+            </a:p>
+          </p:txBody>
+        </p:sp>
+      </p:grpSp>
+      <p:grpSp>
+        <p:nvGrpSpPr>
+          <p:cNvPr id="121" name="Group 120"/>
+          <p:cNvGrpSpPr/>
+          <p:nvPr/>
+        </p:nvGrpSpPr>
+        <p:grpSpPr>
+          <a:xfrm>
+            <a:off x="2491095" y="2374666"/>
+            <a:ext cx="302386" cy="369332"/>
+            <a:chOff x="320518" y="616459"/>
+            <a:chExt cx="302386" cy="369332"/>
+          </a:xfrm>
+        </p:grpSpPr>
+        <p:sp>
+          <p:nvSpPr>
+            <p:cNvPr id="122" name="Oval 121"/>
+            <p:cNvSpPr/>
+            <p:nvPr/>
+          </p:nvSpPr>
+          <p:spPr>
+            <a:xfrm>
+              <a:off x="326571" y="677361"/>
+              <a:ext cx="296333" cy="290286"/>
+            </a:xfrm>
+            <a:prstGeom prst="ellipse">
+              <a:avLst/>
+            </a:prstGeom>
+            <a:noFill/>
+            <a:ln>
+              <a:solidFill>
+                <a:schemeClr val="tx1"/>
+              </a:solidFill>
+            </a:ln>
+            <a:effectLst/>
+          </p:spPr>
+          <p:style>
+            <a:lnRef idx="1">
+              <a:schemeClr val="accent1"/>
+            </a:lnRef>
+            <a:fillRef idx="3">
+              <a:schemeClr val="accent1"/>
+            </a:fillRef>
+            <a:effectRef idx="2">
+              <a:schemeClr val="accent1"/>
+            </a:effectRef>
+            <a:fontRef idx="minor">
+              <a:schemeClr val="lt1"/>
+            </a:fontRef>
+          </p:style>
+          <p:txBody>
+            <a:bodyPr rtlCol="0" anchor="ctr"/>
+            <a:lstStyle/>
+            <a:p>
+              <a:pPr algn="ctr"/>
+              <a:endParaRPr lang="en-US" sz="1600" dirty="0"/>
+            </a:p>
+          </p:txBody>
+        </p:sp>
+        <p:sp>
+          <p:nvSpPr>
+            <p:cNvPr id="123" name="TextBox 122"/>
+            <p:cNvSpPr txBox="1"/>
+            <p:nvPr/>
+          </p:nvSpPr>
+          <p:spPr>
+            <a:xfrm>
+              <a:off x="320518" y="616459"/>
+              <a:ext cx="175381" cy="369332"/>
+            </a:xfrm>
+            <a:prstGeom prst="rect">
+              <a:avLst/>
+            </a:prstGeom>
+            <a:noFill/>
+          </p:spPr>
+          <p:txBody>
+            <a:bodyPr wrap="square" rtlCol="0">
+              <a:spAutoFit/>
+            </a:bodyPr>
+            <a:lstStyle/>
+            <a:p>
+              <a:r>
+                <a:rPr lang="en-US" dirty="0" smtClean="0"/>
+                <a:t>C</a:t>
+              </a:r>
+              <a:endParaRPr lang="en-US" dirty="0"/>
+            </a:p>
+          </p:txBody>
+        </p:sp>
+      </p:grpSp>
+      <p:grpSp>
+        <p:nvGrpSpPr>
+          <p:cNvPr id="124" name="Group 123"/>
+          <p:cNvGrpSpPr/>
+          <p:nvPr/>
+        </p:nvGrpSpPr>
+        <p:grpSpPr>
+          <a:xfrm>
+            <a:off x="3131175" y="2375866"/>
+            <a:ext cx="302386" cy="369332"/>
+            <a:chOff x="320518" y="616459"/>
+            <a:chExt cx="302386" cy="369332"/>
+          </a:xfrm>
+        </p:grpSpPr>
+        <p:sp>
+          <p:nvSpPr>
+            <p:cNvPr id="125" name="Oval 124"/>
+            <p:cNvSpPr/>
+            <p:nvPr/>
+          </p:nvSpPr>
+          <p:spPr>
+            <a:xfrm>
+              <a:off x="326571" y="677361"/>
+              <a:ext cx="296333" cy="290286"/>
+            </a:xfrm>
+            <a:prstGeom prst="ellipse">
+              <a:avLst/>
+            </a:prstGeom>
+            <a:noFill/>
+            <a:ln>
+              <a:solidFill>
+                <a:schemeClr val="tx1"/>
+              </a:solidFill>
+            </a:ln>
+            <a:effectLst/>
+          </p:spPr>
+          <p:style>
+            <a:lnRef idx="1">
+              <a:schemeClr val="accent1"/>
+            </a:lnRef>
+            <a:fillRef idx="3">
+              <a:schemeClr val="accent1"/>
+            </a:fillRef>
+            <a:effectRef idx="2">
+              <a:schemeClr val="accent1"/>
+            </a:effectRef>
+            <a:fontRef idx="minor">
+              <a:schemeClr val="lt1"/>
+            </a:fontRef>
+          </p:style>
+          <p:txBody>
+            <a:bodyPr rtlCol="0" anchor="ctr"/>
+            <a:lstStyle/>
+            <a:p>
+              <a:pPr algn="ctr"/>
+              <a:endParaRPr lang="en-US" sz="1600" dirty="0"/>
+            </a:p>
+          </p:txBody>
+        </p:sp>
+        <p:sp>
+          <p:nvSpPr>
+            <p:cNvPr id="126" name="TextBox 125"/>
+            <p:cNvSpPr txBox="1"/>
+            <p:nvPr/>
+          </p:nvSpPr>
+          <p:spPr>
+            <a:xfrm>
+              <a:off x="320518" y="616459"/>
+              <a:ext cx="175381" cy="369332"/>
+            </a:xfrm>
+            <a:prstGeom prst="rect">
+              <a:avLst/>
+            </a:prstGeom>
+            <a:noFill/>
+          </p:spPr>
+          <p:txBody>
+            <a:bodyPr wrap="square" rtlCol="0">
+              <a:spAutoFit/>
+            </a:bodyPr>
+            <a:lstStyle/>
+            <a:p>
+              <a:r>
+                <a:rPr lang="en-US" dirty="0" smtClean="0"/>
+                <a:t>G</a:t>
+              </a:r>
+              <a:endParaRPr lang="en-US" dirty="0"/>
+            </a:p>
+          </p:txBody>
+        </p:sp>
+      </p:grpSp>
+      <p:grpSp>
+        <p:nvGrpSpPr>
+          <p:cNvPr id="127" name="Group 126"/>
+          <p:cNvGrpSpPr/>
+          <p:nvPr/>
+        </p:nvGrpSpPr>
+        <p:grpSpPr>
+          <a:xfrm>
+            <a:off x="3771255" y="2387962"/>
+            <a:ext cx="296333" cy="369332"/>
+            <a:chOff x="326571" y="628555"/>
+            <a:chExt cx="296333" cy="369332"/>
+          </a:xfrm>
+        </p:grpSpPr>
+        <p:sp>
+          <p:nvSpPr>
+            <p:cNvPr id="128" name="Oval 127"/>
+            <p:cNvSpPr/>
+            <p:nvPr/>
+          </p:nvSpPr>
+          <p:spPr>
+            <a:xfrm>
+              <a:off x="326571" y="677361"/>
+              <a:ext cx="296333" cy="290286"/>
+            </a:xfrm>
+            <a:prstGeom prst="ellipse">
+              <a:avLst/>
+            </a:prstGeom>
+            <a:noFill/>
+            <a:ln>
+              <a:solidFill>
+                <a:schemeClr val="tx1"/>
+              </a:solidFill>
+            </a:ln>
+            <a:effectLst/>
+          </p:spPr>
+          <p:style>
+            <a:lnRef idx="1">
+              <a:schemeClr val="accent1"/>
+            </a:lnRef>
+            <a:fillRef idx="3">
+              <a:schemeClr val="accent1"/>
+            </a:fillRef>
+            <a:effectRef idx="2">
+              <a:schemeClr val="accent1"/>
+            </a:effectRef>
+            <a:fontRef idx="minor">
+              <a:schemeClr val="lt1"/>
+            </a:fontRef>
+          </p:style>
+          <p:txBody>
+            <a:bodyPr rtlCol="0" anchor="ctr"/>
+            <a:lstStyle/>
+            <a:p>
+              <a:pPr algn="ctr"/>
+              <a:endParaRPr lang="en-US" sz="1600" dirty="0"/>
+            </a:p>
+          </p:txBody>
+        </p:sp>
+        <p:sp>
+          <p:nvSpPr>
+            <p:cNvPr id="129" name="TextBox 128"/>
+            <p:cNvSpPr txBox="1"/>
+            <p:nvPr/>
+          </p:nvSpPr>
+          <p:spPr>
+            <a:xfrm>
+              <a:off x="332614" y="628555"/>
+              <a:ext cx="175381" cy="369332"/>
+            </a:xfrm>
+            <a:prstGeom prst="rect">
+              <a:avLst/>
+            </a:prstGeom>
+            <a:noFill/>
+          </p:spPr>
+          <p:txBody>
+            <a:bodyPr wrap="square" rtlCol="0">
+              <a:spAutoFit/>
+            </a:bodyPr>
+            <a:lstStyle/>
+            <a:p>
+              <a:r>
+                <a:rPr lang="en-US" dirty="0" smtClean="0"/>
+                <a:t>T</a:t>
+              </a:r>
+              <a:endParaRPr lang="en-US" dirty="0"/>
+            </a:p>
+          </p:txBody>
+        </p:sp>
+      </p:grpSp>
+      <p:grpSp>
+        <p:nvGrpSpPr>
+          <p:cNvPr id="130" name="Group 129"/>
+          <p:cNvGrpSpPr/>
+          <p:nvPr/>
+        </p:nvGrpSpPr>
+        <p:grpSpPr>
+          <a:xfrm>
+            <a:off x="4411335" y="2375866"/>
+            <a:ext cx="302386" cy="369332"/>
+            <a:chOff x="320518" y="616459"/>
+            <a:chExt cx="302386" cy="369332"/>
+          </a:xfrm>
+        </p:grpSpPr>
+        <p:sp>
+          <p:nvSpPr>
+            <p:cNvPr id="131" name="Oval 130"/>
+            <p:cNvSpPr/>
+            <p:nvPr/>
+          </p:nvSpPr>
+          <p:spPr>
+            <a:xfrm>
+              <a:off x="326571" y="677361"/>
+              <a:ext cx="296333" cy="290286"/>
+            </a:xfrm>
+            <a:prstGeom prst="ellipse">
+              <a:avLst/>
+            </a:prstGeom>
+            <a:noFill/>
+            <a:ln>
+              <a:solidFill>
+                <a:schemeClr val="tx1"/>
+              </a:solidFill>
+            </a:ln>
+            <a:effectLst/>
+          </p:spPr>
+          <p:style>
+            <a:lnRef idx="1">
+              <a:schemeClr val="accent1"/>
+            </a:lnRef>
+            <a:fillRef idx="3">
+              <a:schemeClr val="accent1"/>
+            </a:fillRef>
+            <a:effectRef idx="2">
+              <a:schemeClr val="accent1"/>
+            </a:effectRef>
+            <a:fontRef idx="minor">
+              <a:schemeClr val="lt1"/>
+            </a:fontRef>
+          </p:style>
+          <p:txBody>
+            <a:bodyPr rtlCol="0" anchor="ctr"/>
+            <a:lstStyle/>
+            <a:p>
+              <a:pPr algn="ctr"/>
+              <a:endParaRPr lang="en-US" sz="1600" dirty="0"/>
+            </a:p>
+          </p:txBody>
+        </p:sp>
+        <p:sp>
+          <p:nvSpPr>
+            <p:cNvPr id="132" name="TextBox 131"/>
+            <p:cNvSpPr txBox="1"/>
+            <p:nvPr/>
+          </p:nvSpPr>
+          <p:spPr>
+            <a:xfrm>
+              <a:off x="320518" y="616459"/>
+              <a:ext cx="175381" cy="369332"/>
+            </a:xfrm>
+            <a:prstGeom prst="rect">
+              <a:avLst/>
+            </a:prstGeom>
+            <a:noFill/>
+          </p:spPr>
+          <p:txBody>
+            <a:bodyPr wrap="square" rtlCol="0">
+              <a:spAutoFit/>
+            </a:bodyPr>
+            <a:lstStyle/>
+            <a:p>
+              <a:r>
+                <a:rPr lang="en-US" dirty="0" smtClean="0"/>
+                <a:t>A</a:t>
+              </a:r>
+              <a:endParaRPr lang="en-US" dirty="0"/>
+            </a:p>
+          </p:txBody>
+        </p:sp>
+      </p:grpSp>
+      <p:grpSp>
+        <p:nvGrpSpPr>
+          <p:cNvPr id="133" name="Group 132"/>
+          <p:cNvGrpSpPr/>
+          <p:nvPr/>
+        </p:nvGrpSpPr>
+        <p:grpSpPr>
+          <a:xfrm>
+            <a:off x="5051415" y="2371018"/>
+            <a:ext cx="302386" cy="369332"/>
+            <a:chOff x="320518" y="616459"/>
+            <a:chExt cx="302386" cy="369332"/>
+          </a:xfrm>
+        </p:grpSpPr>
+        <p:sp>
+          <p:nvSpPr>
+            <p:cNvPr id="134" name="Oval 133"/>
+            <p:cNvSpPr/>
+            <p:nvPr/>
+          </p:nvSpPr>
+          <p:spPr>
+            <a:xfrm>
+              <a:off x="326571" y="677361"/>
+              <a:ext cx="296333" cy="290286"/>
+            </a:xfrm>
+            <a:prstGeom prst="ellipse">
+              <a:avLst/>
+            </a:prstGeom>
+            <a:noFill/>
+            <a:ln>
+              <a:solidFill>
+                <a:schemeClr val="tx1"/>
+              </a:solidFill>
+            </a:ln>
+            <a:effectLst/>
+          </p:spPr>
+          <p:style>
+            <a:lnRef idx="1">
+              <a:schemeClr val="accent1"/>
+            </a:lnRef>
+            <a:fillRef idx="3">
+              <a:schemeClr val="accent1"/>
+            </a:fillRef>
+            <a:effectRef idx="2">
+              <a:schemeClr val="accent1"/>
+            </a:effectRef>
+            <a:fontRef idx="minor">
+              <a:schemeClr val="lt1"/>
+            </a:fontRef>
+          </p:style>
+          <p:txBody>
+            <a:bodyPr rtlCol="0" anchor="ctr"/>
+            <a:lstStyle/>
+            <a:p>
+              <a:pPr algn="ctr"/>
+              <a:endParaRPr lang="en-US" sz="1600" dirty="0"/>
+            </a:p>
+          </p:txBody>
+        </p:sp>
+        <p:sp>
+          <p:nvSpPr>
+            <p:cNvPr id="135" name="TextBox 134"/>
+            <p:cNvSpPr txBox="1"/>
+            <p:nvPr/>
+          </p:nvSpPr>
+          <p:spPr>
+            <a:xfrm>
+              <a:off x="320518" y="616459"/>
+              <a:ext cx="175381" cy="369332"/>
+            </a:xfrm>
+            <a:prstGeom prst="rect">
+              <a:avLst/>
+            </a:prstGeom>
+            <a:noFill/>
+          </p:spPr>
+          <p:txBody>
+            <a:bodyPr wrap="square" rtlCol="0">
+              <a:spAutoFit/>
+            </a:bodyPr>
+            <a:lstStyle/>
+            <a:p>
+              <a:r>
+                <a:rPr lang="en-US" dirty="0" smtClean="0"/>
+                <a:t>C</a:t>
+              </a:r>
+              <a:endParaRPr lang="en-US" dirty="0"/>
+            </a:p>
+          </p:txBody>
+        </p:sp>
+      </p:grpSp>
+      <p:grpSp>
+        <p:nvGrpSpPr>
+          <p:cNvPr id="210" name="Group 209"/>
+          <p:cNvGrpSpPr/>
+          <p:nvPr/>
+        </p:nvGrpSpPr>
+        <p:grpSpPr>
+          <a:xfrm>
+            <a:off x="5691495" y="2371285"/>
+            <a:ext cx="302386" cy="369332"/>
+            <a:chOff x="6037243" y="2487168"/>
+            <a:chExt cx="302386" cy="369332"/>
+          </a:xfrm>
+        </p:grpSpPr>
+        <p:sp>
+          <p:nvSpPr>
+            <p:cNvPr id="137" name="Oval 136"/>
+            <p:cNvSpPr/>
+            <p:nvPr/>
+          </p:nvSpPr>
+          <p:spPr>
+            <a:xfrm>
+              <a:off x="6043296" y="2549003"/>
+              <a:ext cx="296333" cy="290286"/>
+            </a:xfrm>
+            <a:prstGeom prst="ellipse">
+              <a:avLst/>
+            </a:prstGeom>
+            <a:noFill/>
+            <a:ln>
+              <a:solidFill>
+                <a:schemeClr val="tx1"/>
+              </a:solidFill>
+            </a:ln>
+            <a:effectLst/>
+          </p:spPr>
+          <p:style>
+            <a:lnRef idx="1">
+              <a:schemeClr val="accent1"/>
+            </a:lnRef>
+            <a:fillRef idx="3">
+              <a:schemeClr val="accent1"/>
+            </a:fillRef>
+            <a:effectRef idx="2">
+              <a:schemeClr val="accent1"/>
+            </a:effectRef>
+            <a:fontRef idx="minor">
+              <a:schemeClr val="lt1"/>
+            </a:fontRef>
+          </p:style>
+          <p:txBody>
+            <a:bodyPr rtlCol="0" anchor="ctr"/>
+            <a:lstStyle/>
+            <a:p>
+              <a:pPr algn="ctr"/>
+              <a:endParaRPr lang="en-US" sz="1600" dirty="0"/>
+            </a:p>
+          </p:txBody>
+        </p:sp>
+        <p:sp>
+          <p:nvSpPr>
+            <p:cNvPr id="138" name="TextBox 137"/>
+            <p:cNvSpPr txBox="1"/>
+            <p:nvPr/>
+          </p:nvSpPr>
+          <p:spPr>
+            <a:xfrm>
+              <a:off x="6037243" y="2487168"/>
+              <a:ext cx="175381" cy="369332"/>
+            </a:xfrm>
+            <a:prstGeom prst="rect">
+              <a:avLst/>
+            </a:prstGeom>
+            <a:noFill/>
+          </p:spPr>
+          <p:txBody>
+            <a:bodyPr wrap="square" rtlCol="0">
+              <a:spAutoFit/>
+            </a:bodyPr>
+            <a:lstStyle/>
+            <a:p>
+              <a:r>
+                <a:rPr lang="en-US" dirty="0" smtClean="0"/>
+                <a:t>C</a:t>
+              </a:r>
+              <a:endParaRPr lang="en-US" dirty="0"/>
+            </a:p>
+          </p:txBody>
+        </p:sp>
+      </p:grpSp>
+      <p:grpSp>
+        <p:nvGrpSpPr>
+          <p:cNvPr id="139" name="Group 138"/>
+          <p:cNvGrpSpPr/>
+          <p:nvPr/>
+        </p:nvGrpSpPr>
+        <p:grpSpPr>
+          <a:xfrm>
+            <a:off x="6331575" y="2385514"/>
+            <a:ext cx="296333" cy="369332"/>
+            <a:chOff x="326571" y="628555"/>
+            <a:chExt cx="296333" cy="369332"/>
+          </a:xfrm>
+        </p:grpSpPr>
+        <p:sp>
+          <p:nvSpPr>
+            <p:cNvPr id="140" name="Oval 139"/>
+            <p:cNvSpPr/>
+            <p:nvPr/>
+          </p:nvSpPr>
+          <p:spPr>
+            <a:xfrm>
+              <a:off x="326571" y="677361"/>
+              <a:ext cx="296333" cy="290286"/>
+            </a:xfrm>
+            <a:prstGeom prst="ellipse">
+              <a:avLst/>
+            </a:prstGeom>
+            <a:noFill/>
+            <a:ln>
+              <a:solidFill>
+                <a:schemeClr val="tx1"/>
+              </a:solidFill>
+            </a:ln>
+            <a:effectLst/>
+          </p:spPr>
+          <p:style>
+            <a:lnRef idx="1">
+              <a:schemeClr val="accent1"/>
+            </a:lnRef>
+            <a:fillRef idx="3">
+              <a:schemeClr val="accent1"/>
+            </a:fillRef>
+            <a:effectRef idx="2">
+              <a:schemeClr val="accent1"/>
+            </a:effectRef>
+            <a:fontRef idx="minor">
+              <a:schemeClr val="lt1"/>
+            </a:fontRef>
+          </p:style>
+          <p:txBody>
+            <a:bodyPr rtlCol="0" anchor="ctr"/>
+            <a:lstStyle/>
+            <a:p>
+              <a:pPr algn="ctr"/>
+              <a:endParaRPr lang="en-US" sz="1600" dirty="0"/>
+            </a:p>
+          </p:txBody>
+        </p:sp>
+        <p:sp>
+          <p:nvSpPr>
+            <p:cNvPr id="141" name="TextBox 140"/>
+            <p:cNvSpPr txBox="1"/>
+            <p:nvPr/>
+          </p:nvSpPr>
+          <p:spPr>
+            <a:xfrm>
+              <a:off x="338662" y="628555"/>
+              <a:ext cx="175381" cy="369332"/>
+            </a:xfrm>
+            <a:prstGeom prst="rect">
+              <a:avLst/>
+            </a:prstGeom>
+            <a:noFill/>
+          </p:spPr>
+          <p:txBody>
+            <a:bodyPr wrap="square" rtlCol="0">
+              <a:spAutoFit/>
+            </a:bodyPr>
+            <a:lstStyle/>
+            <a:p>
+              <a:r>
+                <a:rPr lang="en-US" dirty="0" smtClean="0"/>
+                <a:t>T</a:t>
+              </a:r>
+              <a:endParaRPr lang="en-US" dirty="0"/>
+            </a:p>
+          </p:txBody>
+        </p:sp>
+      </p:grpSp>
+      <p:sp>
+        <p:nvSpPr>
+          <p:cNvPr id="143" name="Oval 142"/>
+          <p:cNvSpPr/>
+          <p:nvPr/>
+        </p:nvSpPr>
+        <p:spPr>
+          <a:xfrm>
+            <a:off x="6977708" y="2435520"/>
+            <a:ext cx="296333" cy="290286"/>
+          </a:xfrm>
+          <a:prstGeom prst="ellipse">
+            <a:avLst/>
+          </a:prstGeom>
+          <a:noFill/>
+          <a:ln>
+            <a:solidFill>
+              <a:schemeClr val="tx1"/>
+            </a:solidFill>
+          </a:ln>
+          <a:effectLst/>
+        </p:spPr>
+        <p:style>
+          <a:lnRef idx="1">
+            <a:schemeClr val="accent1"/>
+          </a:lnRef>
+          <a:fillRef idx="3">
+            <a:schemeClr val="accent1"/>
+          </a:fillRef>
+          <a:effectRef idx="2">
+            <a:schemeClr val="accent1"/>
+          </a:effectRef>
+          <a:fontRef idx="minor">
+            <a:schemeClr val="lt1"/>
+          </a:fontRef>
+        </p:style>
+        <p:txBody>
+          <a:bodyPr rtlCol="0" anchor="ctr"/>
+          <a:lstStyle/>
+          <a:p>
+            <a:pPr algn="ctr"/>
+            <a:endParaRPr lang="en-US" sz="1600" dirty="0"/>
+          </a:p>
+        </p:txBody>
+      </p:sp>
+      <p:sp>
+        <p:nvSpPr>
+          <p:cNvPr id="144" name="TextBox 143"/>
+          <p:cNvSpPr txBox="1"/>
+          <p:nvPr/>
+        </p:nvSpPr>
+        <p:spPr>
+          <a:xfrm>
+            <a:off x="6971655" y="2371285"/>
+            <a:ext cx="175381" cy="369332"/>
+          </a:xfrm>
+          <a:prstGeom prst="rect">
+            <a:avLst/>
+          </a:prstGeom>
+          <a:noFill/>
+        </p:spPr>
+        <p:txBody>
+          <a:bodyPr wrap="square" rtlCol="0">
+            <a:spAutoFit/>
+          </a:bodyPr>
+          <a:lstStyle/>
+          <a:p>
+            <a:r>
+              <a:rPr lang="en-US" dirty="0" smtClean="0"/>
+              <a:t>G</a:t>
+            </a:r>
+            <a:endParaRPr lang="en-US" dirty="0"/>
+          </a:p>
+        </p:txBody>
+      </p:sp>
+      <p:grpSp>
+        <p:nvGrpSpPr>
+          <p:cNvPr id="145" name="Group 144"/>
+          <p:cNvGrpSpPr/>
+          <p:nvPr/>
+        </p:nvGrpSpPr>
+        <p:grpSpPr>
+          <a:xfrm>
+            <a:off x="7611735" y="2375818"/>
+            <a:ext cx="296333" cy="369332"/>
+            <a:chOff x="326571" y="616459"/>
+            <a:chExt cx="296333" cy="369332"/>
+          </a:xfrm>
+        </p:grpSpPr>
+        <p:sp>
+          <p:nvSpPr>
+            <p:cNvPr id="146" name="Oval 145"/>
+            <p:cNvSpPr/>
+            <p:nvPr/>
+          </p:nvSpPr>
+          <p:spPr>
+            <a:xfrm>
+              <a:off x="326571" y="677361"/>
+              <a:ext cx="296333" cy="290286"/>
+            </a:xfrm>
+            <a:prstGeom prst="ellipse">
+              <a:avLst/>
+            </a:prstGeom>
+            <a:noFill/>
+            <a:ln>
+              <a:solidFill>
+                <a:schemeClr val="tx1"/>
+              </a:solidFill>
+            </a:ln>
+            <a:effectLst/>
+          </p:spPr>
+          <p:style>
+            <a:lnRef idx="1">
+              <a:schemeClr val="accent1"/>
+            </a:lnRef>
+            <a:fillRef idx="3">
+              <a:schemeClr val="accent1"/>
+            </a:fillRef>
+            <a:effectRef idx="2">
+              <a:schemeClr val="accent1"/>
+            </a:effectRef>
+            <a:fontRef idx="minor">
+              <a:schemeClr val="lt1"/>
+            </a:fontRef>
+          </p:style>
+          <p:txBody>
+            <a:bodyPr rtlCol="0" anchor="ctr"/>
+            <a:lstStyle/>
+            <a:p>
+              <a:pPr algn="ctr"/>
+              <a:endParaRPr lang="en-US" sz="1600" dirty="0"/>
+            </a:p>
+          </p:txBody>
+        </p:sp>
+        <p:sp>
+          <p:nvSpPr>
+            <p:cNvPr id="147" name="TextBox 146"/>
+            <p:cNvSpPr txBox="1"/>
+            <p:nvPr/>
+          </p:nvSpPr>
+          <p:spPr>
+            <a:xfrm>
+              <a:off x="332614" y="616459"/>
+              <a:ext cx="175381" cy="369332"/>
+            </a:xfrm>
+            <a:prstGeom prst="rect">
+              <a:avLst/>
+            </a:prstGeom>
+            <a:noFill/>
+          </p:spPr>
+          <p:txBody>
+            <a:bodyPr wrap="square" rtlCol="0">
+              <a:spAutoFit/>
+            </a:bodyPr>
+            <a:lstStyle/>
+            <a:p>
+              <a:r>
+                <a:rPr lang="en-US" dirty="0"/>
+                <a:t>$</a:t>
+              </a:r>
+            </a:p>
+          </p:txBody>
+        </p:sp>
+      </p:grpSp>
+      <p:grpSp>
+        <p:nvGrpSpPr>
+          <p:cNvPr id="148" name="Group 147"/>
+          <p:cNvGrpSpPr/>
+          <p:nvPr/>
+        </p:nvGrpSpPr>
+        <p:grpSpPr>
+          <a:xfrm>
+            <a:off x="2498348" y="3053242"/>
+            <a:ext cx="296333" cy="369332"/>
+            <a:chOff x="326571" y="628555"/>
+            <a:chExt cx="296333" cy="369332"/>
+          </a:xfrm>
+        </p:grpSpPr>
+        <p:sp>
+          <p:nvSpPr>
+            <p:cNvPr id="149" name="Oval 148"/>
+            <p:cNvSpPr/>
+            <p:nvPr/>
+          </p:nvSpPr>
+          <p:spPr>
+            <a:xfrm>
+              <a:off x="326571" y="677361"/>
+              <a:ext cx="296333" cy="290286"/>
+            </a:xfrm>
+            <a:prstGeom prst="ellipse">
+              <a:avLst/>
+            </a:prstGeom>
+            <a:noFill/>
+            <a:ln>
+              <a:solidFill>
+                <a:schemeClr val="tx1"/>
+              </a:solidFill>
+            </a:ln>
+            <a:effectLst/>
+          </p:spPr>
+          <p:style>
+            <a:lnRef idx="1">
+              <a:schemeClr val="accent1"/>
+            </a:lnRef>
+            <a:fillRef idx="3">
+              <a:schemeClr val="accent1"/>
+            </a:fillRef>
+            <a:effectRef idx="2">
+              <a:schemeClr val="accent1"/>
+            </a:effectRef>
+            <a:fontRef idx="minor">
+              <a:schemeClr val="lt1"/>
+            </a:fontRef>
+          </p:style>
+          <p:txBody>
+            <a:bodyPr rtlCol="0" anchor="ctr"/>
+            <a:lstStyle/>
+            <a:p>
+              <a:pPr algn="ctr"/>
+              <a:endParaRPr lang="en-US" sz="1600" dirty="0"/>
+            </a:p>
+          </p:txBody>
+        </p:sp>
+        <p:sp>
+          <p:nvSpPr>
+            <p:cNvPr id="150" name="TextBox 149"/>
+            <p:cNvSpPr txBox="1"/>
+            <p:nvPr/>
+          </p:nvSpPr>
+          <p:spPr>
+            <a:xfrm>
+              <a:off x="332614" y="628555"/>
+              <a:ext cx="175381" cy="369332"/>
+            </a:xfrm>
+            <a:prstGeom prst="rect">
+              <a:avLst/>
+            </a:prstGeom>
+            <a:noFill/>
+          </p:spPr>
+          <p:txBody>
+            <a:bodyPr wrap="square" rtlCol="0">
+              <a:spAutoFit/>
+            </a:bodyPr>
+            <a:lstStyle/>
+            <a:p>
+              <a:r>
+                <a:rPr lang="en-US" dirty="0" smtClean="0"/>
+                <a:t>T</a:t>
+              </a:r>
+              <a:endParaRPr lang="en-US" dirty="0"/>
+            </a:p>
+          </p:txBody>
+        </p:sp>
+      </p:grpSp>
+      <p:cxnSp>
+        <p:nvCxnSpPr>
+          <p:cNvPr id="152" name="Straight Arrow Connector 151"/>
+          <p:cNvCxnSpPr>
+            <a:stCxn id="116" idx="6"/>
+            <a:endCxn id="119" idx="2"/>
+          </p:cNvCxnSpPr>
+          <p:nvPr/>
+        </p:nvCxnSpPr>
+        <p:spPr>
+          <a:xfrm>
+            <a:off x="1513321" y="2579511"/>
+            <a:ext cx="343747" cy="0"/>
+          </a:xfrm>
+          <a:prstGeom prst="straightConnector1">
+            <a:avLst/>
+          </a:prstGeom>
+          <a:ln w="12700">
+            <a:solidFill>
+              <a:schemeClr val="tx1"/>
+            </a:solidFill>
+            <a:tailEnd type="triangle" w="sm" len="sm"/>
+          </a:ln>
+          <a:effectLst/>
+        </p:spPr>
+        <p:style>
+          <a:lnRef idx="2">
+            <a:schemeClr val="accent1"/>
+          </a:lnRef>
+          <a:fillRef idx="0">
+            <a:schemeClr val="accent1"/>
+          </a:fillRef>
+          <a:effectRef idx="1">
+            <a:schemeClr val="accent1"/>
+          </a:effectRef>
+          <a:fontRef idx="minor">
+            <a:schemeClr val="tx1"/>
+          </a:fontRef>
+        </p:style>
+      </p:cxnSp>
+      <p:cxnSp>
+        <p:nvCxnSpPr>
+          <p:cNvPr id="153" name="Straight Arrow Connector 152"/>
+          <p:cNvCxnSpPr>
+            <a:stCxn id="119" idx="6"/>
+            <a:endCxn id="122" idx="2"/>
+          </p:cNvCxnSpPr>
+          <p:nvPr/>
+        </p:nvCxnSpPr>
+        <p:spPr>
+          <a:xfrm>
+            <a:off x="2153401" y="2579511"/>
+            <a:ext cx="343747" cy="1200"/>
+          </a:xfrm>
+          <a:prstGeom prst="straightConnector1">
+            <a:avLst/>
+          </a:prstGeom>
+          <a:ln w="12700">
+            <a:solidFill>
+              <a:schemeClr val="tx1"/>
+            </a:solidFill>
+            <a:tailEnd type="triangle" w="sm" len="sm"/>
+          </a:ln>
+          <a:effectLst/>
+        </p:spPr>
+        <p:style>
+          <a:lnRef idx="2">
+            <a:schemeClr val="accent1"/>
+          </a:lnRef>
+          <a:fillRef idx="0">
+            <a:schemeClr val="accent1"/>
+          </a:fillRef>
+          <a:effectRef idx="1">
+            <a:schemeClr val="accent1"/>
+          </a:effectRef>
+          <a:fontRef idx="minor">
+            <a:schemeClr val="tx1"/>
+          </a:fontRef>
+        </p:style>
+      </p:cxnSp>
+      <p:cxnSp>
+        <p:nvCxnSpPr>
+          <p:cNvPr id="154" name="Straight Arrow Connector 153"/>
+          <p:cNvCxnSpPr>
+            <a:stCxn id="116" idx="5"/>
+            <a:endCxn id="181" idx="1"/>
+          </p:cNvCxnSpPr>
+          <p:nvPr/>
+        </p:nvCxnSpPr>
+        <p:spPr>
+          <a:xfrm>
+            <a:off x="1469924" y="2682143"/>
+            <a:ext cx="431741" cy="461216"/>
+          </a:xfrm>
+          <a:prstGeom prst="straightConnector1">
+            <a:avLst/>
+          </a:prstGeom>
+          <a:ln w="12700">
+            <a:solidFill>
+              <a:schemeClr val="tx1"/>
+            </a:solidFill>
+            <a:tailEnd type="triangle" w="sm" len="sm"/>
+          </a:ln>
+          <a:effectLst/>
+        </p:spPr>
+        <p:style>
+          <a:lnRef idx="2">
+            <a:schemeClr val="accent1"/>
+          </a:lnRef>
+          <a:fillRef idx="0">
+            <a:schemeClr val="accent1"/>
+          </a:fillRef>
+          <a:effectRef idx="1">
+            <a:schemeClr val="accent1"/>
+          </a:effectRef>
+          <a:fontRef idx="minor">
+            <a:schemeClr val="tx1"/>
+          </a:fontRef>
+        </p:style>
+      </p:cxnSp>
+      <p:cxnSp>
+        <p:nvCxnSpPr>
+          <p:cNvPr id="155" name="Straight Arrow Connector 154"/>
+          <p:cNvCxnSpPr>
+            <a:stCxn id="122" idx="6"/>
+            <a:endCxn id="125" idx="2"/>
+          </p:cNvCxnSpPr>
+          <p:nvPr/>
+        </p:nvCxnSpPr>
+        <p:spPr>
+          <a:xfrm>
+            <a:off x="2793481" y="2580711"/>
+            <a:ext cx="343747" cy="1200"/>
+          </a:xfrm>
+          <a:prstGeom prst="straightConnector1">
+            <a:avLst/>
+          </a:prstGeom>
+          <a:ln w="12700">
+            <a:solidFill>
+              <a:schemeClr val="tx1"/>
+            </a:solidFill>
+            <a:tailEnd type="triangle" w="sm" len="sm"/>
+          </a:ln>
+          <a:effectLst/>
+        </p:spPr>
+        <p:style>
+          <a:lnRef idx="2">
+            <a:schemeClr val="accent1"/>
+          </a:lnRef>
+          <a:fillRef idx="0">
+            <a:schemeClr val="accent1"/>
+          </a:fillRef>
+          <a:effectRef idx="1">
+            <a:schemeClr val="accent1"/>
+          </a:effectRef>
+          <a:fontRef idx="minor">
+            <a:schemeClr val="tx1"/>
+          </a:fontRef>
+        </p:style>
+      </p:cxnSp>
+      <p:cxnSp>
+        <p:nvCxnSpPr>
+          <p:cNvPr id="156" name="Straight Arrow Connector 155"/>
+          <p:cNvCxnSpPr>
+            <a:stCxn id="125" idx="6"/>
+            <a:endCxn id="128" idx="2"/>
+          </p:cNvCxnSpPr>
+          <p:nvPr/>
+        </p:nvCxnSpPr>
+        <p:spPr>
+          <a:xfrm>
+            <a:off x="3433561" y="2581911"/>
+            <a:ext cx="337694" cy="0"/>
+          </a:xfrm>
+          <a:prstGeom prst="straightConnector1">
+            <a:avLst/>
+          </a:prstGeom>
+          <a:ln w="12700">
+            <a:solidFill>
+              <a:schemeClr val="tx1"/>
+            </a:solidFill>
+            <a:tailEnd type="triangle" w="sm" len="sm"/>
+          </a:ln>
+          <a:effectLst/>
+        </p:spPr>
+        <p:style>
+          <a:lnRef idx="2">
+            <a:schemeClr val="accent1"/>
+          </a:lnRef>
+          <a:fillRef idx="0">
+            <a:schemeClr val="accent1"/>
+          </a:fillRef>
+          <a:effectRef idx="1">
+            <a:schemeClr val="accent1"/>
+          </a:effectRef>
+          <a:fontRef idx="minor">
+            <a:schemeClr val="tx1"/>
+          </a:fontRef>
+        </p:style>
+      </p:cxnSp>
+      <p:cxnSp>
+        <p:nvCxnSpPr>
+          <p:cNvPr id="157" name="Straight Arrow Connector 156"/>
+          <p:cNvCxnSpPr>
+            <a:stCxn id="128" idx="6"/>
+            <a:endCxn id="131" idx="2"/>
+          </p:cNvCxnSpPr>
+          <p:nvPr/>
+        </p:nvCxnSpPr>
+        <p:spPr>
+          <a:xfrm>
+            <a:off x="4067588" y="2581911"/>
+            <a:ext cx="349800" cy="0"/>
+          </a:xfrm>
+          <a:prstGeom prst="straightConnector1">
+            <a:avLst/>
+          </a:prstGeom>
+          <a:ln w="12700">
+            <a:solidFill>
+              <a:schemeClr val="tx1"/>
+            </a:solidFill>
+            <a:tailEnd type="triangle" w="sm" len="sm"/>
+          </a:ln>
+          <a:effectLst/>
+        </p:spPr>
+        <p:style>
+          <a:lnRef idx="2">
+            <a:schemeClr val="accent1"/>
+          </a:lnRef>
+          <a:fillRef idx="0">
+            <a:schemeClr val="accent1"/>
+          </a:fillRef>
+          <a:effectRef idx="1">
+            <a:schemeClr val="accent1"/>
+          </a:effectRef>
+          <a:fontRef idx="minor">
+            <a:schemeClr val="tx1"/>
+          </a:fontRef>
+        </p:style>
+      </p:cxnSp>
+      <p:cxnSp>
+        <p:nvCxnSpPr>
+          <p:cNvPr id="158" name="Straight Arrow Connector 157"/>
+          <p:cNvCxnSpPr>
+            <a:stCxn id="131" idx="6"/>
+            <a:endCxn id="134" idx="2"/>
+          </p:cNvCxnSpPr>
+          <p:nvPr/>
+        </p:nvCxnSpPr>
+        <p:spPr>
+          <a:xfrm flipV="1">
+            <a:off x="4713721" y="2577063"/>
+            <a:ext cx="343747" cy="4848"/>
+          </a:xfrm>
+          <a:prstGeom prst="straightConnector1">
+            <a:avLst/>
+          </a:prstGeom>
+          <a:ln w="12700">
+            <a:solidFill>
+              <a:schemeClr val="tx1"/>
+            </a:solidFill>
+            <a:tailEnd type="triangle" w="sm" len="sm"/>
+          </a:ln>
+          <a:effectLst/>
+        </p:spPr>
+        <p:style>
+          <a:lnRef idx="2">
+            <a:schemeClr val="accent1"/>
+          </a:lnRef>
+          <a:fillRef idx="0">
+            <a:schemeClr val="accent1"/>
+          </a:fillRef>
+          <a:effectRef idx="1">
+            <a:schemeClr val="accent1"/>
+          </a:effectRef>
+          <a:fontRef idx="minor">
+            <a:schemeClr val="tx1"/>
+          </a:fontRef>
+        </p:style>
+      </p:cxnSp>
+      <p:cxnSp>
+        <p:nvCxnSpPr>
+          <p:cNvPr id="159" name="Straight Arrow Connector 158"/>
+          <p:cNvCxnSpPr>
+            <a:stCxn id="134" idx="6"/>
+            <a:endCxn id="137" idx="2"/>
+          </p:cNvCxnSpPr>
+          <p:nvPr/>
+        </p:nvCxnSpPr>
+        <p:spPr>
+          <a:xfrm>
+            <a:off x="5353801" y="2577063"/>
+            <a:ext cx="343747" cy="1200"/>
+          </a:xfrm>
+          <a:prstGeom prst="straightConnector1">
+            <a:avLst/>
+          </a:prstGeom>
+          <a:ln w="12700">
+            <a:solidFill>
+              <a:schemeClr val="tx1"/>
+            </a:solidFill>
+            <a:tailEnd type="triangle" w="sm" len="sm"/>
+          </a:ln>
+          <a:effectLst/>
+        </p:spPr>
+        <p:style>
+          <a:lnRef idx="2">
+            <a:schemeClr val="accent1"/>
+          </a:lnRef>
+          <a:fillRef idx="0">
+            <a:schemeClr val="accent1"/>
+          </a:fillRef>
+          <a:effectRef idx="1">
+            <a:schemeClr val="accent1"/>
+          </a:effectRef>
+          <a:fontRef idx="minor">
+            <a:schemeClr val="tx1"/>
+          </a:fontRef>
+        </p:style>
+      </p:cxnSp>
+      <p:cxnSp>
+        <p:nvCxnSpPr>
+          <p:cNvPr id="160" name="Straight Arrow Connector 159"/>
+          <p:cNvCxnSpPr>
+            <a:stCxn id="137" idx="6"/>
+            <a:endCxn id="140" idx="2"/>
+          </p:cNvCxnSpPr>
+          <p:nvPr/>
+        </p:nvCxnSpPr>
+        <p:spPr>
+          <a:xfrm>
+            <a:off x="5993881" y="2578263"/>
+            <a:ext cx="337694" cy="1200"/>
+          </a:xfrm>
+          <a:prstGeom prst="straightConnector1">
+            <a:avLst/>
+          </a:prstGeom>
+          <a:ln w="12700">
+            <a:solidFill>
+              <a:schemeClr val="tx1"/>
+            </a:solidFill>
+            <a:tailEnd type="triangle" w="sm" len="sm"/>
+          </a:ln>
+          <a:effectLst/>
+        </p:spPr>
+        <p:style>
+          <a:lnRef idx="2">
+            <a:schemeClr val="accent1"/>
+          </a:lnRef>
+          <a:fillRef idx="0">
+            <a:schemeClr val="accent1"/>
+          </a:fillRef>
+          <a:effectRef idx="1">
+            <a:schemeClr val="accent1"/>
+          </a:effectRef>
+          <a:fontRef idx="minor">
+            <a:schemeClr val="tx1"/>
+          </a:fontRef>
+        </p:style>
+      </p:cxnSp>
+      <p:cxnSp>
+        <p:nvCxnSpPr>
+          <p:cNvPr id="161" name="Straight Arrow Connector 160"/>
+          <p:cNvCxnSpPr>
+            <a:stCxn id="140" idx="6"/>
+            <a:endCxn id="143" idx="2"/>
+          </p:cNvCxnSpPr>
+          <p:nvPr/>
+        </p:nvCxnSpPr>
+        <p:spPr>
+          <a:xfrm>
+            <a:off x="6627908" y="2579463"/>
+            <a:ext cx="349800" cy="1200"/>
+          </a:xfrm>
+          <a:prstGeom prst="straightConnector1">
+            <a:avLst/>
+          </a:prstGeom>
+          <a:ln w="12700">
+            <a:solidFill>
+              <a:schemeClr val="tx1"/>
+            </a:solidFill>
+            <a:tailEnd type="triangle" w="sm" len="sm"/>
+          </a:ln>
+          <a:effectLst/>
+        </p:spPr>
+        <p:style>
+          <a:lnRef idx="2">
+            <a:schemeClr val="accent1"/>
+          </a:lnRef>
+          <a:fillRef idx="0">
+            <a:schemeClr val="accent1"/>
+          </a:fillRef>
+          <a:effectRef idx="1">
+            <a:schemeClr val="accent1"/>
+          </a:effectRef>
+          <a:fontRef idx="minor">
+            <a:schemeClr val="tx1"/>
+          </a:fontRef>
+        </p:style>
+      </p:cxnSp>
+      <p:cxnSp>
+        <p:nvCxnSpPr>
+          <p:cNvPr id="162" name="Straight Arrow Connector 161"/>
+          <p:cNvCxnSpPr>
+            <a:stCxn id="143" idx="6"/>
+            <a:endCxn id="146" idx="2"/>
+          </p:cNvCxnSpPr>
+          <p:nvPr/>
+        </p:nvCxnSpPr>
+        <p:spPr>
+          <a:xfrm>
+            <a:off x="7274041" y="2580663"/>
+            <a:ext cx="337694" cy="1200"/>
+          </a:xfrm>
+          <a:prstGeom prst="straightConnector1">
+            <a:avLst/>
+          </a:prstGeom>
+          <a:ln w="12700">
+            <a:solidFill>
+              <a:schemeClr val="tx1"/>
+            </a:solidFill>
+            <a:tailEnd type="triangle" w="sm" len="sm"/>
+          </a:ln>
+          <a:effectLst/>
+        </p:spPr>
+        <p:style>
+          <a:lnRef idx="2">
+            <a:schemeClr val="accent1"/>
+          </a:lnRef>
+          <a:fillRef idx="0">
+            <a:schemeClr val="accent1"/>
+          </a:fillRef>
+          <a:effectRef idx="1">
+            <a:schemeClr val="accent1"/>
+          </a:effectRef>
+          <a:fontRef idx="minor">
+            <a:schemeClr val="tx1"/>
+          </a:fontRef>
+        </p:style>
+      </p:cxnSp>
+      <p:cxnSp>
+        <p:nvCxnSpPr>
+          <p:cNvPr id="163" name="Straight Arrow Connector 162"/>
+          <p:cNvCxnSpPr>
+            <a:stCxn id="149" idx="7"/>
+            <a:endCxn id="125" idx="3"/>
+          </p:cNvCxnSpPr>
+          <p:nvPr/>
+        </p:nvCxnSpPr>
+        <p:spPr>
+          <a:xfrm flipV="1">
+            <a:off x="2751284" y="2684543"/>
+            <a:ext cx="429341" cy="460016"/>
+          </a:xfrm>
+          <a:prstGeom prst="straightConnector1">
+            <a:avLst/>
+          </a:prstGeom>
+          <a:ln w="12700">
+            <a:solidFill>
+              <a:schemeClr val="tx1"/>
+            </a:solidFill>
+            <a:tailEnd type="triangle" w="sm" len="sm"/>
+          </a:ln>
+          <a:effectLst/>
+        </p:spPr>
+        <p:style>
+          <a:lnRef idx="2">
+            <a:schemeClr val="accent1"/>
+          </a:lnRef>
+          <a:fillRef idx="0">
+            <a:schemeClr val="accent1"/>
+          </a:fillRef>
+          <a:effectRef idx="1">
+            <a:schemeClr val="accent1"/>
+          </a:effectRef>
+          <a:fontRef idx="minor">
+            <a:schemeClr val="tx1"/>
+          </a:fontRef>
+        </p:style>
+      </p:cxnSp>
+      <p:cxnSp>
+        <p:nvCxnSpPr>
+          <p:cNvPr id="164" name="Curved Connector 163"/>
+          <p:cNvCxnSpPr>
+            <a:stCxn id="122" idx="0"/>
+            <a:endCxn id="128" idx="0"/>
+          </p:cNvCxnSpPr>
+          <p:nvPr/>
+        </p:nvCxnSpPr>
+        <p:spPr>
+          <a:xfrm rot="16200000" flipH="1">
+            <a:off x="3281768" y="1799115"/>
+            <a:ext cx="1200" cy="1274107"/>
+          </a:xfrm>
+          <a:prstGeom prst="curvedConnector3">
+            <a:avLst>
+              <a:gd name="adj1" fmla="val -19050000"/>
+            </a:avLst>
+          </a:prstGeom>
+          <a:ln w="12700">
+            <a:solidFill>
+              <a:schemeClr val="tx1"/>
+            </a:solidFill>
+            <a:tailEnd type="triangle" w="sm" len="sm"/>
+          </a:ln>
+          <a:effectLst/>
+        </p:spPr>
+        <p:style>
+          <a:lnRef idx="2">
+            <a:schemeClr val="accent1"/>
+          </a:lnRef>
+          <a:fillRef idx="0">
+            <a:schemeClr val="accent1"/>
+          </a:fillRef>
+          <a:effectRef idx="1">
+            <a:schemeClr val="accent1"/>
+          </a:effectRef>
+          <a:fontRef idx="minor">
+            <a:schemeClr val="tx1"/>
+          </a:fontRef>
+        </p:style>
+      </p:cxnSp>
+      <p:sp>
+        <p:nvSpPr>
+          <p:cNvPr id="168" name="TextBox 167"/>
+          <p:cNvSpPr txBox="1"/>
+          <p:nvPr/>
+        </p:nvSpPr>
+        <p:spPr>
+          <a:xfrm>
+            <a:off x="1289544" y="2676227"/>
+            <a:ext cx="105023" cy="246221"/>
+          </a:xfrm>
+          <a:prstGeom prst="rect">
+            <a:avLst/>
+          </a:prstGeom>
+          <a:noFill/>
+        </p:spPr>
+        <p:txBody>
+          <a:bodyPr wrap="square" rtlCol="0">
+            <a:spAutoFit/>
+          </a:bodyPr>
+          <a:lstStyle/>
+          <a:p>
+            <a:r>
+              <a:rPr lang="en-US" altLang="ko-KR" sz="1000" dirty="0" smtClean="0">
+                <a:solidFill>
+                  <a:srgbClr val="0000FF"/>
+                </a:solidFill>
+              </a:rPr>
+              <a:t>9</a:t>
+            </a:r>
+            <a:endParaRPr lang="en-US" sz="1000" dirty="0">
+              <a:solidFill>
+                <a:srgbClr val="0000FF"/>
+              </a:solidFill>
+            </a:endParaRPr>
+          </a:p>
+        </p:txBody>
+      </p:sp>
+      <p:sp>
+        <p:nvSpPr>
+          <p:cNvPr id="169" name="TextBox 168"/>
+          <p:cNvSpPr txBox="1"/>
+          <p:nvPr/>
+        </p:nvSpPr>
+        <p:spPr>
+          <a:xfrm>
+            <a:off x="1919736" y="2677427"/>
+            <a:ext cx="105023" cy="246221"/>
+          </a:xfrm>
+          <a:prstGeom prst="rect">
+            <a:avLst/>
+          </a:prstGeom>
+          <a:noFill/>
+        </p:spPr>
+        <p:txBody>
+          <a:bodyPr wrap="square" rtlCol="0">
+            <a:spAutoFit/>
+          </a:bodyPr>
+          <a:lstStyle/>
+          <a:p>
+            <a:r>
+              <a:rPr lang="en-US" altLang="ko-KR" sz="1000" dirty="0" smtClean="0">
+                <a:solidFill>
+                  <a:srgbClr val="0000FF"/>
+                </a:solidFill>
+              </a:rPr>
+              <a:t>2</a:t>
+            </a:r>
+            <a:endParaRPr lang="en-US" sz="1000" dirty="0">
+              <a:solidFill>
+                <a:srgbClr val="0000FF"/>
+              </a:solidFill>
+            </a:endParaRPr>
+          </a:p>
+        </p:txBody>
+      </p:sp>
+      <p:sp>
+        <p:nvSpPr>
+          <p:cNvPr id="170" name="TextBox 169"/>
+          <p:cNvSpPr txBox="1"/>
+          <p:nvPr/>
+        </p:nvSpPr>
+        <p:spPr>
+          <a:xfrm>
+            <a:off x="2562024" y="2672579"/>
+            <a:ext cx="105023" cy="246221"/>
+          </a:xfrm>
+          <a:prstGeom prst="rect">
+            <a:avLst/>
+          </a:prstGeom>
+          <a:noFill/>
+        </p:spPr>
+        <p:txBody>
+          <a:bodyPr wrap="square" rtlCol="0">
+            <a:spAutoFit/>
+          </a:bodyPr>
+          <a:lstStyle/>
+          <a:p>
+            <a:r>
+              <a:rPr lang="en-US" altLang="ko-KR" sz="1000" dirty="0" smtClean="0">
+                <a:solidFill>
+                  <a:srgbClr val="0000FF"/>
+                </a:solidFill>
+              </a:rPr>
+              <a:t>6</a:t>
+            </a:r>
+            <a:endParaRPr lang="en-US" sz="1000" dirty="0">
+              <a:solidFill>
+                <a:srgbClr val="0000FF"/>
+              </a:solidFill>
+            </a:endParaRPr>
+          </a:p>
+        </p:txBody>
+      </p:sp>
+      <p:sp>
+        <p:nvSpPr>
+          <p:cNvPr id="171" name="TextBox 170"/>
+          <p:cNvSpPr txBox="1"/>
+          <p:nvPr/>
+        </p:nvSpPr>
+        <p:spPr>
+          <a:xfrm>
+            <a:off x="3174072" y="2673779"/>
+            <a:ext cx="105023" cy="246221"/>
+          </a:xfrm>
+          <a:prstGeom prst="rect">
+            <a:avLst/>
+          </a:prstGeom>
+          <a:noFill/>
+        </p:spPr>
+        <p:txBody>
+          <a:bodyPr wrap="square" rtlCol="0">
+            <a:spAutoFit/>
+          </a:bodyPr>
+          <a:lstStyle/>
+          <a:p>
+            <a:r>
+              <a:rPr lang="en-US" altLang="ko-KR" sz="1000" dirty="0" smtClean="0">
+                <a:solidFill>
+                  <a:srgbClr val="0000FF"/>
+                </a:solidFill>
+              </a:rPr>
+              <a:t>10</a:t>
+            </a:r>
+            <a:endParaRPr lang="en-US" sz="1000" dirty="0">
+              <a:solidFill>
+                <a:srgbClr val="0000FF"/>
+              </a:solidFill>
+            </a:endParaRPr>
+          </a:p>
+        </p:txBody>
+      </p:sp>
+      <p:sp>
+        <p:nvSpPr>
+          <p:cNvPr id="172" name="TextBox 171"/>
+          <p:cNvSpPr txBox="1"/>
+          <p:nvPr/>
+        </p:nvSpPr>
+        <p:spPr>
+          <a:xfrm>
+            <a:off x="3810312" y="2674979"/>
+            <a:ext cx="105023" cy="246221"/>
+          </a:xfrm>
+          <a:prstGeom prst="rect">
+            <a:avLst/>
+          </a:prstGeom>
+          <a:noFill/>
+        </p:spPr>
+        <p:txBody>
+          <a:bodyPr wrap="square" rtlCol="0">
+            <a:spAutoFit/>
+          </a:bodyPr>
+          <a:lstStyle/>
+          <a:p>
+            <a:r>
+              <a:rPr lang="en-US" altLang="ko-KR" sz="1000" dirty="0" smtClean="0">
+                <a:solidFill>
+                  <a:srgbClr val="0000FF"/>
+                </a:solidFill>
+              </a:rPr>
+              <a:t>11</a:t>
+            </a:r>
+            <a:endParaRPr lang="en-US" sz="1000" dirty="0">
+              <a:solidFill>
+                <a:srgbClr val="0000FF"/>
+              </a:solidFill>
+            </a:endParaRPr>
+          </a:p>
+        </p:txBody>
+      </p:sp>
+      <p:sp>
+        <p:nvSpPr>
+          <p:cNvPr id="173" name="TextBox 172"/>
+          <p:cNvSpPr txBox="1"/>
+          <p:nvPr/>
+        </p:nvSpPr>
+        <p:spPr>
+          <a:xfrm>
+            <a:off x="4476792" y="2676179"/>
+            <a:ext cx="105023" cy="246221"/>
+          </a:xfrm>
+          <a:prstGeom prst="rect">
+            <a:avLst/>
+          </a:prstGeom>
+          <a:noFill/>
+        </p:spPr>
+        <p:txBody>
+          <a:bodyPr wrap="square" rtlCol="0">
+            <a:spAutoFit/>
+          </a:bodyPr>
+          <a:lstStyle/>
+          <a:p>
+            <a:r>
+              <a:rPr lang="en-US" altLang="ko-KR" sz="1000" dirty="0" smtClean="0">
+                <a:solidFill>
+                  <a:srgbClr val="0000FF"/>
+                </a:solidFill>
+              </a:rPr>
+              <a:t>1</a:t>
+            </a:r>
+            <a:endParaRPr lang="en-US" sz="1000" dirty="0">
+              <a:solidFill>
+                <a:srgbClr val="0000FF"/>
+              </a:solidFill>
+            </a:endParaRPr>
+          </a:p>
+        </p:txBody>
+      </p:sp>
+      <p:sp>
+        <p:nvSpPr>
+          <p:cNvPr id="174" name="TextBox 173"/>
+          <p:cNvSpPr txBox="1"/>
+          <p:nvPr/>
+        </p:nvSpPr>
+        <p:spPr>
+          <a:xfrm>
+            <a:off x="5125128" y="2677379"/>
+            <a:ext cx="105023" cy="246221"/>
+          </a:xfrm>
+          <a:prstGeom prst="rect">
+            <a:avLst/>
+          </a:prstGeom>
+          <a:noFill/>
+        </p:spPr>
+        <p:txBody>
+          <a:bodyPr wrap="square" rtlCol="0">
+            <a:spAutoFit/>
+          </a:bodyPr>
+          <a:lstStyle/>
+          <a:p>
+            <a:r>
+              <a:rPr lang="en-US" altLang="ko-KR" sz="1000" dirty="0" smtClean="0">
+                <a:solidFill>
+                  <a:srgbClr val="0000FF"/>
+                </a:solidFill>
+              </a:rPr>
+              <a:t>5</a:t>
+            </a:r>
+            <a:endParaRPr lang="en-US" sz="1000" dirty="0">
+              <a:solidFill>
+                <a:srgbClr val="0000FF"/>
+              </a:solidFill>
+            </a:endParaRPr>
+          </a:p>
+        </p:txBody>
+      </p:sp>
+      <p:sp>
+        <p:nvSpPr>
+          <p:cNvPr id="175" name="TextBox 174"/>
+          <p:cNvSpPr txBox="1"/>
+          <p:nvPr/>
+        </p:nvSpPr>
+        <p:spPr>
+          <a:xfrm>
+            <a:off x="5767416" y="2672531"/>
+            <a:ext cx="105023" cy="246221"/>
+          </a:xfrm>
+          <a:prstGeom prst="rect">
+            <a:avLst/>
+          </a:prstGeom>
+          <a:noFill/>
+        </p:spPr>
+        <p:txBody>
+          <a:bodyPr wrap="square" rtlCol="0">
+            <a:spAutoFit/>
+          </a:bodyPr>
+          <a:lstStyle/>
+          <a:p>
+            <a:r>
+              <a:rPr lang="en-US" altLang="ko-KR" sz="1000" dirty="0" smtClean="0">
+                <a:solidFill>
+                  <a:srgbClr val="0000FF"/>
+                </a:solidFill>
+              </a:rPr>
+              <a:t>7</a:t>
+            </a:r>
+            <a:endParaRPr lang="en-US" sz="1000" dirty="0">
+              <a:solidFill>
+                <a:srgbClr val="0000FF"/>
+              </a:solidFill>
+            </a:endParaRPr>
+          </a:p>
+        </p:txBody>
+      </p:sp>
+      <p:sp>
+        <p:nvSpPr>
+          <p:cNvPr id="176" name="TextBox 175"/>
+          <p:cNvSpPr txBox="1"/>
+          <p:nvPr/>
+        </p:nvSpPr>
+        <p:spPr>
+          <a:xfrm>
+            <a:off x="6379464" y="2673731"/>
+            <a:ext cx="105023" cy="246221"/>
+          </a:xfrm>
+          <a:prstGeom prst="rect">
+            <a:avLst/>
+          </a:prstGeom>
+          <a:noFill/>
+        </p:spPr>
+        <p:txBody>
+          <a:bodyPr wrap="square" rtlCol="0">
+            <a:spAutoFit/>
+          </a:bodyPr>
+          <a:lstStyle/>
+          <a:p>
+            <a:r>
+              <a:rPr lang="en-US" altLang="ko-KR" sz="1000" dirty="0" smtClean="0">
+                <a:solidFill>
+                  <a:srgbClr val="0000FF"/>
+                </a:solidFill>
+              </a:rPr>
+              <a:t>12</a:t>
+            </a:r>
+          </a:p>
+        </p:txBody>
+      </p:sp>
+      <p:sp>
+        <p:nvSpPr>
+          <p:cNvPr id="177" name="TextBox 176"/>
+          <p:cNvSpPr txBox="1"/>
+          <p:nvPr/>
+        </p:nvSpPr>
+        <p:spPr>
+          <a:xfrm>
+            <a:off x="7021752" y="2674931"/>
+            <a:ext cx="173665" cy="246221"/>
+          </a:xfrm>
+          <a:prstGeom prst="rect">
+            <a:avLst/>
+          </a:prstGeom>
+          <a:noFill/>
+        </p:spPr>
+        <p:txBody>
+          <a:bodyPr wrap="square" rtlCol="0">
+            <a:spAutoFit/>
+          </a:bodyPr>
+          <a:lstStyle/>
+          <a:p>
+            <a:r>
+              <a:rPr lang="en-US" altLang="ko-KR" sz="1000" dirty="0" smtClean="0">
+                <a:solidFill>
+                  <a:srgbClr val="0000FF"/>
+                </a:solidFill>
+              </a:rPr>
+              <a:t>8</a:t>
+            </a:r>
+          </a:p>
+        </p:txBody>
+      </p:sp>
+      <p:sp>
+        <p:nvSpPr>
+          <p:cNvPr id="178" name="TextBox 177"/>
+          <p:cNvSpPr txBox="1"/>
+          <p:nvPr/>
+        </p:nvSpPr>
+        <p:spPr>
+          <a:xfrm>
+            <a:off x="7645896" y="2676131"/>
+            <a:ext cx="173665" cy="246221"/>
+          </a:xfrm>
+          <a:prstGeom prst="rect">
+            <a:avLst/>
+          </a:prstGeom>
+          <a:noFill/>
+        </p:spPr>
+        <p:txBody>
+          <a:bodyPr wrap="square" rtlCol="0">
+            <a:spAutoFit/>
+          </a:bodyPr>
+          <a:lstStyle/>
+          <a:p>
+            <a:r>
+              <a:rPr lang="en-US" altLang="ko-KR" sz="1000" dirty="0" smtClean="0">
+                <a:solidFill>
+                  <a:srgbClr val="0000FF"/>
+                </a:solidFill>
+              </a:rPr>
+              <a:t>0</a:t>
+            </a:r>
+          </a:p>
+        </p:txBody>
+      </p:sp>
+      <p:sp>
+        <p:nvSpPr>
+          <p:cNvPr id="179" name="TextBox 178"/>
+          <p:cNvSpPr txBox="1"/>
+          <p:nvPr/>
+        </p:nvSpPr>
+        <p:spPr>
+          <a:xfrm>
+            <a:off x="2501544" y="3350967"/>
+            <a:ext cx="173665" cy="246221"/>
+          </a:xfrm>
+          <a:prstGeom prst="rect">
+            <a:avLst/>
+          </a:prstGeom>
+          <a:noFill/>
+        </p:spPr>
+        <p:txBody>
+          <a:bodyPr wrap="square" rtlCol="0">
+            <a:spAutoFit/>
+          </a:bodyPr>
+          <a:lstStyle/>
+          <a:p>
+            <a:r>
+              <a:rPr lang="en-US" altLang="ko-KR" sz="1000" dirty="0" smtClean="0">
+                <a:solidFill>
+                  <a:srgbClr val="0000FF"/>
+                </a:solidFill>
+              </a:rPr>
+              <a:t>13</a:t>
+            </a:r>
+          </a:p>
+        </p:txBody>
+      </p:sp>
+      <p:grpSp>
+        <p:nvGrpSpPr>
+          <p:cNvPr id="190" name="Group 189"/>
+          <p:cNvGrpSpPr/>
+          <p:nvPr/>
+        </p:nvGrpSpPr>
+        <p:grpSpPr>
+          <a:xfrm>
+            <a:off x="1858263" y="3039946"/>
+            <a:ext cx="296338" cy="369332"/>
+            <a:chOff x="2204011" y="3155829"/>
+            <a:chExt cx="296338" cy="369332"/>
+          </a:xfrm>
+        </p:grpSpPr>
+        <p:sp>
+          <p:nvSpPr>
+            <p:cNvPr id="181" name="Oval 180"/>
+            <p:cNvSpPr/>
+            <p:nvPr/>
+          </p:nvSpPr>
+          <p:spPr>
+            <a:xfrm>
+              <a:off x="2204016" y="3216731"/>
+              <a:ext cx="296333" cy="290286"/>
+            </a:xfrm>
+            <a:prstGeom prst="ellipse">
+              <a:avLst/>
+            </a:prstGeom>
+            <a:noFill/>
+            <a:ln>
+              <a:solidFill>
+                <a:schemeClr val="tx1"/>
+              </a:solidFill>
+            </a:ln>
+            <a:effectLst/>
+          </p:spPr>
+          <p:style>
+            <a:lnRef idx="1">
+              <a:schemeClr val="accent1"/>
+            </a:lnRef>
+            <a:fillRef idx="3">
+              <a:schemeClr val="accent1"/>
+            </a:fillRef>
+            <a:effectRef idx="2">
+              <a:schemeClr val="accent1"/>
+            </a:effectRef>
+            <a:fontRef idx="minor">
+              <a:schemeClr val="lt1"/>
+            </a:fontRef>
+          </p:style>
+          <p:txBody>
+            <a:bodyPr rtlCol="0" anchor="ctr"/>
+            <a:lstStyle/>
+            <a:p>
+              <a:pPr algn="ctr"/>
+              <a:endParaRPr lang="en-US" sz="1600" dirty="0"/>
+            </a:p>
+          </p:txBody>
+        </p:sp>
+        <p:sp>
+          <p:nvSpPr>
+            <p:cNvPr id="182" name="TextBox 181"/>
+            <p:cNvSpPr txBox="1"/>
+            <p:nvPr/>
+          </p:nvSpPr>
+          <p:spPr>
+            <a:xfrm>
+              <a:off x="2204011" y="3155829"/>
+              <a:ext cx="175381" cy="369332"/>
+            </a:xfrm>
+            <a:prstGeom prst="rect">
+              <a:avLst/>
+            </a:prstGeom>
+            <a:noFill/>
+          </p:spPr>
+          <p:txBody>
+            <a:bodyPr wrap="square" rtlCol="0">
+              <a:spAutoFit/>
+            </a:bodyPr>
+            <a:lstStyle/>
+            <a:p>
+              <a:r>
+                <a:rPr lang="en-US" dirty="0" smtClean="0"/>
+                <a:t>A</a:t>
+              </a:r>
+              <a:endParaRPr lang="en-US" dirty="0"/>
+            </a:p>
+          </p:txBody>
+        </p:sp>
+      </p:grpSp>
+      <p:sp>
+        <p:nvSpPr>
+          <p:cNvPr id="183" name="TextBox 182"/>
+          <p:cNvSpPr txBox="1"/>
+          <p:nvPr/>
+        </p:nvSpPr>
+        <p:spPr>
+          <a:xfrm>
+            <a:off x="1920936" y="3343907"/>
+            <a:ext cx="105023" cy="246221"/>
+          </a:xfrm>
+          <a:prstGeom prst="rect">
+            <a:avLst/>
+          </a:prstGeom>
+          <a:noFill/>
+        </p:spPr>
+        <p:txBody>
+          <a:bodyPr wrap="square" rtlCol="0">
+            <a:spAutoFit/>
+          </a:bodyPr>
+          <a:lstStyle/>
+          <a:p>
+            <a:r>
+              <a:rPr lang="en-US" altLang="ko-KR" sz="1000" dirty="0" smtClean="0">
+                <a:solidFill>
+                  <a:srgbClr val="0000FF"/>
+                </a:solidFill>
+              </a:rPr>
+              <a:t>4</a:t>
+            </a:r>
+            <a:endParaRPr lang="en-US" sz="1000" dirty="0">
+              <a:solidFill>
+                <a:srgbClr val="0000FF"/>
+              </a:solidFill>
+            </a:endParaRPr>
+          </a:p>
+        </p:txBody>
+      </p:sp>
+      <p:cxnSp>
+        <p:nvCxnSpPr>
+          <p:cNvPr id="191" name="Straight Arrow Connector 190"/>
+          <p:cNvCxnSpPr>
+            <a:stCxn id="181" idx="6"/>
+            <a:endCxn id="149" idx="2"/>
+          </p:cNvCxnSpPr>
+          <p:nvPr/>
+        </p:nvCxnSpPr>
+        <p:spPr>
+          <a:xfrm>
+            <a:off x="2154601" y="3245991"/>
+            <a:ext cx="343747" cy="1200"/>
+          </a:xfrm>
+          <a:prstGeom prst="straightConnector1">
+            <a:avLst/>
+          </a:prstGeom>
+          <a:ln w="12700">
+            <a:solidFill>
+              <a:schemeClr val="tx1"/>
+            </a:solidFill>
+            <a:tailEnd type="triangle" w="sm" len="sm"/>
+          </a:ln>
+          <a:effectLst/>
+        </p:spPr>
+        <p:style>
+          <a:lnRef idx="2">
+            <a:schemeClr val="accent1"/>
+          </a:lnRef>
+          <a:fillRef idx="0">
+            <a:schemeClr val="accent1"/>
+          </a:fillRef>
+          <a:effectRef idx="1">
+            <a:schemeClr val="accent1"/>
+          </a:effectRef>
+          <a:fontRef idx="minor">
+            <a:schemeClr val="tx1"/>
+          </a:fontRef>
+        </p:style>
+      </p:cxnSp>
+      <p:grpSp>
+        <p:nvGrpSpPr>
+          <p:cNvPr id="205" name="Group 204"/>
+          <p:cNvGrpSpPr/>
+          <p:nvPr/>
+        </p:nvGrpSpPr>
+        <p:grpSpPr>
+          <a:xfrm>
+            <a:off x="4416317" y="3058090"/>
+            <a:ext cx="296333" cy="369332"/>
+            <a:chOff x="4762065" y="3173973"/>
+            <a:chExt cx="296333" cy="369332"/>
+          </a:xfrm>
+        </p:grpSpPr>
+        <p:sp>
+          <p:nvSpPr>
+            <p:cNvPr id="198" name="Oval 197"/>
+            <p:cNvSpPr/>
+            <p:nvPr/>
+          </p:nvSpPr>
+          <p:spPr>
+            <a:xfrm>
+              <a:off x="4762065" y="3234875"/>
+              <a:ext cx="296333" cy="290286"/>
+            </a:xfrm>
+            <a:prstGeom prst="ellipse">
+              <a:avLst/>
+            </a:prstGeom>
+            <a:noFill/>
+            <a:ln>
+              <a:solidFill>
+                <a:schemeClr val="tx1"/>
+              </a:solidFill>
+            </a:ln>
+            <a:effectLst/>
+          </p:spPr>
+          <p:style>
+            <a:lnRef idx="1">
+              <a:schemeClr val="accent1"/>
+            </a:lnRef>
+            <a:fillRef idx="3">
+              <a:schemeClr val="accent1"/>
+            </a:fillRef>
+            <a:effectRef idx="2">
+              <a:schemeClr val="accent1"/>
+            </a:effectRef>
+            <a:fontRef idx="minor">
+              <a:schemeClr val="lt1"/>
+            </a:fontRef>
+          </p:style>
+          <p:txBody>
+            <a:bodyPr rtlCol="0" anchor="ctr"/>
+            <a:lstStyle/>
+            <a:p>
+              <a:pPr algn="ctr"/>
+              <a:endParaRPr lang="en-US" sz="1600" dirty="0"/>
+            </a:p>
+          </p:txBody>
+        </p:sp>
+        <p:sp>
+          <p:nvSpPr>
+            <p:cNvPr id="199" name="TextBox 198"/>
+            <p:cNvSpPr txBox="1"/>
+            <p:nvPr/>
+          </p:nvSpPr>
+          <p:spPr>
+            <a:xfrm>
+              <a:off x="4764024" y="3173973"/>
+              <a:ext cx="175381" cy="369332"/>
+            </a:xfrm>
+            <a:prstGeom prst="rect">
+              <a:avLst/>
+            </a:prstGeom>
+            <a:noFill/>
+          </p:spPr>
+          <p:txBody>
+            <a:bodyPr wrap="square" rtlCol="0">
+              <a:spAutoFit/>
+            </a:bodyPr>
+            <a:lstStyle/>
+            <a:p>
+              <a:r>
+                <a:rPr lang="en-US" dirty="0" smtClean="0"/>
+                <a:t>A</a:t>
+              </a:r>
+              <a:endParaRPr lang="en-US" dirty="0"/>
+            </a:p>
+          </p:txBody>
+        </p:sp>
+      </p:grpSp>
+      <p:sp>
+        <p:nvSpPr>
+          <p:cNvPr id="200" name="TextBox 199"/>
+          <p:cNvSpPr txBox="1"/>
+          <p:nvPr/>
+        </p:nvSpPr>
+        <p:spPr>
+          <a:xfrm>
+            <a:off x="4478985" y="3362051"/>
+            <a:ext cx="105023" cy="246221"/>
+          </a:xfrm>
+          <a:prstGeom prst="rect">
+            <a:avLst/>
+          </a:prstGeom>
+          <a:noFill/>
+        </p:spPr>
+        <p:txBody>
+          <a:bodyPr wrap="square" rtlCol="0">
+            <a:spAutoFit/>
+          </a:bodyPr>
+          <a:lstStyle/>
+          <a:p>
+            <a:r>
+              <a:rPr lang="en-US" altLang="ko-KR" sz="1000" dirty="0" smtClean="0">
+                <a:solidFill>
+                  <a:srgbClr val="0000FF"/>
+                </a:solidFill>
+              </a:rPr>
+              <a:t>3</a:t>
+            </a:r>
+            <a:endParaRPr lang="en-US" sz="1000" dirty="0">
+              <a:solidFill>
+                <a:srgbClr val="0000FF"/>
+              </a:solidFill>
+            </a:endParaRPr>
+          </a:p>
+        </p:txBody>
+      </p:sp>
+      <p:cxnSp>
+        <p:nvCxnSpPr>
+          <p:cNvPr id="201" name="Straight Arrow Connector 200"/>
+          <p:cNvCxnSpPr>
+            <a:stCxn id="128" idx="5"/>
+            <a:endCxn id="198" idx="1"/>
+          </p:cNvCxnSpPr>
+          <p:nvPr/>
+        </p:nvCxnSpPr>
+        <p:spPr>
+          <a:xfrm>
+            <a:off x="4024191" y="2684543"/>
+            <a:ext cx="435523" cy="476960"/>
+          </a:xfrm>
+          <a:prstGeom prst="straightConnector1">
+            <a:avLst/>
+          </a:prstGeom>
+          <a:ln w="12700">
+            <a:solidFill>
+              <a:schemeClr val="tx1"/>
+            </a:solidFill>
+            <a:tailEnd type="triangle" w="sm" len="sm"/>
+          </a:ln>
+          <a:effectLst/>
+        </p:spPr>
+        <p:style>
+          <a:lnRef idx="2">
+            <a:schemeClr val="accent1"/>
+          </a:lnRef>
+          <a:fillRef idx="0">
+            <a:schemeClr val="accent1"/>
+          </a:fillRef>
+          <a:effectRef idx="1">
+            <a:schemeClr val="accent1"/>
+          </a:effectRef>
+          <a:fontRef idx="minor">
+            <a:schemeClr val="tx1"/>
+          </a:fontRef>
+        </p:style>
+      </p:cxnSp>
+      <p:cxnSp>
+        <p:nvCxnSpPr>
+          <p:cNvPr id="206" name="Straight Arrow Connector 205"/>
+          <p:cNvCxnSpPr>
+            <a:stCxn id="198" idx="7"/>
+            <a:endCxn id="137" idx="3"/>
+          </p:cNvCxnSpPr>
+          <p:nvPr/>
+        </p:nvCxnSpPr>
+        <p:spPr>
+          <a:xfrm flipV="1">
+            <a:off x="4669253" y="2680895"/>
+            <a:ext cx="1071692" cy="480608"/>
+          </a:xfrm>
+          <a:prstGeom prst="straightConnector1">
+            <a:avLst/>
+          </a:prstGeom>
+          <a:ln w="12700">
+            <a:solidFill>
+              <a:schemeClr val="tx1"/>
+            </a:solidFill>
+            <a:tailEnd type="triangle" w="sm" len="sm"/>
+          </a:ln>
+          <a:effectLst/>
+        </p:spPr>
+        <p:style>
+          <a:lnRef idx="2">
+            <a:schemeClr val="accent1"/>
+          </a:lnRef>
+          <a:fillRef idx="0">
+            <a:schemeClr val="accent1"/>
+          </a:fillRef>
+          <a:effectRef idx="1">
+            <a:schemeClr val="accent1"/>
+          </a:effectRef>
+          <a:fontRef idx="minor">
+            <a:schemeClr val="tx1"/>
+          </a:fontRef>
+        </p:style>
+      </p:cxnSp>
+      <p:sp>
+        <p:nvSpPr>
+          <p:cNvPr id="214" name="TextBox 213"/>
+          <p:cNvSpPr txBox="1"/>
+          <p:nvPr/>
+        </p:nvSpPr>
+        <p:spPr>
+          <a:xfrm>
+            <a:off x="1208718" y="2217779"/>
+            <a:ext cx="332953" cy="246221"/>
+          </a:xfrm>
+          <a:prstGeom prst="rect">
+            <a:avLst/>
+          </a:prstGeom>
+          <a:noFill/>
+        </p:spPr>
+        <p:txBody>
+          <a:bodyPr wrap="square" rtlCol="0">
+            <a:spAutoFit/>
+          </a:bodyPr>
+          <a:lstStyle/>
+          <a:p>
+            <a:r>
+              <a:rPr lang="en-US" sz="1000" dirty="0" smtClean="0">
+                <a:solidFill>
+                  <a:srgbClr val="660066"/>
+                </a:solidFill>
+              </a:rPr>
+              <a:t>GA</a:t>
+            </a:r>
+            <a:endParaRPr lang="en-US" sz="1000" dirty="0">
+              <a:solidFill>
+                <a:srgbClr val="660066"/>
+              </a:solidFill>
+            </a:endParaRPr>
+          </a:p>
+        </p:txBody>
+      </p:sp>
+      <p:sp>
+        <p:nvSpPr>
+          <p:cNvPr id="215" name="TextBox 214"/>
+          <p:cNvSpPr txBox="1"/>
+          <p:nvPr/>
+        </p:nvSpPr>
+        <p:spPr>
+          <a:xfrm>
+            <a:off x="1618535" y="2218979"/>
+            <a:ext cx="757141" cy="246221"/>
+          </a:xfrm>
+          <a:prstGeom prst="rect">
+            <a:avLst/>
+          </a:prstGeom>
+          <a:noFill/>
+        </p:spPr>
+        <p:txBody>
+          <a:bodyPr wrap="square" rtlCol="0">
+            <a:spAutoFit/>
+          </a:bodyPr>
+          <a:lstStyle/>
+          <a:p>
+            <a:r>
+              <a:rPr lang="en-US" sz="1000" dirty="0" smtClean="0">
+                <a:solidFill>
+                  <a:srgbClr val="660066"/>
+                </a:solidFill>
+              </a:rPr>
+              <a:t>AC(GT|TA)</a:t>
+            </a:r>
+            <a:endParaRPr lang="en-US" sz="1000" dirty="0">
+              <a:solidFill>
+                <a:srgbClr val="660066"/>
+              </a:solidFill>
+            </a:endParaRPr>
+          </a:p>
+        </p:txBody>
+      </p:sp>
+      <p:sp>
+        <p:nvSpPr>
+          <p:cNvPr id="216" name="TextBox 215"/>
+          <p:cNvSpPr txBox="1"/>
+          <p:nvPr/>
+        </p:nvSpPr>
+        <p:spPr>
+          <a:xfrm>
+            <a:off x="1734648" y="2873363"/>
+            <a:ext cx="532176" cy="246221"/>
+          </a:xfrm>
+          <a:prstGeom prst="rect">
+            <a:avLst/>
+          </a:prstGeom>
+          <a:noFill/>
+        </p:spPr>
+        <p:txBody>
+          <a:bodyPr wrap="square" rtlCol="0">
+            <a:spAutoFit/>
+          </a:bodyPr>
+          <a:lstStyle/>
+          <a:p>
+            <a:r>
+              <a:rPr lang="en-US" sz="1000" dirty="0" smtClean="0">
+                <a:solidFill>
+                  <a:srgbClr val="660066"/>
+                </a:solidFill>
+              </a:rPr>
+              <a:t>ATGTA</a:t>
+            </a:r>
+            <a:endParaRPr lang="en-US" sz="1000" dirty="0">
+              <a:solidFill>
+                <a:srgbClr val="660066"/>
+              </a:solidFill>
+            </a:endParaRPr>
+          </a:p>
+        </p:txBody>
+      </p:sp>
+      <p:sp>
+        <p:nvSpPr>
+          <p:cNvPr id="217" name="TextBox 216"/>
+          <p:cNvSpPr txBox="1"/>
+          <p:nvPr/>
+        </p:nvSpPr>
+        <p:spPr>
+          <a:xfrm>
+            <a:off x="2407176" y="2868515"/>
+            <a:ext cx="532176" cy="246221"/>
+          </a:xfrm>
+          <a:prstGeom prst="rect">
+            <a:avLst/>
+          </a:prstGeom>
+          <a:noFill/>
+        </p:spPr>
+        <p:txBody>
+          <a:bodyPr wrap="square" rtlCol="0">
+            <a:spAutoFit/>
+          </a:bodyPr>
+          <a:lstStyle/>
+          <a:p>
+            <a:r>
+              <a:rPr lang="en-US" sz="1000" dirty="0" smtClean="0">
+                <a:solidFill>
+                  <a:srgbClr val="660066"/>
+                </a:solidFill>
+              </a:rPr>
+              <a:t>TGTA</a:t>
+            </a:r>
+            <a:endParaRPr lang="en-US" sz="1000" dirty="0">
+              <a:solidFill>
+                <a:srgbClr val="660066"/>
+              </a:solidFill>
+            </a:endParaRPr>
+          </a:p>
+        </p:txBody>
+      </p:sp>
+      <p:sp>
+        <p:nvSpPr>
+          <p:cNvPr id="218" name="TextBox 217"/>
+          <p:cNvSpPr txBox="1"/>
+          <p:nvPr/>
+        </p:nvSpPr>
+        <p:spPr>
+          <a:xfrm>
+            <a:off x="2321303" y="2081075"/>
+            <a:ext cx="757141" cy="246221"/>
+          </a:xfrm>
+          <a:prstGeom prst="rect">
+            <a:avLst/>
+          </a:prstGeom>
+          <a:noFill/>
+        </p:spPr>
+        <p:txBody>
+          <a:bodyPr wrap="square" rtlCol="0">
+            <a:spAutoFit/>
+          </a:bodyPr>
+          <a:lstStyle/>
+          <a:p>
+            <a:r>
+              <a:rPr lang="en-US" sz="1000" dirty="0" smtClean="0">
+                <a:solidFill>
+                  <a:srgbClr val="660066"/>
+                </a:solidFill>
+              </a:rPr>
+              <a:t>C(G|TA)</a:t>
+            </a:r>
+            <a:endParaRPr lang="en-US" sz="1000" dirty="0">
+              <a:solidFill>
+                <a:srgbClr val="660066"/>
+              </a:solidFill>
+            </a:endParaRPr>
+          </a:p>
+        </p:txBody>
+      </p:sp>
+      <p:sp>
+        <p:nvSpPr>
+          <p:cNvPr id="219" name="TextBox 218"/>
+          <p:cNvSpPr txBox="1"/>
+          <p:nvPr/>
+        </p:nvSpPr>
+        <p:spPr>
+          <a:xfrm>
+            <a:off x="3047063" y="2220179"/>
+            <a:ext cx="513506" cy="246221"/>
+          </a:xfrm>
+          <a:prstGeom prst="rect">
+            <a:avLst/>
+          </a:prstGeom>
+          <a:noFill/>
+        </p:spPr>
+        <p:txBody>
+          <a:bodyPr wrap="square" rtlCol="0">
+            <a:spAutoFit/>
+          </a:bodyPr>
+          <a:lstStyle/>
+          <a:p>
+            <a:r>
+              <a:rPr lang="en-US" sz="1000" dirty="0" smtClean="0">
+                <a:solidFill>
+                  <a:srgbClr val="660066"/>
+                </a:solidFill>
+              </a:rPr>
+              <a:t>GTAC</a:t>
+            </a:r>
+            <a:endParaRPr lang="en-US" sz="1000" dirty="0">
+              <a:solidFill>
+                <a:srgbClr val="660066"/>
+              </a:solidFill>
+            </a:endParaRPr>
+          </a:p>
+        </p:txBody>
+      </p:sp>
+      <p:sp>
+        <p:nvSpPr>
+          <p:cNvPr id="220" name="TextBox 219"/>
+          <p:cNvSpPr txBox="1"/>
+          <p:nvPr/>
+        </p:nvSpPr>
+        <p:spPr>
+          <a:xfrm>
+            <a:off x="3834503" y="2215331"/>
+            <a:ext cx="513506" cy="246221"/>
+          </a:xfrm>
+          <a:prstGeom prst="rect">
+            <a:avLst/>
+          </a:prstGeom>
+          <a:noFill/>
+        </p:spPr>
+        <p:txBody>
+          <a:bodyPr wrap="square" rtlCol="0">
+            <a:spAutoFit/>
+          </a:bodyPr>
+          <a:lstStyle/>
+          <a:p>
+            <a:r>
+              <a:rPr lang="en-US" sz="1000" dirty="0" smtClean="0">
+                <a:solidFill>
+                  <a:srgbClr val="660066"/>
+                </a:solidFill>
+              </a:rPr>
+              <a:t>TAC</a:t>
+            </a:r>
+            <a:endParaRPr lang="en-US" sz="1000" dirty="0">
+              <a:solidFill>
+                <a:srgbClr val="660066"/>
+              </a:solidFill>
+            </a:endParaRPr>
+          </a:p>
+        </p:txBody>
+      </p:sp>
+      <p:sp>
+        <p:nvSpPr>
+          <p:cNvPr id="221" name="TextBox 220"/>
+          <p:cNvSpPr txBox="1"/>
+          <p:nvPr/>
+        </p:nvSpPr>
+        <p:spPr>
+          <a:xfrm>
+            <a:off x="4253014" y="2216531"/>
+            <a:ext cx="632429" cy="246221"/>
+          </a:xfrm>
+          <a:prstGeom prst="rect">
+            <a:avLst/>
+          </a:prstGeom>
+          <a:noFill/>
+        </p:spPr>
+        <p:txBody>
+          <a:bodyPr wrap="square" rtlCol="0">
+            <a:spAutoFit/>
+          </a:bodyPr>
+          <a:lstStyle/>
+          <a:p>
+            <a:r>
+              <a:rPr lang="en-US" sz="1000" dirty="0" smtClean="0">
+                <a:solidFill>
+                  <a:srgbClr val="660066"/>
+                </a:solidFill>
+              </a:rPr>
+              <a:t>ACCTG$</a:t>
+            </a:r>
+            <a:endParaRPr lang="en-US" sz="1000" dirty="0">
+              <a:solidFill>
+                <a:srgbClr val="660066"/>
+              </a:solidFill>
+            </a:endParaRPr>
+          </a:p>
+        </p:txBody>
+      </p:sp>
+      <p:sp>
+        <p:nvSpPr>
+          <p:cNvPr id="222" name="TextBox 221"/>
+          <p:cNvSpPr txBox="1"/>
+          <p:nvPr/>
+        </p:nvSpPr>
+        <p:spPr>
+          <a:xfrm>
+            <a:off x="4943687" y="2217731"/>
+            <a:ext cx="528376" cy="246221"/>
+          </a:xfrm>
+          <a:prstGeom prst="rect">
+            <a:avLst/>
+          </a:prstGeom>
+          <a:noFill/>
+        </p:spPr>
+        <p:txBody>
+          <a:bodyPr wrap="square" rtlCol="0">
+            <a:spAutoFit/>
+          </a:bodyPr>
+          <a:lstStyle/>
+          <a:p>
+            <a:r>
+              <a:rPr lang="en-US" sz="1000" dirty="0" smtClean="0">
+                <a:solidFill>
+                  <a:srgbClr val="660066"/>
+                </a:solidFill>
+              </a:rPr>
+              <a:t>CCTG$</a:t>
+            </a:r>
+            <a:endParaRPr lang="en-US" sz="1000" dirty="0">
+              <a:solidFill>
+                <a:srgbClr val="660066"/>
+              </a:solidFill>
+            </a:endParaRPr>
+          </a:p>
+        </p:txBody>
+      </p:sp>
+      <p:sp>
+        <p:nvSpPr>
+          <p:cNvPr id="223" name="TextBox 222"/>
+          <p:cNvSpPr txBox="1"/>
+          <p:nvPr/>
+        </p:nvSpPr>
+        <p:spPr>
+          <a:xfrm>
+            <a:off x="5610167" y="2218931"/>
+            <a:ext cx="454562" cy="246221"/>
+          </a:xfrm>
+          <a:prstGeom prst="rect">
+            <a:avLst/>
+          </a:prstGeom>
+          <a:noFill/>
+        </p:spPr>
+        <p:txBody>
+          <a:bodyPr wrap="square" rtlCol="0">
+            <a:spAutoFit/>
+          </a:bodyPr>
+          <a:lstStyle/>
+          <a:p>
+            <a:r>
+              <a:rPr lang="en-US" sz="1000" dirty="0" smtClean="0">
+                <a:solidFill>
+                  <a:srgbClr val="660066"/>
+                </a:solidFill>
+              </a:rPr>
+              <a:t>CTG$</a:t>
+            </a:r>
+            <a:endParaRPr lang="en-US" sz="1000" dirty="0">
+              <a:solidFill>
+                <a:srgbClr val="660066"/>
+              </a:solidFill>
+            </a:endParaRPr>
+          </a:p>
+        </p:txBody>
+      </p:sp>
+      <p:sp>
+        <p:nvSpPr>
+          <p:cNvPr id="224" name="TextBox 223"/>
+          <p:cNvSpPr txBox="1"/>
+          <p:nvPr/>
+        </p:nvSpPr>
+        <p:spPr>
+          <a:xfrm>
+            <a:off x="6270599" y="2220131"/>
+            <a:ext cx="454562" cy="246221"/>
+          </a:xfrm>
+          <a:prstGeom prst="rect">
+            <a:avLst/>
+          </a:prstGeom>
+          <a:noFill/>
+        </p:spPr>
+        <p:txBody>
+          <a:bodyPr wrap="square" rtlCol="0">
+            <a:spAutoFit/>
+          </a:bodyPr>
+          <a:lstStyle/>
+          <a:p>
+            <a:r>
+              <a:rPr lang="en-US" sz="1000" dirty="0" smtClean="0">
+                <a:solidFill>
+                  <a:srgbClr val="660066"/>
+                </a:solidFill>
+              </a:rPr>
+              <a:t>TG$</a:t>
+            </a:r>
+            <a:endParaRPr lang="en-US" sz="1000" dirty="0">
+              <a:solidFill>
+                <a:srgbClr val="660066"/>
+              </a:solidFill>
+            </a:endParaRPr>
+          </a:p>
+        </p:txBody>
+      </p:sp>
+      <p:sp>
+        <p:nvSpPr>
+          <p:cNvPr id="225" name="TextBox 224"/>
+          <p:cNvSpPr txBox="1"/>
+          <p:nvPr/>
+        </p:nvSpPr>
+        <p:spPr>
+          <a:xfrm>
+            <a:off x="6960070" y="2220131"/>
+            <a:ext cx="397447" cy="246221"/>
+          </a:xfrm>
+          <a:prstGeom prst="rect">
+            <a:avLst/>
+          </a:prstGeom>
+          <a:noFill/>
+        </p:spPr>
+        <p:txBody>
+          <a:bodyPr wrap="square" rtlCol="0">
+            <a:spAutoFit/>
+          </a:bodyPr>
+          <a:lstStyle/>
+          <a:p>
+            <a:r>
+              <a:rPr lang="en-US" sz="1000" dirty="0" smtClean="0">
+                <a:solidFill>
+                  <a:srgbClr val="660066"/>
+                </a:solidFill>
+              </a:rPr>
+              <a:t>G$</a:t>
+            </a:r>
+            <a:endParaRPr lang="en-US" sz="1000" dirty="0">
+              <a:solidFill>
+                <a:srgbClr val="660066"/>
+              </a:solidFill>
+            </a:endParaRPr>
+          </a:p>
+        </p:txBody>
+      </p:sp>
+      <p:sp>
+        <p:nvSpPr>
+          <p:cNvPr id="226" name="TextBox 225"/>
+          <p:cNvSpPr txBox="1"/>
+          <p:nvPr/>
+        </p:nvSpPr>
+        <p:spPr>
+          <a:xfrm>
+            <a:off x="7638646" y="2215283"/>
+            <a:ext cx="259539" cy="246221"/>
+          </a:xfrm>
+          <a:prstGeom prst="rect">
+            <a:avLst/>
+          </a:prstGeom>
+          <a:noFill/>
+        </p:spPr>
+        <p:txBody>
+          <a:bodyPr wrap="square" rtlCol="0">
+            <a:spAutoFit/>
+          </a:bodyPr>
+          <a:lstStyle/>
+          <a:p>
+            <a:r>
+              <a:rPr lang="en-US" sz="1000" dirty="0" smtClean="0">
+                <a:solidFill>
+                  <a:srgbClr val="660066"/>
+                </a:solidFill>
+              </a:rPr>
+              <a:t>$</a:t>
+            </a:r>
+            <a:endParaRPr lang="en-US" sz="1000" dirty="0">
+              <a:solidFill>
+                <a:srgbClr val="660066"/>
+              </a:solidFill>
+            </a:endParaRPr>
+          </a:p>
+        </p:txBody>
+      </p:sp>
+      <p:sp>
+        <p:nvSpPr>
+          <p:cNvPr id="227" name="TextBox 226"/>
+          <p:cNvSpPr txBox="1"/>
+          <p:nvPr/>
+        </p:nvSpPr>
+        <p:spPr>
+          <a:xfrm>
+            <a:off x="4271160" y="2869715"/>
+            <a:ext cx="756068" cy="246221"/>
+          </a:xfrm>
+          <a:prstGeom prst="rect">
+            <a:avLst/>
+          </a:prstGeom>
+          <a:noFill/>
+        </p:spPr>
+        <p:txBody>
+          <a:bodyPr wrap="square" rtlCol="0">
+            <a:spAutoFit/>
+          </a:bodyPr>
+          <a:lstStyle/>
+          <a:p>
+            <a:r>
+              <a:rPr lang="en-US" sz="1000" dirty="0" smtClean="0">
+                <a:solidFill>
+                  <a:srgbClr val="660066"/>
+                </a:solidFill>
+              </a:rPr>
+              <a:t>A(CTG|G$)</a:t>
+            </a:r>
+            <a:endParaRPr lang="en-US" sz="1000" dirty="0">
+              <a:solidFill>
+                <a:srgbClr val="660066"/>
+              </a:solidFill>
+            </a:endParaRPr>
+          </a:p>
+        </p:txBody>
+      </p:sp>
+      <p:cxnSp>
+        <p:nvCxnSpPr>
+          <p:cNvPr id="228" name="Straight Arrow Connector 227"/>
+          <p:cNvCxnSpPr>
+            <a:stCxn id="198" idx="6"/>
+            <a:endCxn id="143" idx="4"/>
+          </p:cNvCxnSpPr>
+          <p:nvPr/>
+        </p:nvCxnSpPr>
+        <p:spPr>
+          <a:xfrm flipV="1">
+            <a:off x="4712650" y="2725806"/>
             <a:ext cx="2413225" cy="538329"/>
           </a:xfrm>
           <a:prstGeom prst="straightConnector1">
@@ -10989,14 +16112,14 @@
           <p:nvPr>
             <p:extLst>
               <p:ext uri="{D42A27DB-BD31-4B8C-83A1-F6EECF244321}">
-                <p14:modId xmlns:p14="http://schemas.microsoft.com/office/powerpoint/2010/main" val="3365045547"/>
+                <p14:modId xmlns:p14="http://schemas.microsoft.com/office/powerpoint/2010/main" val="150187944"/>
               </p:ext>
             </p:extLst>
           </p:nvPr>
         </p:nvGraphicFramePr>
         <p:xfrm>
-          <a:off x="787950" y="4837826"/>
-          <a:ext cx="7189095" cy="2001519"/>
+          <a:off x="894334" y="4099787"/>
+          <a:ext cx="7189095" cy="2397759"/>
         </p:xfrm>
         <a:graphic>
           <a:graphicData uri="http://schemas.openxmlformats.org/drawingml/2006/table">
@@ -12757,10 +17880,21 @@
                     <a:p>
                       <a:pPr algn="ctr"/>
                       <a:r>
-                        <a:rPr lang="en-US" sz="1400" dirty="0" smtClean="0"/>
-                        <a:t>F</a:t>
-                      </a:r>
-                      <a:endParaRPr lang="en-US" sz="1400" dirty="0"/>
+                        <a:rPr lang="en-US" sz="800" dirty="0" smtClean="0">
+                          <a:solidFill>
+                            <a:srgbClr val="660066"/>
+                          </a:solidFill>
+                        </a:rPr>
+                        <a:t>Sorted</a:t>
+                      </a:r>
+                    </a:p>
+                    <a:p>
+                      <a:pPr algn="ctr"/>
+                      <a:r>
+                        <a:rPr lang="en-US" sz="1200" dirty="0" smtClean="0"/>
+                        <a:t>BWT</a:t>
+                      </a:r>
+                      <a:endParaRPr lang="en-US" sz="1200" dirty="0"/>
                     </a:p>
                   </a:txBody>
                   <a:tcPr>
@@ -12792,7 +17926,7 @@
                       <a:pPr algn="ctr"/>
                       <a:r>
                         <a:rPr lang="en-US" sz="1400" dirty="0" smtClean="0"/>
-                        <a:t>1</a:t>
+                        <a:t>$</a:t>
                       </a:r>
                       <a:endParaRPr lang="en-US" sz="1400" dirty="0"/>
                     </a:p>
@@ -12826,7 +17960,7 @@
                       <a:pPr algn="ctr"/>
                       <a:r>
                         <a:rPr lang="en-US" sz="1400" dirty="0" smtClean="0"/>
-                        <a:t>1</a:t>
+                        <a:t>A</a:t>
                       </a:r>
                       <a:endParaRPr lang="en-US" sz="1400" dirty="0"/>
                     </a:p>
@@ -12860,7 +17994,7 @@
                       <a:pPr algn="ctr"/>
                       <a:r>
                         <a:rPr lang="en-US" sz="1400" dirty="0" smtClean="0"/>
-                        <a:t>1</a:t>
+                        <a:t>A</a:t>
                       </a:r>
                       <a:endParaRPr lang="en-US" sz="1400" dirty="0"/>
                     </a:p>
@@ -12894,7 +18028,7 @@
                       <a:pPr algn="ctr"/>
                       <a:r>
                         <a:rPr lang="en-US" sz="1400" dirty="0" smtClean="0"/>
-                        <a:t>1</a:t>
+                        <a:t>AA</a:t>
                       </a:r>
                       <a:endParaRPr lang="en-US" sz="1400" dirty="0"/>
                     </a:p>
@@ -12928,7 +18062,7 @@
                       <a:pPr algn="ctr"/>
                       <a:r>
                         <a:rPr lang="en-US" sz="1400" dirty="0" smtClean="0"/>
-                        <a:t>1</a:t>
+                        <a:t>A</a:t>
                       </a:r>
                       <a:endParaRPr lang="en-US" sz="1400" dirty="0"/>
                     </a:p>
@@ -12962,7 +18096,7 @@
                       <a:pPr algn="ctr"/>
                       <a:r>
                         <a:rPr lang="en-US" sz="1400" dirty="0" smtClean="0"/>
-                        <a:t>1</a:t>
+                        <a:t>C</a:t>
                       </a:r>
                       <a:endParaRPr lang="en-US" sz="1400" dirty="0"/>
                     </a:p>
@@ -12996,7 +18130,7 @@
                       <a:pPr algn="ctr"/>
                       <a:r>
                         <a:rPr lang="en-US" sz="1400" dirty="0" smtClean="0"/>
-                        <a:t>1</a:t>
+                        <a:t>CC</a:t>
                       </a:r>
                       <a:endParaRPr lang="en-US" sz="1400" dirty="0"/>
                     </a:p>
@@ -13030,7 +18164,7 @@
                       <a:pPr algn="ctr"/>
                       <a:r>
                         <a:rPr lang="en-US" sz="1400" dirty="0" smtClean="0"/>
-                        <a:t>10</a:t>
+                        <a:t>C</a:t>
                       </a:r>
                       <a:endParaRPr lang="en-US" sz="1400" dirty="0"/>
                     </a:p>
@@ -13064,7 +18198,7 @@
                       <a:pPr algn="ctr"/>
                       <a:r>
                         <a:rPr lang="en-US" sz="1400" dirty="0" smtClean="0"/>
-                        <a:t>10</a:t>
+                        <a:t>G</a:t>
                       </a:r>
                       <a:endParaRPr lang="en-US" sz="1400" dirty="0"/>
                     </a:p>
@@ -13097,10 +18231,18 @@
                     <a:p>
                       <a:pPr algn="ctr"/>
                       <a:r>
-                        <a:rPr lang="en-US" sz="1400" dirty="0" smtClean="0"/>
-                        <a:t>1</a:t>
-                      </a:r>
-                      <a:endParaRPr lang="en-US" sz="1400" dirty="0"/>
+                        <a:rPr lang="en-US" sz="1400" dirty="0" smtClean="0">
+                          <a:solidFill>
+                            <a:schemeClr val="tx1"/>
+                          </a:solidFill>
+                        </a:rPr>
+                        <a:t>GG</a:t>
+                      </a:r>
+                      <a:endParaRPr lang="en-US" sz="1400" dirty="0">
+                        <a:solidFill>
+                          <a:schemeClr val="tx1"/>
+                        </a:solidFill>
+                      </a:endParaRPr>
                     </a:p>
                   </a:txBody>
                   <a:tcPr>
@@ -13132,7 +18274,7 @@
                       <a:pPr algn="ctr"/>
                       <a:r>
                         <a:rPr lang="en-US" sz="1400" dirty="0" smtClean="0"/>
-                        <a:t>10</a:t>
+                        <a:t>G</a:t>
                       </a:r>
                       <a:endParaRPr lang="en-US" sz="1400" dirty="0"/>
                     </a:p>
@@ -13166,7 +18308,7 @@
                       <a:pPr algn="ctr"/>
                       <a:r>
                         <a:rPr lang="en-US" sz="1400" dirty="0" smtClean="0"/>
-                        <a:t>10</a:t>
+                        <a:t>TT</a:t>
                       </a:r>
                       <a:endParaRPr lang="en-US" sz="1400" dirty="0"/>
                     </a:p>
@@ -13200,7 +18342,7 @@
                       <a:pPr algn="ctr"/>
                       <a:r>
                         <a:rPr lang="en-US" sz="1400" dirty="0" smtClean="0"/>
-                        <a:t>1</a:t>
+                        <a:t>T</a:t>
                       </a:r>
                       <a:endParaRPr lang="en-US" sz="1400" dirty="0"/>
                     </a:p>
@@ -13234,7 +18376,7 @@
                       <a:pPr algn="ctr"/>
                       <a:r>
                         <a:rPr lang="en-US" sz="1400" dirty="0" smtClean="0"/>
-                        <a:t>1</a:t>
+                        <a:t>T</a:t>
                       </a:r>
                       <a:endParaRPr lang="en-US" sz="1400" dirty="0"/>
                     </a:p>
@@ -13270,6 +18412,518 @@
                       <a:pPr algn="ctr"/>
                       <a:r>
                         <a:rPr lang="en-US" sz="1400" dirty="0" smtClean="0"/>
+                        <a:t>F</a:t>
+                      </a:r>
+                      <a:endParaRPr lang="en-US" sz="1400" dirty="0"/>
+                    </a:p>
+                  </a:txBody>
+                  <a:tcPr>
+                    <a:lnT w="12700" cap="flat" cmpd="sng" algn="ctr">
+                      <a:solidFill>
+                        <a:scrgbClr r="0" g="0" b="0"/>
+                      </a:solidFill>
+                      <a:prstDash val="solid"/>
+                      <a:round/>
+                      <a:headEnd type="none" w="med" len="med"/>
+                      <a:tailEnd type="none" w="med" len="med"/>
+                    </a:lnT>
+                    <a:lnB w="12700" cap="flat" cmpd="sng" algn="ctr">
+                      <a:solidFill>
+                        <a:scrgbClr r="0" g="0" b="0"/>
+                      </a:solidFill>
+                      <a:prstDash val="solid"/>
+                      <a:round/>
+                      <a:headEnd type="none" w="med" len="med"/>
+                      <a:tailEnd type="none" w="med" len="med"/>
+                    </a:lnB>
+                  </a:tcPr>
+                </a:tc>
+                <a:tc>
+                  <a:txBody>
+                    <a:bodyPr/>
+                    <a:lstStyle/>
+                    <a:p>
+                      <a:pPr algn="ctr"/>
+                      <a:r>
+                        <a:rPr lang="en-US" sz="1400" dirty="0" smtClean="0"/>
+                        <a:t>1</a:t>
+                      </a:r>
+                      <a:endParaRPr lang="en-US" sz="1400" dirty="0"/>
+                    </a:p>
+                  </a:txBody>
+                  <a:tcPr>
+                    <a:lnT w="12700" cap="flat" cmpd="sng" algn="ctr">
+                      <a:solidFill>
+                        <a:scrgbClr r="0" g="0" b="0"/>
+                      </a:solidFill>
+                      <a:prstDash val="solid"/>
+                      <a:round/>
+                      <a:headEnd type="none" w="med" len="med"/>
+                      <a:tailEnd type="none" w="med" len="med"/>
+                    </a:lnT>
+                    <a:lnB w="12700" cap="flat" cmpd="sng" algn="ctr">
+                      <a:solidFill>
+                        <a:scrgbClr r="0" g="0" b="0"/>
+                      </a:solidFill>
+                      <a:prstDash val="solid"/>
+                      <a:round/>
+                      <a:headEnd type="none" w="med" len="med"/>
+                      <a:tailEnd type="none" w="med" len="med"/>
+                    </a:lnB>
+                  </a:tcPr>
+                </a:tc>
+                <a:tc>
+                  <a:txBody>
+                    <a:bodyPr/>
+                    <a:lstStyle/>
+                    <a:p>
+                      <a:pPr algn="ctr"/>
+                      <a:r>
+                        <a:rPr lang="en-US" sz="1400" dirty="0" smtClean="0"/>
+                        <a:t>1</a:t>
+                      </a:r>
+                      <a:endParaRPr lang="en-US" sz="1400" dirty="0"/>
+                    </a:p>
+                  </a:txBody>
+                  <a:tcPr>
+                    <a:lnT w="12700" cap="flat" cmpd="sng" algn="ctr">
+                      <a:solidFill>
+                        <a:scrgbClr r="0" g="0" b="0"/>
+                      </a:solidFill>
+                      <a:prstDash val="solid"/>
+                      <a:round/>
+                      <a:headEnd type="none" w="med" len="med"/>
+                      <a:tailEnd type="none" w="med" len="med"/>
+                    </a:lnT>
+                    <a:lnB w="12700" cap="flat" cmpd="sng" algn="ctr">
+                      <a:solidFill>
+                        <a:scrgbClr r="0" g="0" b="0"/>
+                      </a:solidFill>
+                      <a:prstDash val="solid"/>
+                      <a:round/>
+                      <a:headEnd type="none" w="med" len="med"/>
+                      <a:tailEnd type="none" w="med" len="med"/>
+                    </a:lnB>
+                  </a:tcPr>
+                </a:tc>
+                <a:tc>
+                  <a:txBody>
+                    <a:bodyPr/>
+                    <a:lstStyle/>
+                    <a:p>
+                      <a:pPr algn="ctr"/>
+                      <a:r>
+                        <a:rPr lang="en-US" sz="1400" dirty="0" smtClean="0"/>
+                        <a:t>1</a:t>
+                      </a:r>
+                      <a:endParaRPr lang="en-US" sz="1400" dirty="0"/>
+                    </a:p>
+                  </a:txBody>
+                  <a:tcPr>
+                    <a:lnT w="12700" cap="flat" cmpd="sng" algn="ctr">
+                      <a:solidFill>
+                        <a:scrgbClr r="0" g="0" b="0"/>
+                      </a:solidFill>
+                      <a:prstDash val="solid"/>
+                      <a:round/>
+                      <a:headEnd type="none" w="med" len="med"/>
+                      <a:tailEnd type="none" w="med" len="med"/>
+                    </a:lnT>
+                    <a:lnB w="12700" cap="flat" cmpd="sng" algn="ctr">
+                      <a:solidFill>
+                        <a:scrgbClr r="0" g="0" b="0"/>
+                      </a:solidFill>
+                      <a:prstDash val="solid"/>
+                      <a:round/>
+                      <a:headEnd type="none" w="med" len="med"/>
+                      <a:tailEnd type="none" w="med" len="med"/>
+                    </a:lnB>
+                  </a:tcPr>
+                </a:tc>
+                <a:tc>
+                  <a:txBody>
+                    <a:bodyPr/>
+                    <a:lstStyle/>
+                    <a:p>
+                      <a:pPr algn="ctr"/>
+                      <a:r>
+                        <a:rPr lang="en-US" sz="1400" dirty="0" smtClean="0"/>
+                        <a:t>1</a:t>
+                      </a:r>
+                      <a:endParaRPr lang="en-US" sz="1400" dirty="0"/>
+                    </a:p>
+                  </a:txBody>
+                  <a:tcPr>
+                    <a:lnT w="12700" cap="flat" cmpd="sng" algn="ctr">
+                      <a:solidFill>
+                        <a:scrgbClr r="0" g="0" b="0"/>
+                      </a:solidFill>
+                      <a:prstDash val="solid"/>
+                      <a:round/>
+                      <a:headEnd type="none" w="med" len="med"/>
+                      <a:tailEnd type="none" w="med" len="med"/>
+                    </a:lnT>
+                    <a:lnB w="12700" cap="flat" cmpd="sng" algn="ctr">
+                      <a:solidFill>
+                        <a:scrgbClr r="0" g="0" b="0"/>
+                      </a:solidFill>
+                      <a:prstDash val="solid"/>
+                      <a:round/>
+                      <a:headEnd type="none" w="med" len="med"/>
+                      <a:tailEnd type="none" w="med" len="med"/>
+                    </a:lnB>
+                  </a:tcPr>
+                </a:tc>
+                <a:tc>
+                  <a:txBody>
+                    <a:bodyPr/>
+                    <a:lstStyle/>
+                    <a:p>
+                      <a:pPr algn="ctr"/>
+                      <a:r>
+                        <a:rPr lang="en-US" sz="1400" dirty="0" smtClean="0"/>
+                        <a:t>1</a:t>
+                      </a:r>
+                      <a:endParaRPr lang="en-US" sz="1400" dirty="0"/>
+                    </a:p>
+                  </a:txBody>
+                  <a:tcPr>
+                    <a:lnT w="12700" cap="flat" cmpd="sng" algn="ctr">
+                      <a:solidFill>
+                        <a:scrgbClr r="0" g="0" b="0"/>
+                      </a:solidFill>
+                      <a:prstDash val="solid"/>
+                      <a:round/>
+                      <a:headEnd type="none" w="med" len="med"/>
+                      <a:tailEnd type="none" w="med" len="med"/>
+                    </a:lnT>
+                    <a:lnB w="12700" cap="flat" cmpd="sng" algn="ctr">
+                      <a:solidFill>
+                        <a:scrgbClr r="0" g="0" b="0"/>
+                      </a:solidFill>
+                      <a:prstDash val="solid"/>
+                      <a:round/>
+                      <a:headEnd type="none" w="med" len="med"/>
+                      <a:tailEnd type="none" w="med" len="med"/>
+                    </a:lnB>
+                  </a:tcPr>
+                </a:tc>
+                <a:tc>
+                  <a:txBody>
+                    <a:bodyPr/>
+                    <a:lstStyle/>
+                    <a:p>
+                      <a:pPr algn="ctr"/>
+                      <a:r>
+                        <a:rPr lang="en-US" sz="1400" dirty="0" smtClean="0"/>
+                        <a:t>1</a:t>
+                      </a:r>
+                      <a:endParaRPr lang="en-US" sz="1400" dirty="0"/>
+                    </a:p>
+                  </a:txBody>
+                  <a:tcPr>
+                    <a:lnT w="12700" cap="flat" cmpd="sng" algn="ctr">
+                      <a:solidFill>
+                        <a:scrgbClr r="0" g="0" b="0"/>
+                      </a:solidFill>
+                      <a:prstDash val="solid"/>
+                      <a:round/>
+                      <a:headEnd type="none" w="med" len="med"/>
+                      <a:tailEnd type="none" w="med" len="med"/>
+                    </a:lnT>
+                    <a:lnB w="12700" cap="flat" cmpd="sng" algn="ctr">
+                      <a:solidFill>
+                        <a:scrgbClr r="0" g="0" b="0"/>
+                      </a:solidFill>
+                      <a:prstDash val="solid"/>
+                      <a:round/>
+                      <a:headEnd type="none" w="med" len="med"/>
+                      <a:tailEnd type="none" w="med" len="med"/>
+                    </a:lnB>
+                  </a:tcPr>
+                </a:tc>
+                <a:tc>
+                  <a:txBody>
+                    <a:bodyPr/>
+                    <a:lstStyle/>
+                    <a:p>
+                      <a:pPr algn="ctr"/>
+                      <a:r>
+                        <a:rPr lang="en-US" sz="1400" dirty="0" smtClean="0"/>
+                        <a:t>1</a:t>
+                      </a:r>
+                      <a:endParaRPr lang="en-US" sz="1400" dirty="0"/>
+                    </a:p>
+                  </a:txBody>
+                  <a:tcPr>
+                    <a:lnT w="12700" cap="flat" cmpd="sng" algn="ctr">
+                      <a:solidFill>
+                        <a:scrgbClr r="0" g="0" b="0"/>
+                      </a:solidFill>
+                      <a:prstDash val="solid"/>
+                      <a:round/>
+                      <a:headEnd type="none" w="med" len="med"/>
+                      <a:tailEnd type="none" w="med" len="med"/>
+                    </a:lnT>
+                    <a:lnB w="12700" cap="flat" cmpd="sng" algn="ctr">
+                      <a:solidFill>
+                        <a:scrgbClr r="0" g="0" b="0"/>
+                      </a:solidFill>
+                      <a:prstDash val="solid"/>
+                      <a:round/>
+                      <a:headEnd type="none" w="med" len="med"/>
+                      <a:tailEnd type="none" w="med" len="med"/>
+                    </a:lnB>
+                  </a:tcPr>
+                </a:tc>
+                <a:tc>
+                  <a:txBody>
+                    <a:bodyPr/>
+                    <a:lstStyle/>
+                    <a:p>
+                      <a:pPr algn="ctr"/>
+                      <a:r>
+                        <a:rPr lang="en-US" sz="1400" dirty="0" smtClean="0"/>
+                        <a:t>10</a:t>
+                      </a:r>
+                      <a:endParaRPr lang="en-US" sz="1400" dirty="0"/>
+                    </a:p>
+                  </a:txBody>
+                  <a:tcPr>
+                    <a:lnT w="12700" cap="flat" cmpd="sng" algn="ctr">
+                      <a:solidFill>
+                        <a:scrgbClr r="0" g="0" b="0"/>
+                      </a:solidFill>
+                      <a:prstDash val="solid"/>
+                      <a:round/>
+                      <a:headEnd type="none" w="med" len="med"/>
+                      <a:tailEnd type="none" w="med" len="med"/>
+                    </a:lnT>
+                    <a:lnB w="12700" cap="flat" cmpd="sng" algn="ctr">
+                      <a:solidFill>
+                        <a:scrgbClr r="0" g="0" b="0"/>
+                      </a:solidFill>
+                      <a:prstDash val="solid"/>
+                      <a:round/>
+                      <a:headEnd type="none" w="med" len="med"/>
+                      <a:tailEnd type="none" w="med" len="med"/>
+                    </a:lnB>
+                  </a:tcPr>
+                </a:tc>
+                <a:tc>
+                  <a:txBody>
+                    <a:bodyPr/>
+                    <a:lstStyle/>
+                    <a:p>
+                      <a:pPr algn="ctr"/>
+                      <a:r>
+                        <a:rPr lang="en-US" sz="1400" dirty="0" smtClean="0"/>
+                        <a:t>10</a:t>
+                      </a:r>
+                      <a:endParaRPr lang="en-US" sz="1400" dirty="0"/>
+                    </a:p>
+                  </a:txBody>
+                  <a:tcPr>
+                    <a:lnT w="12700" cap="flat" cmpd="sng" algn="ctr">
+                      <a:solidFill>
+                        <a:scrgbClr r="0" g="0" b="0"/>
+                      </a:solidFill>
+                      <a:prstDash val="solid"/>
+                      <a:round/>
+                      <a:headEnd type="none" w="med" len="med"/>
+                      <a:tailEnd type="none" w="med" len="med"/>
+                    </a:lnT>
+                    <a:lnB w="12700" cap="flat" cmpd="sng" algn="ctr">
+                      <a:solidFill>
+                        <a:scrgbClr r="0" g="0" b="0"/>
+                      </a:solidFill>
+                      <a:prstDash val="solid"/>
+                      <a:round/>
+                      <a:headEnd type="none" w="med" len="med"/>
+                      <a:tailEnd type="none" w="med" len="med"/>
+                    </a:lnB>
+                  </a:tcPr>
+                </a:tc>
+                <a:tc>
+                  <a:txBody>
+                    <a:bodyPr/>
+                    <a:lstStyle/>
+                    <a:p>
+                      <a:pPr algn="ctr"/>
+                      <a:r>
+                        <a:rPr lang="en-US" sz="1400" dirty="0" smtClean="0"/>
+                        <a:t>1</a:t>
+                      </a:r>
+                      <a:endParaRPr lang="en-US" sz="1400" dirty="0"/>
+                    </a:p>
+                  </a:txBody>
+                  <a:tcPr>
+                    <a:lnT w="12700" cap="flat" cmpd="sng" algn="ctr">
+                      <a:solidFill>
+                        <a:scrgbClr r="0" g="0" b="0"/>
+                      </a:solidFill>
+                      <a:prstDash val="solid"/>
+                      <a:round/>
+                      <a:headEnd type="none" w="med" len="med"/>
+                      <a:tailEnd type="none" w="med" len="med"/>
+                    </a:lnT>
+                    <a:lnB w="12700" cap="flat" cmpd="sng" algn="ctr">
+                      <a:solidFill>
+                        <a:scrgbClr r="0" g="0" b="0"/>
+                      </a:solidFill>
+                      <a:prstDash val="solid"/>
+                      <a:round/>
+                      <a:headEnd type="none" w="med" len="med"/>
+                      <a:tailEnd type="none" w="med" len="med"/>
+                    </a:lnB>
+                  </a:tcPr>
+                </a:tc>
+                <a:tc>
+                  <a:txBody>
+                    <a:bodyPr/>
+                    <a:lstStyle/>
+                    <a:p>
+                      <a:pPr algn="ctr"/>
+                      <a:r>
+                        <a:rPr lang="en-US" sz="1400" dirty="0" smtClean="0"/>
+                        <a:t>10</a:t>
+                      </a:r>
+                      <a:endParaRPr lang="en-US" sz="1400" dirty="0"/>
+                    </a:p>
+                  </a:txBody>
+                  <a:tcPr>
+                    <a:lnT w="12700" cap="flat" cmpd="sng" algn="ctr">
+                      <a:solidFill>
+                        <a:scrgbClr r="0" g="0" b="0"/>
+                      </a:solidFill>
+                      <a:prstDash val="solid"/>
+                      <a:round/>
+                      <a:headEnd type="none" w="med" len="med"/>
+                      <a:tailEnd type="none" w="med" len="med"/>
+                    </a:lnT>
+                    <a:lnB w="12700" cap="flat" cmpd="sng" algn="ctr">
+                      <a:solidFill>
+                        <a:scrgbClr r="0" g="0" b="0"/>
+                      </a:solidFill>
+                      <a:prstDash val="solid"/>
+                      <a:round/>
+                      <a:headEnd type="none" w="med" len="med"/>
+                      <a:tailEnd type="none" w="med" len="med"/>
+                    </a:lnB>
+                  </a:tcPr>
+                </a:tc>
+                <a:tc>
+                  <a:txBody>
+                    <a:bodyPr/>
+                    <a:lstStyle/>
+                    <a:p>
+                      <a:pPr algn="ctr"/>
+                      <a:r>
+                        <a:rPr lang="en-US" sz="1400" dirty="0" smtClean="0"/>
+                        <a:t>10</a:t>
+                      </a:r>
+                      <a:endParaRPr lang="en-US" sz="1400" dirty="0"/>
+                    </a:p>
+                  </a:txBody>
+                  <a:tcPr>
+                    <a:lnT w="12700" cap="flat" cmpd="sng" algn="ctr">
+                      <a:solidFill>
+                        <a:scrgbClr r="0" g="0" b="0"/>
+                      </a:solidFill>
+                      <a:prstDash val="solid"/>
+                      <a:round/>
+                      <a:headEnd type="none" w="med" len="med"/>
+                      <a:tailEnd type="none" w="med" len="med"/>
+                    </a:lnT>
+                    <a:lnB w="12700" cap="flat" cmpd="sng" algn="ctr">
+                      <a:solidFill>
+                        <a:scrgbClr r="0" g="0" b="0"/>
+                      </a:solidFill>
+                      <a:prstDash val="solid"/>
+                      <a:round/>
+                      <a:headEnd type="none" w="med" len="med"/>
+                      <a:tailEnd type="none" w="med" len="med"/>
+                    </a:lnB>
+                  </a:tcPr>
+                </a:tc>
+                <a:tc>
+                  <a:txBody>
+                    <a:bodyPr/>
+                    <a:lstStyle/>
+                    <a:p>
+                      <a:pPr algn="ctr"/>
+                      <a:r>
+                        <a:rPr lang="en-US" sz="1400" dirty="0" smtClean="0"/>
+                        <a:t>1</a:t>
+                      </a:r>
+                      <a:endParaRPr lang="en-US" sz="1400" dirty="0"/>
+                    </a:p>
+                  </a:txBody>
+                  <a:tcPr>
+                    <a:lnT w="12700" cap="flat" cmpd="sng" algn="ctr">
+                      <a:solidFill>
+                        <a:scrgbClr r="0" g="0" b="0"/>
+                      </a:solidFill>
+                      <a:prstDash val="solid"/>
+                      <a:round/>
+                      <a:headEnd type="none" w="med" len="med"/>
+                      <a:tailEnd type="none" w="med" len="med"/>
+                    </a:lnT>
+                    <a:lnB w="12700" cap="flat" cmpd="sng" algn="ctr">
+                      <a:solidFill>
+                        <a:scrgbClr r="0" g="0" b="0"/>
+                      </a:solidFill>
+                      <a:prstDash val="solid"/>
+                      <a:round/>
+                      <a:headEnd type="none" w="med" len="med"/>
+                      <a:tailEnd type="none" w="med" len="med"/>
+                    </a:lnB>
+                  </a:tcPr>
+                </a:tc>
+                <a:tc>
+                  <a:txBody>
+                    <a:bodyPr/>
+                    <a:lstStyle/>
+                    <a:p>
+                      <a:pPr algn="ctr"/>
+                      <a:r>
+                        <a:rPr lang="en-US" sz="1400" dirty="0" smtClean="0"/>
+                        <a:t>1</a:t>
+                      </a:r>
+                      <a:endParaRPr lang="en-US" sz="1400" dirty="0"/>
+                    </a:p>
+                  </a:txBody>
+                  <a:tcPr>
+                    <a:lnT w="12700" cap="flat" cmpd="sng" algn="ctr">
+                      <a:solidFill>
+                        <a:scrgbClr r="0" g="0" b="0"/>
+                      </a:solidFill>
+                      <a:prstDash val="solid"/>
+                      <a:round/>
+                      <a:headEnd type="none" w="med" len="med"/>
+                      <a:tailEnd type="none" w="med" len="med"/>
+                    </a:lnT>
+                    <a:lnB w="12700" cap="flat" cmpd="sng" algn="ctr">
+                      <a:solidFill>
+                        <a:scrgbClr r="0" g="0" b="0"/>
+                      </a:solidFill>
+                      <a:prstDash val="solid"/>
+                      <a:round/>
+                      <a:headEnd type="none" w="med" len="med"/>
+                      <a:tailEnd type="none" w="med" len="med"/>
+                    </a:lnB>
+                  </a:tcPr>
+                </a:tc>
+              </a:tr>
+              <a:tr h="370840">
+                <a:tc>
+                  <a:txBody>
+                    <a:bodyPr/>
+                    <a:lstStyle/>
+                    <a:p>
+                      <a:pPr algn="ctr"/>
+                      <a:r>
+                        <a:rPr lang="en-US" sz="1400" dirty="0" smtClean="0"/>
                         <a:t>M</a:t>
                       </a:r>
                       <a:endParaRPr lang="en-US" sz="1400" dirty="0"/>
@@ -13780,7 +19434,2501 @@
     </p:spTree>
     <p:extLst>
       <p:ext uri="{BB962C8B-B14F-4D97-AF65-F5344CB8AC3E}">
-        <p14:creationId xmlns:p14="http://schemas.microsoft.com/office/powerpoint/2010/main" val="4154214979"/>
+        <p14:creationId xmlns:p14="http://schemas.microsoft.com/office/powerpoint/2010/main" val="1412605895"/>
+      </p:ext>
+    </p:extLst>
+  </p:cSld>
+  <p:clrMapOvr>
+    <a:masterClrMapping/>
+  </p:clrMapOvr>
+</p:sld>
+</file>
+
+<file path=ppt/slides/slide3.xml><?xml version="1.0" encoding="utf-8"?>
+<p:sld xmlns:a="http://schemas.openxmlformats.org/drawingml/2006/main" xmlns:r="http://schemas.openxmlformats.org/officeDocument/2006/relationships" xmlns:p="http://schemas.openxmlformats.org/presentationml/2006/main">
+  <p:cSld>
+    <p:spTree>
+      <p:nvGrpSpPr>
+        <p:cNvPr id="1" name=""/>
+        <p:cNvGrpSpPr/>
+        <p:nvPr/>
+      </p:nvGrpSpPr>
+      <p:grpSpPr>
+        <a:xfrm>
+          <a:off x="0" y="0"/>
+          <a:ext cx="0" cy="0"/>
+          <a:chOff x="0" y="0"/>
+          <a:chExt cx="0" cy="0"/>
+        </a:xfrm>
+      </p:grpSpPr>
+      <p:graphicFrame>
+        <p:nvGraphicFramePr>
+          <p:cNvPr id="4" name="Table 3"/>
+          <p:cNvGraphicFramePr>
+            <a:graphicFrameLocks noGrp="1"/>
+          </p:cNvGraphicFramePr>
+          <p:nvPr>
+            <p:extLst>
+              <p:ext uri="{D42A27DB-BD31-4B8C-83A1-F6EECF244321}">
+                <p14:modId xmlns:p14="http://schemas.microsoft.com/office/powerpoint/2010/main" val="2058090101"/>
+              </p:ext>
+            </p:extLst>
+          </p:nvPr>
+        </p:nvGraphicFramePr>
+        <p:xfrm>
+          <a:off x="2833848" y="2248566"/>
+          <a:ext cx="6096000" cy="3779519"/>
+        </p:xfrm>
+        <a:graphic>
+          <a:graphicData uri="http://schemas.openxmlformats.org/drawingml/2006/table">
+            <a:tbl>
+              <a:tblPr firstRow="1" bandRow="1">
+                <a:tableStyleId>{2D5ABB26-0587-4C30-8999-92F81FD0307C}</a:tableStyleId>
+              </a:tblPr>
+              <a:tblGrid>
+                <a:gridCol w="1524000"/>
+                <a:gridCol w="1524000"/>
+                <a:gridCol w="1524000"/>
+                <a:gridCol w="1524000"/>
+              </a:tblGrid>
+              <a:tr h="370840">
+                <a:tc>
+                  <a:txBody>
+                    <a:bodyPr/>
+                    <a:lstStyle/>
+                    <a:p>
+                      <a:r>
+                        <a:rPr lang="en-US" dirty="0" smtClean="0"/>
+                        <a:t>16 gbwt</a:t>
+                      </a:r>
+                      <a:r>
+                        <a:rPr lang="en-US" baseline="0" dirty="0" smtClean="0"/>
+                        <a:t> chars</a:t>
+                      </a:r>
+                      <a:endParaRPr lang="en-US" dirty="0"/>
+                    </a:p>
+                  </a:txBody>
+                  <a:tcPr>
+                    <a:lnL w="12700" cap="flat" cmpd="sng" algn="ctr">
+                      <a:solidFill>
+                        <a:scrgbClr r="0" g="0" b="0"/>
+                      </a:solidFill>
+                      <a:prstDash val="solid"/>
+                      <a:round/>
+                      <a:headEnd type="none" w="med" len="med"/>
+                      <a:tailEnd type="none" w="med" len="med"/>
+                    </a:lnL>
+                    <a:lnR w="12700" cap="flat" cmpd="sng" algn="ctr">
+                      <a:solidFill>
+                        <a:scrgbClr r="0" g="0" b="0"/>
+                      </a:solidFill>
+                      <a:prstDash val="solid"/>
+                      <a:round/>
+                      <a:headEnd type="none" w="med" len="med"/>
+                      <a:tailEnd type="none" w="med" len="med"/>
+                    </a:lnR>
+                    <a:lnT w="12700" cap="flat" cmpd="sng" algn="ctr">
+                      <a:solidFill>
+                        <a:scrgbClr r="0" g="0" b="0"/>
+                      </a:solidFill>
+                      <a:prstDash val="solid"/>
+                      <a:round/>
+                      <a:headEnd type="none" w="med" len="med"/>
+                      <a:tailEnd type="none" w="med" len="med"/>
+                    </a:lnT>
+                    <a:lnB w="12700" cap="flat" cmpd="sng" algn="ctr">
+                      <a:solidFill>
+                        <a:scrgbClr r="0" g="0" b="0"/>
+                      </a:solidFill>
+                      <a:prstDash val="solid"/>
+                      <a:round/>
+                      <a:headEnd type="none" w="med" len="med"/>
+                      <a:tailEnd type="none" w="med" len="med"/>
+                    </a:lnB>
+                  </a:tcPr>
+                </a:tc>
+                <a:tc>
+                  <a:txBody>
+                    <a:bodyPr/>
+                    <a:lstStyle/>
+                    <a:p>
+                      <a:pPr marL="0" marR="0" indent="0" algn="l" defTabSz="457200" rtl="0" eaLnBrk="1" fontAlgn="auto" latinLnBrk="0" hangingPunct="1">
+                        <a:lnSpc>
+                          <a:spcPct val="100000"/>
+                        </a:lnSpc>
+                        <a:spcBef>
+                          <a:spcPts val="0"/>
+                        </a:spcBef>
+                        <a:spcAft>
+                          <a:spcPts val="0"/>
+                        </a:spcAft>
+                        <a:buClrTx/>
+                        <a:buSzTx/>
+                        <a:buFontTx/>
+                        <a:buNone/>
+                        <a:tabLst/>
+                        <a:defRPr/>
+                      </a:pPr>
+                      <a:r>
+                        <a:rPr lang="en-US" dirty="0" smtClean="0"/>
+                        <a:t>16 gbwt</a:t>
+                      </a:r>
+                      <a:r>
+                        <a:rPr lang="en-US" baseline="0" dirty="0" smtClean="0"/>
+                        <a:t> chars</a:t>
+                      </a:r>
+                      <a:endParaRPr lang="en-US" dirty="0" smtClean="0"/>
+                    </a:p>
+                  </a:txBody>
+                  <a:tcPr>
+                    <a:lnL w="12700" cap="flat" cmpd="sng" algn="ctr">
+                      <a:solidFill>
+                        <a:scrgbClr r="0" g="0" b="0"/>
+                      </a:solidFill>
+                      <a:prstDash val="solid"/>
+                      <a:round/>
+                      <a:headEnd type="none" w="med" len="med"/>
+                      <a:tailEnd type="none" w="med" len="med"/>
+                    </a:lnL>
+                    <a:lnR w="12700" cap="flat" cmpd="sng" algn="ctr">
+                      <a:solidFill>
+                        <a:scrgbClr r="0" g="0" b="0"/>
+                      </a:solidFill>
+                      <a:prstDash val="solid"/>
+                      <a:round/>
+                      <a:headEnd type="none" w="med" len="med"/>
+                      <a:tailEnd type="none" w="med" len="med"/>
+                    </a:lnR>
+                    <a:lnT w="12700" cap="flat" cmpd="sng" algn="ctr">
+                      <a:solidFill>
+                        <a:scrgbClr r="0" g="0" b="0"/>
+                      </a:solidFill>
+                      <a:prstDash val="solid"/>
+                      <a:round/>
+                      <a:headEnd type="none" w="med" len="med"/>
+                      <a:tailEnd type="none" w="med" len="med"/>
+                    </a:lnT>
+                    <a:lnB w="12700" cap="flat" cmpd="sng" algn="ctr">
+                      <a:solidFill>
+                        <a:scrgbClr r="0" g="0" b="0"/>
+                      </a:solidFill>
+                      <a:prstDash val="solid"/>
+                      <a:round/>
+                      <a:headEnd type="none" w="med" len="med"/>
+                      <a:tailEnd type="none" w="med" len="med"/>
+                    </a:lnB>
+                  </a:tcPr>
+                </a:tc>
+                <a:tc>
+                  <a:txBody>
+                    <a:bodyPr/>
+                    <a:lstStyle/>
+                    <a:p>
+                      <a:pPr marL="0" marR="0" indent="0" algn="l" defTabSz="457200" rtl="0" eaLnBrk="1" fontAlgn="auto" latinLnBrk="0" hangingPunct="1">
+                        <a:lnSpc>
+                          <a:spcPct val="100000"/>
+                        </a:lnSpc>
+                        <a:spcBef>
+                          <a:spcPts val="0"/>
+                        </a:spcBef>
+                        <a:spcAft>
+                          <a:spcPts val="0"/>
+                        </a:spcAft>
+                        <a:buClrTx/>
+                        <a:buSzTx/>
+                        <a:buFontTx/>
+                        <a:buNone/>
+                        <a:tabLst/>
+                        <a:defRPr/>
+                      </a:pPr>
+                      <a:r>
+                        <a:rPr lang="en-US" dirty="0" smtClean="0"/>
+                        <a:t>16 gbwt</a:t>
+                      </a:r>
+                      <a:r>
+                        <a:rPr lang="en-US" baseline="0" dirty="0" smtClean="0"/>
+                        <a:t> chars</a:t>
+                      </a:r>
+                      <a:endParaRPr lang="en-US" dirty="0" smtClean="0"/>
+                    </a:p>
+                  </a:txBody>
+                  <a:tcPr>
+                    <a:lnL w="12700" cap="flat" cmpd="sng" algn="ctr">
+                      <a:solidFill>
+                        <a:scrgbClr r="0" g="0" b="0"/>
+                      </a:solidFill>
+                      <a:prstDash val="solid"/>
+                      <a:round/>
+                      <a:headEnd type="none" w="med" len="med"/>
+                      <a:tailEnd type="none" w="med" len="med"/>
+                    </a:lnL>
+                    <a:lnR w="12700" cap="flat" cmpd="sng" algn="ctr">
+                      <a:solidFill>
+                        <a:scrgbClr r="0" g="0" b="0"/>
+                      </a:solidFill>
+                      <a:prstDash val="solid"/>
+                      <a:round/>
+                      <a:headEnd type="none" w="med" len="med"/>
+                      <a:tailEnd type="none" w="med" len="med"/>
+                    </a:lnR>
+                    <a:lnT w="12700" cap="flat" cmpd="sng" algn="ctr">
+                      <a:solidFill>
+                        <a:scrgbClr r="0" g="0" b="0"/>
+                      </a:solidFill>
+                      <a:prstDash val="solid"/>
+                      <a:round/>
+                      <a:headEnd type="none" w="med" len="med"/>
+                      <a:tailEnd type="none" w="med" len="med"/>
+                    </a:lnT>
+                    <a:lnB w="12700" cap="flat" cmpd="sng" algn="ctr">
+                      <a:solidFill>
+                        <a:scrgbClr r="0" g="0" b="0"/>
+                      </a:solidFill>
+                      <a:prstDash val="solid"/>
+                      <a:round/>
+                      <a:headEnd type="none" w="med" len="med"/>
+                      <a:tailEnd type="none" w="med" len="med"/>
+                    </a:lnB>
+                  </a:tcPr>
+                </a:tc>
+                <a:tc>
+                  <a:txBody>
+                    <a:bodyPr/>
+                    <a:lstStyle/>
+                    <a:p>
+                      <a:pPr marL="0" marR="0" indent="0" algn="l" defTabSz="457200" rtl="0" eaLnBrk="1" fontAlgn="auto" latinLnBrk="0" hangingPunct="1">
+                        <a:lnSpc>
+                          <a:spcPct val="100000"/>
+                        </a:lnSpc>
+                        <a:spcBef>
+                          <a:spcPts val="0"/>
+                        </a:spcBef>
+                        <a:spcAft>
+                          <a:spcPts val="0"/>
+                        </a:spcAft>
+                        <a:buClrTx/>
+                        <a:buSzTx/>
+                        <a:buFontTx/>
+                        <a:buNone/>
+                        <a:tabLst/>
+                        <a:defRPr/>
+                      </a:pPr>
+                      <a:r>
+                        <a:rPr lang="en-US" dirty="0" smtClean="0"/>
+                        <a:t>16 gbwt</a:t>
+                      </a:r>
+                      <a:r>
+                        <a:rPr lang="en-US" baseline="0" dirty="0" smtClean="0"/>
+                        <a:t> chars</a:t>
+                      </a:r>
+                      <a:endParaRPr lang="en-US" dirty="0" smtClean="0"/>
+                    </a:p>
+                  </a:txBody>
+                  <a:tcPr>
+                    <a:lnL w="12700" cap="flat" cmpd="sng" algn="ctr">
+                      <a:solidFill>
+                        <a:scrgbClr r="0" g="0" b="0"/>
+                      </a:solidFill>
+                      <a:prstDash val="solid"/>
+                      <a:round/>
+                      <a:headEnd type="none" w="med" len="med"/>
+                      <a:tailEnd type="none" w="med" len="med"/>
+                    </a:lnL>
+                    <a:lnR w="12700" cap="flat" cmpd="sng" algn="ctr">
+                      <a:solidFill>
+                        <a:scrgbClr r="0" g="0" b="0"/>
+                      </a:solidFill>
+                      <a:prstDash val="solid"/>
+                      <a:round/>
+                      <a:headEnd type="none" w="med" len="med"/>
+                      <a:tailEnd type="none" w="med" len="med"/>
+                    </a:lnR>
+                    <a:lnT w="12700" cap="flat" cmpd="sng" algn="ctr">
+                      <a:solidFill>
+                        <a:scrgbClr r="0" g="0" b="0"/>
+                      </a:solidFill>
+                      <a:prstDash val="solid"/>
+                      <a:round/>
+                      <a:headEnd type="none" w="med" len="med"/>
+                      <a:tailEnd type="none" w="med" len="med"/>
+                    </a:lnT>
+                    <a:lnB w="12700" cap="flat" cmpd="sng" algn="ctr">
+                      <a:solidFill>
+                        <a:scrgbClr r="0" g="0" b="0"/>
+                      </a:solidFill>
+                      <a:prstDash val="solid"/>
+                      <a:round/>
+                      <a:headEnd type="none" w="med" len="med"/>
+                      <a:tailEnd type="none" w="med" len="med"/>
+                    </a:lnB>
+                  </a:tcPr>
+                </a:tc>
+              </a:tr>
+              <a:tr h="370840">
+                <a:tc>
+                  <a:txBody>
+                    <a:bodyPr/>
+                    <a:lstStyle/>
+                    <a:p>
+                      <a:pPr marL="0" marR="0" indent="0" algn="l" defTabSz="457200" rtl="0" eaLnBrk="1" fontAlgn="auto" latinLnBrk="0" hangingPunct="1">
+                        <a:lnSpc>
+                          <a:spcPct val="100000"/>
+                        </a:lnSpc>
+                        <a:spcBef>
+                          <a:spcPts val="0"/>
+                        </a:spcBef>
+                        <a:spcAft>
+                          <a:spcPts val="0"/>
+                        </a:spcAft>
+                        <a:buClrTx/>
+                        <a:buSzTx/>
+                        <a:buFontTx/>
+                        <a:buNone/>
+                        <a:tabLst/>
+                        <a:defRPr/>
+                      </a:pPr>
+                      <a:r>
+                        <a:rPr lang="en-US" dirty="0" smtClean="0"/>
+                        <a:t>16 gbwt</a:t>
+                      </a:r>
+                      <a:r>
+                        <a:rPr lang="en-US" baseline="0" dirty="0" smtClean="0"/>
+                        <a:t> chars</a:t>
+                      </a:r>
+                      <a:endParaRPr lang="en-US" dirty="0" smtClean="0"/>
+                    </a:p>
+                  </a:txBody>
+                  <a:tcPr>
+                    <a:lnL w="12700" cap="flat" cmpd="sng" algn="ctr">
+                      <a:solidFill>
+                        <a:scrgbClr r="0" g="0" b="0"/>
+                      </a:solidFill>
+                      <a:prstDash val="solid"/>
+                      <a:round/>
+                      <a:headEnd type="none" w="med" len="med"/>
+                      <a:tailEnd type="none" w="med" len="med"/>
+                    </a:lnL>
+                    <a:lnR w="12700" cap="flat" cmpd="sng" algn="ctr">
+                      <a:solidFill>
+                        <a:scrgbClr r="0" g="0" b="0"/>
+                      </a:solidFill>
+                      <a:prstDash val="solid"/>
+                      <a:round/>
+                      <a:headEnd type="none" w="med" len="med"/>
+                      <a:tailEnd type="none" w="med" len="med"/>
+                    </a:lnR>
+                    <a:lnT w="12700" cap="flat" cmpd="sng" algn="ctr">
+                      <a:solidFill>
+                        <a:scrgbClr r="0" g="0" b="0"/>
+                      </a:solidFill>
+                      <a:prstDash val="solid"/>
+                      <a:round/>
+                      <a:headEnd type="none" w="med" len="med"/>
+                      <a:tailEnd type="none" w="med" len="med"/>
+                    </a:lnT>
+                    <a:lnB w="12700" cap="flat" cmpd="sng" algn="ctr">
+                      <a:solidFill>
+                        <a:scrgbClr r="0" g="0" b="0"/>
+                      </a:solidFill>
+                      <a:prstDash val="solid"/>
+                      <a:round/>
+                      <a:headEnd type="none" w="med" len="med"/>
+                      <a:tailEnd type="none" w="med" len="med"/>
+                    </a:lnB>
+                  </a:tcPr>
+                </a:tc>
+                <a:tc>
+                  <a:txBody>
+                    <a:bodyPr/>
+                    <a:lstStyle/>
+                    <a:p>
+                      <a:pPr marL="0" marR="0" indent="0" algn="l" defTabSz="457200" rtl="0" eaLnBrk="1" fontAlgn="auto" latinLnBrk="0" hangingPunct="1">
+                        <a:lnSpc>
+                          <a:spcPct val="100000"/>
+                        </a:lnSpc>
+                        <a:spcBef>
+                          <a:spcPts val="0"/>
+                        </a:spcBef>
+                        <a:spcAft>
+                          <a:spcPts val="0"/>
+                        </a:spcAft>
+                        <a:buClrTx/>
+                        <a:buSzTx/>
+                        <a:buFontTx/>
+                        <a:buNone/>
+                        <a:tabLst/>
+                        <a:defRPr/>
+                      </a:pPr>
+                      <a:r>
+                        <a:rPr lang="en-US" dirty="0" smtClean="0"/>
+                        <a:t>16 gbwt</a:t>
+                      </a:r>
+                      <a:r>
+                        <a:rPr lang="en-US" baseline="0" dirty="0" smtClean="0"/>
+                        <a:t> chars</a:t>
+                      </a:r>
+                      <a:endParaRPr lang="en-US" dirty="0" smtClean="0"/>
+                    </a:p>
+                  </a:txBody>
+                  <a:tcPr>
+                    <a:lnL w="12700" cap="flat" cmpd="sng" algn="ctr">
+                      <a:solidFill>
+                        <a:scrgbClr r="0" g="0" b="0"/>
+                      </a:solidFill>
+                      <a:prstDash val="solid"/>
+                      <a:round/>
+                      <a:headEnd type="none" w="med" len="med"/>
+                      <a:tailEnd type="none" w="med" len="med"/>
+                    </a:lnL>
+                    <a:lnR w="12700" cap="flat" cmpd="sng" algn="ctr">
+                      <a:solidFill>
+                        <a:scrgbClr r="0" g="0" b="0"/>
+                      </a:solidFill>
+                      <a:prstDash val="solid"/>
+                      <a:round/>
+                      <a:headEnd type="none" w="med" len="med"/>
+                      <a:tailEnd type="none" w="med" len="med"/>
+                    </a:lnR>
+                    <a:lnT w="12700" cap="flat" cmpd="sng" algn="ctr">
+                      <a:solidFill>
+                        <a:scrgbClr r="0" g="0" b="0"/>
+                      </a:solidFill>
+                      <a:prstDash val="solid"/>
+                      <a:round/>
+                      <a:headEnd type="none" w="med" len="med"/>
+                      <a:tailEnd type="none" w="med" len="med"/>
+                    </a:lnT>
+                    <a:lnB w="12700" cap="flat" cmpd="sng" algn="ctr">
+                      <a:solidFill>
+                        <a:scrgbClr r="0" g="0" b="0"/>
+                      </a:solidFill>
+                      <a:prstDash val="solid"/>
+                      <a:round/>
+                      <a:headEnd type="none" w="med" len="med"/>
+                      <a:tailEnd type="none" w="med" len="med"/>
+                    </a:lnB>
+                  </a:tcPr>
+                </a:tc>
+                <a:tc>
+                  <a:txBody>
+                    <a:bodyPr/>
+                    <a:lstStyle/>
+                    <a:p>
+                      <a:pPr marL="0" marR="0" indent="0" algn="l" defTabSz="457200" rtl="0" eaLnBrk="1" fontAlgn="auto" latinLnBrk="0" hangingPunct="1">
+                        <a:lnSpc>
+                          <a:spcPct val="100000"/>
+                        </a:lnSpc>
+                        <a:spcBef>
+                          <a:spcPts val="0"/>
+                        </a:spcBef>
+                        <a:spcAft>
+                          <a:spcPts val="0"/>
+                        </a:spcAft>
+                        <a:buClrTx/>
+                        <a:buSzTx/>
+                        <a:buFontTx/>
+                        <a:buNone/>
+                        <a:tabLst/>
+                        <a:defRPr/>
+                      </a:pPr>
+                      <a:r>
+                        <a:rPr lang="en-US" dirty="0" smtClean="0"/>
+                        <a:t>16 gbwt</a:t>
+                      </a:r>
+                      <a:r>
+                        <a:rPr lang="en-US" baseline="0" dirty="0" smtClean="0"/>
+                        <a:t> chars</a:t>
+                      </a:r>
+                      <a:endParaRPr lang="en-US" dirty="0" smtClean="0"/>
+                    </a:p>
+                  </a:txBody>
+                  <a:tcPr>
+                    <a:lnL w="12700" cap="flat" cmpd="sng" algn="ctr">
+                      <a:solidFill>
+                        <a:scrgbClr r="0" g="0" b="0"/>
+                      </a:solidFill>
+                      <a:prstDash val="solid"/>
+                      <a:round/>
+                      <a:headEnd type="none" w="med" len="med"/>
+                      <a:tailEnd type="none" w="med" len="med"/>
+                    </a:lnL>
+                    <a:lnR w="12700" cap="flat" cmpd="sng" algn="ctr">
+                      <a:solidFill>
+                        <a:scrgbClr r="0" g="0" b="0"/>
+                      </a:solidFill>
+                      <a:prstDash val="solid"/>
+                      <a:round/>
+                      <a:headEnd type="none" w="med" len="med"/>
+                      <a:tailEnd type="none" w="med" len="med"/>
+                    </a:lnR>
+                    <a:lnT w="12700" cap="flat" cmpd="sng" algn="ctr">
+                      <a:solidFill>
+                        <a:scrgbClr r="0" g="0" b="0"/>
+                      </a:solidFill>
+                      <a:prstDash val="solid"/>
+                      <a:round/>
+                      <a:headEnd type="none" w="med" len="med"/>
+                      <a:tailEnd type="none" w="med" len="med"/>
+                    </a:lnT>
+                    <a:lnB w="12700" cap="flat" cmpd="sng" algn="ctr">
+                      <a:solidFill>
+                        <a:scrgbClr r="0" g="0" b="0"/>
+                      </a:solidFill>
+                      <a:prstDash val="solid"/>
+                      <a:round/>
+                      <a:headEnd type="none" w="med" len="med"/>
+                      <a:tailEnd type="none" w="med" len="med"/>
+                    </a:lnB>
+                  </a:tcPr>
+                </a:tc>
+                <a:tc>
+                  <a:txBody>
+                    <a:bodyPr/>
+                    <a:lstStyle/>
+                    <a:p>
+                      <a:pPr marL="0" marR="0" indent="0" algn="l" defTabSz="457200" rtl="0" eaLnBrk="1" fontAlgn="auto" latinLnBrk="0" hangingPunct="1">
+                        <a:lnSpc>
+                          <a:spcPct val="100000"/>
+                        </a:lnSpc>
+                        <a:spcBef>
+                          <a:spcPts val="0"/>
+                        </a:spcBef>
+                        <a:spcAft>
+                          <a:spcPts val="0"/>
+                        </a:spcAft>
+                        <a:buClrTx/>
+                        <a:buSzTx/>
+                        <a:buFontTx/>
+                        <a:buNone/>
+                        <a:tabLst/>
+                        <a:defRPr/>
+                      </a:pPr>
+                      <a:r>
+                        <a:rPr lang="en-US" dirty="0" smtClean="0"/>
+                        <a:t>16 gbwt</a:t>
+                      </a:r>
+                      <a:r>
+                        <a:rPr lang="en-US" baseline="0" dirty="0" smtClean="0"/>
+                        <a:t> chars</a:t>
+                      </a:r>
+                      <a:endParaRPr lang="en-US" dirty="0" smtClean="0"/>
+                    </a:p>
+                  </a:txBody>
+                  <a:tcPr>
+                    <a:lnL w="12700" cap="flat" cmpd="sng" algn="ctr">
+                      <a:solidFill>
+                        <a:scrgbClr r="0" g="0" b="0"/>
+                      </a:solidFill>
+                      <a:prstDash val="solid"/>
+                      <a:round/>
+                      <a:headEnd type="none" w="med" len="med"/>
+                      <a:tailEnd type="none" w="med" len="med"/>
+                    </a:lnL>
+                    <a:lnR w="12700" cap="flat" cmpd="sng" algn="ctr">
+                      <a:solidFill>
+                        <a:scrgbClr r="0" g="0" b="0"/>
+                      </a:solidFill>
+                      <a:prstDash val="solid"/>
+                      <a:round/>
+                      <a:headEnd type="none" w="med" len="med"/>
+                      <a:tailEnd type="none" w="med" len="med"/>
+                    </a:lnR>
+                    <a:lnT w="12700" cap="flat" cmpd="sng" algn="ctr">
+                      <a:solidFill>
+                        <a:scrgbClr r="0" g="0" b="0"/>
+                      </a:solidFill>
+                      <a:prstDash val="solid"/>
+                      <a:round/>
+                      <a:headEnd type="none" w="med" len="med"/>
+                      <a:tailEnd type="none" w="med" len="med"/>
+                    </a:lnT>
+                    <a:lnB w="12700" cap="flat" cmpd="sng" algn="ctr">
+                      <a:solidFill>
+                        <a:scrgbClr r="0" g="0" b="0"/>
+                      </a:solidFill>
+                      <a:prstDash val="solid"/>
+                      <a:round/>
+                      <a:headEnd type="none" w="med" len="med"/>
+                      <a:tailEnd type="none" w="med" len="med"/>
+                    </a:lnB>
+                  </a:tcPr>
+                </a:tc>
+              </a:tr>
+              <a:tr h="370840">
+                <a:tc>
+                  <a:txBody>
+                    <a:bodyPr/>
+                    <a:lstStyle/>
+                    <a:p>
+                      <a:pPr marL="0" marR="0" indent="0" algn="l" defTabSz="457200" rtl="0" eaLnBrk="1" fontAlgn="auto" latinLnBrk="0" hangingPunct="1">
+                        <a:lnSpc>
+                          <a:spcPct val="100000"/>
+                        </a:lnSpc>
+                        <a:spcBef>
+                          <a:spcPts val="0"/>
+                        </a:spcBef>
+                        <a:spcAft>
+                          <a:spcPts val="0"/>
+                        </a:spcAft>
+                        <a:buClrTx/>
+                        <a:buSzTx/>
+                        <a:buFontTx/>
+                        <a:buNone/>
+                        <a:tabLst/>
+                        <a:defRPr/>
+                      </a:pPr>
+                      <a:r>
+                        <a:rPr lang="en-US" dirty="0" smtClean="0"/>
+                        <a:t>16 gbwt</a:t>
+                      </a:r>
+                      <a:r>
+                        <a:rPr lang="en-US" baseline="0" dirty="0" smtClean="0"/>
+                        <a:t> chars</a:t>
+                      </a:r>
+                      <a:endParaRPr lang="en-US" dirty="0" smtClean="0"/>
+                    </a:p>
+                  </a:txBody>
+                  <a:tcPr>
+                    <a:lnL w="12700" cap="flat" cmpd="sng" algn="ctr">
+                      <a:solidFill>
+                        <a:scrgbClr r="0" g="0" b="0"/>
+                      </a:solidFill>
+                      <a:prstDash val="solid"/>
+                      <a:round/>
+                      <a:headEnd type="none" w="med" len="med"/>
+                      <a:tailEnd type="none" w="med" len="med"/>
+                    </a:lnL>
+                    <a:lnR w="12700" cap="flat" cmpd="sng" algn="ctr">
+                      <a:solidFill>
+                        <a:scrgbClr r="0" g="0" b="0"/>
+                      </a:solidFill>
+                      <a:prstDash val="solid"/>
+                      <a:round/>
+                      <a:headEnd type="none" w="med" len="med"/>
+                      <a:tailEnd type="none" w="med" len="med"/>
+                    </a:lnR>
+                    <a:lnT w="12700" cap="flat" cmpd="sng" algn="ctr">
+                      <a:solidFill>
+                        <a:scrgbClr r="0" g="0" b="0"/>
+                      </a:solidFill>
+                      <a:prstDash val="solid"/>
+                      <a:round/>
+                      <a:headEnd type="none" w="med" len="med"/>
+                      <a:tailEnd type="none" w="med" len="med"/>
+                    </a:lnT>
+                    <a:lnB w="12700" cap="flat" cmpd="sng" algn="ctr">
+                      <a:solidFill>
+                        <a:scrgbClr r="0" g="0" b="0"/>
+                      </a:solidFill>
+                      <a:prstDash val="solid"/>
+                      <a:round/>
+                      <a:headEnd type="none" w="med" len="med"/>
+                      <a:tailEnd type="none" w="med" len="med"/>
+                    </a:lnB>
+                  </a:tcPr>
+                </a:tc>
+                <a:tc>
+                  <a:txBody>
+                    <a:bodyPr/>
+                    <a:lstStyle/>
+                    <a:p>
+                      <a:pPr marL="0" marR="0" indent="0" algn="l" defTabSz="457200" rtl="0" eaLnBrk="1" fontAlgn="auto" latinLnBrk="0" hangingPunct="1">
+                        <a:lnSpc>
+                          <a:spcPct val="100000"/>
+                        </a:lnSpc>
+                        <a:spcBef>
+                          <a:spcPts val="0"/>
+                        </a:spcBef>
+                        <a:spcAft>
+                          <a:spcPts val="0"/>
+                        </a:spcAft>
+                        <a:buClrTx/>
+                        <a:buSzTx/>
+                        <a:buFontTx/>
+                        <a:buNone/>
+                        <a:tabLst/>
+                        <a:defRPr/>
+                      </a:pPr>
+                      <a:r>
+                        <a:rPr lang="en-US" dirty="0" smtClean="0"/>
+                        <a:t>16 gbwt</a:t>
+                      </a:r>
+                      <a:r>
+                        <a:rPr lang="en-US" baseline="0" dirty="0" smtClean="0"/>
+                        <a:t> chars</a:t>
+                      </a:r>
+                      <a:endParaRPr lang="en-US" dirty="0" smtClean="0"/>
+                    </a:p>
+                  </a:txBody>
+                  <a:tcPr>
+                    <a:lnL w="12700" cap="flat" cmpd="sng" algn="ctr">
+                      <a:solidFill>
+                        <a:scrgbClr r="0" g="0" b="0"/>
+                      </a:solidFill>
+                      <a:prstDash val="solid"/>
+                      <a:round/>
+                      <a:headEnd type="none" w="med" len="med"/>
+                      <a:tailEnd type="none" w="med" len="med"/>
+                    </a:lnL>
+                    <a:lnR w="12700" cap="flat" cmpd="sng" algn="ctr">
+                      <a:solidFill>
+                        <a:scrgbClr r="0" g="0" b="0"/>
+                      </a:solidFill>
+                      <a:prstDash val="solid"/>
+                      <a:round/>
+                      <a:headEnd type="none" w="med" len="med"/>
+                      <a:tailEnd type="none" w="med" len="med"/>
+                    </a:lnR>
+                    <a:lnT w="12700" cap="flat" cmpd="sng" algn="ctr">
+                      <a:solidFill>
+                        <a:scrgbClr r="0" g="0" b="0"/>
+                      </a:solidFill>
+                      <a:prstDash val="solid"/>
+                      <a:round/>
+                      <a:headEnd type="none" w="med" len="med"/>
+                      <a:tailEnd type="none" w="med" len="med"/>
+                    </a:lnT>
+                    <a:lnB w="12700" cap="flat" cmpd="sng" algn="ctr">
+                      <a:solidFill>
+                        <a:scrgbClr r="0" g="0" b="0"/>
+                      </a:solidFill>
+                      <a:prstDash val="solid"/>
+                      <a:round/>
+                      <a:headEnd type="none" w="med" len="med"/>
+                      <a:tailEnd type="none" w="med" len="med"/>
+                    </a:lnB>
+                  </a:tcPr>
+                </a:tc>
+                <a:tc>
+                  <a:txBody>
+                    <a:bodyPr/>
+                    <a:lstStyle/>
+                    <a:p>
+                      <a:pPr marL="0" marR="0" indent="0" algn="l" defTabSz="457200" rtl="0" eaLnBrk="1" fontAlgn="auto" latinLnBrk="0" hangingPunct="1">
+                        <a:lnSpc>
+                          <a:spcPct val="100000"/>
+                        </a:lnSpc>
+                        <a:spcBef>
+                          <a:spcPts val="0"/>
+                        </a:spcBef>
+                        <a:spcAft>
+                          <a:spcPts val="0"/>
+                        </a:spcAft>
+                        <a:buClrTx/>
+                        <a:buSzTx/>
+                        <a:buFontTx/>
+                        <a:buNone/>
+                        <a:tabLst/>
+                        <a:defRPr/>
+                      </a:pPr>
+                      <a:r>
+                        <a:rPr lang="en-US" dirty="0" smtClean="0"/>
+                        <a:t>16 gbwt</a:t>
+                      </a:r>
+                      <a:r>
+                        <a:rPr lang="en-US" baseline="0" dirty="0" smtClean="0"/>
+                        <a:t> chars</a:t>
+                      </a:r>
+                      <a:endParaRPr lang="en-US" dirty="0" smtClean="0"/>
+                    </a:p>
+                  </a:txBody>
+                  <a:tcPr>
+                    <a:lnL w="12700" cap="flat" cmpd="sng" algn="ctr">
+                      <a:solidFill>
+                        <a:scrgbClr r="0" g="0" b="0"/>
+                      </a:solidFill>
+                      <a:prstDash val="solid"/>
+                      <a:round/>
+                      <a:headEnd type="none" w="med" len="med"/>
+                      <a:tailEnd type="none" w="med" len="med"/>
+                    </a:lnL>
+                    <a:lnR w="12700" cap="flat" cmpd="sng" algn="ctr">
+                      <a:solidFill>
+                        <a:scrgbClr r="0" g="0" b="0"/>
+                      </a:solidFill>
+                      <a:prstDash val="solid"/>
+                      <a:round/>
+                      <a:headEnd type="none" w="med" len="med"/>
+                      <a:tailEnd type="none" w="med" len="med"/>
+                    </a:lnR>
+                    <a:lnT w="12700" cap="flat" cmpd="sng" algn="ctr">
+                      <a:solidFill>
+                        <a:scrgbClr r="0" g="0" b="0"/>
+                      </a:solidFill>
+                      <a:prstDash val="solid"/>
+                      <a:round/>
+                      <a:headEnd type="none" w="med" len="med"/>
+                      <a:tailEnd type="none" w="med" len="med"/>
+                    </a:lnT>
+                    <a:lnB w="12700" cap="flat" cmpd="sng" algn="ctr">
+                      <a:solidFill>
+                        <a:scrgbClr r="0" g="0" b="0"/>
+                      </a:solidFill>
+                      <a:prstDash val="solid"/>
+                      <a:round/>
+                      <a:headEnd type="none" w="med" len="med"/>
+                      <a:tailEnd type="none" w="med" len="med"/>
+                    </a:lnB>
+                  </a:tcPr>
+                </a:tc>
+                <a:tc>
+                  <a:txBody>
+                    <a:bodyPr/>
+                    <a:lstStyle/>
+                    <a:p>
+                      <a:pPr marL="0" marR="0" indent="0" algn="l" defTabSz="457200" rtl="0" eaLnBrk="1" fontAlgn="auto" latinLnBrk="0" hangingPunct="1">
+                        <a:lnSpc>
+                          <a:spcPct val="100000"/>
+                        </a:lnSpc>
+                        <a:spcBef>
+                          <a:spcPts val="0"/>
+                        </a:spcBef>
+                        <a:spcAft>
+                          <a:spcPts val="0"/>
+                        </a:spcAft>
+                        <a:buClrTx/>
+                        <a:buSzTx/>
+                        <a:buFontTx/>
+                        <a:buNone/>
+                        <a:tabLst/>
+                        <a:defRPr/>
+                      </a:pPr>
+                      <a:r>
+                        <a:rPr lang="en-US" dirty="0" smtClean="0"/>
+                        <a:t>16 gbwt</a:t>
+                      </a:r>
+                      <a:r>
+                        <a:rPr lang="en-US" baseline="0" dirty="0" smtClean="0"/>
+                        <a:t> chars</a:t>
+                      </a:r>
+                      <a:endParaRPr lang="en-US" dirty="0" smtClean="0"/>
+                    </a:p>
+                  </a:txBody>
+                  <a:tcPr>
+                    <a:lnL w="12700" cap="flat" cmpd="sng" algn="ctr">
+                      <a:solidFill>
+                        <a:scrgbClr r="0" g="0" b="0"/>
+                      </a:solidFill>
+                      <a:prstDash val="solid"/>
+                      <a:round/>
+                      <a:headEnd type="none" w="med" len="med"/>
+                      <a:tailEnd type="none" w="med" len="med"/>
+                    </a:lnL>
+                    <a:lnR w="12700" cap="flat" cmpd="sng" algn="ctr">
+                      <a:solidFill>
+                        <a:scrgbClr r="0" g="0" b="0"/>
+                      </a:solidFill>
+                      <a:prstDash val="solid"/>
+                      <a:round/>
+                      <a:headEnd type="none" w="med" len="med"/>
+                      <a:tailEnd type="none" w="med" len="med"/>
+                    </a:lnR>
+                    <a:lnT w="12700" cap="flat" cmpd="sng" algn="ctr">
+                      <a:solidFill>
+                        <a:scrgbClr r="0" g="0" b="0"/>
+                      </a:solidFill>
+                      <a:prstDash val="solid"/>
+                      <a:round/>
+                      <a:headEnd type="none" w="med" len="med"/>
+                      <a:tailEnd type="none" w="med" len="med"/>
+                    </a:lnT>
+                    <a:lnB w="12700" cap="flat" cmpd="sng" algn="ctr">
+                      <a:solidFill>
+                        <a:scrgbClr r="0" g="0" b="0"/>
+                      </a:solidFill>
+                      <a:prstDash val="solid"/>
+                      <a:round/>
+                      <a:headEnd type="none" w="med" len="med"/>
+                      <a:tailEnd type="none" w="med" len="med"/>
+                    </a:lnB>
+                  </a:tcPr>
+                </a:tc>
+              </a:tr>
+              <a:tr h="370840">
+                <a:tc>
+                  <a:txBody>
+                    <a:bodyPr/>
+                    <a:lstStyle/>
+                    <a:p>
+                      <a:pPr marL="0" marR="0" indent="0" algn="l" defTabSz="457200" rtl="0" eaLnBrk="1" fontAlgn="auto" latinLnBrk="0" hangingPunct="1">
+                        <a:lnSpc>
+                          <a:spcPct val="100000"/>
+                        </a:lnSpc>
+                        <a:spcBef>
+                          <a:spcPts val="0"/>
+                        </a:spcBef>
+                        <a:spcAft>
+                          <a:spcPts val="0"/>
+                        </a:spcAft>
+                        <a:buClrTx/>
+                        <a:buSzTx/>
+                        <a:buFontTx/>
+                        <a:buNone/>
+                        <a:tabLst/>
+                        <a:defRPr/>
+                      </a:pPr>
+                      <a:r>
+                        <a:rPr lang="en-US" dirty="0" smtClean="0"/>
+                        <a:t>16 gbwt</a:t>
+                      </a:r>
+                      <a:r>
+                        <a:rPr lang="en-US" baseline="0" dirty="0" smtClean="0"/>
+                        <a:t> chars</a:t>
+                      </a:r>
+                      <a:endParaRPr lang="en-US" dirty="0" smtClean="0"/>
+                    </a:p>
+                  </a:txBody>
+                  <a:tcPr>
+                    <a:lnL w="12700" cap="flat" cmpd="sng" algn="ctr">
+                      <a:solidFill>
+                        <a:scrgbClr r="0" g="0" b="0"/>
+                      </a:solidFill>
+                      <a:prstDash val="solid"/>
+                      <a:round/>
+                      <a:headEnd type="none" w="med" len="med"/>
+                      <a:tailEnd type="none" w="med" len="med"/>
+                    </a:lnL>
+                    <a:lnR w="12700" cap="flat" cmpd="sng" algn="ctr">
+                      <a:solidFill>
+                        <a:scrgbClr r="0" g="0" b="0"/>
+                      </a:solidFill>
+                      <a:prstDash val="solid"/>
+                      <a:round/>
+                      <a:headEnd type="none" w="med" len="med"/>
+                      <a:tailEnd type="none" w="med" len="med"/>
+                    </a:lnR>
+                    <a:lnT w="12700" cap="flat" cmpd="sng" algn="ctr">
+                      <a:solidFill>
+                        <a:scrgbClr r="0" g="0" b="0"/>
+                      </a:solidFill>
+                      <a:prstDash val="solid"/>
+                      <a:round/>
+                      <a:headEnd type="none" w="med" len="med"/>
+                      <a:tailEnd type="none" w="med" len="med"/>
+                    </a:lnT>
+                    <a:lnB w="12700" cap="flat" cmpd="sng" algn="ctr">
+                      <a:solidFill>
+                        <a:scrgbClr r="0" g="0" b="0"/>
+                      </a:solidFill>
+                      <a:prstDash val="solid"/>
+                      <a:round/>
+                      <a:headEnd type="none" w="med" len="med"/>
+                      <a:tailEnd type="none" w="med" len="med"/>
+                    </a:lnB>
+                  </a:tcPr>
+                </a:tc>
+                <a:tc>
+                  <a:txBody>
+                    <a:bodyPr/>
+                    <a:lstStyle/>
+                    <a:p>
+                      <a:r>
+                        <a:rPr lang="en-US" dirty="0" smtClean="0"/>
+                        <a:t>32</a:t>
+                      </a:r>
+                      <a:r>
+                        <a:rPr lang="en-US" baseline="0" dirty="0" smtClean="0"/>
+                        <a:t> F bits</a:t>
+                      </a:r>
+                      <a:endParaRPr lang="en-US" dirty="0"/>
+                    </a:p>
+                  </a:txBody>
+                  <a:tcPr>
+                    <a:lnL w="12700" cap="flat" cmpd="sng" algn="ctr">
+                      <a:solidFill>
+                        <a:scrgbClr r="0" g="0" b="0"/>
+                      </a:solidFill>
+                      <a:prstDash val="solid"/>
+                      <a:round/>
+                      <a:headEnd type="none" w="med" len="med"/>
+                      <a:tailEnd type="none" w="med" len="med"/>
+                    </a:lnL>
+                    <a:lnR w="12700" cap="flat" cmpd="sng" algn="ctr">
+                      <a:solidFill>
+                        <a:scrgbClr r="0" g="0" b="0"/>
+                      </a:solidFill>
+                      <a:prstDash val="solid"/>
+                      <a:round/>
+                      <a:headEnd type="none" w="med" len="med"/>
+                      <a:tailEnd type="none" w="med" len="med"/>
+                    </a:lnR>
+                    <a:lnT w="12700" cap="flat" cmpd="sng" algn="ctr">
+                      <a:solidFill>
+                        <a:scrgbClr r="0" g="0" b="0"/>
+                      </a:solidFill>
+                      <a:prstDash val="solid"/>
+                      <a:round/>
+                      <a:headEnd type="none" w="med" len="med"/>
+                      <a:tailEnd type="none" w="med" len="med"/>
+                    </a:lnT>
+                    <a:lnB w="12700" cap="flat" cmpd="sng" algn="ctr">
+                      <a:solidFill>
+                        <a:scrgbClr r="0" g="0" b="0"/>
+                      </a:solidFill>
+                      <a:prstDash val="solid"/>
+                      <a:round/>
+                      <a:headEnd type="none" w="med" len="med"/>
+                      <a:tailEnd type="none" w="med" len="med"/>
+                    </a:lnB>
+                  </a:tcPr>
+                </a:tc>
+                <a:tc>
+                  <a:txBody>
+                    <a:bodyPr/>
+                    <a:lstStyle/>
+                    <a:p>
+                      <a:pPr marL="0" marR="0" indent="0" algn="l" defTabSz="457200" rtl="0" eaLnBrk="1" fontAlgn="auto" latinLnBrk="0" hangingPunct="1">
+                        <a:lnSpc>
+                          <a:spcPct val="100000"/>
+                        </a:lnSpc>
+                        <a:spcBef>
+                          <a:spcPts val="0"/>
+                        </a:spcBef>
+                        <a:spcAft>
+                          <a:spcPts val="0"/>
+                        </a:spcAft>
+                        <a:buClrTx/>
+                        <a:buSzTx/>
+                        <a:buFontTx/>
+                        <a:buNone/>
+                        <a:tabLst/>
+                        <a:defRPr/>
+                      </a:pPr>
+                      <a:r>
+                        <a:rPr lang="en-US" dirty="0" smtClean="0"/>
+                        <a:t>32</a:t>
+                      </a:r>
+                      <a:r>
+                        <a:rPr lang="en-US" baseline="0" dirty="0" smtClean="0"/>
+                        <a:t> F bits</a:t>
+                      </a:r>
+                      <a:endParaRPr lang="en-US" dirty="0" smtClean="0"/>
+                    </a:p>
+                  </a:txBody>
+                  <a:tcPr>
+                    <a:lnL w="12700" cap="flat" cmpd="sng" algn="ctr">
+                      <a:solidFill>
+                        <a:scrgbClr r="0" g="0" b="0"/>
+                      </a:solidFill>
+                      <a:prstDash val="solid"/>
+                      <a:round/>
+                      <a:headEnd type="none" w="med" len="med"/>
+                      <a:tailEnd type="none" w="med" len="med"/>
+                    </a:lnL>
+                    <a:lnR w="12700" cap="flat" cmpd="sng" algn="ctr">
+                      <a:solidFill>
+                        <a:scrgbClr r="0" g="0" b="0"/>
+                      </a:solidFill>
+                      <a:prstDash val="solid"/>
+                      <a:round/>
+                      <a:headEnd type="none" w="med" len="med"/>
+                      <a:tailEnd type="none" w="med" len="med"/>
+                    </a:lnR>
+                    <a:lnT w="12700" cap="flat" cmpd="sng" algn="ctr">
+                      <a:solidFill>
+                        <a:scrgbClr r="0" g="0" b="0"/>
+                      </a:solidFill>
+                      <a:prstDash val="solid"/>
+                      <a:round/>
+                      <a:headEnd type="none" w="med" len="med"/>
+                      <a:tailEnd type="none" w="med" len="med"/>
+                    </a:lnT>
+                    <a:lnB w="12700" cap="flat" cmpd="sng" algn="ctr">
+                      <a:solidFill>
+                        <a:scrgbClr r="0" g="0" b="0"/>
+                      </a:solidFill>
+                      <a:prstDash val="solid"/>
+                      <a:round/>
+                      <a:headEnd type="none" w="med" len="med"/>
+                      <a:tailEnd type="none" w="med" len="med"/>
+                    </a:lnB>
+                  </a:tcPr>
+                </a:tc>
+                <a:tc>
+                  <a:txBody>
+                    <a:bodyPr/>
+                    <a:lstStyle/>
+                    <a:p>
+                      <a:pPr marL="0" marR="0" indent="0" algn="l" defTabSz="457200" rtl="0" eaLnBrk="1" fontAlgn="auto" latinLnBrk="0" hangingPunct="1">
+                        <a:lnSpc>
+                          <a:spcPct val="100000"/>
+                        </a:lnSpc>
+                        <a:spcBef>
+                          <a:spcPts val="0"/>
+                        </a:spcBef>
+                        <a:spcAft>
+                          <a:spcPts val="0"/>
+                        </a:spcAft>
+                        <a:buClrTx/>
+                        <a:buSzTx/>
+                        <a:buFontTx/>
+                        <a:buNone/>
+                        <a:tabLst/>
+                        <a:defRPr/>
+                      </a:pPr>
+                      <a:r>
+                        <a:rPr lang="en-US" dirty="0" smtClean="0"/>
+                        <a:t>32</a:t>
+                      </a:r>
+                      <a:r>
+                        <a:rPr lang="en-US" baseline="0" dirty="0" smtClean="0"/>
+                        <a:t> F bits</a:t>
+                      </a:r>
+                      <a:endParaRPr lang="en-US" dirty="0" smtClean="0"/>
+                    </a:p>
+                  </a:txBody>
+                  <a:tcPr>
+                    <a:lnL w="12700" cap="flat" cmpd="sng" algn="ctr">
+                      <a:solidFill>
+                        <a:scrgbClr r="0" g="0" b="0"/>
+                      </a:solidFill>
+                      <a:prstDash val="solid"/>
+                      <a:round/>
+                      <a:headEnd type="none" w="med" len="med"/>
+                      <a:tailEnd type="none" w="med" len="med"/>
+                    </a:lnL>
+                    <a:lnR w="12700" cap="flat" cmpd="sng" algn="ctr">
+                      <a:solidFill>
+                        <a:scrgbClr r="0" g="0" b="0"/>
+                      </a:solidFill>
+                      <a:prstDash val="solid"/>
+                      <a:round/>
+                      <a:headEnd type="none" w="med" len="med"/>
+                      <a:tailEnd type="none" w="med" len="med"/>
+                    </a:lnR>
+                    <a:lnT w="12700" cap="flat" cmpd="sng" algn="ctr">
+                      <a:solidFill>
+                        <a:scrgbClr r="0" g="0" b="0"/>
+                      </a:solidFill>
+                      <a:prstDash val="solid"/>
+                      <a:round/>
+                      <a:headEnd type="none" w="med" len="med"/>
+                      <a:tailEnd type="none" w="med" len="med"/>
+                    </a:lnT>
+                    <a:lnB w="12700" cap="flat" cmpd="sng" algn="ctr">
+                      <a:solidFill>
+                        <a:scrgbClr r="0" g="0" b="0"/>
+                      </a:solidFill>
+                      <a:prstDash val="solid"/>
+                      <a:round/>
+                      <a:headEnd type="none" w="med" len="med"/>
+                      <a:tailEnd type="none" w="med" len="med"/>
+                    </a:lnB>
+                  </a:tcPr>
+                </a:tc>
+              </a:tr>
+              <a:tr h="370840">
+                <a:tc>
+                  <a:txBody>
+                    <a:bodyPr/>
+                    <a:lstStyle/>
+                    <a:p>
+                      <a:pPr marL="0" marR="0" indent="0" algn="l" defTabSz="457200" rtl="0" eaLnBrk="1" fontAlgn="auto" latinLnBrk="0" hangingPunct="1">
+                        <a:lnSpc>
+                          <a:spcPct val="100000"/>
+                        </a:lnSpc>
+                        <a:spcBef>
+                          <a:spcPts val="0"/>
+                        </a:spcBef>
+                        <a:spcAft>
+                          <a:spcPts val="0"/>
+                        </a:spcAft>
+                        <a:buClrTx/>
+                        <a:buSzTx/>
+                        <a:buFontTx/>
+                        <a:buNone/>
+                        <a:tabLst/>
+                        <a:defRPr/>
+                      </a:pPr>
+                      <a:r>
+                        <a:rPr lang="en-US" dirty="0" smtClean="0"/>
+                        <a:t>32</a:t>
+                      </a:r>
+                      <a:r>
+                        <a:rPr lang="en-US" baseline="0" dirty="0" smtClean="0"/>
+                        <a:t> F bits</a:t>
+                      </a:r>
+                      <a:endParaRPr lang="en-US" dirty="0" smtClean="0"/>
+                    </a:p>
+                  </a:txBody>
+                  <a:tcPr>
+                    <a:lnL w="12700" cap="flat" cmpd="sng" algn="ctr">
+                      <a:solidFill>
+                        <a:scrgbClr r="0" g="0" b="0"/>
+                      </a:solidFill>
+                      <a:prstDash val="solid"/>
+                      <a:round/>
+                      <a:headEnd type="none" w="med" len="med"/>
+                      <a:tailEnd type="none" w="med" len="med"/>
+                    </a:lnL>
+                    <a:lnR w="12700" cap="flat" cmpd="sng" algn="ctr">
+                      <a:solidFill>
+                        <a:scrgbClr r="0" g="0" b="0"/>
+                      </a:solidFill>
+                      <a:prstDash val="solid"/>
+                      <a:round/>
+                      <a:headEnd type="none" w="med" len="med"/>
+                      <a:tailEnd type="none" w="med" len="med"/>
+                    </a:lnR>
+                    <a:lnT w="12700" cap="flat" cmpd="sng" algn="ctr">
+                      <a:solidFill>
+                        <a:scrgbClr r="0" g="0" b="0"/>
+                      </a:solidFill>
+                      <a:prstDash val="solid"/>
+                      <a:round/>
+                      <a:headEnd type="none" w="med" len="med"/>
+                      <a:tailEnd type="none" w="med" len="med"/>
+                    </a:lnT>
+                    <a:lnB w="12700" cap="flat" cmpd="sng" algn="ctr">
+                      <a:solidFill>
+                        <a:scrgbClr r="0" g="0" b="0"/>
+                      </a:solidFill>
+                      <a:prstDash val="solid"/>
+                      <a:round/>
+                      <a:headEnd type="none" w="med" len="med"/>
+                      <a:tailEnd type="none" w="med" len="med"/>
+                    </a:lnB>
+                  </a:tcPr>
+                </a:tc>
+                <a:tc>
+                  <a:txBody>
+                    <a:bodyPr/>
+                    <a:lstStyle/>
+                    <a:p>
+                      <a:pPr marL="0" marR="0" indent="0" algn="l" defTabSz="457200" rtl="0" eaLnBrk="1" fontAlgn="auto" latinLnBrk="0" hangingPunct="1">
+                        <a:lnSpc>
+                          <a:spcPct val="100000"/>
+                        </a:lnSpc>
+                        <a:spcBef>
+                          <a:spcPts val="0"/>
+                        </a:spcBef>
+                        <a:spcAft>
+                          <a:spcPts val="0"/>
+                        </a:spcAft>
+                        <a:buClrTx/>
+                        <a:buSzTx/>
+                        <a:buFontTx/>
+                        <a:buNone/>
+                        <a:tabLst/>
+                        <a:defRPr/>
+                      </a:pPr>
+                      <a:r>
+                        <a:rPr lang="en-US" dirty="0" smtClean="0"/>
+                        <a:t>32</a:t>
+                      </a:r>
+                      <a:r>
+                        <a:rPr lang="en-US" baseline="0" dirty="0" smtClean="0"/>
+                        <a:t> F bits</a:t>
+                      </a:r>
+                      <a:endParaRPr lang="en-US" dirty="0" smtClean="0"/>
+                    </a:p>
+                  </a:txBody>
+                  <a:tcPr>
+                    <a:lnL w="12700" cap="flat" cmpd="sng" algn="ctr">
+                      <a:solidFill>
+                        <a:scrgbClr r="0" g="0" b="0"/>
+                      </a:solidFill>
+                      <a:prstDash val="solid"/>
+                      <a:round/>
+                      <a:headEnd type="none" w="med" len="med"/>
+                      <a:tailEnd type="none" w="med" len="med"/>
+                    </a:lnL>
+                    <a:lnR w="12700" cap="flat" cmpd="sng" algn="ctr">
+                      <a:solidFill>
+                        <a:scrgbClr r="0" g="0" b="0"/>
+                      </a:solidFill>
+                      <a:prstDash val="solid"/>
+                      <a:round/>
+                      <a:headEnd type="none" w="med" len="med"/>
+                      <a:tailEnd type="none" w="med" len="med"/>
+                    </a:lnR>
+                    <a:lnT w="12700" cap="flat" cmpd="sng" algn="ctr">
+                      <a:solidFill>
+                        <a:scrgbClr r="0" g="0" b="0"/>
+                      </a:solidFill>
+                      <a:prstDash val="solid"/>
+                      <a:round/>
+                      <a:headEnd type="none" w="med" len="med"/>
+                      <a:tailEnd type="none" w="med" len="med"/>
+                    </a:lnT>
+                    <a:lnB w="12700" cap="flat" cmpd="sng" algn="ctr">
+                      <a:solidFill>
+                        <a:scrgbClr r="0" g="0" b="0"/>
+                      </a:solidFill>
+                      <a:prstDash val="solid"/>
+                      <a:round/>
+                      <a:headEnd type="none" w="med" len="med"/>
+                      <a:tailEnd type="none" w="med" len="med"/>
+                    </a:lnB>
+                  </a:tcPr>
+                </a:tc>
+                <a:tc>
+                  <a:txBody>
+                    <a:bodyPr/>
+                    <a:lstStyle/>
+                    <a:p>
+                      <a:pPr marL="0" marR="0" indent="0" algn="l" defTabSz="457200" rtl="0" eaLnBrk="1" fontAlgn="auto" latinLnBrk="0" hangingPunct="1">
+                        <a:lnSpc>
+                          <a:spcPct val="100000"/>
+                        </a:lnSpc>
+                        <a:spcBef>
+                          <a:spcPts val="0"/>
+                        </a:spcBef>
+                        <a:spcAft>
+                          <a:spcPts val="0"/>
+                        </a:spcAft>
+                        <a:buClrTx/>
+                        <a:buSzTx/>
+                        <a:buFontTx/>
+                        <a:buNone/>
+                        <a:tabLst/>
+                        <a:defRPr/>
+                      </a:pPr>
+                      <a:r>
+                        <a:rPr lang="en-US" dirty="0" smtClean="0"/>
+                        <a:t>32</a:t>
+                      </a:r>
+                      <a:r>
+                        <a:rPr lang="en-US" baseline="0" dirty="0" smtClean="0"/>
+                        <a:t> F bits</a:t>
+                      </a:r>
+                      <a:endParaRPr lang="en-US" dirty="0" smtClean="0"/>
+                    </a:p>
+                  </a:txBody>
+                  <a:tcPr>
+                    <a:lnL w="12700" cap="flat" cmpd="sng" algn="ctr">
+                      <a:solidFill>
+                        <a:scrgbClr r="0" g="0" b="0"/>
+                      </a:solidFill>
+                      <a:prstDash val="solid"/>
+                      <a:round/>
+                      <a:headEnd type="none" w="med" len="med"/>
+                      <a:tailEnd type="none" w="med" len="med"/>
+                    </a:lnL>
+                    <a:lnR w="12700" cap="flat" cmpd="sng" algn="ctr">
+                      <a:solidFill>
+                        <a:scrgbClr r="0" g="0" b="0"/>
+                      </a:solidFill>
+                      <a:prstDash val="solid"/>
+                      <a:round/>
+                      <a:headEnd type="none" w="med" len="med"/>
+                      <a:tailEnd type="none" w="med" len="med"/>
+                    </a:lnR>
+                    <a:lnT w="12700" cap="flat" cmpd="sng" algn="ctr">
+                      <a:solidFill>
+                        <a:scrgbClr r="0" g="0" b="0"/>
+                      </a:solidFill>
+                      <a:prstDash val="solid"/>
+                      <a:round/>
+                      <a:headEnd type="none" w="med" len="med"/>
+                      <a:tailEnd type="none" w="med" len="med"/>
+                    </a:lnT>
+                    <a:lnB w="12700" cap="flat" cmpd="sng" algn="ctr">
+                      <a:solidFill>
+                        <a:scrgbClr r="0" g="0" b="0"/>
+                      </a:solidFill>
+                      <a:prstDash val="solid"/>
+                      <a:round/>
+                      <a:headEnd type="none" w="med" len="med"/>
+                      <a:tailEnd type="none" w="med" len="med"/>
+                    </a:lnB>
+                  </a:tcPr>
+                </a:tc>
+                <a:tc>
+                  <a:txBody>
+                    <a:bodyPr/>
+                    <a:lstStyle/>
+                    <a:p>
+                      <a:r>
+                        <a:rPr lang="en-US" sz="1200" dirty="0" smtClean="0"/>
+                        <a:t>16 F bits </a:t>
+                      </a:r>
+                      <a:r>
+                        <a:rPr lang="en-US" sz="1200" baseline="0" dirty="0" smtClean="0"/>
+                        <a:t> / </a:t>
+                      </a:r>
+                      <a:r>
+                        <a:rPr lang="en-US" sz="1200" dirty="0" smtClean="0"/>
+                        <a:t>16 M bits</a:t>
+                      </a:r>
+                      <a:endParaRPr lang="en-US" sz="1200" dirty="0"/>
+                    </a:p>
+                  </a:txBody>
+                  <a:tcPr>
+                    <a:lnL w="12700" cap="flat" cmpd="sng" algn="ctr">
+                      <a:solidFill>
+                        <a:scrgbClr r="0" g="0" b="0"/>
+                      </a:solidFill>
+                      <a:prstDash val="solid"/>
+                      <a:round/>
+                      <a:headEnd type="none" w="med" len="med"/>
+                      <a:tailEnd type="none" w="med" len="med"/>
+                    </a:lnL>
+                    <a:lnR w="12700" cap="flat" cmpd="sng" algn="ctr">
+                      <a:solidFill>
+                        <a:scrgbClr r="0" g="0" b="0"/>
+                      </a:solidFill>
+                      <a:prstDash val="solid"/>
+                      <a:round/>
+                      <a:headEnd type="none" w="med" len="med"/>
+                      <a:tailEnd type="none" w="med" len="med"/>
+                    </a:lnR>
+                    <a:lnT w="12700" cap="flat" cmpd="sng" algn="ctr">
+                      <a:solidFill>
+                        <a:scrgbClr r="0" g="0" b="0"/>
+                      </a:solidFill>
+                      <a:prstDash val="solid"/>
+                      <a:round/>
+                      <a:headEnd type="none" w="med" len="med"/>
+                      <a:tailEnd type="none" w="med" len="med"/>
+                    </a:lnT>
+                    <a:lnB w="12700" cap="flat" cmpd="sng" algn="ctr">
+                      <a:solidFill>
+                        <a:scrgbClr r="0" g="0" b="0"/>
+                      </a:solidFill>
+                      <a:prstDash val="solid"/>
+                      <a:round/>
+                      <a:headEnd type="none" w="med" len="med"/>
+                      <a:tailEnd type="none" w="med" len="med"/>
+                    </a:lnB>
+                  </a:tcPr>
+                </a:tc>
+              </a:tr>
+              <a:tr h="370840">
+                <a:tc>
+                  <a:txBody>
+                    <a:bodyPr/>
+                    <a:lstStyle/>
+                    <a:p>
+                      <a:r>
+                        <a:rPr lang="en-US" dirty="0" smtClean="0"/>
+                        <a:t>32 M bits</a:t>
+                      </a:r>
+                      <a:endParaRPr lang="en-US" dirty="0"/>
+                    </a:p>
+                  </a:txBody>
+                  <a:tcPr>
+                    <a:lnL w="12700" cap="flat" cmpd="sng" algn="ctr">
+                      <a:solidFill>
+                        <a:scrgbClr r="0" g="0" b="0"/>
+                      </a:solidFill>
+                      <a:prstDash val="solid"/>
+                      <a:round/>
+                      <a:headEnd type="none" w="med" len="med"/>
+                      <a:tailEnd type="none" w="med" len="med"/>
+                    </a:lnL>
+                    <a:lnR w="12700" cap="flat" cmpd="sng" algn="ctr">
+                      <a:solidFill>
+                        <a:scrgbClr r="0" g="0" b="0"/>
+                      </a:solidFill>
+                      <a:prstDash val="solid"/>
+                      <a:round/>
+                      <a:headEnd type="none" w="med" len="med"/>
+                      <a:tailEnd type="none" w="med" len="med"/>
+                    </a:lnR>
+                    <a:lnT w="12700" cap="flat" cmpd="sng" algn="ctr">
+                      <a:solidFill>
+                        <a:scrgbClr r="0" g="0" b="0"/>
+                      </a:solidFill>
+                      <a:prstDash val="solid"/>
+                      <a:round/>
+                      <a:headEnd type="none" w="med" len="med"/>
+                      <a:tailEnd type="none" w="med" len="med"/>
+                    </a:lnT>
+                    <a:lnB w="12700" cap="flat" cmpd="sng" algn="ctr">
+                      <a:solidFill>
+                        <a:scrgbClr r="0" g="0" b="0"/>
+                      </a:solidFill>
+                      <a:prstDash val="solid"/>
+                      <a:round/>
+                      <a:headEnd type="none" w="med" len="med"/>
+                      <a:tailEnd type="none" w="med" len="med"/>
+                    </a:lnB>
+                  </a:tcPr>
+                </a:tc>
+                <a:tc>
+                  <a:txBody>
+                    <a:bodyPr/>
+                    <a:lstStyle/>
+                    <a:p>
+                      <a:pPr marL="0" marR="0" indent="0" algn="l" defTabSz="457200" rtl="0" eaLnBrk="1" fontAlgn="auto" latinLnBrk="0" hangingPunct="1">
+                        <a:lnSpc>
+                          <a:spcPct val="100000"/>
+                        </a:lnSpc>
+                        <a:spcBef>
+                          <a:spcPts val="0"/>
+                        </a:spcBef>
+                        <a:spcAft>
+                          <a:spcPts val="0"/>
+                        </a:spcAft>
+                        <a:buClrTx/>
+                        <a:buSzTx/>
+                        <a:buFontTx/>
+                        <a:buNone/>
+                        <a:tabLst/>
+                        <a:defRPr/>
+                      </a:pPr>
+                      <a:r>
+                        <a:rPr lang="en-US" dirty="0" smtClean="0"/>
+                        <a:t>32 M bits</a:t>
+                      </a:r>
+                    </a:p>
+                  </a:txBody>
+                  <a:tcPr>
+                    <a:lnL w="12700" cap="flat" cmpd="sng" algn="ctr">
+                      <a:solidFill>
+                        <a:scrgbClr r="0" g="0" b="0"/>
+                      </a:solidFill>
+                      <a:prstDash val="solid"/>
+                      <a:round/>
+                      <a:headEnd type="none" w="med" len="med"/>
+                      <a:tailEnd type="none" w="med" len="med"/>
+                    </a:lnL>
+                    <a:lnR w="12700" cap="flat" cmpd="sng" algn="ctr">
+                      <a:solidFill>
+                        <a:scrgbClr r="0" g="0" b="0"/>
+                      </a:solidFill>
+                      <a:prstDash val="solid"/>
+                      <a:round/>
+                      <a:headEnd type="none" w="med" len="med"/>
+                      <a:tailEnd type="none" w="med" len="med"/>
+                    </a:lnR>
+                    <a:lnT w="12700" cap="flat" cmpd="sng" algn="ctr">
+                      <a:solidFill>
+                        <a:scrgbClr r="0" g="0" b="0"/>
+                      </a:solidFill>
+                      <a:prstDash val="solid"/>
+                      <a:round/>
+                      <a:headEnd type="none" w="med" len="med"/>
+                      <a:tailEnd type="none" w="med" len="med"/>
+                    </a:lnT>
+                    <a:lnB w="12700" cap="flat" cmpd="sng" algn="ctr">
+                      <a:solidFill>
+                        <a:scrgbClr r="0" g="0" b="0"/>
+                      </a:solidFill>
+                      <a:prstDash val="solid"/>
+                      <a:round/>
+                      <a:headEnd type="none" w="med" len="med"/>
+                      <a:tailEnd type="none" w="med" len="med"/>
+                    </a:lnB>
+                  </a:tcPr>
+                </a:tc>
+                <a:tc>
+                  <a:txBody>
+                    <a:bodyPr/>
+                    <a:lstStyle/>
+                    <a:p>
+                      <a:pPr marL="0" marR="0" indent="0" algn="l" defTabSz="457200" rtl="0" eaLnBrk="1" fontAlgn="auto" latinLnBrk="0" hangingPunct="1">
+                        <a:lnSpc>
+                          <a:spcPct val="100000"/>
+                        </a:lnSpc>
+                        <a:spcBef>
+                          <a:spcPts val="0"/>
+                        </a:spcBef>
+                        <a:spcAft>
+                          <a:spcPts val="0"/>
+                        </a:spcAft>
+                        <a:buClrTx/>
+                        <a:buSzTx/>
+                        <a:buFontTx/>
+                        <a:buNone/>
+                        <a:tabLst/>
+                        <a:defRPr/>
+                      </a:pPr>
+                      <a:r>
+                        <a:rPr lang="en-US" dirty="0" smtClean="0"/>
+                        <a:t>32 M bits</a:t>
+                      </a:r>
+                    </a:p>
+                  </a:txBody>
+                  <a:tcPr>
+                    <a:lnL w="12700" cap="flat" cmpd="sng" algn="ctr">
+                      <a:solidFill>
+                        <a:scrgbClr r="0" g="0" b="0"/>
+                      </a:solidFill>
+                      <a:prstDash val="solid"/>
+                      <a:round/>
+                      <a:headEnd type="none" w="med" len="med"/>
+                      <a:tailEnd type="none" w="med" len="med"/>
+                    </a:lnL>
+                    <a:lnR w="12700" cap="flat" cmpd="sng" algn="ctr">
+                      <a:solidFill>
+                        <a:scrgbClr r="0" g="0" b="0"/>
+                      </a:solidFill>
+                      <a:prstDash val="solid"/>
+                      <a:round/>
+                      <a:headEnd type="none" w="med" len="med"/>
+                      <a:tailEnd type="none" w="med" len="med"/>
+                    </a:lnR>
+                    <a:lnT w="12700" cap="flat" cmpd="sng" algn="ctr">
+                      <a:solidFill>
+                        <a:scrgbClr r="0" g="0" b="0"/>
+                      </a:solidFill>
+                      <a:prstDash val="solid"/>
+                      <a:round/>
+                      <a:headEnd type="none" w="med" len="med"/>
+                      <a:tailEnd type="none" w="med" len="med"/>
+                    </a:lnT>
+                    <a:lnB w="12700" cap="flat" cmpd="sng" algn="ctr">
+                      <a:solidFill>
+                        <a:scrgbClr r="0" g="0" b="0"/>
+                      </a:solidFill>
+                      <a:prstDash val="solid"/>
+                      <a:round/>
+                      <a:headEnd type="none" w="med" len="med"/>
+                      <a:tailEnd type="none" w="med" len="med"/>
+                    </a:lnB>
+                  </a:tcPr>
+                </a:tc>
+                <a:tc>
+                  <a:txBody>
+                    <a:bodyPr/>
+                    <a:lstStyle/>
+                    <a:p>
+                      <a:pPr marL="0" marR="0" indent="0" algn="l" defTabSz="457200" rtl="0" eaLnBrk="1" fontAlgn="auto" latinLnBrk="0" hangingPunct="1">
+                        <a:lnSpc>
+                          <a:spcPct val="100000"/>
+                        </a:lnSpc>
+                        <a:spcBef>
+                          <a:spcPts val="0"/>
+                        </a:spcBef>
+                        <a:spcAft>
+                          <a:spcPts val="0"/>
+                        </a:spcAft>
+                        <a:buClrTx/>
+                        <a:buSzTx/>
+                        <a:buFontTx/>
+                        <a:buNone/>
+                        <a:tabLst/>
+                        <a:defRPr/>
+                      </a:pPr>
+                      <a:r>
+                        <a:rPr lang="en-US" dirty="0" smtClean="0"/>
+                        <a:t>32 M bits</a:t>
+                      </a:r>
+                    </a:p>
+                  </a:txBody>
+                  <a:tcPr>
+                    <a:lnL w="12700" cap="flat" cmpd="sng" algn="ctr">
+                      <a:solidFill>
+                        <a:scrgbClr r="0" g="0" b="0"/>
+                      </a:solidFill>
+                      <a:prstDash val="solid"/>
+                      <a:round/>
+                      <a:headEnd type="none" w="med" len="med"/>
+                      <a:tailEnd type="none" w="med" len="med"/>
+                    </a:lnL>
+                    <a:lnR w="12700" cap="flat" cmpd="sng" algn="ctr">
+                      <a:solidFill>
+                        <a:scrgbClr r="0" g="0" b="0"/>
+                      </a:solidFill>
+                      <a:prstDash val="solid"/>
+                      <a:round/>
+                      <a:headEnd type="none" w="med" len="med"/>
+                      <a:tailEnd type="none" w="med" len="med"/>
+                    </a:lnR>
+                    <a:lnT w="12700" cap="flat" cmpd="sng" algn="ctr">
+                      <a:solidFill>
+                        <a:scrgbClr r="0" g="0" b="0"/>
+                      </a:solidFill>
+                      <a:prstDash val="solid"/>
+                      <a:round/>
+                      <a:headEnd type="none" w="med" len="med"/>
+                      <a:tailEnd type="none" w="med" len="med"/>
+                    </a:lnT>
+                    <a:lnB w="12700" cap="flat" cmpd="sng" algn="ctr">
+                      <a:solidFill>
+                        <a:scrgbClr r="0" g="0" b="0"/>
+                      </a:solidFill>
+                      <a:prstDash val="solid"/>
+                      <a:round/>
+                      <a:headEnd type="none" w="med" len="med"/>
+                      <a:tailEnd type="none" w="med" len="med"/>
+                    </a:lnB>
+                  </a:tcPr>
+                </a:tc>
+              </a:tr>
+              <a:tr h="370840">
+                <a:tc>
+                  <a:txBody>
+                    <a:bodyPr/>
+                    <a:lstStyle/>
+                    <a:p>
+                      <a:pPr marL="0" marR="0" indent="0" algn="l" defTabSz="457200" rtl="0" eaLnBrk="1" fontAlgn="auto" latinLnBrk="0" hangingPunct="1">
+                        <a:lnSpc>
+                          <a:spcPct val="100000"/>
+                        </a:lnSpc>
+                        <a:spcBef>
+                          <a:spcPts val="0"/>
+                        </a:spcBef>
+                        <a:spcAft>
+                          <a:spcPts val="0"/>
+                        </a:spcAft>
+                        <a:buClrTx/>
+                        <a:buSzTx/>
+                        <a:buFontTx/>
+                        <a:buNone/>
+                        <a:tabLst/>
+                        <a:defRPr/>
+                      </a:pPr>
+                      <a:r>
+                        <a:rPr lang="en-US" dirty="0" smtClean="0"/>
+                        <a:t>32 M bits</a:t>
+                      </a:r>
+                    </a:p>
+                  </a:txBody>
+                  <a:tcPr>
+                    <a:lnL w="12700" cap="flat" cmpd="sng" algn="ctr">
+                      <a:solidFill>
+                        <a:scrgbClr r="0" g="0" b="0"/>
+                      </a:solidFill>
+                      <a:prstDash val="solid"/>
+                      <a:round/>
+                      <a:headEnd type="none" w="med" len="med"/>
+                      <a:tailEnd type="none" w="med" len="med"/>
+                    </a:lnL>
+                    <a:lnR w="12700" cap="flat" cmpd="sng" algn="ctr">
+                      <a:solidFill>
+                        <a:scrgbClr r="0" g="0" b="0"/>
+                      </a:solidFill>
+                      <a:prstDash val="solid"/>
+                      <a:round/>
+                      <a:headEnd type="none" w="med" len="med"/>
+                      <a:tailEnd type="none" w="med" len="med"/>
+                    </a:lnR>
+                    <a:lnT w="12700" cap="flat" cmpd="sng" algn="ctr">
+                      <a:solidFill>
+                        <a:scrgbClr r="0" g="0" b="0"/>
+                      </a:solidFill>
+                      <a:prstDash val="solid"/>
+                      <a:round/>
+                      <a:headEnd type="none" w="med" len="med"/>
+                      <a:tailEnd type="none" w="med" len="med"/>
+                    </a:lnT>
+                    <a:lnB w="12700" cap="flat" cmpd="sng" algn="ctr">
+                      <a:solidFill>
+                        <a:scrgbClr r="0" g="0" b="0"/>
+                      </a:solidFill>
+                      <a:prstDash val="solid"/>
+                      <a:round/>
+                      <a:headEnd type="none" w="med" len="med"/>
+                      <a:tailEnd type="none" w="med" len="med"/>
+                    </a:lnB>
+                  </a:tcPr>
+                </a:tc>
+                <a:tc>
+                  <a:txBody>
+                    <a:bodyPr/>
+                    <a:lstStyle/>
+                    <a:p>
+                      <a:pPr marL="0" marR="0" indent="0" algn="l" defTabSz="457200" rtl="0" eaLnBrk="1" fontAlgn="auto" latinLnBrk="0" hangingPunct="1">
+                        <a:lnSpc>
+                          <a:spcPct val="100000"/>
+                        </a:lnSpc>
+                        <a:spcBef>
+                          <a:spcPts val="0"/>
+                        </a:spcBef>
+                        <a:spcAft>
+                          <a:spcPts val="0"/>
+                        </a:spcAft>
+                        <a:buClrTx/>
+                        <a:buSzTx/>
+                        <a:buFontTx/>
+                        <a:buNone/>
+                        <a:tabLst/>
+                        <a:defRPr/>
+                      </a:pPr>
+                      <a:r>
+                        <a:rPr lang="en-US" dirty="0" smtClean="0"/>
+                        <a:t>32 M bits</a:t>
+                      </a:r>
+                    </a:p>
+                  </a:txBody>
+                  <a:tcPr>
+                    <a:lnL w="12700" cap="flat" cmpd="sng" algn="ctr">
+                      <a:solidFill>
+                        <a:scrgbClr r="0" g="0" b="0"/>
+                      </a:solidFill>
+                      <a:prstDash val="solid"/>
+                      <a:round/>
+                      <a:headEnd type="none" w="med" len="med"/>
+                      <a:tailEnd type="none" w="med" len="med"/>
+                    </a:lnL>
+                    <a:lnR w="12700" cap="flat" cmpd="sng" algn="ctr">
+                      <a:solidFill>
+                        <a:scrgbClr r="0" g="0" b="0"/>
+                      </a:solidFill>
+                      <a:prstDash val="solid"/>
+                      <a:round/>
+                      <a:headEnd type="none" w="med" len="med"/>
+                      <a:tailEnd type="none" w="med" len="med"/>
+                    </a:lnR>
+                    <a:lnT w="12700" cap="flat" cmpd="sng" algn="ctr">
+                      <a:solidFill>
+                        <a:scrgbClr r="0" g="0" b="0"/>
+                      </a:solidFill>
+                      <a:prstDash val="solid"/>
+                      <a:round/>
+                      <a:headEnd type="none" w="med" len="med"/>
+                      <a:tailEnd type="none" w="med" len="med"/>
+                    </a:lnT>
+                    <a:lnB w="12700" cap="flat" cmpd="sng" algn="ctr">
+                      <a:solidFill>
+                        <a:scrgbClr r="0" g="0" b="0"/>
+                      </a:solidFill>
+                      <a:prstDash val="solid"/>
+                      <a:round/>
+                      <a:headEnd type="none" w="med" len="med"/>
+                      <a:tailEnd type="none" w="med" len="med"/>
+                    </a:lnB>
+                  </a:tcPr>
+                </a:tc>
+                <a:tc>
+                  <a:txBody>
+                    <a:bodyPr/>
+                    <a:lstStyle/>
+                    <a:p>
+                      <a:r>
+                        <a:rPr lang="en-US" sz="1600" dirty="0" smtClean="0"/>
+                        <a:t>Location</a:t>
+                      </a:r>
+                      <a:r>
+                        <a:rPr lang="en-US" sz="1600" baseline="0" dirty="0" smtClean="0"/>
+                        <a:t> of 1 in F corresponding to 1 in M</a:t>
+                      </a:r>
+                      <a:endParaRPr lang="en-US" sz="1600" dirty="0"/>
+                    </a:p>
+                  </a:txBody>
+                  <a:tcPr>
+                    <a:lnL w="12700" cap="flat" cmpd="sng" algn="ctr">
+                      <a:solidFill>
+                        <a:scrgbClr r="0" g="0" b="0"/>
+                      </a:solidFill>
+                      <a:prstDash val="solid"/>
+                      <a:round/>
+                      <a:headEnd type="none" w="med" len="med"/>
+                      <a:tailEnd type="none" w="med" len="med"/>
+                    </a:lnL>
+                    <a:lnR w="12700" cap="flat" cmpd="sng" algn="ctr">
+                      <a:solidFill>
+                        <a:scrgbClr r="0" g="0" b="0"/>
+                      </a:solidFill>
+                      <a:prstDash val="solid"/>
+                      <a:round/>
+                      <a:headEnd type="none" w="med" len="med"/>
+                      <a:tailEnd type="none" w="med" len="med"/>
+                    </a:lnR>
+                    <a:lnT w="12700" cap="flat" cmpd="sng" algn="ctr">
+                      <a:solidFill>
+                        <a:scrgbClr r="0" g="0" b="0"/>
+                      </a:solidFill>
+                      <a:prstDash val="solid"/>
+                      <a:round/>
+                      <a:headEnd type="none" w="med" len="med"/>
+                      <a:tailEnd type="none" w="med" len="med"/>
+                    </a:lnT>
+                    <a:lnB w="12700" cap="flat" cmpd="sng" algn="ctr">
+                      <a:solidFill>
+                        <a:scrgbClr r="0" g="0" b="0"/>
+                      </a:solidFill>
+                      <a:prstDash val="solid"/>
+                      <a:round/>
+                      <a:headEnd type="none" w="med" len="med"/>
+                      <a:tailEnd type="none" w="med" len="med"/>
+                    </a:lnB>
+                  </a:tcPr>
+                </a:tc>
+                <a:tc>
+                  <a:txBody>
+                    <a:bodyPr/>
+                    <a:lstStyle/>
+                    <a:p>
+                      <a:r>
+                        <a:rPr lang="en-US" dirty="0" smtClean="0"/>
+                        <a:t>Occurrences</a:t>
+                      </a:r>
+                      <a:r>
+                        <a:rPr lang="en-US" baseline="0" dirty="0" smtClean="0"/>
+                        <a:t> of 1 bits in M so far</a:t>
+                      </a:r>
+                      <a:endParaRPr lang="en-US" dirty="0"/>
+                    </a:p>
+                  </a:txBody>
+                  <a:tcPr>
+                    <a:lnL w="12700" cap="flat" cmpd="sng" algn="ctr">
+                      <a:solidFill>
+                        <a:scrgbClr r="0" g="0" b="0"/>
+                      </a:solidFill>
+                      <a:prstDash val="solid"/>
+                      <a:round/>
+                      <a:headEnd type="none" w="med" len="med"/>
+                      <a:tailEnd type="none" w="med" len="med"/>
+                    </a:lnL>
+                    <a:lnR w="12700" cap="flat" cmpd="sng" algn="ctr">
+                      <a:solidFill>
+                        <a:scrgbClr r="0" g="0" b="0"/>
+                      </a:solidFill>
+                      <a:prstDash val="solid"/>
+                      <a:round/>
+                      <a:headEnd type="none" w="med" len="med"/>
+                      <a:tailEnd type="none" w="med" len="med"/>
+                    </a:lnR>
+                    <a:lnT w="12700" cap="flat" cmpd="sng" algn="ctr">
+                      <a:solidFill>
+                        <a:scrgbClr r="0" g="0" b="0"/>
+                      </a:solidFill>
+                      <a:prstDash val="solid"/>
+                      <a:round/>
+                      <a:headEnd type="none" w="med" len="med"/>
+                      <a:tailEnd type="none" w="med" len="med"/>
+                    </a:lnT>
+                    <a:lnB w="12700" cap="flat" cmpd="sng" algn="ctr">
+                      <a:solidFill>
+                        <a:scrgbClr r="0" g="0" b="0"/>
+                      </a:solidFill>
+                      <a:prstDash val="solid"/>
+                      <a:round/>
+                      <a:headEnd type="none" w="med" len="med"/>
+                      <a:tailEnd type="none" w="med" len="med"/>
+                    </a:lnB>
+                  </a:tcPr>
+                </a:tc>
+              </a:tr>
+              <a:tr h="370840">
+                <a:tc>
+                  <a:txBody>
+                    <a:bodyPr/>
+                    <a:lstStyle/>
+                    <a:p>
+                      <a:pPr algn="ctr"/>
+                      <a:r>
+                        <a:rPr lang="en-US" dirty="0" smtClean="0"/>
+                        <a:t>Occurrences </a:t>
+                      </a:r>
+                      <a:r>
+                        <a:rPr lang="en-US" baseline="0" dirty="0" smtClean="0"/>
+                        <a:t>of A so far</a:t>
+                      </a:r>
+                      <a:endParaRPr lang="en-US" dirty="0"/>
+                    </a:p>
+                  </a:txBody>
+                  <a:tcPr>
+                    <a:lnL w="12700" cap="flat" cmpd="sng" algn="ctr">
+                      <a:solidFill>
+                        <a:scrgbClr r="0" g="0" b="0"/>
+                      </a:solidFill>
+                      <a:prstDash val="solid"/>
+                      <a:round/>
+                      <a:headEnd type="none" w="med" len="med"/>
+                      <a:tailEnd type="none" w="med" len="med"/>
+                    </a:lnL>
+                    <a:lnR w="12700" cap="flat" cmpd="sng" algn="ctr">
+                      <a:solidFill>
+                        <a:scrgbClr r="0" g="0" b="0"/>
+                      </a:solidFill>
+                      <a:prstDash val="solid"/>
+                      <a:round/>
+                      <a:headEnd type="none" w="med" len="med"/>
+                      <a:tailEnd type="none" w="med" len="med"/>
+                    </a:lnR>
+                    <a:lnT w="12700" cap="flat" cmpd="sng" algn="ctr">
+                      <a:solidFill>
+                        <a:scrgbClr r="0" g="0" b="0"/>
+                      </a:solidFill>
+                      <a:prstDash val="solid"/>
+                      <a:round/>
+                      <a:headEnd type="none" w="med" len="med"/>
+                      <a:tailEnd type="none" w="med" len="med"/>
+                    </a:lnT>
+                    <a:lnB w="12700" cap="flat" cmpd="sng" algn="ctr">
+                      <a:solidFill>
+                        <a:scrgbClr r="0" g="0" b="0"/>
+                      </a:solidFill>
+                      <a:prstDash val="solid"/>
+                      <a:round/>
+                      <a:headEnd type="none" w="med" len="med"/>
+                      <a:tailEnd type="none" w="med" len="med"/>
+                    </a:lnB>
+                  </a:tcPr>
+                </a:tc>
+                <a:tc>
+                  <a:txBody>
+                    <a:bodyPr/>
+                    <a:lstStyle/>
+                    <a:p>
+                      <a:pPr marL="0" marR="0" indent="0" algn="ctr" defTabSz="457200" rtl="0" eaLnBrk="1" fontAlgn="auto" latinLnBrk="0" hangingPunct="1">
+                        <a:lnSpc>
+                          <a:spcPct val="100000"/>
+                        </a:lnSpc>
+                        <a:spcBef>
+                          <a:spcPts val="0"/>
+                        </a:spcBef>
+                        <a:spcAft>
+                          <a:spcPts val="0"/>
+                        </a:spcAft>
+                        <a:buClrTx/>
+                        <a:buSzTx/>
+                        <a:buFontTx/>
+                        <a:buNone/>
+                        <a:tabLst/>
+                        <a:defRPr/>
+                      </a:pPr>
+                      <a:r>
+                        <a:rPr lang="en-US" dirty="0" smtClean="0"/>
+                        <a:t>Occurrences </a:t>
+                      </a:r>
+                      <a:r>
+                        <a:rPr lang="en-US" baseline="0" dirty="0" smtClean="0"/>
+                        <a:t>of C so far</a:t>
+                      </a:r>
+                      <a:endParaRPr lang="en-US" dirty="0" smtClean="0"/>
+                    </a:p>
+                  </a:txBody>
+                  <a:tcPr>
+                    <a:lnL w="12700" cap="flat" cmpd="sng" algn="ctr">
+                      <a:solidFill>
+                        <a:scrgbClr r="0" g="0" b="0"/>
+                      </a:solidFill>
+                      <a:prstDash val="solid"/>
+                      <a:round/>
+                      <a:headEnd type="none" w="med" len="med"/>
+                      <a:tailEnd type="none" w="med" len="med"/>
+                    </a:lnL>
+                    <a:lnR w="12700" cap="flat" cmpd="sng" algn="ctr">
+                      <a:solidFill>
+                        <a:scrgbClr r="0" g="0" b="0"/>
+                      </a:solidFill>
+                      <a:prstDash val="solid"/>
+                      <a:round/>
+                      <a:headEnd type="none" w="med" len="med"/>
+                      <a:tailEnd type="none" w="med" len="med"/>
+                    </a:lnR>
+                    <a:lnT w="12700" cap="flat" cmpd="sng" algn="ctr">
+                      <a:solidFill>
+                        <a:scrgbClr r="0" g="0" b="0"/>
+                      </a:solidFill>
+                      <a:prstDash val="solid"/>
+                      <a:round/>
+                      <a:headEnd type="none" w="med" len="med"/>
+                      <a:tailEnd type="none" w="med" len="med"/>
+                    </a:lnT>
+                    <a:lnB w="12700" cap="flat" cmpd="sng" algn="ctr">
+                      <a:solidFill>
+                        <a:scrgbClr r="0" g="0" b="0"/>
+                      </a:solidFill>
+                      <a:prstDash val="solid"/>
+                      <a:round/>
+                      <a:headEnd type="none" w="med" len="med"/>
+                      <a:tailEnd type="none" w="med" len="med"/>
+                    </a:lnB>
+                  </a:tcPr>
+                </a:tc>
+                <a:tc>
+                  <a:txBody>
+                    <a:bodyPr/>
+                    <a:lstStyle/>
+                    <a:p>
+                      <a:pPr marL="0" marR="0" indent="0" algn="ctr" defTabSz="457200" rtl="0" eaLnBrk="1" fontAlgn="auto" latinLnBrk="0" hangingPunct="1">
+                        <a:lnSpc>
+                          <a:spcPct val="100000"/>
+                        </a:lnSpc>
+                        <a:spcBef>
+                          <a:spcPts val="0"/>
+                        </a:spcBef>
+                        <a:spcAft>
+                          <a:spcPts val="0"/>
+                        </a:spcAft>
+                        <a:buClrTx/>
+                        <a:buSzTx/>
+                        <a:buFontTx/>
+                        <a:buNone/>
+                        <a:tabLst/>
+                        <a:defRPr/>
+                      </a:pPr>
+                      <a:r>
+                        <a:rPr lang="en-US" dirty="0" smtClean="0"/>
+                        <a:t>Occurrences </a:t>
+                      </a:r>
+                      <a:r>
+                        <a:rPr lang="en-US" baseline="0" dirty="0" smtClean="0"/>
+                        <a:t>of G so far</a:t>
+                      </a:r>
+                      <a:endParaRPr lang="en-US" dirty="0" smtClean="0"/>
+                    </a:p>
+                  </a:txBody>
+                  <a:tcPr>
+                    <a:lnL w="12700" cap="flat" cmpd="sng" algn="ctr">
+                      <a:solidFill>
+                        <a:scrgbClr r="0" g="0" b="0"/>
+                      </a:solidFill>
+                      <a:prstDash val="solid"/>
+                      <a:round/>
+                      <a:headEnd type="none" w="med" len="med"/>
+                      <a:tailEnd type="none" w="med" len="med"/>
+                    </a:lnL>
+                    <a:lnR w="12700" cap="flat" cmpd="sng" algn="ctr">
+                      <a:solidFill>
+                        <a:scrgbClr r="0" g="0" b="0"/>
+                      </a:solidFill>
+                      <a:prstDash val="solid"/>
+                      <a:round/>
+                      <a:headEnd type="none" w="med" len="med"/>
+                      <a:tailEnd type="none" w="med" len="med"/>
+                    </a:lnR>
+                    <a:lnT w="12700" cap="flat" cmpd="sng" algn="ctr">
+                      <a:solidFill>
+                        <a:scrgbClr r="0" g="0" b="0"/>
+                      </a:solidFill>
+                      <a:prstDash val="solid"/>
+                      <a:round/>
+                      <a:headEnd type="none" w="med" len="med"/>
+                      <a:tailEnd type="none" w="med" len="med"/>
+                    </a:lnT>
+                    <a:lnB w="12700" cap="flat" cmpd="sng" algn="ctr">
+                      <a:solidFill>
+                        <a:scrgbClr r="0" g="0" b="0"/>
+                      </a:solidFill>
+                      <a:prstDash val="solid"/>
+                      <a:round/>
+                      <a:headEnd type="none" w="med" len="med"/>
+                      <a:tailEnd type="none" w="med" len="med"/>
+                    </a:lnB>
+                  </a:tcPr>
+                </a:tc>
+                <a:tc>
+                  <a:txBody>
+                    <a:bodyPr/>
+                    <a:lstStyle/>
+                    <a:p>
+                      <a:pPr marL="0" marR="0" indent="0" algn="ctr" defTabSz="457200" rtl="0" eaLnBrk="1" fontAlgn="auto" latinLnBrk="0" hangingPunct="1">
+                        <a:lnSpc>
+                          <a:spcPct val="100000"/>
+                        </a:lnSpc>
+                        <a:spcBef>
+                          <a:spcPts val="0"/>
+                        </a:spcBef>
+                        <a:spcAft>
+                          <a:spcPts val="0"/>
+                        </a:spcAft>
+                        <a:buClrTx/>
+                        <a:buSzTx/>
+                        <a:buFontTx/>
+                        <a:buNone/>
+                        <a:tabLst/>
+                        <a:defRPr/>
+                      </a:pPr>
+                      <a:r>
+                        <a:rPr lang="en-US" dirty="0" smtClean="0"/>
+                        <a:t>Occurrences </a:t>
+                      </a:r>
+                      <a:r>
+                        <a:rPr lang="en-US" baseline="0" dirty="0" smtClean="0"/>
+                        <a:t>of T so far</a:t>
+                      </a:r>
+                      <a:endParaRPr lang="en-US" dirty="0" smtClean="0"/>
+                    </a:p>
+                  </a:txBody>
+                  <a:tcPr>
+                    <a:lnL w="12700" cap="flat" cmpd="sng" algn="ctr">
+                      <a:solidFill>
+                        <a:scrgbClr r="0" g="0" b="0"/>
+                      </a:solidFill>
+                      <a:prstDash val="solid"/>
+                      <a:round/>
+                      <a:headEnd type="none" w="med" len="med"/>
+                      <a:tailEnd type="none" w="med" len="med"/>
+                    </a:lnL>
+                    <a:lnR w="12700" cap="flat" cmpd="sng" algn="ctr">
+                      <a:solidFill>
+                        <a:scrgbClr r="0" g="0" b="0"/>
+                      </a:solidFill>
+                      <a:prstDash val="solid"/>
+                      <a:round/>
+                      <a:headEnd type="none" w="med" len="med"/>
+                      <a:tailEnd type="none" w="med" len="med"/>
+                    </a:lnR>
+                    <a:lnT w="12700" cap="flat" cmpd="sng" algn="ctr">
+                      <a:solidFill>
+                        <a:scrgbClr r="0" g="0" b="0"/>
+                      </a:solidFill>
+                      <a:prstDash val="solid"/>
+                      <a:round/>
+                      <a:headEnd type="none" w="med" len="med"/>
+                      <a:tailEnd type="none" w="med" len="med"/>
+                    </a:lnT>
+                    <a:lnB w="12700" cap="flat" cmpd="sng" algn="ctr">
+                      <a:solidFill>
+                        <a:scrgbClr r="0" g="0" b="0"/>
+                      </a:solidFill>
+                      <a:prstDash val="solid"/>
+                      <a:round/>
+                      <a:headEnd type="none" w="med" len="med"/>
+                      <a:tailEnd type="none" w="med" len="med"/>
+                    </a:lnB>
+                  </a:tcPr>
+                </a:tc>
+              </a:tr>
+            </a:tbl>
+          </a:graphicData>
+        </a:graphic>
+      </p:graphicFrame>
+      <p:sp>
+        <p:nvSpPr>
+          <p:cNvPr id="5" name="Content Placeholder 2"/>
+          <p:cNvSpPr>
+            <a:spLocks noGrp="1"/>
+          </p:cNvSpPr>
+          <p:nvPr>
+            <p:ph idx="1"/>
+          </p:nvPr>
+        </p:nvSpPr>
+        <p:spPr>
+          <a:xfrm>
+            <a:off x="457200" y="137394"/>
+            <a:ext cx="8229600" cy="1145992"/>
+          </a:xfrm>
+        </p:spPr>
+        <p:txBody>
+          <a:bodyPr>
+            <a:normAutofit fontScale="40000" lnSpcReduction="20000"/>
+          </a:bodyPr>
+          <a:lstStyle/>
+          <a:p>
+            <a:pPr marL="0" indent="0">
+              <a:buNone/>
+            </a:pPr>
+            <a:r>
+              <a:rPr lang="en-US" dirty="0" smtClean="0"/>
+              <a:t>Generalized FM index (GFM)</a:t>
+            </a:r>
+          </a:p>
+          <a:p>
+            <a:r>
+              <a:rPr lang="en-US" dirty="0" smtClean="0"/>
+              <a:t>Block size is 128 bytes (each cell represents four bytes in the table below, there are 32 cells.)</a:t>
+            </a:r>
+          </a:p>
+          <a:p>
+            <a:pPr lvl="1"/>
+            <a:r>
+              <a:rPr lang="en-US" dirty="0" smtClean="0"/>
+              <a:t>Five 4-bytes (a total of 20 bytes) used to store numbers such as accumulated occurrences of A, C, G, T, and 1 bits in M array.</a:t>
+            </a:r>
+          </a:p>
+          <a:p>
+            <a:pPr lvl="1"/>
+            <a:r>
+              <a:rPr lang="en-US" dirty="0" smtClean="0"/>
+              <a:t>One 4-bytes used to store </a:t>
+            </a:r>
+          </a:p>
+          <a:p>
+            <a:pPr lvl="1"/>
+            <a:r>
+              <a:rPr lang="en-US" dirty="0" smtClean="0"/>
+              <a:t>Remaining 104 bytes used to represent 208 gbwt characters along, 208 bits from F and M arrays each. </a:t>
+            </a:r>
+          </a:p>
+        </p:txBody>
+      </p:sp>
+      <p:sp>
+        <p:nvSpPr>
+          <p:cNvPr id="6" name="Rectangle 5"/>
+          <p:cNvSpPr/>
+          <p:nvPr/>
+        </p:nvSpPr>
+        <p:spPr>
+          <a:xfrm>
+            <a:off x="199469" y="1396369"/>
+            <a:ext cx="1449476" cy="5253007"/>
+          </a:xfrm>
+          <a:prstGeom prst="rect">
+            <a:avLst/>
+          </a:prstGeom>
+        </p:spPr>
+        <p:style>
+          <a:lnRef idx="1">
+            <a:schemeClr val="accent1"/>
+          </a:lnRef>
+          <a:fillRef idx="3">
+            <a:schemeClr val="accent1"/>
+          </a:fillRef>
+          <a:effectRef idx="2">
+            <a:schemeClr val="accent1"/>
+          </a:effectRef>
+          <a:fontRef idx="minor">
+            <a:schemeClr val="lt1"/>
+          </a:fontRef>
+        </p:style>
+        <p:txBody>
+          <a:bodyPr rtlCol="0" anchor="ctr"/>
+          <a:lstStyle/>
+          <a:p>
+            <a:pPr algn="ctr"/>
+            <a:endParaRPr lang="en-US"/>
+          </a:p>
+        </p:txBody>
+      </p:sp>
+      <p:sp>
+        <p:nvSpPr>
+          <p:cNvPr id="7" name="Rectangle 6"/>
+          <p:cNvSpPr/>
+          <p:nvPr/>
+        </p:nvSpPr>
+        <p:spPr>
+          <a:xfrm>
+            <a:off x="199469" y="3025465"/>
+            <a:ext cx="1449476" cy="258391"/>
+          </a:xfrm>
+          <a:prstGeom prst="rect">
+            <a:avLst/>
+          </a:prstGeom>
+          <a:solidFill>
+            <a:schemeClr val="accent4">
+              <a:lumMod val="75000"/>
+            </a:schemeClr>
+          </a:solidFill>
+          <a:ln>
+            <a:noFill/>
+          </a:ln>
+          <a:effectLst/>
+        </p:spPr>
+        <p:style>
+          <a:lnRef idx="1">
+            <a:schemeClr val="accent1"/>
+          </a:lnRef>
+          <a:fillRef idx="3">
+            <a:schemeClr val="accent1"/>
+          </a:fillRef>
+          <a:effectRef idx="2">
+            <a:schemeClr val="accent1"/>
+          </a:effectRef>
+          <a:fontRef idx="minor">
+            <a:schemeClr val="lt1"/>
+          </a:fontRef>
+        </p:style>
+        <p:txBody>
+          <a:bodyPr rtlCol="0" anchor="ctr"/>
+          <a:lstStyle/>
+          <a:p>
+            <a:pPr algn="ctr"/>
+            <a:r>
+              <a:rPr lang="en-US" sz="1400" dirty="0" smtClean="0"/>
+              <a:t>Block (128 bytes)</a:t>
+            </a:r>
+            <a:endParaRPr lang="en-US" sz="1400" dirty="0"/>
+          </a:p>
+        </p:txBody>
+      </p:sp>
+      <p:cxnSp>
+        <p:nvCxnSpPr>
+          <p:cNvPr id="9" name="Straight Arrow Connector 8"/>
+          <p:cNvCxnSpPr/>
+          <p:nvPr/>
+        </p:nvCxnSpPr>
+        <p:spPr>
+          <a:xfrm flipV="1">
+            <a:off x="1648945" y="2248567"/>
+            <a:ext cx="1184903" cy="776899"/>
+          </a:xfrm>
+          <a:prstGeom prst="straightConnector1">
+            <a:avLst/>
+          </a:prstGeom>
+          <a:ln>
+            <a:solidFill>
+              <a:schemeClr val="tx1"/>
+            </a:solidFill>
+            <a:tailEnd type="arrow"/>
+          </a:ln>
+          <a:effectLst/>
+        </p:spPr>
+        <p:style>
+          <a:lnRef idx="2">
+            <a:schemeClr val="accent1"/>
+          </a:lnRef>
+          <a:fillRef idx="0">
+            <a:schemeClr val="accent1"/>
+          </a:fillRef>
+          <a:effectRef idx="1">
+            <a:schemeClr val="accent1"/>
+          </a:effectRef>
+          <a:fontRef idx="minor">
+            <a:schemeClr val="tx1"/>
+          </a:fontRef>
+        </p:style>
+      </p:cxnSp>
+      <p:cxnSp>
+        <p:nvCxnSpPr>
+          <p:cNvPr id="11" name="Straight Arrow Connector 10"/>
+          <p:cNvCxnSpPr/>
+          <p:nvPr/>
+        </p:nvCxnSpPr>
+        <p:spPr>
+          <a:xfrm>
+            <a:off x="1648945" y="3283856"/>
+            <a:ext cx="1184903" cy="2744229"/>
+          </a:xfrm>
+          <a:prstGeom prst="straightConnector1">
+            <a:avLst/>
+          </a:prstGeom>
+          <a:ln w="25400">
+            <a:solidFill>
+              <a:schemeClr val="tx1"/>
+            </a:solidFill>
+            <a:tailEnd type="arrow"/>
+          </a:ln>
+          <a:effectLst/>
+        </p:spPr>
+        <p:style>
+          <a:lnRef idx="2">
+            <a:schemeClr val="accent1"/>
+          </a:lnRef>
+          <a:fillRef idx="0">
+            <a:schemeClr val="accent1"/>
+          </a:fillRef>
+          <a:effectRef idx="1">
+            <a:schemeClr val="accent1"/>
+          </a:effectRef>
+          <a:fontRef idx="minor">
+            <a:schemeClr val="tx1"/>
+          </a:fontRef>
+        </p:style>
+      </p:cxnSp>
+      <p:sp>
+        <p:nvSpPr>
+          <p:cNvPr id="15" name="TextBox 14"/>
+          <p:cNvSpPr txBox="1"/>
+          <p:nvPr/>
+        </p:nvSpPr>
+        <p:spPr>
+          <a:xfrm>
+            <a:off x="338669" y="1348605"/>
+            <a:ext cx="1143000" cy="369332"/>
+          </a:xfrm>
+          <a:prstGeom prst="rect">
+            <a:avLst/>
+          </a:prstGeom>
+          <a:noFill/>
+        </p:spPr>
+        <p:txBody>
+          <a:bodyPr wrap="square" rtlCol="0">
+            <a:spAutoFit/>
+          </a:bodyPr>
+          <a:lstStyle/>
+          <a:p>
+            <a:pPr algn="ctr"/>
+            <a:r>
+              <a:rPr lang="en-US" dirty="0" smtClean="0"/>
+              <a:t>GFM</a:t>
+            </a:r>
+            <a:endParaRPr lang="en-US" dirty="0"/>
+          </a:p>
+        </p:txBody>
+      </p:sp>
+    </p:spTree>
+    <p:extLst>
+      <p:ext uri="{BB962C8B-B14F-4D97-AF65-F5344CB8AC3E}">
+        <p14:creationId xmlns:p14="http://schemas.microsoft.com/office/powerpoint/2010/main" val="864455555"/>
       </p:ext>
     </p:extLst>
   </p:cSld>

--- a/hisat2_test/GCSA_paper_example.pptx
+++ b/hisat2_test/GCSA_paper_example.pptx
@@ -290,7 +290,7 @@
           <a:p>
             <a:fld id="{FA0EBC18-7907-1F45-BE8D-CA697DC3E666}" type="datetimeFigureOut">
               <a:rPr lang="en-US" smtClean="0"/>
-              <a:t>5/27/15</a:t>
+              <a:t>5/28/15</a:t>
             </a:fld>
             <a:endParaRPr lang="en-US"/>
           </a:p>
@@ -460,7 +460,7 @@
           <a:p>
             <a:fld id="{FA0EBC18-7907-1F45-BE8D-CA697DC3E666}" type="datetimeFigureOut">
               <a:rPr lang="en-US" smtClean="0"/>
-              <a:t>5/27/15</a:t>
+              <a:t>5/28/15</a:t>
             </a:fld>
             <a:endParaRPr lang="en-US"/>
           </a:p>
@@ -640,7 +640,7 @@
           <a:p>
             <a:fld id="{FA0EBC18-7907-1F45-BE8D-CA697DC3E666}" type="datetimeFigureOut">
               <a:rPr lang="en-US" smtClean="0"/>
-              <a:t>5/27/15</a:t>
+              <a:t>5/28/15</a:t>
             </a:fld>
             <a:endParaRPr lang="en-US"/>
           </a:p>
@@ -810,7 +810,7 @@
           <a:p>
             <a:fld id="{FA0EBC18-7907-1F45-BE8D-CA697DC3E666}" type="datetimeFigureOut">
               <a:rPr lang="en-US" smtClean="0"/>
-              <a:t>5/27/15</a:t>
+              <a:t>5/28/15</a:t>
             </a:fld>
             <a:endParaRPr lang="en-US"/>
           </a:p>
@@ -1056,7 +1056,7 @@
           <a:p>
             <a:fld id="{FA0EBC18-7907-1F45-BE8D-CA697DC3E666}" type="datetimeFigureOut">
               <a:rPr lang="en-US" smtClean="0"/>
-              <a:t>5/27/15</a:t>
+              <a:t>5/28/15</a:t>
             </a:fld>
             <a:endParaRPr lang="en-US"/>
           </a:p>
@@ -1344,7 +1344,7 @@
           <a:p>
             <a:fld id="{FA0EBC18-7907-1F45-BE8D-CA697DC3E666}" type="datetimeFigureOut">
               <a:rPr lang="en-US" smtClean="0"/>
-              <a:t>5/27/15</a:t>
+              <a:t>5/28/15</a:t>
             </a:fld>
             <a:endParaRPr lang="en-US"/>
           </a:p>
@@ -1766,7 +1766,7 @@
           <a:p>
             <a:fld id="{FA0EBC18-7907-1F45-BE8D-CA697DC3E666}" type="datetimeFigureOut">
               <a:rPr lang="en-US" smtClean="0"/>
-              <a:t>5/27/15</a:t>
+              <a:t>5/28/15</a:t>
             </a:fld>
             <a:endParaRPr lang="en-US"/>
           </a:p>
@@ -1884,7 +1884,7 @@
           <a:p>
             <a:fld id="{FA0EBC18-7907-1F45-BE8D-CA697DC3E666}" type="datetimeFigureOut">
               <a:rPr lang="en-US" smtClean="0"/>
-              <a:t>5/27/15</a:t>
+              <a:t>5/28/15</a:t>
             </a:fld>
             <a:endParaRPr lang="en-US"/>
           </a:p>
@@ -1979,7 +1979,7 @@
           <a:p>
             <a:fld id="{FA0EBC18-7907-1F45-BE8D-CA697DC3E666}" type="datetimeFigureOut">
               <a:rPr lang="en-US" smtClean="0"/>
-              <a:t>5/27/15</a:t>
+              <a:t>5/28/15</a:t>
             </a:fld>
             <a:endParaRPr lang="en-US"/>
           </a:p>
@@ -2256,7 +2256,7 @@
           <a:p>
             <a:fld id="{FA0EBC18-7907-1F45-BE8D-CA697DC3E666}" type="datetimeFigureOut">
               <a:rPr lang="en-US" smtClean="0"/>
-              <a:t>5/27/15</a:t>
+              <a:t>5/28/15</a:t>
             </a:fld>
             <a:endParaRPr lang="en-US"/>
           </a:p>
@@ -2509,7 +2509,7 @@
           <a:p>
             <a:fld id="{FA0EBC18-7907-1F45-BE8D-CA697DC3E666}" type="datetimeFigureOut">
               <a:rPr lang="en-US" smtClean="0"/>
-              <a:t>5/27/15</a:t>
+              <a:t>5/28/15</a:t>
             </a:fld>
             <a:endParaRPr lang="en-US"/>
           </a:p>
@@ -2722,7 +2722,7 @@
           <a:p>
             <a:fld id="{FA0EBC18-7907-1F45-BE8D-CA697DC3E666}" type="datetimeFigureOut">
               <a:rPr lang="en-US" smtClean="0"/>
-              <a:t>5/27/15</a:t>
+              <a:t>5/28/15</a:t>
             </a:fld>
             <a:endParaRPr lang="en-US"/>
           </a:p>
@@ -13141,7 +13141,7 @@
         </p:nvGrpSpPr>
         <p:grpSpPr>
           <a:xfrm>
-            <a:off x="1210935" y="2373466"/>
+            <a:off x="1210935" y="2482330"/>
             <a:ext cx="302386" cy="369332"/>
             <a:chOff x="320518" y="616459"/>
             <a:chExt cx="302386" cy="369332"/>
@@ -13231,7 +13231,7 @@
         </p:nvGrpSpPr>
         <p:grpSpPr>
           <a:xfrm>
-            <a:off x="1851015" y="2373466"/>
+            <a:off x="1851015" y="2482330"/>
             <a:ext cx="302386" cy="369332"/>
             <a:chOff x="320518" y="616459"/>
             <a:chExt cx="302386" cy="369332"/>
@@ -13321,7 +13321,7 @@
         </p:nvGrpSpPr>
         <p:grpSpPr>
           <a:xfrm>
-            <a:off x="2491095" y="2374666"/>
+            <a:off x="2491095" y="2483530"/>
             <a:ext cx="302386" cy="369332"/>
             <a:chOff x="320518" y="616459"/>
             <a:chExt cx="302386" cy="369332"/>
@@ -13411,7 +13411,7 @@
         </p:nvGrpSpPr>
         <p:grpSpPr>
           <a:xfrm>
-            <a:off x="3131175" y="2375866"/>
+            <a:off x="3131175" y="2484730"/>
             <a:ext cx="302386" cy="369332"/>
             <a:chOff x="320518" y="616459"/>
             <a:chExt cx="302386" cy="369332"/>
@@ -13501,7 +13501,7 @@
         </p:nvGrpSpPr>
         <p:grpSpPr>
           <a:xfrm>
-            <a:off x="3771255" y="2387962"/>
+            <a:off x="3771255" y="2496826"/>
             <a:ext cx="296333" cy="369332"/>
             <a:chOff x="326571" y="628555"/>
             <a:chExt cx="296333" cy="369332"/>
@@ -13591,7 +13591,7 @@
         </p:nvGrpSpPr>
         <p:grpSpPr>
           <a:xfrm>
-            <a:off x="4411335" y="2375866"/>
+            <a:off x="4411335" y="2484730"/>
             <a:ext cx="302386" cy="369332"/>
             <a:chOff x="320518" y="616459"/>
             <a:chExt cx="302386" cy="369332"/>
@@ -13681,7 +13681,7 @@
         </p:nvGrpSpPr>
         <p:grpSpPr>
           <a:xfrm>
-            <a:off x="5051415" y="2371018"/>
+            <a:off x="5051415" y="2479882"/>
             <a:ext cx="302386" cy="369332"/>
             <a:chOff x="320518" y="616459"/>
             <a:chExt cx="302386" cy="369332"/>
@@ -13771,7 +13771,7 @@
         </p:nvGrpSpPr>
         <p:grpSpPr>
           <a:xfrm>
-            <a:off x="5691495" y="2371285"/>
+            <a:off x="5691495" y="2480149"/>
             <a:ext cx="302386" cy="369332"/>
             <a:chOff x="6037243" y="2487168"/>
             <a:chExt cx="302386" cy="369332"/>
@@ -13861,7 +13861,7 @@
         </p:nvGrpSpPr>
         <p:grpSpPr>
           <a:xfrm>
-            <a:off x="6331575" y="2385514"/>
+            <a:off x="6331575" y="2494378"/>
             <a:ext cx="296333" cy="369332"/>
             <a:chOff x="326571" y="628555"/>
             <a:chExt cx="296333" cy="369332"/>
@@ -13951,7 +13951,7 @@
         </p:nvSpPr>
         <p:spPr>
           <a:xfrm>
-            <a:off x="6977708" y="2435520"/>
+            <a:off x="6977708" y="2544384"/>
             <a:ext cx="296333" cy="290286"/>
           </a:xfrm>
           <a:prstGeom prst="ellipse">
@@ -13996,7 +13996,7 @@
         </p:nvSpPr>
         <p:spPr>
           <a:xfrm>
-            <a:off x="6971655" y="2371285"/>
+            <a:off x="6971655" y="2480149"/>
             <a:ext cx="175381" cy="369332"/>
           </a:xfrm>
           <a:prstGeom prst="rect">
@@ -14026,7 +14026,7 @@
         </p:nvGrpSpPr>
         <p:grpSpPr>
           <a:xfrm>
-            <a:off x="7611735" y="2375818"/>
+            <a:off x="7611735" y="2484682"/>
             <a:ext cx="296333" cy="369332"/>
             <a:chOff x="326571" y="616459"/>
             <a:chExt cx="296333" cy="369332"/>
@@ -14115,7 +14115,7 @@
         </p:nvGrpSpPr>
         <p:grpSpPr>
           <a:xfrm>
-            <a:off x="2498348" y="3053242"/>
+            <a:off x="2498348" y="3162106"/>
             <a:ext cx="296333" cy="369332"/>
             <a:chOff x="326571" y="628555"/>
             <a:chExt cx="296333" cy="369332"/>
@@ -14208,7 +14208,7 @@
         </p:nvCxnSpPr>
         <p:spPr>
           <a:xfrm>
-            <a:off x="1513321" y="2579511"/>
+            <a:off x="1513321" y="2688375"/>
             <a:ext cx="343747" cy="0"/>
           </a:xfrm>
           <a:prstGeom prst="straightConnector1">
@@ -14248,7 +14248,7 @@
         </p:nvCxnSpPr>
         <p:spPr>
           <a:xfrm>
-            <a:off x="2153401" y="2579511"/>
+            <a:off x="2153401" y="2688375"/>
             <a:ext cx="343747" cy="1200"/>
           </a:xfrm>
           <a:prstGeom prst="straightConnector1">
@@ -14288,7 +14288,7 @@
         </p:nvCxnSpPr>
         <p:spPr>
           <a:xfrm>
-            <a:off x="1469924" y="2682143"/>
+            <a:off x="1469924" y="2791007"/>
             <a:ext cx="431741" cy="461216"/>
           </a:xfrm>
           <a:prstGeom prst="straightConnector1">
@@ -14328,7 +14328,7 @@
         </p:nvCxnSpPr>
         <p:spPr>
           <a:xfrm>
-            <a:off x="2793481" y="2580711"/>
+            <a:off x="2793481" y="2689575"/>
             <a:ext cx="343747" cy="1200"/>
           </a:xfrm>
           <a:prstGeom prst="straightConnector1">
@@ -14368,7 +14368,7 @@
         </p:nvCxnSpPr>
         <p:spPr>
           <a:xfrm>
-            <a:off x="3433561" y="2581911"/>
+            <a:off x="3433561" y="2690775"/>
             <a:ext cx="337694" cy="0"/>
           </a:xfrm>
           <a:prstGeom prst="straightConnector1">
@@ -14408,7 +14408,7 @@
         </p:nvCxnSpPr>
         <p:spPr>
           <a:xfrm>
-            <a:off x="4067588" y="2581911"/>
+            <a:off x="4067588" y="2690775"/>
             <a:ext cx="349800" cy="0"/>
           </a:xfrm>
           <a:prstGeom prst="straightConnector1">
@@ -14448,7 +14448,7 @@
         </p:nvCxnSpPr>
         <p:spPr>
           <a:xfrm flipV="1">
-            <a:off x="4713721" y="2577063"/>
+            <a:off x="4713721" y="2685927"/>
             <a:ext cx="343747" cy="4848"/>
           </a:xfrm>
           <a:prstGeom prst="straightConnector1">
@@ -14488,7 +14488,7 @@
         </p:nvCxnSpPr>
         <p:spPr>
           <a:xfrm>
-            <a:off x="5353801" y="2577063"/>
+            <a:off x="5353801" y="2685927"/>
             <a:ext cx="343747" cy="1200"/>
           </a:xfrm>
           <a:prstGeom prst="straightConnector1">
@@ -14528,7 +14528,7 @@
         </p:nvCxnSpPr>
         <p:spPr>
           <a:xfrm>
-            <a:off x="5993881" y="2578263"/>
+            <a:off x="5993881" y="2687127"/>
             <a:ext cx="337694" cy="1200"/>
           </a:xfrm>
           <a:prstGeom prst="straightConnector1">
@@ -14568,7 +14568,7 @@
         </p:nvCxnSpPr>
         <p:spPr>
           <a:xfrm>
-            <a:off x="6627908" y="2579463"/>
+            <a:off x="6627908" y="2688327"/>
             <a:ext cx="349800" cy="1200"/>
           </a:xfrm>
           <a:prstGeom prst="straightConnector1">
@@ -14608,7 +14608,7 @@
         </p:nvCxnSpPr>
         <p:spPr>
           <a:xfrm>
-            <a:off x="7274041" y="2580663"/>
+            <a:off x="7274041" y="2689527"/>
             <a:ext cx="337694" cy="1200"/>
           </a:xfrm>
           <a:prstGeom prst="straightConnector1">
@@ -14648,7 +14648,7 @@
         </p:nvCxnSpPr>
         <p:spPr>
           <a:xfrm flipV="1">
-            <a:off x="2751284" y="2684543"/>
+            <a:off x="2751284" y="2793407"/>
             <a:ext cx="429341" cy="460016"/>
           </a:xfrm>
           <a:prstGeom prst="straightConnector1">
@@ -14688,7 +14688,7 @@
         </p:nvCxnSpPr>
         <p:spPr>
           <a:xfrm rot="16200000" flipH="1">
-            <a:off x="3281768" y="1799115"/>
+            <a:off x="3281768" y="1907979"/>
             <a:ext cx="1200" cy="1274107"/>
           </a:xfrm>
           <a:prstGeom prst="curvedConnector3">
@@ -14727,7 +14727,7 @@
         </p:nvSpPr>
         <p:spPr>
           <a:xfrm>
-            <a:off x="1289544" y="2676227"/>
+            <a:off x="1289544" y="2785091"/>
             <a:ext cx="105023" cy="246221"/>
           </a:xfrm>
           <a:prstGeom prst="rect">
@@ -14765,7 +14765,7 @@
         </p:nvSpPr>
         <p:spPr>
           <a:xfrm>
-            <a:off x="1919736" y="2677427"/>
+            <a:off x="1919736" y="2786291"/>
             <a:ext cx="105023" cy="246221"/>
           </a:xfrm>
           <a:prstGeom prst="rect">
@@ -14803,7 +14803,7 @@
         </p:nvSpPr>
         <p:spPr>
           <a:xfrm>
-            <a:off x="2562024" y="2672579"/>
+            <a:off x="2562024" y="2781443"/>
             <a:ext cx="105023" cy="246221"/>
           </a:xfrm>
           <a:prstGeom prst="rect">
@@ -14841,7 +14841,7 @@
         </p:nvSpPr>
         <p:spPr>
           <a:xfrm>
-            <a:off x="3174072" y="2673779"/>
+            <a:off x="3174072" y="2782643"/>
             <a:ext cx="105023" cy="246221"/>
           </a:xfrm>
           <a:prstGeom prst="rect">
@@ -14879,7 +14879,7 @@
         </p:nvSpPr>
         <p:spPr>
           <a:xfrm>
-            <a:off x="3810312" y="2674979"/>
+            <a:off x="3810312" y="2783843"/>
             <a:ext cx="105023" cy="246221"/>
           </a:xfrm>
           <a:prstGeom prst="rect">
@@ -14917,7 +14917,7 @@
         </p:nvSpPr>
         <p:spPr>
           <a:xfrm>
-            <a:off x="4476792" y="2676179"/>
+            <a:off x="4476792" y="2785043"/>
             <a:ext cx="105023" cy="246221"/>
           </a:xfrm>
           <a:prstGeom prst="rect">
@@ -14955,7 +14955,7 @@
         </p:nvSpPr>
         <p:spPr>
           <a:xfrm>
-            <a:off x="5125128" y="2677379"/>
+            <a:off x="5125128" y="2786243"/>
             <a:ext cx="105023" cy="246221"/>
           </a:xfrm>
           <a:prstGeom prst="rect">
@@ -14993,7 +14993,7 @@
         </p:nvSpPr>
         <p:spPr>
           <a:xfrm>
-            <a:off x="5767416" y="2672531"/>
+            <a:off x="5767416" y="2781395"/>
             <a:ext cx="105023" cy="246221"/>
           </a:xfrm>
           <a:prstGeom prst="rect">
@@ -15031,7 +15031,7 @@
         </p:nvSpPr>
         <p:spPr>
           <a:xfrm>
-            <a:off x="6379464" y="2673731"/>
+            <a:off x="6379464" y="2782595"/>
             <a:ext cx="105023" cy="246221"/>
           </a:xfrm>
           <a:prstGeom prst="rect">
@@ -15064,7 +15064,7 @@
         </p:nvSpPr>
         <p:spPr>
           <a:xfrm>
-            <a:off x="7021752" y="2674931"/>
+            <a:off x="7021752" y="2783795"/>
             <a:ext cx="173665" cy="246221"/>
           </a:xfrm>
           <a:prstGeom prst="rect">
@@ -15097,7 +15097,7 @@
         </p:nvSpPr>
         <p:spPr>
           <a:xfrm>
-            <a:off x="7645896" y="2676131"/>
+            <a:off x="7645896" y="2784995"/>
             <a:ext cx="173665" cy="246221"/>
           </a:xfrm>
           <a:prstGeom prst="rect">
@@ -15130,7 +15130,7 @@
         </p:nvSpPr>
         <p:spPr>
           <a:xfrm>
-            <a:off x="2501544" y="3350967"/>
+            <a:off x="2501544" y="3459831"/>
             <a:ext cx="173665" cy="246221"/>
           </a:xfrm>
           <a:prstGeom prst="rect">
@@ -15163,7 +15163,7 @@
         </p:nvGrpSpPr>
         <p:grpSpPr>
           <a:xfrm>
-            <a:off x="1858263" y="3039946"/>
+            <a:off x="1858263" y="3148810"/>
             <a:ext cx="296338" cy="369332"/>
             <a:chOff x="2204011" y="3155829"/>
             <a:chExt cx="296338" cy="369332"/>
@@ -15253,7 +15253,7 @@
         </p:nvSpPr>
         <p:spPr>
           <a:xfrm>
-            <a:off x="1920936" y="3343907"/>
+            <a:off x="1920936" y="3452771"/>
             <a:ext cx="105023" cy="246221"/>
           </a:xfrm>
           <a:prstGeom prst="rect">
@@ -15294,7 +15294,7 @@
         </p:nvCxnSpPr>
         <p:spPr>
           <a:xfrm>
-            <a:off x="2154601" y="3245991"/>
+            <a:off x="2154601" y="3354855"/>
             <a:ext cx="343747" cy="1200"/>
           </a:xfrm>
           <a:prstGeom prst="straightConnector1">
@@ -15331,7 +15331,7 @@
         </p:nvGrpSpPr>
         <p:grpSpPr>
           <a:xfrm>
-            <a:off x="4416317" y="3058090"/>
+            <a:off x="4416317" y="3166954"/>
             <a:ext cx="296333" cy="369332"/>
             <a:chOff x="4762065" y="3173973"/>
             <a:chExt cx="296333" cy="369332"/>
@@ -15421,7 +15421,7 @@
         </p:nvSpPr>
         <p:spPr>
           <a:xfrm>
-            <a:off x="4478985" y="3362051"/>
+            <a:off x="4478985" y="3470915"/>
             <a:ext cx="105023" cy="246221"/>
           </a:xfrm>
           <a:prstGeom prst="rect">
@@ -15462,7 +15462,7 @@
         </p:nvCxnSpPr>
         <p:spPr>
           <a:xfrm>
-            <a:off x="4024191" y="2684543"/>
+            <a:off x="4024191" y="2793407"/>
             <a:ext cx="435523" cy="476960"/>
           </a:xfrm>
           <a:prstGeom prst="straightConnector1">
@@ -15502,7 +15502,7 @@
         </p:nvCxnSpPr>
         <p:spPr>
           <a:xfrm flipV="1">
-            <a:off x="4669253" y="2680895"/>
+            <a:off x="4669253" y="2789759"/>
             <a:ext cx="1071692" cy="480608"/>
           </a:xfrm>
           <a:prstGeom prst="straightConnector1">
@@ -15539,7 +15539,7 @@
         </p:nvSpPr>
         <p:spPr>
           <a:xfrm>
-            <a:off x="1208718" y="2217779"/>
+            <a:off x="1208718" y="2326643"/>
             <a:ext cx="332953" cy="246221"/>
           </a:xfrm>
           <a:prstGeom prst="rect">
@@ -15577,7 +15577,7 @@
         </p:nvSpPr>
         <p:spPr>
           <a:xfrm>
-            <a:off x="1618535" y="2218979"/>
+            <a:off x="1618535" y="2327843"/>
             <a:ext cx="757141" cy="246221"/>
           </a:xfrm>
           <a:prstGeom prst="rect">
@@ -15615,7 +15615,7 @@
         </p:nvSpPr>
         <p:spPr>
           <a:xfrm>
-            <a:off x="1734648" y="2873363"/>
+            <a:off x="1734648" y="2982227"/>
             <a:ext cx="532176" cy="246221"/>
           </a:xfrm>
           <a:prstGeom prst="rect">
@@ -15653,7 +15653,7 @@
         </p:nvSpPr>
         <p:spPr>
           <a:xfrm>
-            <a:off x="2407176" y="2868515"/>
+            <a:off x="2407176" y="2977379"/>
             <a:ext cx="532176" cy="246221"/>
           </a:xfrm>
           <a:prstGeom prst="rect">
@@ -15691,7 +15691,7 @@
         </p:nvSpPr>
         <p:spPr>
           <a:xfrm>
-            <a:off x="2321303" y="2081075"/>
+            <a:off x="2321303" y="2189939"/>
             <a:ext cx="757141" cy="246221"/>
           </a:xfrm>
           <a:prstGeom prst="rect">
@@ -15729,7 +15729,7 @@
         </p:nvSpPr>
         <p:spPr>
           <a:xfrm>
-            <a:off x="3047063" y="2220179"/>
+            <a:off x="3047063" y="2329043"/>
             <a:ext cx="513506" cy="246221"/>
           </a:xfrm>
           <a:prstGeom prst="rect">
@@ -15767,7 +15767,7 @@
         </p:nvSpPr>
         <p:spPr>
           <a:xfrm>
-            <a:off x="3834503" y="2215331"/>
+            <a:off x="3834503" y="2324195"/>
             <a:ext cx="513506" cy="246221"/>
           </a:xfrm>
           <a:prstGeom prst="rect">
@@ -15805,7 +15805,7 @@
         </p:nvSpPr>
         <p:spPr>
           <a:xfrm>
-            <a:off x="4253014" y="2216531"/>
+            <a:off x="4253014" y="2325395"/>
             <a:ext cx="632429" cy="246221"/>
           </a:xfrm>
           <a:prstGeom prst="rect">
@@ -15843,7 +15843,7 @@
         </p:nvSpPr>
         <p:spPr>
           <a:xfrm>
-            <a:off x="4943687" y="2217731"/>
+            <a:off x="4943687" y="2326595"/>
             <a:ext cx="528376" cy="246221"/>
           </a:xfrm>
           <a:prstGeom prst="rect">
@@ -15881,7 +15881,7 @@
         </p:nvSpPr>
         <p:spPr>
           <a:xfrm>
-            <a:off x="5610167" y="2218931"/>
+            <a:off x="5610167" y="2327795"/>
             <a:ext cx="454562" cy="246221"/>
           </a:xfrm>
           <a:prstGeom prst="rect">
@@ -15919,7 +15919,7 @@
         </p:nvSpPr>
         <p:spPr>
           <a:xfrm>
-            <a:off x="6270599" y="2220131"/>
+            <a:off x="6270599" y="2328995"/>
             <a:ext cx="454562" cy="246221"/>
           </a:xfrm>
           <a:prstGeom prst="rect">
@@ -15957,7 +15957,7 @@
         </p:nvSpPr>
         <p:spPr>
           <a:xfrm>
-            <a:off x="6960070" y="2220131"/>
+            <a:off x="6960070" y="2328995"/>
             <a:ext cx="397447" cy="246221"/>
           </a:xfrm>
           <a:prstGeom prst="rect">
@@ -15995,7 +15995,7 @@
         </p:nvSpPr>
         <p:spPr>
           <a:xfrm>
-            <a:off x="7638646" y="2215283"/>
+            <a:off x="7638646" y="2324147"/>
             <a:ext cx="259539" cy="246221"/>
           </a:xfrm>
           <a:prstGeom prst="rect">
@@ -16033,7 +16033,7 @@
         </p:nvSpPr>
         <p:spPr>
           <a:xfrm>
-            <a:off x="4271160" y="2869715"/>
+            <a:off x="4271160" y="2978579"/>
             <a:ext cx="756068" cy="246221"/>
           </a:xfrm>
           <a:prstGeom prst="rect">
@@ -16074,7 +16074,7 @@
         </p:nvCxnSpPr>
         <p:spPr>
           <a:xfrm flipV="1">
-            <a:off x="4712650" y="2725806"/>
+            <a:off x="4712650" y="2834670"/>
             <a:ext cx="2413225" cy="538329"/>
           </a:xfrm>
           <a:prstGeom prst="straightConnector1">
@@ -16112,7 +16112,7 @@
           <p:nvPr>
             <p:extLst>
               <p:ext uri="{D42A27DB-BD31-4B8C-83A1-F6EECF244321}">
-                <p14:modId xmlns:p14="http://schemas.microsoft.com/office/powerpoint/2010/main" val="150187944"/>
+                <p14:modId xmlns:p14="http://schemas.microsoft.com/office/powerpoint/2010/main" val="208486870"/>
               </p:ext>
             </p:extLst>
           </p:nvPr>
@@ -17702,14 +17702,14 @@
                       <a:r>
                         <a:rPr lang="en-US" sz="1400" dirty="0" smtClean="0">
                           <a:solidFill>
-                            <a:srgbClr val="FF0000"/>
+                            <a:schemeClr val="tx1"/>
                           </a:solidFill>
                         </a:rPr>
                         <a:t>$</a:t>
                       </a:r>
                       <a:endParaRPr lang="en-US" sz="1400" dirty="0">
                         <a:solidFill>
-                          <a:srgbClr val="FF0000"/>
+                          <a:schemeClr val="tx1"/>
                         </a:solidFill>
                       </a:endParaRPr>
                     </a:p>
@@ -19431,6 +19431,48 @@
           </a:graphicData>
         </a:graphic>
       </p:graphicFrame>
+      <p:cxnSp>
+        <p:nvCxnSpPr>
+          <p:cNvPr id="166" name="Curved Connector 165"/>
+          <p:cNvCxnSpPr>
+            <a:stCxn id="146" idx="1"/>
+            <a:endCxn id="116" idx="7"/>
+          </p:cNvCxnSpPr>
+          <p:nvPr/>
+        </p:nvCxnSpPr>
+        <p:spPr>
+          <a:xfrm rot="16200000" flipV="1">
+            <a:off x="4561352" y="-505685"/>
+            <a:ext cx="2352" cy="6185208"/>
+          </a:xfrm>
+          <a:prstGeom prst="curvedConnector3">
+            <a:avLst>
+              <a:gd name="adj1" fmla="val 28082908"/>
+            </a:avLst>
+          </a:prstGeom>
+          <a:ln w="12700">
+            <a:solidFill>
+              <a:schemeClr val="tx1"/>
+            </a:solidFill>
+            <a:tailEnd type="triangle" w="sm" len="sm"/>
+          </a:ln>
+          <a:effectLst/>
+        </p:spPr>
+        <p:style>
+          <a:lnRef idx="2">
+            <a:schemeClr val="accent1"/>
+          </a:lnRef>
+          <a:fillRef idx="0">
+            <a:schemeClr val="accent1"/>
+          </a:fillRef>
+          <a:effectRef idx="1">
+            <a:schemeClr val="accent1"/>
+          </a:effectRef>
+          <a:fontRef idx="minor">
+            <a:schemeClr val="tx1"/>
+          </a:fontRef>
+        </p:style>
+      </p:cxnSp>
     </p:spTree>
     <p:extLst>
       <p:ext uri="{BB962C8B-B14F-4D97-AF65-F5344CB8AC3E}">
@@ -21721,6 +21763,11 @@
               <a:rPr lang="en-US" dirty="0" smtClean="0"/>
               <a:t>One 4-bytes used to store </a:t>
             </a:r>
+            <a:r>
+              <a:rPr lang="en-US" dirty="0" smtClean="0"/>
+              <a:t>???.</a:t>
+            </a:r>
+            <a:endParaRPr lang="en-US" dirty="0" smtClean="0"/>
           </a:p>
           <a:p>
             <a:pPr lvl="1"/>

--- a/hisat2_test/GCSA_paper_example.pptx
+++ b/hisat2_test/GCSA_paper_example.pptx
@@ -9,6 +9,8 @@
     <p:sldId id="264" r:id="rId3"/>
     <p:sldId id="263" r:id="rId4"/>
     <p:sldId id="262" r:id="rId5"/>
+    <p:sldId id="265" r:id="rId6"/>
+    <p:sldId id="266" r:id="rId7"/>
   </p:sldIdLst>
   <p:sldSz cx="9144000" cy="6858000" type="screen4x3"/>
   <p:notesSz cx="6858000" cy="9144000"/>
@@ -29208,6 +29210,199 @@
 </p:sld>
 </file>
 
+<file path=ppt/slides/slide5.xml><?xml version="1.0" encoding="utf-8"?>
+<p:sld xmlns:a="http://schemas.openxmlformats.org/drawingml/2006/main" xmlns:r="http://schemas.openxmlformats.org/officeDocument/2006/relationships" xmlns:p="http://schemas.openxmlformats.org/presentationml/2006/main">
+  <p:cSld>
+    <p:spTree>
+      <p:nvGrpSpPr>
+        <p:cNvPr id="1" name=""/>
+        <p:cNvGrpSpPr/>
+        <p:nvPr/>
+      </p:nvGrpSpPr>
+      <p:grpSpPr>
+        <a:xfrm>
+          <a:off x="0" y="0"/>
+          <a:ext cx="0" cy="0"/>
+          <a:chOff x="0" y="0"/>
+          <a:chExt cx="0" cy="0"/>
+        </a:xfrm>
+      </p:grpSpPr>
+      <p:sp>
+        <p:nvSpPr>
+          <p:cNvPr id="2" name="Content Placeholder 1"/>
+          <p:cNvSpPr>
+            <a:spLocks noGrp="1"/>
+          </p:cNvSpPr>
+          <p:nvPr>
+            <p:ph idx="1"/>
+          </p:nvPr>
+        </p:nvSpPr>
+        <p:spPr/>
+        <p:txBody>
+          <a:bodyPr>
+            <a:normAutofit lnSpcReduction="10000"/>
+          </a:bodyPr>
+          <a:lstStyle/>
+          <a:p>
+            <a:r>
+              <a:rPr lang="en-US" dirty="0" smtClean="0"/>
+              <a:t>Out1 (GFM)</a:t>
+            </a:r>
+          </a:p>
+          <a:p>
+            <a:r>
+              <a:rPr lang="en-US" dirty="0" smtClean="0"/>
+              <a:t>Out2 (Offset)</a:t>
+            </a:r>
+          </a:p>
+          <a:p>
+            <a:r>
+              <a:rPr lang="en-US" dirty="0" smtClean="0"/>
+              <a:t>Out3 (???)</a:t>
+            </a:r>
+          </a:p>
+          <a:p>
+            <a:r>
+              <a:rPr lang="en-US" dirty="0" smtClean="0"/>
+              <a:t>Out4 (Ref. seq.)</a:t>
+            </a:r>
+          </a:p>
+          <a:p>
+            <a:r>
+              <a:rPr lang="en-US" dirty="0" smtClean="0"/>
+              <a:t>Out5 (Local GFMs)</a:t>
+            </a:r>
+          </a:p>
+          <a:p>
+            <a:r>
+              <a:rPr lang="en-US" dirty="0" smtClean="0"/>
+              <a:t>Out6 (Local offsets)</a:t>
+            </a:r>
+          </a:p>
+          <a:p>
+            <a:r>
+              <a:rPr lang="en-US" dirty="0" smtClean="0"/>
+              <a:t>Out7 (SNPs)</a:t>
+            </a:r>
+          </a:p>
+          <a:p>
+            <a:r>
+              <a:rPr lang="en-US" dirty="0" smtClean="0"/>
+              <a:t>Out8 (SNP IDs)</a:t>
+            </a:r>
+            <a:endParaRPr lang="en-US" dirty="0"/>
+          </a:p>
+        </p:txBody>
+      </p:sp>
+      <p:sp>
+        <p:nvSpPr>
+          <p:cNvPr id="10" name="Title 1"/>
+          <p:cNvSpPr>
+            <a:spLocks noGrp="1"/>
+          </p:cNvSpPr>
+          <p:nvPr>
+            <p:ph type="title"/>
+          </p:nvPr>
+        </p:nvSpPr>
+        <p:spPr>
+          <a:xfrm>
+            <a:off x="457200" y="274638"/>
+            <a:ext cx="8229600" cy="1143000"/>
+          </a:xfrm>
+        </p:spPr>
+        <p:txBody>
+          <a:bodyPr/>
+          <a:lstStyle/>
+          <a:p>
+            <a:r>
+              <a:rPr lang="en-US" dirty="0" smtClean="0"/>
+              <a:t>HISAT2 index files</a:t>
+            </a:r>
+            <a:endParaRPr lang="en-US" dirty="0"/>
+          </a:p>
+        </p:txBody>
+      </p:sp>
+    </p:spTree>
+    <p:extLst>
+      <p:ext uri="{BB962C8B-B14F-4D97-AF65-F5344CB8AC3E}">
+        <p14:creationId xmlns:p14="http://schemas.microsoft.com/office/powerpoint/2010/main" val="698994913"/>
+      </p:ext>
+    </p:extLst>
+  </p:cSld>
+  <p:clrMapOvr>
+    <a:masterClrMapping/>
+  </p:clrMapOvr>
+</p:sld>
+</file>
+
+<file path=ppt/slides/slide6.xml><?xml version="1.0" encoding="utf-8"?>
+<p:sld xmlns:a="http://schemas.openxmlformats.org/drawingml/2006/main" xmlns:r="http://schemas.openxmlformats.org/officeDocument/2006/relationships" xmlns:p="http://schemas.openxmlformats.org/presentationml/2006/main">
+  <p:cSld>
+    <p:spTree>
+      <p:nvGrpSpPr>
+        <p:cNvPr id="1" name=""/>
+        <p:cNvGrpSpPr/>
+        <p:nvPr/>
+      </p:nvGrpSpPr>
+      <p:grpSpPr>
+        <a:xfrm>
+          <a:off x="0" y="0"/>
+          <a:ext cx="0" cy="0"/>
+          <a:chOff x="0" y="0"/>
+          <a:chExt cx="0" cy="0"/>
+        </a:xfrm>
+      </p:grpSpPr>
+      <p:sp>
+        <p:nvSpPr>
+          <p:cNvPr id="2" name="Title 1"/>
+          <p:cNvSpPr>
+            <a:spLocks noGrp="1"/>
+          </p:cNvSpPr>
+          <p:nvPr>
+            <p:ph type="title"/>
+          </p:nvPr>
+        </p:nvSpPr>
+        <p:spPr/>
+        <p:txBody>
+          <a:bodyPr/>
+          <a:lstStyle/>
+          <a:p>
+            <a:endParaRPr lang="en-US"/>
+          </a:p>
+        </p:txBody>
+      </p:sp>
+      <p:sp>
+        <p:nvSpPr>
+          <p:cNvPr id="3" name="Content Placeholder 2"/>
+          <p:cNvSpPr>
+            <a:spLocks noGrp="1"/>
+          </p:cNvSpPr>
+          <p:nvPr>
+            <p:ph idx="1"/>
+          </p:nvPr>
+        </p:nvSpPr>
+        <p:spPr/>
+        <p:txBody>
+          <a:bodyPr/>
+          <a:lstStyle/>
+          <a:p>
+            <a:endParaRPr lang="en-US"/>
+          </a:p>
+        </p:txBody>
+      </p:sp>
+    </p:spTree>
+    <p:extLst>
+      <p:ext uri="{BB962C8B-B14F-4D97-AF65-F5344CB8AC3E}">
+        <p14:creationId xmlns:p14="http://schemas.microsoft.com/office/powerpoint/2010/main" val="3688186388"/>
+      </p:ext>
+    </p:extLst>
+  </p:cSld>
+  <p:clrMapOvr>
+    <a:masterClrMapping/>
+  </p:clrMapOvr>
+</p:sld>
+</file>
+
 <file path=ppt/theme/theme1.xml><?xml version="1.0" encoding="utf-8"?>
 <a:theme xmlns:a="http://schemas.openxmlformats.org/drawingml/2006/main" name="Office Theme">
   <a:themeElements>

--- a/hisat2_test/GCSA_paper_example.pptx
+++ b/hisat2_test/GCSA_paper_example.pptx
@@ -10,7 +10,6 @@
     <p:sldId id="263" r:id="rId4"/>
     <p:sldId id="262" r:id="rId5"/>
     <p:sldId id="265" r:id="rId6"/>
-    <p:sldId id="266" r:id="rId7"/>
   </p:sldIdLst>
   <p:sldSz cx="9144000" cy="6858000" type="screen4x3"/>
   <p:notesSz cx="6858000" cy="9144000"/>
@@ -29240,13 +29239,20 @@
         <p:spPr/>
         <p:txBody>
           <a:bodyPr>
-            <a:normAutofit lnSpcReduction="10000"/>
+            <a:normAutofit fontScale="92500" lnSpcReduction="10000"/>
           </a:bodyPr>
           <a:lstStyle/>
           <a:p>
             <a:r>
               <a:rPr lang="en-US" dirty="0" smtClean="0"/>
               <a:t>Out1 (GFM)</a:t>
+            </a:r>
+          </a:p>
+          <a:p>
+            <a:pPr lvl="1"/>
+            <a:r>
+              <a:rPr lang="en-US" dirty="0" smtClean="0"/>
+              <a:t>Ref. names written at the end</a:t>
             </a:r>
           </a:p>
           <a:p>
@@ -29258,7 +29264,7 @@
           <a:p>
             <a:r>
               <a:rPr lang="en-US" dirty="0" smtClean="0"/>
-              <a:t>Out3 (???)</a:t>
+              <a:t>Out3 (Ref. seq. contig information)</a:t>
             </a:r>
           </a:p>
           <a:p>
@@ -29326,74 +29332,6 @@
     <p:extLst>
       <p:ext uri="{BB962C8B-B14F-4D97-AF65-F5344CB8AC3E}">
         <p14:creationId xmlns:p14="http://schemas.microsoft.com/office/powerpoint/2010/main" val="698994913"/>
-      </p:ext>
-    </p:extLst>
-  </p:cSld>
-  <p:clrMapOvr>
-    <a:masterClrMapping/>
-  </p:clrMapOvr>
-</p:sld>
-</file>
-
-<file path=ppt/slides/slide6.xml><?xml version="1.0" encoding="utf-8"?>
-<p:sld xmlns:a="http://schemas.openxmlformats.org/drawingml/2006/main" xmlns:r="http://schemas.openxmlformats.org/officeDocument/2006/relationships" xmlns:p="http://schemas.openxmlformats.org/presentationml/2006/main">
-  <p:cSld>
-    <p:spTree>
-      <p:nvGrpSpPr>
-        <p:cNvPr id="1" name=""/>
-        <p:cNvGrpSpPr/>
-        <p:nvPr/>
-      </p:nvGrpSpPr>
-      <p:grpSpPr>
-        <a:xfrm>
-          <a:off x="0" y="0"/>
-          <a:ext cx="0" cy="0"/>
-          <a:chOff x="0" y="0"/>
-          <a:chExt cx="0" cy="0"/>
-        </a:xfrm>
-      </p:grpSpPr>
-      <p:sp>
-        <p:nvSpPr>
-          <p:cNvPr id="2" name="Title 1"/>
-          <p:cNvSpPr>
-            <a:spLocks noGrp="1"/>
-          </p:cNvSpPr>
-          <p:nvPr>
-            <p:ph type="title"/>
-          </p:nvPr>
-        </p:nvSpPr>
-        <p:spPr/>
-        <p:txBody>
-          <a:bodyPr/>
-          <a:lstStyle/>
-          <a:p>
-            <a:endParaRPr lang="en-US"/>
-          </a:p>
-        </p:txBody>
-      </p:sp>
-      <p:sp>
-        <p:nvSpPr>
-          <p:cNvPr id="3" name="Content Placeholder 2"/>
-          <p:cNvSpPr>
-            <a:spLocks noGrp="1"/>
-          </p:cNvSpPr>
-          <p:nvPr>
-            <p:ph idx="1"/>
-          </p:nvPr>
-        </p:nvSpPr>
-        <p:spPr/>
-        <p:txBody>
-          <a:bodyPr/>
-          <a:lstStyle/>
-          <a:p>
-            <a:endParaRPr lang="en-US"/>
-          </a:p>
-        </p:txBody>
-      </p:sp>
-    </p:spTree>
-    <p:extLst>
-      <p:ext uri="{BB962C8B-B14F-4D97-AF65-F5344CB8AC3E}">
-        <p14:creationId xmlns:p14="http://schemas.microsoft.com/office/powerpoint/2010/main" val="3688186388"/>
       </p:ext>
     </p:extLst>
   </p:cSld>

--- a/hisat2_test/GCSA_paper_example.pptx
+++ b/hisat2_test/GCSA_paper_example.pptx
@@ -10,6 +10,7 @@
     <p:sldId id="263" r:id="rId4"/>
     <p:sldId id="262" r:id="rId5"/>
     <p:sldId id="265" r:id="rId6"/>
+    <p:sldId id="266" r:id="rId7"/>
   </p:sldIdLst>
   <p:sldSz cx="9144000" cy="6858000" type="screen4x3"/>
   <p:notesSz cx="6858000" cy="9144000"/>
@@ -292,7 +293,7 @@
           <a:p>
             <a:fld id="{FA0EBC18-7907-1F45-BE8D-CA697DC3E666}" type="datetimeFigureOut">
               <a:rPr lang="en-US" smtClean="0"/>
-              <a:t>5/30/15</a:t>
+              <a:t>6/16/15</a:t>
             </a:fld>
             <a:endParaRPr lang="en-US"/>
           </a:p>
@@ -462,7 +463,7 @@
           <a:p>
             <a:fld id="{FA0EBC18-7907-1F45-BE8D-CA697DC3E666}" type="datetimeFigureOut">
               <a:rPr lang="en-US" smtClean="0"/>
-              <a:t>5/30/15</a:t>
+              <a:t>6/16/15</a:t>
             </a:fld>
             <a:endParaRPr lang="en-US"/>
           </a:p>
@@ -642,7 +643,7 @@
           <a:p>
             <a:fld id="{FA0EBC18-7907-1F45-BE8D-CA697DC3E666}" type="datetimeFigureOut">
               <a:rPr lang="en-US" smtClean="0"/>
-              <a:t>5/30/15</a:t>
+              <a:t>6/16/15</a:t>
             </a:fld>
             <a:endParaRPr lang="en-US"/>
           </a:p>
@@ -812,7 +813,7 @@
           <a:p>
             <a:fld id="{FA0EBC18-7907-1F45-BE8D-CA697DC3E666}" type="datetimeFigureOut">
               <a:rPr lang="en-US" smtClean="0"/>
-              <a:t>5/30/15</a:t>
+              <a:t>6/16/15</a:t>
             </a:fld>
             <a:endParaRPr lang="en-US"/>
           </a:p>
@@ -1058,7 +1059,7 @@
           <a:p>
             <a:fld id="{FA0EBC18-7907-1F45-BE8D-CA697DC3E666}" type="datetimeFigureOut">
               <a:rPr lang="en-US" smtClean="0"/>
-              <a:t>5/30/15</a:t>
+              <a:t>6/16/15</a:t>
             </a:fld>
             <a:endParaRPr lang="en-US"/>
           </a:p>
@@ -1346,7 +1347,7 @@
           <a:p>
             <a:fld id="{FA0EBC18-7907-1F45-BE8D-CA697DC3E666}" type="datetimeFigureOut">
               <a:rPr lang="en-US" smtClean="0"/>
-              <a:t>5/30/15</a:t>
+              <a:t>6/16/15</a:t>
             </a:fld>
             <a:endParaRPr lang="en-US"/>
           </a:p>
@@ -1768,7 +1769,7 @@
           <a:p>
             <a:fld id="{FA0EBC18-7907-1F45-BE8D-CA697DC3E666}" type="datetimeFigureOut">
               <a:rPr lang="en-US" smtClean="0"/>
-              <a:t>5/30/15</a:t>
+              <a:t>6/16/15</a:t>
             </a:fld>
             <a:endParaRPr lang="en-US"/>
           </a:p>
@@ -1886,7 +1887,7 @@
           <a:p>
             <a:fld id="{FA0EBC18-7907-1F45-BE8D-CA697DC3E666}" type="datetimeFigureOut">
               <a:rPr lang="en-US" smtClean="0"/>
-              <a:t>5/30/15</a:t>
+              <a:t>6/16/15</a:t>
             </a:fld>
             <a:endParaRPr lang="en-US"/>
           </a:p>
@@ -1981,7 +1982,7 @@
           <a:p>
             <a:fld id="{FA0EBC18-7907-1F45-BE8D-CA697DC3E666}" type="datetimeFigureOut">
               <a:rPr lang="en-US" smtClean="0"/>
-              <a:t>5/30/15</a:t>
+              <a:t>6/16/15</a:t>
             </a:fld>
             <a:endParaRPr lang="en-US"/>
           </a:p>
@@ -2258,7 +2259,7 @@
           <a:p>
             <a:fld id="{FA0EBC18-7907-1F45-BE8D-CA697DC3E666}" type="datetimeFigureOut">
               <a:rPr lang="en-US" smtClean="0"/>
-              <a:t>5/30/15</a:t>
+              <a:t>6/16/15</a:t>
             </a:fld>
             <a:endParaRPr lang="en-US"/>
           </a:p>
@@ -2511,7 +2512,7 @@
           <a:p>
             <a:fld id="{FA0EBC18-7907-1F45-BE8D-CA697DC3E666}" type="datetimeFigureOut">
               <a:rPr lang="en-US" smtClean="0"/>
-              <a:t>5/30/15</a:t>
+              <a:t>6/16/15</a:t>
             </a:fld>
             <a:endParaRPr lang="en-US"/>
           </a:p>
@@ -2724,7 +2725,7 @@
           <a:p>
             <a:fld id="{FA0EBC18-7907-1F45-BE8D-CA697DC3E666}" type="datetimeFigureOut">
               <a:rPr lang="en-US" smtClean="0"/>
-              <a:t>5/30/15</a:t>
+              <a:t>6/16/15</a:t>
             </a:fld>
             <a:endParaRPr lang="en-US"/>
           </a:p>
@@ -7478,11 +7479,6 @@
               </a:rPr>
               <a:t>12</a:t>
             </a:r>
-            <a:endParaRPr lang="en-US" altLang="ko-KR" sz="1000" dirty="0" smtClean="0">
-              <a:solidFill>
-                <a:srgbClr val="0000FF"/>
-              </a:solidFill>
-            </a:endParaRPr>
           </a:p>
         </p:txBody>
       </p:sp>
@@ -7516,11 +7512,6 @@
               </a:rPr>
               <a:t>9</a:t>
             </a:r>
-            <a:endParaRPr lang="en-US" altLang="ko-KR" sz="1000" dirty="0" smtClean="0">
-              <a:solidFill>
-                <a:srgbClr val="0000FF"/>
-              </a:solidFill>
-            </a:endParaRPr>
           </a:p>
         </p:txBody>
       </p:sp>
@@ -7554,11 +7545,6 @@
               </a:rPr>
               <a:t>14</a:t>
             </a:r>
-            <a:endParaRPr lang="en-US" altLang="ko-KR" sz="1000" dirty="0" smtClean="0">
-              <a:solidFill>
-                <a:srgbClr val="0000FF"/>
-              </a:solidFill>
-            </a:endParaRPr>
           </a:p>
         </p:txBody>
       </p:sp>
@@ -7592,11 +7578,6 @@
               </a:rPr>
               <a:t>11</a:t>
             </a:r>
-            <a:endParaRPr lang="en-US" altLang="ko-KR" sz="1000" dirty="0" smtClean="0">
-              <a:solidFill>
-                <a:srgbClr val="0000FF"/>
-              </a:solidFill>
-            </a:endParaRPr>
           </a:p>
         </p:txBody>
       </p:sp>
@@ -10962,15 +10943,7 @@
                   <a:srgbClr val="660066"/>
                 </a:solidFill>
               </a:rPr>
-              <a:t>A(CTG|</a:t>
-            </a:r>
-            <a:r>
-              <a:rPr lang="en-US" sz="1000" dirty="0" smtClean="0">
-                <a:solidFill>
-                  <a:srgbClr val="660066"/>
-                </a:solidFill>
-              </a:rPr>
-              <a:t>GZ)</a:t>
+              <a:t>A(CTG|GZ)</a:t>
             </a:r>
             <a:endParaRPr lang="en-US" sz="1000" dirty="0">
               <a:solidFill>
@@ -15093,11 +15066,6 @@
               </a:rPr>
               <a:t>12</a:t>
             </a:r>
-            <a:endParaRPr lang="en-US" altLang="ko-KR" sz="1000" dirty="0" smtClean="0">
-              <a:solidFill>
-                <a:srgbClr val="0000FF"/>
-              </a:solidFill>
-            </a:endParaRPr>
           </a:p>
         </p:txBody>
       </p:sp>
@@ -15131,11 +15099,6 @@
               </a:rPr>
               <a:t>9</a:t>
             </a:r>
-            <a:endParaRPr lang="en-US" altLang="ko-KR" sz="1000" dirty="0" smtClean="0">
-              <a:solidFill>
-                <a:srgbClr val="0000FF"/>
-              </a:solidFill>
-            </a:endParaRPr>
           </a:p>
         </p:txBody>
       </p:sp>
@@ -15169,11 +15132,6 @@
               </a:rPr>
               <a:t>13</a:t>
             </a:r>
-            <a:endParaRPr lang="en-US" altLang="ko-KR" sz="1000" dirty="0" smtClean="0">
-              <a:solidFill>
-                <a:srgbClr val="0000FF"/>
-              </a:solidFill>
-            </a:endParaRPr>
           </a:p>
         </p:txBody>
       </p:sp>
@@ -15207,11 +15165,6 @@
               </a:rPr>
               <a:t>11</a:t>
             </a:r>
-            <a:endParaRPr lang="en-US" altLang="ko-KR" sz="1000" dirty="0" smtClean="0">
-              <a:solidFill>
-                <a:srgbClr val="0000FF"/>
-              </a:solidFill>
-            </a:endParaRPr>
           </a:p>
         </p:txBody>
       </p:sp>
@@ -19421,15 +19374,7 @@
                   <a:srgbClr val="660066"/>
                 </a:solidFill>
               </a:rPr>
-              <a:t>A(CTG|</a:t>
-            </a:r>
-            <a:r>
-              <a:rPr lang="en-US" sz="1000" dirty="0" smtClean="0">
-                <a:solidFill>
-                  <a:srgbClr val="660066"/>
-                </a:solidFill>
-              </a:rPr>
-              <a:t>GZ)</a:t>
+              <a:t>A(CTG|GZ)</a:t>
             </a:r>
             <a:endParaRPr lang="en-US" sz="1000" dirty="0">
               <a:solidFill>
@@ -29341,6 +29286,157 @@
 </p:sld>
 </file>
 
+<file path=ppt/slides/slide6.xml><?xml version="1.0" encoding="utf-8"?>
+<p:sld xmlns:a="http://schemas.openxmlformats.org/drawingml/2006/main" xmlns:r="http://schemas.openxmlformats.org/officeDocument/2006/relationships" xmlns:p="http://schemas.openxmlformats.org/presentationml/2006/main">
+  <p:cSld>
+    <p:spTree>
+      <p:nvGrpSpPr>
+        <p:cNvPr id="1" name=""/>
+        <p:cNvGrpSpPr/>
+        <p:nvPr/>
+      </p:nvGrpSpPr>
+      <p:grpSpPr>
+        <a:xfrm>
+          <a:off x="0" y="0"/>
+          <a:ext cx="0" cy="0"/>
+          <a:chOff x="0" y="0"/>
+          <a:chExt cx="0" cy="0"/>
+        </a:xfrm>
+      </p:grpSpPr>
+      <p:sp>
+        <p:nvSpPr>
+          <p:cNvPr id="2" name="Title 1"/>
+          <p:cNvSpPr>
+            <a:spLocks noGrp="1"/>
+          </p:cNvSpPr>
+          <p:nvPr>
+            <p:ph type="title"/>
+          </p:nvPr>
+        </p:nvSpPr>
+        <p:spPr/>
+        <p:txBody>
+          <a:bodyPr/>
+          <a:lstStyle/>
+          <a:p>
+            <a:endParaRPr lang="en-US"/>
+          </a:p>
+        </p:txBody>
+      </p:sp>
+      <p:sp>
+        <p:nvSpPr>
+          <p:cNvPr id="3" name="Content Placeholder 2"/>
+          <p:cNvSpPr>
+            <a:spLocks noGrp="1"/>
+          </p:cNvSpPr>
+          <p:nvPr>
+            <p:ph idx="1"/>
+          </p:nvPr>
+        </p:nvSpPr>
+        <p:spPr/>
+        <p:txBody>
+          <a:bodyPr/>
+          <a:lstStyle/>
+          <a:p>
+            <a:r>
+              <a:rPr lang="en-US" dirty="0" smtClean="0"/>
+              <a:t>Igm4, -p 4, 273GB, 5 hours 33 minutes</a:t>
+            </a:r>
+          </a:p>
+          <a:p>
+            <a:r>
+              <a:rPr lang="en-US" dirty="0" smtClean="0"/>
+              <a:t>Index size: 6.2GB, Memory usage: 6.9GB</a:t>
+            </a:r>
+          </a:p>
+          <a:p>
+            <a:r>
+              <a:rPr lang="en-US" dirty="0"/>
+              <a:t>Number of nodes: </a:t>
+            </a:r>
+            <a:r>
+              <a:rPr lang="en-US" dirty="0" smtClean="0"/>
+              <a:t>3,153,850,525</a:t>
+            </a:r>
+          </a:p>
+          <a:p>
+            <a:r>
+              <a:rPr lang="en-US" dirty="0" smtClean="0"/>
+              <a:t>Number of edges </a:t>
+            </a:r>
+            <a:r>
+              <a:rPr lang="en-US" dirty="0"/>
+              <a:t>(GBWTs): </a:t>
+            </a:r>
+            <a:r>
+              <a:rPr lang="en-US" dirty="0" smtClean="0"/>
+              <a:t>3,166,831,929</a:t>
+            </a:r>
+          </a:p>
+          <a:p>
+            <a:r>
+              <a:rPr lang="en-US" dirty="0"/>
+              <a:t>Number of SNPs: </a:t>
+            </a:r>
+            <a:r>
+              <a:rPr lang="en-US" dirty="0" smtClean="0"/>
+              <a:t>12,360,648</a:t>
+            </a:r>
+          </a:p>
+          <a:p>
+            <a:pPr lvl="1"/>
+            <a:r>
+              <a:rPr lang="en-US" dirty="0"/>
+              <a:t>Single: </a:t>
+            </a:r>
+            <a:r>
+              <a:rPr lang="en-US" dirty="0" smtClean="0"/>
+              <a:t>11,076,904</a:t>
+            </a:r>
+          </a:p>
+          <a:p>
+            <a:pPr lvl="1"/>
+            <a:r>
+              <a:rPr lang="en-US" dirty="0" smtClean="0"/>
+              <a:t>Deletion</a:t>
+            </a:r>
+            <a:r>
+              <a:rPr lang="en-US" dirty="0"/>
+              <a:t>: </a:t>
+            </a:r>
+            <a:r>
+              <a:rPr lang="en-US" dirty="0" smtClean="0"/>
+              <a:t>728,145</a:t>
+            </a:r>
+          </a:p>
+          <a:p>
+            <a:pPr lvl="1"/>
+            <a:r>
+              <a:rPr lang="en-US" dirty="0"/>
+              <a:t>Insertion: </a:t>
+            </a:r>
+            <a:r>
+              <a:rPr lang="en-US" dirty="0" smtClean="0"/>
+              <a:t>555,599</a:t>
+            </a:r>
+          </a:p>
+          <a:p>
+            <a:endParaRPr lang="en-US" dirty="0"/>
+          </a:p>
+        </p:txBody>
+      </p:sp>
+    </p:spTree>
+    <p:extLst>
+      <p:ext uri="{BB962C8B-B14F-4D97-AF65-F5344CB8AC3E}">
+        <p14:creationId xmlns:p14="http://schemas.microsoft.com/office/powerpoint/2010/main" val="556253751"/>
+      </p:ext>
+    </p:extLst>
+  </p:cSld>
+  <p:clrMapOvr>
+    <a:masterClrMapping/>
+  </p:clrMapOvr>
+</p:sld>
+</file>
+
 <file path=ppt/theme/theme1.xml><?xml version="1.0" encoding="utf-8"?>
 <a:theme xmlns:a="http://schemas.openxmlformats.org/drawingml/2006/main" name="Office Theme">
   <a:themeElements>
